--- a/assets/documents/GAB_Theme.thmx.pptx
+++ b/assets/documents/GAB_Theme.thmx.pptx
@@ -11,9 +11,17 @@
     <p:sldMasterId id="2147484429" r:id="rId7"/>
     <p:sldMasterId id="2147484452" r:id="rId8"/>
   </p:sldMasterIdLst>
+  <p:notesMasterIdLst>
+    <p:notesMasterId r:id="rId16"/>
+  </p:notesMasterIdLst>
   <p:sldIdLst>
     <p:sldId id="256" r:id="rId9"/>
-    <p:sldId id="257" r:id="rId10"/>
+    <p:sldId id="258" r:id="rId10"/>
+    <p:sldId id="261" r:id="rId11"/>
+    <p:sldId id="259" r:id="rId12"/>
+    <p:sldId id="262" r:id="rId13"/>
+    <p:sldId id="263" r:id="rId14"/>
+    <p:sldId id="264" r:id="rId15"/>
   </p:sldIdLst>
   <p:sldSz cx="12436475" cy="6994525"/>
   <p:notesSz cx="6858000" cy="9144000"/>
@@ -134,6 +142,440 @@
 </p:presentation>
 </file>
 
+<file path=ppt/notesMasters/notesMaster1.xml><?xml version="1.0" encoding="utf-8"?>
+<p:notesMaster xmlns:a="http://schemas.openxmlformats.org/drawingml/2006/main" xmlns:r="http://schemas.openxmlformats.org/officeDocument/2006/relationships" xmlns:p="http://schemas.openxmlformats.org/presentationml/2006/main">
+  <p:cSld>
+    <p:bg>
+      <p:bgRef idx="1001">
+        <a:schemeClr val="bg1"/>
+      </p:bgRef>
+    </p:bg>
+    <p:spTree>
+      <p:nvGrpSpPr>
+        <p:cNvPr id="1" name=""/>
+        <p:cNvGrpSpPr/>
+        <p:nvPr/>
+      </p:nvGrpSpPr>
+      <p:grpSpPr>
+        <a:xfrm>
+          <a:off x="0" y="0"/>
+          <a:ext cx="0" cy="0"/>
+          <a:chOff x="0" y="0"/>
+          <a:chExt cx="0" cy="0"/>
+        </a:xfrm>
+      </p:grpSpPr>
+      <p:sp>
+        <p:nvSpPr>
+          <p:cNvPr id="2" name="Header Placeholder 1"/>
+          <p:cNvSpPr>
+            <a:spLocks noGrp="1"/>
+          </p:cNvSpPr>
+          <p:nvPr>
+            <p:ph type="hdr" sz="quarter"/>
+          </p:nvPr>
+        </p:nvSpPr>
+        <p:spPr>
+          <a:xfrm>
+            <a:off x="0" y="0"/>
+            <a:ext cx="2971800" cy="458788"/>
+          </a:xfrm>
+          <a:prstGeom prst="rect">
+            <a:avLst/>
+          </a:prstGeom>
+        </p:spPr>
+        <p:txBody>
+          <a:bodyPr vert="horz" lIns="91440" tIns="45720" rIns="91440" bIns="45720" rtlCol="0"/>
+          <a:lstStyle>
+            <a:lvl1pPr algn="l">
+              <a:defRPr sz="1200"/>
+            </a:lvl1pPr>
+          </a:lstStyle>
+          <a:p>
+            <a:endParaRPr lang="en-IN"/>
+          </a:p>
+        </p:txBody>
+      </p:sp>
+      <p:sp>
+        <p:nvSpPr>
+          <p:cNvPr id="3" name="Date Placeholder 2"/>
+          <p:cNvSpPr>
+            <a:spLocks noGrp="1"/>
+          </p:cNvSpPr>
+          <p:nvPr>
+            <p:ph type="dt" idx="1"/>
+          </p:nvPr>
+        </p:nvSpPr>
+        <p:spPr>
+          <a:xfrm>
+            <a:off x="3884613" y="0"/>
+            <a:ext cx="2971800" cy="458788"/>
+          </a:xfrm>
+          <a:prstGeom prst="rect">
+            <a:avLst/>
+          </a:prstGeom>
+        </p:spPr>
+        <p:txBody>
+          <a:bodyPr vert="horz" lIns="91440" tIns="45720" rIns="91440" bIns="45720" rtlCol="0"/>
+          <a:lstStyle>
+            <a:lvl1pPr algn="r">
+              <a:defRPr sz="1200"/>
+            </a:lvl1pPr>
+          </a:lstStyle>
+          <a:p>
+            <a:fld id="{23EF6483-3AFD-4590-B706-FDEE3DBB7323}" type="datetimeFigureOut">
+              <a:rPr lang="en-IN" smtClean="0"/>
+              <a:t>19-04-2018</a:t>
+            </a:fld>
+            <a:endParaRPr lang="en-IN"/>
+          </a:p>
+        </p:txBody>
+      </p:sp>
+      <p:sp>
+        <p:nvSpPr>
+          <p:cNvPr id="4" name="Slide Image Placeholder 3"/>
+          <p:cNvSpPr>
+            <a:spLocks noGrp="1" noRot="1" noChangeAspect="1"/>
+          </p:cNvSpPr>
+          <p:nvPr>
+            <p:ph type="sldImg" idx="2"/>
+          </p:nvPr>
+        </p:nvSpPr>
+        <p:spPr>
+          <a:xfrm>
+            <a:off x="685800" y="1143000"/>
+            <a:ext cx="5486400" cy="3086100"/>
+          </a:xfrm>
+          <a:prstGeom prst="rect">
+            <a:avLst/>
+          </a:prstGeom>
+          <a:noFill/>
+          <a:ln w="12700">
+            <a:solidFill>
+              <a:prstClr val="black"/>
+            </a:solidFill>
+          </a:ln>
+        </p:spPr>
+        <p:txBody>
+          <a:bodyPr vert="horz" lIns="91440" tIns="45720" rIns="91440" bIns="45720" rtlCol="0" anchor="ctr"/>
+          <a:lstStyle/>
+          <a:p>
+            <a:endParaRPr lang="en-IN"/>
+          </a:p>
+        </p:txBody>
+      </p:sp>
+      <p:sp>
+        <p:nvSpPr>
+          <p:cNvPr id="5" name="Notes Placeholder 4"/>
+          <p:cNvSpPr>
+            <a:spLocks noGrp="1"/>
+          </p:cNvSpPr>
+          <p:nvPr>
+            <p:ph type="body" sz="quarter" idx="3"/>
+          </p:nvPr>
+        </p:nvSpPr>
+        <p:spPr>
+          <a:xfrm>
+            <a:off x="685800" y="4400550"/>
+            <a:ext cx="5486400" cy="3600450"/>
+          </a:xfrm>
+          <a:prstGeom prst="rect">
+            <a:avLst/>
+          </a:prstGeom>
+        </p:spPr>
+        <p:txBody>
+          <a:bodyPr vert="horz" lIns="91440" tIns="45720" rIns="91440" bIns="45720" rtlCol="0"/>
+          <a:lstStyle/>
+          <a:p>
+            <a:pPr lvl="0"/>
+            <a:r>
+              <a:rPr lang="en-US" smtClean="0"/>
+              <a:t>Edit Master text styles</a:t>
+            </a:r>
+          </a:p>
+          <a:p>
+            <a:pPr lvl="1"/>
+            <a:r>
+              <a:rPr lang="en-US" smtClean="0"/>
+              <a:t>Second level</a:t>
+            </a:r>
+          </a:p>
+          <a:p>
+            <a:pPr lvl="2"/>
+            <a:r>
+              <a:rPr lang="en-US" smtClean="0"/>
+              <a:t>Third level</a:t>
+            </a:r>
+          </a:p>
+          <a:p>
+            <a:pPr lvl="3"/>
+            <a:r>
+              <a:rPr lang="en-US" smtClean="0"/>
+              <a:t>Fourth level</a:t>
+            </a:r>
+          </a:p>
+          <a:p>
+            <a:pPr lvl="4"/>
+            <a:r>
+              <a:rPr lang="en-US" smtClean="0"/>
+              <a:t>Fifth level</a:t>
+            </a:r>
+            <a:endParaRPr lang="en-IN"/>
+          </a:p>
+        </p:txBody>
+      </p:sp>
+      <p:sp>
+        <p:nvSpPr>
+          <p:cNvPr id="6" name="Footer Placeholder 5"/>
+          <p:cNvSpPr>
+            <a:spLocks noGrp="1"/>
+          </p:cNvSpPr>
+          <p:nvPr>
+            <p:ph type="ftr" sz="quarter" idx="4"/>
+          </p:nvPr>
+        </p:nvSpPr>
+        <p:spPr>
+          <a:xfrm>
+            <a:off x="0" y="8685213"/>
+            <a:ext cx="2971800" cy="458787"/>
+          </a:xfrm>
+          <a:prstGeom prst="rect">
+            <a:avLst/>
+          </a:prstGeom>
+        </p:spPr>
+        <p:txBody>
+          <a:bodyPr vert="horz" lIns="91440" tIns="45720" rIns="91440" bIns="45720" rtlCol="0" anchor="b"/>
+          <a:lstStyle>
+            <a:lvl1pPr algn="l">
+              <a:defRPr sz="1200"/>
+            </a:lvl1pPr>
+          </a:lstStyle>
+          <a:p>
+            <a:endParaRPr lang="en-IN"/>
+          </a:p>
+        </p:txBody>
+      </p:sp>
+      <p:sp>
+        <p:nvSpPr>
+          <p:cNvPr id="7" name="Slide Number Placeholder 6"/>
+          <p:cNvSpPr>
+            <a:spLocks noGrp="1"/>
+          </p:cNvSpPr>
+          <p:nvPr>
+            <p:ph type="sldNum" sz="quarter" idx="5"/>
+          </p:nvPr>
+        </p:nvSpPr>
+        <p:spPr>
+          <a:xfrm>
+            <a:off x="3884613" y="8685213"/>
+            <a:ext cx="2971800" cy="458787"/>
+          </a:xfrm>
+          <a:prstGeom prst="rect">
+            <a:avLst/>
+          </a:prstGeom>
+        </p:spPr>
+        <p:txBody>
+          <a:bodyPr vert="horz" lIns="91440" tIns="45720" rIns="91440" bIns="45720" rtlCol="0" anchor="b"/>
+          <a:lstStyle>
+            <a:lvl1pPr algn="r">
+              <a:defRPr sz="1200"/>
+            </a:lvl1pPr>
+          </a:lstStyle>
+          <a:p>
+            <a:fld id="{3E043E93-E3DE-4110-BE12-6F10F6040FD8}" type="slidenum">
+              <a:rPr lang="en-IN" smtClean="0"/>
+              <a:t>‹#›</a:t>
+            </a:fld>
+            <a:endParaRPr lang="en-IN"/>
+          </a:p>
+        </p:txBody>
+      </p:sp>
+    </p:spTree>
+    <p:extLst>
+      <p:ext uri="{BB962C8B-B14F-4D97-AF65-F5344CB8AC3E}">
+        <p14:creationId xmlns:p14="http://schemas.microsoft.com/office/powerpoint/2010/main" val="2118136649"/>
+      </p:ext>
+    </p:extLst>
+  </p:cSld>
+  <p:clrMap bg1="lt1" tx1="dk1" bg2="lt2" tx2="dk2" accent1="accent1" accent2="accent2" accent3="accent3" accent4="accent4" accent5="accent5" accent6="accent6" hlink="hlink" folHlink="folHlink"/>
+  <p:notesStyle>
+    <a:lvl1pPr marL="0" algn="l" defTabSz="914400" rtl="0" eaLnBrk="1" latinLnBrk="0" hangingPunct="1">
+      <a:defRPr sz="1200" kern="1200">
+        <a:solidFill>
+          <a:schemeClr val="tx1"/>
+        </a:solidFill>
+        <a:latin typeface="+mn-lt"/>
+        <a:ea typeface="+mn-ea"/>
+        <a:cs typeface="+mn-cs"/>
+      </a:defRPr>
+    </a:lvl1pPr>
+    <a:lvl2pPr marL="457200" algn="l" defTabSz="914400" rtl="0" eaLnBrk="1" latinLnBrk="0" hangingPunct="1">
+      <a:defRPr sz="1200" kern="1200">
+        <a:solidFill>
+          <a:schemeClr val="tx1"/>
+        </a:solidFill>
+        <a:latin typeface="+mn-lt"/>
+        <a:ea typeface="+mn-ea"/>
+        <a:cs typeface="+mn-cs"/>
+      </a:defRPr>
+    </a:lvl2pPr>
+    <a:lvl3pPr marL="914400" algn="l" defTabSz="914400" rtl="0" eaLnBrk="1" latinLnBrk="0" hangingPunct="1">
+      <a:defRPr sz="1200" kern="1200">
+        <a:solidFill>
+          <a:schemeClr val="tx1"/>
+        </a:solidFill>
+        <a:latin typeface="+mn-lt"/>
+        <a:ea typeface="+mn-ea"/>
+        <a:cs typeface="+mn-cs"/>
+      </a:defRPr>
+    </a:lvl3pPr>
+    <a:lvl4pPr marL="1371600" algn="l" defTabSz="914400" rtl="0" eaLnBrk="1" latinLnBrk="0" hangingPunct="1">
+      <a:defRPr sz="1200" kern="1200">
+        <a:solidFill>
+          <a:schemeClr val="tx1"/>
+        </a:solidFill>
+        <a:latin typeface="+mn-lt"/>
+        <a:ea typeface="+mn-ea"/>
+        <a:cs typeface="+mn-cs"/>
+      </a:defRPr>
+    </a:lvl4pPr>
+    <a:lvl5pPr marL="1828800" algn="l" defTabSz="914400" rtl="0" eaLnBrk="1" latinLnBrk="0" hangingPunct="1">
+      <a:defRPr sz="1200" kern="1200">
+        <a:solidFill>
+          <a:schemeClr val="tx1"/>
+        </a:solidFill>
+        <a:latin typeface="+mn-lt"/>
+        <a:ea typeface="+mn-ea"/>
+        <a:cs typeface="+mn-cs"/>
+      </a:defRPr>
+    </a:lvl5pPr>
+    <a:lvl6pPr marL="2286000" algn="l" defTabSz="914400" rtl="0" eaLnBrk="1" latinLnBrk="0" hangingPunct="1">
+      <a:defRPr sz="1200" kern="1200">
+        <a:solidFill>
+          <a:schemeClr val="tx1"/>
+        </a:solidFill>
+        <a:latin typeface="+mn-lt"/>
+        <a:ea typeface="+mn-ea"/>
+        <a:cs typeface="+mn-cs"/>
+      </a:defRPr>
+    </a:lvl6pPr>
+    <a:lvl7pPr marL="2743200" algn="l" defTabSz="914400" rtl="0" eaLnBrk="1" latinLnBrk="0" hangingPunct="1">
+      <a:defRPr sz="1200" kern="1200">
+        <a:solidFill>
+          <a:schemeClr val="tx1"/>
+        </a:solidFill>
+        <a:latin typeface="+mn-lt"/>
+        <a:ea typeface="+mn-ea"/>
+        <a:cs typeface="+mn-cs"/>
+      </a:defRPr>
+    </a:lvl7pPr>
+    <a:lvl8pPr marL="3200400" algn="l" defTabSz="914400" rtl="0" eaLnBrk="1" latinLnBrk="0" hangingPunct="1">
+      <a:defRPr sz="1200" kern="1200">
+        <a:solidFill>
+          <a:schemeClr val="tx1"/>
+        </a:solidFill>
+        <a:latin typeface="+mn-lt"/>
+        <a:ea typeface="+mn-ea"/>
+        <a:cs typeface="+mn-cs"/>
+      </a:defRPr>
+    </a:lvl8pPr>
+    <a:lvl9pPr marL="3657600" algn="l" defTabSz="914400" rtl="0" eaLnBrk="1" latinLnBrk="0" hangingPunct="1">
+      <a:defRPr sz="1200" kern="1200">
+        <a:solidFill>
+          <a:schemeClr val="tx1"/>
+        </a:solidFill>
+        <a:latin typeface="+mn-lt"/>
+        <a:ea typeface="+mn-ea"/>
+        <a:cs typeface="+mn-cs"/>
+      </a:defRPr>
+    </a:lvl9pPr>
+  </p:notesStyle>
+</p:notesMaster>
+</file>
+
+<file path=ppt/notesSlides/notesSlide1.xml><?xml version="1.0" encoding="utf-8"?>
+<p:notes xmlns:a="http://schemas.openxmlformats.org/drawingml/2006/main" xmlns:r="http://schemas.openxmlformats.org/officeDocument/2006/relationships" xmlns:p="http://schemas.openxmlformats.org/presentationml/2006/main">
+  <p:cSld>
+    <p:spTree>
+      <p:nvGrpSpPr>
+        <p:cNvPr id="1" name=""/>
+        <p:cNvGrpSpPr/>
+        <p:nvPr/>
+      </p:nvGrpSpPr>
+      <p:grpSpPr>
+        <a:xfrm>
+          <a:off x="0" y="0"/>
+          <a:ext cx="0" cy="0"/>
+          <a:chOff x="0" y="0"/>
+          <a:chExt cx="0" cy="0"/>
+        </a:xfrm>
+      </p:grpSpPr>
+      <p:sp>
+        <p:nvSpPr>
+          <p:cNvPr id="2" name="Slide Image Placeholder 1"/>
+          <p:cNvSpPr>
+            <a:spLocks noGrp="1" noRot="1" noChangeAspect="1"/>
+          </p:cNvSpPr>
+          <p:nvPr>
+            <p:ph type="sldImg"/>
+          </p:nvPr>
+        </p:nvSpPr>
+        <p:spPr/>
+      </p:sp>
+      <p:sp>
+        <p:nvSpPr>
+          <p:cNvPr id="3" name="Notes Placeholder 2"/>
+          <p:cNvSpPr>
+            <a:spLocks noGrp="1"/>
+          </p:cNvSpPr>
+          <p:nvPr>
+            <p:ph type="body" idx="1"/>
+          </p:nvPr>
+        </p:nvSpPr>
+        <p:spPr/>
+        <p:txBody>
+          <a:bodyPr/>
+          <a:lstStyle/>
+          <a:p>
+            <a:endParaRPr lang="en-US"/>
+          </a:p>
+        </p:txBody>
+      </p:sp>
+      <p:sp>
+        <p:nvSpPr>
+          <p:cNvPr id="4" name="Slide Number Placeholder 3"/>
+          <p:cNvSpPr>
+            <a:spLocks noGrp="1"/>
+          </p:cNvSpPr>
+          <p:nvPr>
+            <p:ph type="sldNum" sz="quarter" idx="10"/>
+          </p:nvPr>
+        </p:nvSpPr>
+        <p:spPr/>
+        <p:txBody>
+          <a:bodyPr/>
+          <a:lstStyle/>
+          <a:p>
+            <a:fld id="{0DBB4822-08FA-4ACE-A0FE-23159A244C4B}" type="slidenum">
+              <a:rPr lang="en-US" smtClean="0"/>
+              <a:t>2</a:t>
+            </a:fld>
+            <a:endParaRPr lang="en-US"/>
+          </a:p>
+        </p:txBody>
+      </p:sp>
+    </p:spTree>
+    <p:extLst>
+      <p:ext uri="{BB962C8B-B14F-4D97-AF65-F5344CB8AC3E}">
+        <p14:creationId xmlns:p14="http://schemas.microsoft.com/office/powerpoint/2010/main" val="3745014072"/>
+      </p:ext>
+    </p:extLst>
+  </p:cSld>
+  <p:clrMapOvr>
+    <a:masterClrMapping/>
+  </p:clrMapOvr>
+</p:notes>
+</file>
+
 <file path=ppt/slideLayouts/slideLayout1.xml><?xml version="1.0" encoding="utf-8"?>
 <p:sldLayout xmlns:a="http://schemas.openxmlformats.org/drawingml/2006/main" xmlns:r="http://schemas.openxmlformats.org/officeDocument/2006/relationships" xmlns:p="http://schemas.openxmlformats.org/presentationml/2006/main" preserve="1">
   <p:cSld name="Title Slide">
@@ -499,6 +941,36 @@
           </a:p>
         </p:txBody>
       </p:sp>
+      <p:pic>
+        <p:nvPicPr>
+          <p:cNvPr id="3" name="Picture 2"/>
+          <p:cNvPicPr>
+            <a:picLocks noChangeAspect="1"/>
+          </p:cNvPicPr>
+          <p:nvPr userDrawn="1"/>
+        </p:nvPicPr>
+        <p:blipFill>
+          <a:blip r:embed="rId2">
+            <a:extLst>
+              <a:ext uri="{28A0092B-C50C-407E-A947-70E740481C1C}">
+                <a14:useLocalDpi xmlns:a14="http://schemas.microsoft.com/office/drawing/2010/main" val="0"/>
+              </a:ext>
+            </a:extLst>
+          </a:blip>
+          <a:stretch>
+            <a:fillRect/>
+          </a:stretch>
+        </p:blipFill>
+        <p:spPr>
+          <a:xfrm>
+            <a:off x="274701" y="5953766"/>
+            <a:ext cx="952583" cy="845893"/>
+          </a:xfrm>
+          <a:prstGeom prst="rect">
+            <a:avLst/>
+          </a:prstGeom>
+        </p:spPr>
+      </p:pic>
     </p:spTree>
     <p:extLst>
       <p:ext uri="{BB962C8B-B14F-4D97-AF65-F5344CB8AC3E}">
@@ -516,6 +988,225 @@
 </file>
 
 <file path=ppt/slideLayouts/slideLayout100.xml><?xml version="1.0" encoding="utf-8"?>
+<p:sldLayout xmlns:a="http://schemas.openxmlformats.org/drawingml/2006/main" xmlns:r="http://schemas.openxmlformats.org/officeDocument/2006/relationships" xmlns:p="http://schemas.openxmlformats.org/presentationml/2006/main" preserve="1">
+  <p:cSld name="Title Slide Light">
+    <p:bg bwMode="gray">
+      <p:bgRef idx="1001">
+        <a:schemeClr val="bg1"/>
+      </p:bgRef>
+    </p:bg>
+    <p:spTree>
+      <p:nvGrpSpPr>
+        <p:cNvPr id="1" name=""/>
+        <p:cNvGrpSpPr/>
+        <p:nvPr/>
+      </p:nvGrpSpPr>
+      <p:grpSpPr>
+        <a:xfrm>
+          <a:off x="0" y="0"/>
+          <a:ext cx="0" cy="0"/>
+          <a:chOff x="0" y="0"/>
+          <a:chExt cx="0" cy="0"/>
+        </a:xfrm>
+      </p:grpSpPr>
+      <p:sp>
+        <p:nvSpPr>
+          <p:cNvPr id="9" name="Title 1"/>
+          <p:cNvSpPr>
+            <a:spLocks noGrp="1"/>
+          </p:cNvSpPr>
+          <p:nvPr>
+            <p:ph type="title" hasCustomPrompt="1"/>
+          </p:nvPr>
+        </p:nvSpPr>
+        <p:spPr>
+          <a:xfrm>
+            <a:off x="274702" y="2125678"/>
+            <a:ext cx="9143936" cy="1828786"/>
+          </a:xfrm>
+          <a:noFill/>
+        </p:spPr>
+        <p:txBody>
+          <a:bodyPr lIns="146304" tIns="91440" rIns="146304" bIns="91440" anchor="t" anchorCtr="0"/>
+          <a:lstStyle>
+            <a:lvl1pPr>
+              <a:defRPr sz="5398" spc="-100" baseline="0">
+                <a:gradFill>
+                  <a:gsLst>
+                    <a:gs pos="100000">
+                      <a:schemeClr val="tx2"/>
+                    </a:gs>
+                    <a:gs pos="0">
+                      <a:schemeClr val="tx2"/>
+                    </a:gs>
+                  </a:gsLst>
+                  <a:lin ang="5400000" scaled="0"/>
+                </a:gradFill>
+              </a:defRPr>
+            </a:lvl1pPr>
+          </a:lstStyle>
+          <a:p>
+            <a:r>
+              <a:rPr lang="en-US" dirty="0"/>
+              <a:t>Presentation title</a:t>
+            </a:r>
+          </a:p>
+        </p:txBody>
+      </p:sp>
+      <p:sp>
+        <p:nvSpPr>
+          <p:cNvPr id="5" name="Text Placeholder 4"/>
+          <p:cNvSpPr>
+            <a:spLocks noGrp="1"/>
+          </p:cNvSpPr>
+          <p:nvPr>
+            <p:ph type="body" sz="quarter" idx="12" hasCustomPrompt="1"/>
+          </p:nvPr>
+        </p:nvSpPr>
+        <p:spPr>
+          <a:xfrm>
+            <a:off x="274703" y="3955786"/>
+            <a:ext cx="7315137" cy="1828007"/>
+          </a:xfrm>
+          <a:noFill/>
+        </p:spPr>
+        <p:txBody>
+          <a:bodyPr lIns="146304" tIns="109728" rIns="146304" bIns="109728">
+            <a:noAutofit/>
+          </a:bodyPr>
+          <a:lstStyle>
+            <a:lvl1pPr marL="0" indent="0">
+              <a:spcBef>
+                <a:spcPts val="0"/>
+              </a:spcBef>
+              <a:buNone/>
+              <a:defRPr sz="3198" spc="0" baseline="0">
+                <a:gradFill>
+                  <a:gsLst>
+                    <a:gs pos="91000">
+                      <a:schemeClr val="tx1"/>
+                    </a:gs>
+                    <a:gs pos="0">
+                      <a:schemeClr val="tx1"/>
+                    </a:gs>
+                  </a:gsLst>
+                  <a:lin ang="5400000" scaled="0"/>
+                </a:gradFill>
+                <a:latin typeface="+mj-lt"/>
+              </a:defRPr>
+            </a:lvl1pPr>
+          </a:lstStyle>
+          <a:p>
+            <a:pPr lvl="0"/>
+            <a:r>
+              <a:rPr lang="en-US" dirty="0"/>
+              <a:t>Speaker Name</a:t>
+            </a:r>
+          </a:p>
+        </p:txBody>
+      </p:sp>
+      <p:sp>
+        <p:nvSpPr>
+          <p:cNvPr id="7" name="Text Placeholder 14"/>
+          <p:cNvSpPr>
+            <a:spLocks noGrp="1"/>
+          </p:cNvSpPr>
+          <p:nvPr>
+            <p:ph type="body" sz="quarter" idx="15" hasCustomPrompt="1"/>
+          </p:nvPr>
+        </p:nvSpPr>
+        <p:spPr>
+          <a:xfrm>
+            <a:off x="9418638" y="296865"/>
+            <a:ext cx="2743200" cy="578303"/>
+          </a:xfrm>
+        </p:spPr>
+        <p:txBody>
+          <a:bodyPr lIns="182880" tIns="146304" rIns="182880" bIns="146304"/>
+          <a:lstStyle>
+            <a:lvl1pPr marL="0" indent="0" algn="r">
+              <a:buNone/>
+              <a:defRPr sz="2000">
+                <a:gradFill>
+                  <a:gsLst>
+                    <a:gs pos="0">
+                      <a:schemeClr val="tx1"/>
+                    </a:gs>
+                    <a:gs pos="100000">
+                      <a:schemeClr val="tx1"/>
+                    </a:gs>
+                  </a:gsLst>
+                  <a:lin ang="5400000" scaled="0"/>
+                </a:gradFill>
+                <a:latin typeface="+mn-lt"/>
+              </a:defRPr>
+            </a:lvl1pPr>
+          </a:lstStyle>
+          <a:p>
+            <a:pPr lvl="0"/>
+            <a:r>
+              <a:rPr lang="en-US" dirty="0"/>
+              <a:t>Session Code</a:t>
+            </a:r>
+          </a:p>
+        </p:txBody>
+      </p:sp>
+      <p:pic>
+        <p:nvPicPr>
+          <p:cNvPr id="8" name="Picture 7"/>
+          <p:cNvPicPr>
+            <a:picLocks noChangeAspect="1"/>
+          </p:cNvPicPr>
+          <p:nvPr userDrawn="1"/>
+        </p:nvPicPr>
+        <p:blipFill>
+          <a:blip r:embed="rId2">
+            <a:extLst>
+              <a:ext uri="{28A0092B-C50C-407E-A947-70E740481C1C}">
+                <a14:useLocalDpi xmlns:a14="http://schemas.microsoft.com/office/drawing/2010/main" val="0"/>
+              </a:ext>
+            </a:extLst>
+          </a:blip>
+          <a:stretch>
+            <a:fillRect/>
+          </a:stretch>
+        </p:blipFill>
+        <p:spPr>
+          <a:xfrm>
+            <a:off x="274638" y="95523"/>
+            <a:ext cx="952583" cy="845893"/>
+          </a:xfrm>
+          <a:prstGeom prst="rect">
+            <a:avLst/>
+          </a:prstGeom>
+        </p:spPr>
+      </p:pic>
+    </p:spTree>
+    <p:extLst>
+      <p:ext uri="{BB962C8B-B14F-4D97-AF65-F5344CB8AC3E}">
+        <p14:creationId xmlns:p14="http://schemas.microsoft.com/office/powerpoint/2010/main" val="742699749"/>
+      </p:ext>
+    </p:extLst>
+  </p:cSld>
+  <p:clrMapOvr>
+    <a:masterClrMapping/>
+  </p:clrMapOvr>
+  <mc:AlternateContent xmlns:mc="http://schemas.openxmlformats.org/markup-compatibility/2006" xmlns:p14="http://schemas.microsoft.com/office/powerpoint/2010/main">
+    <mc:Choice Requires="p14">
+      <p:transition spd="slow" p14:dur="3400">
+        <p14:reveal/>
+      </p:transition>
+    </mc:Choice>
+    <mc:Fallback xmlns="">
+      <p:transition spd="slow">
+        <p:fade/>
+      </p:transition>
+    </mc:Fallback>
+  </mc:AlternateContent>
+</p:sldLayout>
+</file>
+
+<file path=ppt/slideLayouts/slideLayout101.xml><?xml version="1.0" encoding="utf-8"?>
 <p:sldLayout xmlns:a="http://schemas.openxmlformats.org/drawingml/2006/main" xmlns:r="http://schemas.openxmlformats.org/officeDocument/2006/relationships" xmlns:p="http://schemas.openxmlformats.org/presentationml/2006/main" preserve="1">
   <p:cSld name="Title &amp; 2-color Non-bulleted text">
     <p:spTree>
@@ -662,7 +1353,7 @@
 </p:sldLayout>
 </file>
 
-<file path=ppt/slideLayouts/slideLayout101.xml><?xml version="1.0" encoding="utf-8"?>
+<file path=ppt/slideLayouts/slideLayout102.xml><?xml version="1.0" encoding="utf-8"?>
 <p:sldLayout xmlns:a="http://schemas.openxmlformats.org/drawingml/2006/main" xmlns:r="http://schemas.openxmlformats.org/officeDocument/2006/relationships" xmlns:p="http://schemas.openxmlformats.org/presentationml/2006/main" preserve="1">
   <p:cSld name="Title &amp; Non-bulleted text">
     <p:spTree>
@@ -809,7 +1500,7 @@
 </p:sldLayout>
 </file>
 
-<file path=ppt/slideLayouts/slideLayout102.xml><?xml version="1.0" encoding="utf-8"?>
+<file path=ppt/slideLayouts/slideLayout103.xml><?xml version="1.0" encoding="utf-8"?>
 <p:sldLayout xmlns:a="http://schemas.openxmlformats.org/drawingml/2006/main" xmlns:r="http://schemas.openxmlformats.org/officeDocument/2006/relationships" xmlns:p="http://schemas.openxmlformats.org/presentationml/2006/main" preserve="1">
   <p:cSld name="Title and Content 1st level color text">
     <p:spTree>
@@ -939,7 +1630,7 @@
 </p:sldLayout>
 </file>
 
-<file path=ppt/slideLayouts/slideLayout103.xml><?xml version="1.0" encoding="utf-8"?>
+<file path=ppt/slideLayouts/slideLayout104.xml><?xml version="1.0" encoding="utf-8"?>
 <p:sldLayout xmlns:a="http://schemas.openxmlformats.org/drawingml/2006/main" xmlns:r="http://schemas.openxmlformats.org/officeDocument/2006/relationships" xmlns:p="http://schemas.openxmlformats.org/presentationml/2006/main" preserve="1">
   <p:cSld name="Title and Content">
     <p:spTree>
@@ -1057,7 +1748,7 @@
 </p:sldLayout>
 </file>
 
-<file path=ppt/slideLayouts/slideLayout104.xml><?xml version="1.0" encoding="utf-8"?>
+<file path=ppt/slideLayouts/slideLayout105.xml><?xml version="1.0" encoding="utf-8"?>
 <p:sldLayout xmlns:a="http://schemas.openxmlformats.org/drawingml/2006/main" xmlns:r="http://schemas.openxmlformats.org/officeDocument/2006/relationships" xmlns:p="http://schemas.openxmlformats.org/presentationml/2006/main" preserve="1">
   <p:cSld name="Two Column 2-color Non-bulleted">
     <p:spTree>
@@ -1315,7 +2006,7 @@
 </p:sldLayout>
 </file>
 
-<file path=ppt/slideLayouts/slideLayout105.xml><?xml version="1.0" encoding="utf-8"?>
+<file path=ppt/slideLayouts/slideLayout106.xml><?xml version="1.0" encoding="utf-8"?>
 <p:sldLayout xmlns:a="http://schemas.openxmlformats.org/drawingml/2006/main" xmlns:r="http://schemas.openxmlformats.org/officeDocument/2006/relationships" xmlns:p="http://schemas.openxmlformats.org/presentationml/2006/main" preserve="1">
   <p:cSld name="Two Column Non-bulleted text">
     <p:spTree>
@@ -1549,7 +2240,7 @@
 </p:sldLayout>
 </file>
 
-<file path=ppt/slideLayouts/slideLayout106.xml><?xml version="1.0" encoding="utf-8"?>
+<file path=ppt/slideLayouts/slideLayout107.xml><?xml version="1.0" encoding="utf-8"?>
 <p:sldLayout xmlns:a="http://schemas.openxmlformats.org/drawingml/2006/main" xmlns:r="http://schemas.openxmlformats.org/officeDocument/2006/relationships" xmlns:p="http://schemas.openxmlformats.org/presentationml/2006/main" preserve="1">
   <p:cSld name="Two Column Bullet text 1st level color">
     <p:spTree>
@@ -1799,7 +2490,7 @@
 </p:sldLayout>
 </file>
 
-<file path=ppt/slideLayouts/slideLayout107.xml><?xml version="1.0" encoding="utf-8"?>
+<file path=ppt/slideLayouts/slideLayout108.xml><?xml version="1.0" encoding="utf-8"?>
 <p:sldLayout xmlns:a="http://schemas.openxmlformats.org/drawingml/2006/main" xmlns:r="http://schemas.openxmlformats.org/officeDocument/2006/relationships" xmlns:p="http://schemas.openxmlformats.org/presentationml/2006/main" preserve="1">
   <p:cSld name="Two Column Bullet text">
     <p:spTree>
@@ -2025,7 +2716,7 @@
 </p:sldLayout>
 </file>
 
-<file path=ppt/slideLayouts/slideLayout108.xml><?xml version="1.0" encoding="utf-8"?>
+<file path=ppt/slideLayouts/slideLayout109.xml><?xml version="1.0" encoding="utf-8"?>
 <p:sldLayout xmlns:a="http://schemas.openxmlformats.org/drawingml/2006/main" xmlns:r="http://schemas.openxmlformats.org/officeDocument/2006/relationships" xmlns:p="http://schemas.openxmlformats.org/presentationml/2006/main" preserve="1">
   <p:cSld name="Title Only">
     <p:spTree>
@@ -2078,151 +2769,6 @@
   <p:transition>
     <p:fade/>
   </p:transition>
-</p:sldLayout>
-</file>
-
-<file path=ppt/slideLayouts/slideLayout109.xml><?xml version="1.0" encoding="utf-8"?>
-<p:sldLayout xmlns:a="http://schemas.openxmlformats.org/drawingml/2006/main" xmlns:r="http://schemas.openxmlformats.org/officeDocument/2006/relationships" xmlns:p="http://schemas.openxmlformats.org/presentationml/2006/main" preserve="1">
-  <p:cSld name="Demo slide">
-    <p:bg>
-      <p:bgRef idx="1001">
-        <a:schemeClr val="bg2"/>
-      </p:bgRef>
-    </p:bg>
-    <p:spTree>
-      <p:nvGrpSpPr>
-        <p:cNvPr id="1" name=""/>
-        <p:cNvGrpSpPr/>
-        <p:nvPr/>
-      </p:nvGrpSpPr>
-      <p:grpSpPr>
-        <a:xfrm>
-          <a:off x="0" y="0"/>
-          <a:ext cx="0" cy="0"/>
-          <a:chOff x="0" y="0"/>
-          <a:chExt cx="0" cy="0"/>
-        </a:xfrm>
-      </p:grpSpPr>
-      <p:sp>
-        <p:nvSpPr>
-          <p:cNvPr id="2" name="Title 1"/>
-          <p:cNvSpPr>
-            <a:spLocks noGrp="1"/>
-          </p:cNvSpPr>
-          <p:nvPr>
-            <p:ph type="title" hasCustomPrompt="1"/>
-          </p:nvPr>
-        </p:nvSpPr>
-        <p:spPr>
-          <a:xfrm>
-            <a:off x="274639" y="1209975"/>
-            <a:ext cx="10056812" cy="1181862"/>
-          </a:xfrm>
-          <a:noFill/>
-        </p:spPr>
-        <p:txBody>
-          <a:bodyPr tIns="91440" bIns="91440" anchor="t" anchorCtr="0">
-            <a:spAutoFit/>
-          </a:bodyPr>
-          <a:lstStyle>
-            <a:lvl1pPr>
-              <a:defRPr sz="7196" spc="-100" baseline="0">
-                <a:gradFill>
-                  <a:gsLst>
-                    <a:gs pos="0">
-                      <a:schemeClr val="tx1"/>
-                    </a:gs>
-                    <a:gs pos="100000">
-                      <a:schemeClr val="tx1"/>
-                    </a:gs>
-                  </a:gsLst>
-                  <a:lin ang="5400000" scaled="0"/>
-                </a:gradFill>
-              </a:defRPr>
-            </a:lvl1pPr>
-          </a:lstStyle>
-          <a:p>
-            <a:r>
-              <a:rPr lang="en-US" dirty="0"/>
-              <a:t>Demo title</a:t>
-            </a:r>
-          </a:p>
-        </p:txBody>
-      </p:sp>
-      <p:sp>
-        <p:nvSpPr>
-          <p:cNvPr id="5" name="Text Placeholder 4"/>
-          <p:cNvSpPr>
-            <a:spLocks noGrp="1"/>
-          </p:cNvSpPr>
-          <p:nvPr>
-            <p:ph type="body" sz="quarter" idx="12" hasCustomPrompt="1"/>
-          </p:nvPr>
-        </p:nvSpPr>
-        <p:spPr>
-          <a:xfrm>
-            <a:off x="274640" y="3954463"/>
-            <a:ext cx="10058401" cy="738664"/>
-          </a:xfrm>
-          <a:noFill/>
-        </p:spPr>
-        <p:txBody>
-          <a:bodyPr lIns="182880" tIns="146304" rIns="182880" bIns="146304">
-            <a:spAutoFit/>
-          </a:bodyPr>
-          <a:lstStyle>
-            <a:lvl1pPr marL="0" indent="0">
-              <a:spcBef>
-                <a:spcPts val="0"/>
-              </a:spcBef>
-              <a:buNone/>
-              <a:defRPr sz="3198" spc="0" baseline="0">
-                <a:gradFill>
-                  <a:gsLst>
-                    <a:gs pos="0">
-                      <a:schemeClr val="tx1"/>
-                    </a:gs>
-                    <a:gs pos="100000">
-                      <a:schemeClr val="tx1"/>
-                    </a:gs>
-                  </a:gsLst>
-                  <a:lin ang="5400000" scaled="0"/>
-                </a:gradFill>
-                <a:latin typeface="+mj-lt"/>
-              </a:defRPr>
-            </a:lvl1pPr>
-          </a:lstStyle>
-          <a:p>
-            <a:pPr lvl="0"/>
-            <a:r>
-              <a:rPr lang="en-US" dirty="0"/>
-              <a:t>Speaker Name</a:t>
-            </a:r>
-          </a:p>
-        </p:txBody>
-      </p:sp>
-    </p:spTree>
-    <p:extLst>
-      <p:ext uri="{BB962C8B-B14F-4D97-AF65-F5344CB8AC3E}">
-        <p14:creationId xmlns:p14="http://schemas.microsoft.com/office/powerpoint/2010/main" val="2217232416"/>
-      </p:ext>
-    </p:extLst>
-  </p:cSld>
-  <p:clrMapOvr>
-    <a:overrideClrMapping bg1="dk1" tx1="lt1" bg2="dk2" tx2="lt2" accent1="accent1" accent2="accent2" accent3="accent3" accent4="accent4" accent5="accent5" accent6="accent6" hlink="hlink" folHlink="folHlink"/>
-  </p:clrMapOvr>
-  <mc:AlternateContent xmlns:mc="http://schemas.openxmlformats.org/markup-compatibility/2006" xmlns:p14="http://schemas.microsoft.com/office/powerpoint/2010/main">
-    <mc:Choice Requires="p14">
-      <p:transition spd="slow" p14:dur="3400">
-        <p14:reveal/>
-      </p:transition>
-    </mc:Choice>
-    <mc:Fallback xmlns="">
-      <p:transition spd="slow">
-        <p:fade/>
-      </p:transition>
-    </mc:Fallback>
-  </mc:AlternateContent>
 </p:sldLayout>
 </file>
 
@@ -2650,6 +3196,36 @@
           </a:p>
         </p:txBody>
       </p:sp>
+      <p:pic>
+        <p:nvPicPr>
+          <p:cNvPr id="9" name="Picture 8"/>
+          <p:cNvPicPr>
+            <a:picLocks noChangeAspect="1"/>
+          </p:cNvPicPr>
+          <p:nvPr userDrawn="1"/>
+        </p:nvPicPr>
+        <p:blipFill>
+          <a:blip r:embed="rId4">
+            <a:extLst>
+              <a:ext uri="{28A0092B-C50C-407E-A947-70E740481C1C}">
+                <a14:useLocalDpi xmlns:a14="http://schemas.microsoft.com/office/drawing/2010/main" val="0"/>
+              </a:ext>
+            </a:extLst>
+          </a:blip>
+          <a:stretch>
+            <a:fillRect/>
+          </a:stretch>
+        </p:blipFill>
+        <p:spPr>
+          <a:xfrm>
+            <a:off x="274701" y="5953766"/>
+            <a:ext cx="952583" cy="845893"/>
+          </a:xfrm>
+          <a:prstGeom prst="rect">
+            <a:avLst/>
+          </a:prstGeom>
+        </p:spPr>
+      </p:pic>
     </p:spTree>
     <p:extLst>
       <p:ext uri="{BB962C8B-B14F-4D97-AF65-F5344CB8AC3E}">
@@ -2667,6 +3243,151 @@
 </file>
 
 <file path=ppt/slideLayouts/slideLayout110.xml><?xml version="1.0" encoding="utf-8"?>
+<p:sldLayout xmlns:a="http://schemas.openxmlformats.org/drawingml/2006/main" xmlns:r="http://schemas.openxmlformats.org/officeDocument/2006/relationships" xmlns:p="http://schemas.openxmlformats.org/presentationml/2006/main" preserve="1">
+  <p:cSld name="Demo slide">
+    <p:bg>
+      <p:bgRef idx="1001">
+        <a:schemeClr val="bg2"/>
+      </p:bgRef>
+    </p:bg>
+    <p:spTree>
+      <p:nvGrpSpPr>
+        <p:cNvPr id="1" name=""/>
+        <p:cNvGrpSpPr/>
+        <p:nvPr/>
+      </p:nvGrpSpPr>
+      <p:grpSpPr>
+        <a:xfrm>
+          <a:off x="0" y="0"/>
+          <a:ext cx="0" cy="0"/>
+          <a:chOff x="0" y="0"/>
+          <a:chExt cx="0" cy="0"/>
+        </a:xfrm>
+      </p:grpSpPr>
+      <p:sp>
+        <p:nvSpPr>
+          <p:cNvPr id="2" name="Title 1"/>
+          <p:cNvSpPr>
+            <a:spLocks noGrp="1"/>
+          </p:cNvSpPr>
+          <p:nvPr>
+            <p:ph type="title" hasCustomPrompt="1"/>
+          </p:nvPr>
+        </p:nvSpPr>
+        <p:spPr>
+          <a:xfrm>
+            <a:off x="274639" y="1209975"/>
+            <a:ext cx="10056812" cy="1181862"/>
+          </a:xfrm>
+          <a:noFill/>
+        </p:spPr>
+        <p:txBody>
+          <a:bodyPr tIns="91440" bIns="91440" anchor="t" anchorCtr="0">
+            <a:spAutoFit/>
+          </a:bodyPr>
+          <a:lstStyle>
+            <a:lvl1pPr>
+              <a:defRPr sz="7196" spc="-100" baseline="0">
+                <a:gradFill>
+                  <a:gsLst>
+                    <a:gs pos="0">
+                      <a:schemeClr val="tx1"/>
+                    </a:gs>
+                    <a:gs pos="100000">
+                      <a:schemeClr val="tx1"/>
+                    </a:gs>
+                  </a:gsLst>
+                  <a:lin ang="5400000" scaled="0"/>
+                </a:gradFill>
+              </a:defRPr>
+            </a:lvl1pPr>
+          </a:lstStyle>
+          <a:p>
+            <a:r>
+              <a:rPr lang="en-US" dirty="0"/>
+              <a:t>Demo title</a:t>
+            </a:r>
+          </a:p>
+        </p:txBody>
+      </p:sp>
+      <p:sp>
+        <p:nvSpPr>
+          <p:cNvPr id="5" name="Text Placeholder 4"/>
+          <p:cNvSpPr>
+            <a:spLocks noGrp="1"/>
+          </p:cNvSpPr>
+          <p:nvPr>
+            <p:ph type="body" sz="quarter" idx="12" hasCustomPrompt="1"/>
+          </p:nvPr>
+        </p:nvSpPr>
+        <p:spPr>
+          <a:xfrm>
+            <a:off x="274640" y="3954463"/>
+            <a:ext cx="10058401" cy="738664"/>
+          </a:xfrm>
+          <a:noFill/>
+        </p:spPr>
+        <p:txBody>
+          <a:bodyPr lIns="182880" tIns="146304" rIns="182880" bIns="146304">
+            <a:spAutoFit/>
+          </a:bodyPr>
+          <a:lstStyle>
+            <a:lvl1pPr marL="0" indent="0">
+              <a:spcBef>
+                <a:spcPts val="0"/>
+              </a:spcBef>
+              <a:buNone/>
+              <a:defRPr sz="3198" spc="0" baseline="0">
+                <a:gradFill>
+                  <a:gsLst>
+                    <a:gs pos="0">
+                      <a:schemeClr val="tx1"/>
+                    </a:gs>
+                    <a:gs pos="100000">
+                      <a:schemeClr val="tx1"/>
+                    </a:gs>
+                  </a:gsLst>
+                  <a:lin ang="5400000" scaled="0"/>
+                </a:gradFill>
+                <a:latin typeface="+mj-lt"/>
+              </a:defRPr>
+            </a:lvl1pPr>
+          </a:lstStyle>
+          <a:p>
+            <a:pPr lvl="0"/>
+            <a:r>
+              <a:rPr lang="en-US" dirty="0"/>
+              <a:t>Speaker Name</a:t>
+            </a:r>
+          </a:p>
+        </p:txBody>
+      </p:sp>
+    </p:spTree>
+    <p:extLst>
+      <p:ext uri="{BB962C8B-B14F-4D97-AF65-F5344CB8AC3E}">
+        <p14:creationId xmlns:p14="http://schemas.microsoft.com/office/powerpoint/2010/main" val="2217232416"/>
+      </p:ext>
+    </p:extLst>
+  </p:cSld>
+  <p:clrMapOvr>
+    <a:overrideClrMapping bg1="dk1" tx1="lt1" bg2="dk2" tx2="lt2" accent1="accent1" accent2="accent2" accent3="accent3" accent4="accent4" accent5="accent5" accent6="accent6" hlink="hlink" folHlink="folHlink"/>
+  </p:clrMapOvr>
+  <mc:AlternateContent xmlns:mc="http://schemas.openxmlformats.org/markup-compatibility/2006" xmlns:p14="http://schemas.microsoft.com/office/powerpoint/2010/main">
+    <mc:Choice Requires="p14">
+      <p:transition spd="slow" p14:dur="3400">
+        <p14:reveal/>
+      </p:transition>
+    </mc:Choice>
+    <mc:Fallback xmlns="">
+      <p:transition spd="slow">
+        <p:fade/>
+      </p:transition>
+    </mc:Fallback>
+  </mc:AlternateContent>
+</p:sldLayout>
+</file>
+
+<file path=ppt/slideLayouts/slideLayout111.xml><?xml version="1.0" encoding="utf-8"?>
 <p:sldLayout xmlns:a="http://schemas.openxmlformats.org/drawingml/2006/main" xmlns:r="http://schemas.openxmlformats.org/officeDocument/2006/relationships" xmlns:p="http://schemas.openxmlformats.org/presentationml/2006/main" preserve="1">
   <p:cSld name="Video slide">
     <p:bg>
@@ -2769,7 +3490,7 @@
 </p:sldLayout>
 </file>
 
-<file path=ppt/slideLayouts/slideLayout111.xml><?xml version="1.0" encoding="utf-8"?>
+<file path=ppt/slideLayouts/slideLayout112.xml><?xml version="1.0" encoding="utf-8"?>
 <p:sldLayout xmlns:a="http://schemas.openxmlformats.org/drawingml/2006/main" xmlns:r="http://schemas.openxmlformats.org/officeDocument/2006/relationships" xmlns:p="http://schemas.openxmlformats.org/presentationml/2006/main" preserve="1">
   <p:cSld name="Section Title">
     <p:spTree>
@@ -2848,7 +3569,7 @@
 </p:sldLayout>
 </file>
 
-<file path=ppt/slideLayouts/slideLayout112.xml><?xml version="1.0" encoding="utf-8"?>
+<file path=ppt/slideLayouts/slideLayout113.xml><?xml version="1.0" encoding="utf-8"?>
 <p:sldLayout xmlns:a="http://schemas.openxmlformats.org/drawingml/2006/main" xmlns:r="http://schemas.openxmlformats.org/officeDocument/2006/relationships" xmlns:p="http://schemas.openxmlformats.org/presentationml/2006/main" preserve="1">
   <p:cSld name="Section Title Accent Color 1">
     <p:bg>
@@ -2935,7 +3656,7 @@
 </p:sldLayout>
 </file>
 
-<file path=ppt/slideLayouts/slideLayout113.xml><?xml version="1.0" encoding="utf-8"?>
+<file path=ppt/slideLayouts/slideLayout114.xml><?xml version="1.0" encoding="utf-8"?>
 <p:sldLayout xmlns:a="http://schemas.openxmlformats.org/drawingml/2006/main" xmlns:r="http://schemas.openxmlformats.org/officeDocument/2006/relationships" xmlns:p="http://schemas.openxmlformats.org/presentationml/2006/main" preserve="1">
   <p:cSld name="Section Title Accent Color 2">
     <p:bg>
@@ -3022,7 +3743,7 @@
 </p:sldLayout>
 </file>
 
-<file path=ppt/slideLayouts/slideLayout114.xml><?xml version="1.0" encoding="utf-8"?>
+<file path=ppt/slideLayouts/slideLayout115.xml><?xml version="1.0" encoding="utf-8"?>
 <p:sldLayout xmlns:a="http://schemas.openxmlformats.org/drawingml/2006/main" xmlns:r="http://schemas.openxmlformats.org/officeDocument/2006/relationships" xmlns:p="http://schemas.openxmlformats.org/presentationml/2006/main" preserve="1">
   <p:cSld name="Section Title Accent Color 3">
     <p:bg>
@@ -3109,7 +3830,7 @@
 </p:sldLayout>
 </file>
 
-<file path=ppt/slideLayouts/slideLayout115.xml><?xml version="1.0" encoding="utf-8"?>
+<file path=ppt/slideLayouts/slideLayout116.xml><?xml version="1.0" encoding="utf-8"?>
 <p:sldLayout xmlns:a="http://schemas.openxmlformats.org/drawingml/2006/main" xmlns:r="http://schemas.openxmlformats.org/officeDocument/2006/relationships" xmlns:p="http://schemas.openxmlformats.org/presentationml/2006/main" preserve="1">
   <p:cSld name="50-50 Right Photo Layout">
     <p:spTree>
@@ -3241,7 +3962,7 @@
 </p:sldLayout>
 </file>
 
-<file path=ppt/slideLayouts/slideLayout116.xml><?xml version="1.0" encoding="utf-8"?>
+<file path=ppt/slideLayouts/slideLayout117.xml><?xml version="1.0" encoding="utf-8"?>
 <p:sldLayout xmlns:a="http://schemas.openxmlformats.org/drawingml/2006/main" xmlns:r="http://schemas.openxmlformats.org/officeDocument/2006/relationships" xmlns:p="http://schemas.openxmlformats.org/presentationml/2006/main" preserve="1">
   <p:cSld name="Blank">
     <p:spTree>
@@ -3274,7 +3995,7 @@
 </p:sldLayout>
 </file>
 
-<file path=ppt/slideLayouts/slideLayout117.xml><?xml version="1.0" encoding="utf-8"?>
+<file path=ppt/slideLayouts/slideLayout118.xml><?xml version="1.0" encoding="utf-8"?>
 <p:sldLayout xmlns:a="http://schemas.openxmlformats.org/drawingml/2006/main" xmlns:r="http://schemas.openxmlformats.org/officeDocument/2006/relationships" xmlns:p="http://schemas.openxmlformats.org/presentationml/2006/main" preserve="1">
   <p:cSld name="Blank Accent Color 1">
     <p:bg>
@@ -3315,7 +4036,7 @@
 </p:sldLayout>
 </file>
 
-<file path=ppt/slideLayouts/slideLayout118.xml><?xml version="1.0" encoding="utf-8"?>
+<file path=ppt/slideLayouts/slideLayout119.xml><?xml version="1.0" encoding="utf-8"?>
 <p:sldLayout xmlns:a="http://schemas.openxmlformats.org/drawingml/2006/main" xmlns:r="http://schemas.openxmlformats.org/officeDocument/2006/relationships" xmlns:p="http://schemas.openxmlformats.org/presentationml/2006/main" preserve="1">
   <p:cSld name="Blank Accent Color 2">
     <p:bg>
@@ -3344,47 +4065,6 @@
     <p:extLst>
       <p:ext uri="{BB962C8B-B14F-4D97-AF65-F5344CB8AC3E}">
         <p14:creationId xmlns:p14="http://schemas.microsoft.com/office/powerpoint/2010/main" val="2260114153"/>
-      </p:ext>
-    </p:extLst>
-  </p:cSld>
-  <p:clrMapOvr>
-    <a:overrideClrMapping bg1="dk1" tx1="lt1" bg2="dk2" tx2="lt2" accent1="accent1" accent2="accent2" accent3="accent3" accent4="accent4" accent5="accent5" accent6="accent6" hlink="hlink" folHlink="folHlink"/>
-  </p:clrMapOvr>
-  <p:transition>
-    <p:fade/>
-  </p:transition>
-</p:sldLayout>
-</file>
-
-<file path=ppt/slideLayouts/slideLayout119.xml><?xml version="1.0" encoding="utf-8"?>
-<p:sldLayout xmlns:a="http://schemas.openxmlformats.org/drawingml/2006/main" xmlns:r="http://schemas.openxmlformats.org/officeDocument/2006/relationships" xmlns:p="http://schemas.openxmlformats.org/presentationml/2006/main" preserve="1">
-  <p:cSld name="Blank Accent Color 3">
-    <p:bg>
-      <p:bgPr>
-        <a:solidFill>
-          <a:schemeClr val="accent3"/>
-        </a:solidFill>
-        <a:effectLst/>
-      </p:bgPr>
-    </p:bg>
-    <p:spTree>
-      <p:nvGrpSpPr>
-        <p:cNvPr id="1" name=""/>
-        <p:cNvGrpSpPr/>
-        <p:nvPr/>
-      </p:nvGrpSpPr>
-      <p:grpSpPr>
-        <a:xfrm>
-          <a:off x="0" y="0"/>
-          <a:ext cx="0" cy="0"/>
-          <a:chOff x="0" y="0"/>
-          <a:chExt cx="0" cy="0"/>
-        </a:xfrm>
-      </p:grpSpPr>
-    </p:spTree>
-    <p:extLst>
-      <p:ext uri="{BB962C8B-B14F-4D97-AF65-F5344CB8AC3E}">
-        <p14:creationId xmlns:p14="http://schemas.microsoft.com/office/powerpoint/2010/main" val="1115460756"/>
       </p:ext>
     </p:extLst>
   </p:cSld>
@@ -3517,6 +4197,36 @@
           </a:p>
         </p:txBody>
       </p:sp>
+      <p:pic>
+        <p:nvPicPr>
+          <p:cNvPr id="4" name="Picture 3"/>
+          <p:cNvPicPr>
+            <a:picLocks noChangeAspect="1"/>
+          </p:cNvPicPr>
+          <p:nvPr userDrawn="1"/>
+        </p:nvPicPr>
+        <p:blipFill>
+          <a:blip r:embed="rId2">
+            <a:extLst>
+              <a:ext uri="{28A0092B-C50C-407E-A947-70E740481C1C}">
+                <a14:useLocalDpi xmlns:a14="http://schemas.microsoft.com/office/drawing/2010/main" val="0"/>
+              </a:ext>
+            </a:extLst>
+          </a:blip>
+          <a:stretch>
+            <a:fillRect/>
+          </a:stretch>
+        </p:blipFill>
+        <p:spPr>
+          <a:xfrm>
+            <a:off x="274701" y="5953766"/>
+            <a:ext cx="952583" cy="845893"/>
+          </a:xfrm>
+          <a:prstGeom prst="rect">
+            <a:avLst/>
+          </a:prstGeom>
+        </p:spPr>
+      </p:pic>
     </p:spTree>
     <p:extLst>
       <p:ext uri="{BB962C8B-B14F-4D97-AF65-F5344CB8AC3E}">
@@ -3543,6 +4253,47 @@
 </file>
 
 <file path=ppt/slideLayouts/slideLayout120.xml><?xml version="1.0" encoding="utf-8"?>
+<p:sldLayout xmlns:a="http://schemas.openxmlformats.org/drawingml/2006/main" xmlns:r="http://schemas.openxmlformats.org/officeDocument/2006/relationships" xmlns:p="http://schemas.openxmlformats.org/presentationml/2006/main" preserve="1">
+  <p:cSld name="Blank Accent Color 3">
+    <p:bg>
+      <p:bgPr>
+        <a:solidFill>
+          <a:schemeClr val="accent3"/>
+        </a:solidFill>
+        <a:effectLst/>
+      </p:bgPr>
+    </p:bg>
+    <p:spTree>
+      <p:nvGrpSpPr>
+        <p:cNvPr id="1" name=""/>
+        <p:cNvGrpSpPr/>
+        <p:nvPr/>
+      </p:nvGrpSpPr>
+      <p:grpSpPr>
+        <a:xfrm>
+          <a:off x="0" y="0"/>
+          <a:ext cx="0" cy="0"/>
+          <a:chOff x="0" y="0"/>
+          <a:chExt cx="0" cy="0"/>
+        </a:xfrm>
+      </p:grpSpPr>
+    </p:spTree>
+    <p:extLst>
+      <p:ext uri="{BB962C8B-B14F-4D97-AF65-F5344CB8AC3E}">
+        <p14:creationId xmlns:p14="http://schemas.microsoft.com/office/powerpoint/2010/main" val="1115460756"/>
+      </p:ext>
+    </p:extLst>
+  </p:cSld>
+  <p:clrMapOvr>
+    <a:overrideClrMapping bg1="dk1" tx1="lt1" bg2="dk2" tx2="lt2" accent1="accent1" accent2="accent2" accent3="accent3" accent4="accent4" accent5="accent5" accent6="accent6" hlink="hlink" folHlink="folHlink"/>
+  </p:clrMapOvr>
+  <p:transition>
+    <p:fade/>
+  </p:transition>
+</p:sldLayout>
+</file>
+
+<file path=ppt/slideLayouts/slideLayout121.xml><?xml version="1.0" encoding="utf-8"?>
 <p:sldLayout xmlns:a="http://schemas.openxmlformats.org/drawingml/2006/main" xmlns:r="http://schemas.openxmlformats.org/officeDocument/2006/relationships" xmlns:p="http://schemas.openxmlformats.org/presentationml/2006/main" preserve="1">
   <p:cSld name="Developer Code Layout">
     <p:spTree>
@@ -3822,7 +4573,7 @@
 </p:sldLayout>
 </file>
 
-<file path=ppt/slideLayouts/slideLayout121.xml><?xml version="1.0" encoding="utf-8"?>
+<file path=ppt/slideLayouts/slideLayout122.xml><?xml version="1.0" encoding="utf-8"?>
 <p:sldLayout xmlns:a="http://schemas.openxmlformats.org/drawingml/2006/main" xmlns:r="http://schemas.openxmlformats.org/officeDocument/2006/relationships" xmlns:p="http://schemas.openxmlformats.org/presentationml/2006/main" preserve="1">
   <p:cSld name="Closing logo slide">
     <p:spTree>
@@ -3885,7 +4636,7 @@
 </p:sldLayout>
 </file>
 
-<file path=ppt/slideLayouts/slideLayout122.xml><?xml version="1.0" encoding="utf-8"?>
+<file path=ppt/slideLayouts/slideLayout123.xml><?xml version="1.0" encoding="utf-8"?>
 <p:sldLayout xmlns:a="http://schemas.openxmlformats.org/drawingml/2006/main" xmlns:r="http://schemas.openxmlformats.org/officeDocument/2006/relationships" xmlns:p="http://schemas.openxmlformats.org/presentationml/2006/main" preserve="1">
   <p:cSld name="Black Notes slide Layout">
     <p:bg bwMode="black">
@@ -4206,7 +4957,7 @@
 </p:sldLayout>
 </file>
 
-<file path=ppt/slideLayouts/slideLayout123.xml><?xml version="1.0" encoding="utf-8"?>
+<file path=ppt/slideLayouts/slideLayout124.xml><?xml version="1.0" encoding="utf-8"?>
 <p:sldLayout xmlns:a="http://schemas.openxmlformats.org/drawingml/2006/main" xmlns:r="http://schemas.openxmlformats.org/officeDocument/2006/relationships" xmlns:p="http://schemas.openxmlformats.org/presentationml/2006/main" preserve="1">
   <p:cSld name="2_Walkin">
     <p:bg bwMode="gray">
@@ -4463,7 +5214,7 @@
 </p:sldLayout>
 </file>
 
-<file path=ppt/slideLayouts/slideLayout124.xml><?xml version="1.0" encoding="utf-8"?>
+<file path=ppt/slideLayouts/slideLayout125.xml><?xml version="1.0" encoding="utf-8"?>
 <p:sldLayout xmlns:a="http://schemas.openxmlformats.org/drawingml/2006/main" xmlns:r="http://schemas.openxmlformats.org/officeDocument/2006/relationships" xmlns:p="http://schemas.openxmlformats.org/presentationml/2006/main" preserve="1">
   <p:cSld name="Title Slide">
     <p:bg bwMode="gray">
@@ -4745,7 +5496,7 @@
 </p:sldLayout>
 </file>
 
-<file path=ppt/slideLayouts/slideLayout125.xml><?xml version="1.0" encoding="utf-8"?>
+<file path=ppt/slideLayouts/slideLayout126.xml><?xml version="1.0" encoding="utf-8"?>
 <p:sldLayout xmlns:a="http://schemas.openxmlformats.org/drawingml/2006/main" xmlns:r="http://schemas.openxmlformats.org/officeDocument/2006/relationships" xmlns:p="http://schemas.openxmlformats.org/presentationml/2006/main" preserve="1">
   <p:cSld name="Title &amp; 2-color Non-bulleted text">
     <p:bg>
@@ -4900,7 +5651,7 @@
 </p:sldLayout>
 </file>
 
-<file path=ppt/slideLayouts/slideLayout126.xml><?xml version="1.0" encoding="utf-8"?>
+<file path=ppt/slideLayouts/slideLayout127.xml><?xml version="1.0" encoding="utf-8"?>
 <p:sldLayout xmlns:a="http://schemas.openxmlformats.org/drawingml/2006/main" xmlns:r="http://schemas.openxmlformats.org/officeDocument/2006/relationships" xmlns:p="http://schemas.openxmlformats.org/presentationml/2006/main" preserve="1">
   <p:cSld name="Title &amp; Non-bulleted text">
     <p:bg>
@@ -5055,7 +5806,7 @@
 </p:sldLayout>
 </file>
 
-<file path=ppt/slideLayouts/slideLayout127.xml><?xml version="1.0" encoding="utf-8"?>
+<file path=ppt/slideLayouts/slideLayout128.xml><?xml version="1.0" encoding="utf-8"?>
 <p:sldLayout xmlns:a="http://schemas.openxmlformats.org/drawingml/2006/main" xmlns:r="http://schemas.openxmlformats.org/officeDocument/2006/relationships" xmlns:p="http://schemas.openxmlformats.org/presentationml/2006/main" preserve="1">
   <p:cSld name="Title and Content 1st level color text">
     <p:bg>
@@ -5193,7 +5944,7 @@
 </p:sldLayout>
 </file>
 
-<file path=ppt/slideLayouts/slideLayout128.xml><?xml version="1.0" encoding="utf-8"?>
+<file path=ppt/slideLayouts/slideLayout129.xml><?xml version="1.0" encoding="utf-8"?>
 <p:sldLayout xmlns:a="http://schemas.openxmlformats.org/drawingml/2006/main" xmlns:r="http://schemas.openxmlformats.org/officeDocument/2006/relationships" xmlns:p="http://schemas.openxmlformats.org/presentationml/2006/main" preserve="1">
   <p:cSld name="Title and Content">
     <p:bg>
@@ -5307,272 +6058,6 @@
     <p:extLst>
       <p:ext uri="{BB962C8B-B14F-4D97-AF65-F5344CB8AC3E}">
         <p14:creationId xmlns:p14="http://schemas.microsoft.com/office/powerpoint/2010/main" val="3826014844"/>
-      </p:ext>
-    </p:extLst>
-  </p:cSld>
-  <p:clrMapOvr>
-    <a:overrideClrMapping bg1="lt1" tx1="dk1" bg2="lt2" tx2="dk2" accent1="accent1" accent2="accent2" accent3="accent3" accent4="accent4" accent5="accent5" accent6="accent6" hlink="hlink" folHlink="folHlink"/>
-  </p:clrMapOvr>
-  <p:transition>
-    <p:fade/>
-  </p:transition>
-</p:sldLayout>
-</file>
-
-<file path=ppt/slideLayouts/slideLayout129.xml><?xml version="1.0" encoding="utf-8"?>
-<p:sldLayout xmlns:a="http://schemas.openxmlformats.org/drawingml/2006/main" xmlns:r="http://schemas.openxmlformats.org/officeDocument/2006/relationships" xmlns:p="http://schemas.openxmlformats.org/presentationml/2006/main" preserve="1">
-  <p:cSld name="Two Column 2-color Non-bulleted">
-    <p:bg>
-      <p:bgPr>
-        <a:solidFill>
-          <a:srgbClr val="F8F8F8"/>
-        </a:solidFill>
-        <a:effectLst/>
-      </p:bgPr>
-    </p:bg>
-    <p:spTree>
-      <p:nvGrpSpPr>
-        <p:cNvPr id="1" name=""/>
-        <p:cNvGrpSpPr/>
-        <p:nvPr/>
-      </p:nvGrpSpPr>
-      <p:grpSpPr>
-        <a:xfrm>
-          <a:off x="0" y="0"/>
-          <a:ext cx="0" cy="0"/>
-          <a:chOff x="0" y="0"/>
-          <a:chExt cx="0" cy="0"/>
-        </a:xfrm>
-      </p:grpSpPr>
-      <p:sp>
-        <p:nvSpPr>
-          <p:cNvPr id="2" name="Title 1"/>
-          <p:cNvSpPr>
-            <a:spLocks noGrp="1"/>
-          </p:cNvSpPr>
-          <p:nvPr>
-            <p:ph type="title"/>
-          </p:nvPr>
-        </p:nvSpPr>
-        <p:spPr/>
-        <p:txBody>
-          <a:bodyPr/>
-          <a:lstStyle/>
-          <a:p>
-            <a:r>
-              <a:rPr lang="en-US"/>
-              <a:t>Click to edit Master title style</a:t>
-            </a:r>
-            <a:endParaRPr lang="en-US" dirty="0"/>
-          </a:p>
-        </p:txBody>
-      </p:sp>
-      <p:sp>
-        <p:nvSpPr>
-          <p:cNvPr id="4" name="Text Placeholder 3"/>
-          <p:cNvSpPr>
-            <a:spLocks noGrp="1"/>
-          </p:cNvSpPr>
-          <p:nvPr>
-            <p:ph type="body" sz="quarter" idx="10"/>
-          </p:nvPr>
-        </p:nvSpPr>
-        <p:spPr>
-          <a:xfrm>
-            <a:off x="274641" y="1212849"/>
-            <a:ext cx="5486399" cy="1914370"/>
-          </a:xfrm>
-        </p:spPr>
-        <p:txBody>
-          <a:bodyPr wrap="square">
-            <a:spAutoFit/>
-          </a:bodyPr>
-          <a:lstStyle>
-            <a:lvl1pPr marL="0" indent="0">
-              <a:spcBef>
-                <a:spcPts val="1224"/>
-              </a:spcBef>
-              <a:buClr>
-                <a:schemeClr val="tx1"/>
-              </a:buClr>
-              <a:buFont typeface="Wingdings" pitchFamily="2" charset="2"/>
-              <a:buNone/>
-              <a:defRPr sz="3198">
-                <a:gradFill>
-                  <a:gsLst>
-                    <a:gs pos="1250">
-                      <a:schemeClr val="tx2"/>
-                    </a:gs>
-                    <a:gs pos="99000">
-                      <a:schemeClr val="tx2"/>
-                    </a:gs>
-                  </a:gsLst>
-                  <a:lin ang="5400000" scaled="0"/>
-                </a:gradFill>
-              </a:defRPr>
-            </a:lvl1pPr>
-            <a:lvl2pPr marL="0" indent="0">
-              <a:buNone/>
-              <a:defRPr sz="2000"/>
-            </a:lvl2pPr>
-            <a:lvl3pPr marL="231686" indent="0">
-              <a:buNone/>
-              <a:tabLst/>
-              <a:defRPr sz="2000"/>
-            </a:lvl3pPr>
-            <a:lvl4pPr marL="460198" indent="0">
-              <a:buNone/>
-              <a:defRPr/>
-            </a:lvl4pPr>
-            <a:lvl5pPr marL="685537" indent="0">
-              <a:buNone/>
-              <a:tabLst/>
-              <a:defRPr/>
-            </a:lvl5pPr>
-          </a:lstStyle>
-          <a:p>
-            <a:pPr lvl="0"/>
-            <a:r>
-              <a:rPr lang="en-US"/>
-              <a:t>Edit Master text styles</a:t>
-            </a:r>
-          </a:p>
-          <a:p>
-            <a:pPr lvl="1"/>
-            <a:r>
-              <a:rPr lang="en-US"/>
-              <a:t>Second level</a:t>
-            </a:r>
-          </a:p>
-          <a:p>
-            <a:pPr lvl="2"/>
-            <a:r>
-              <a:rPr lang="en-US"/>
-              <a:t>Third level</a:t>
-            </a:r>
-          </a:p>
-          <a:p>
-            <a:pPr lvl="3"/>
-            <a:r>
-              <a:rPr lang="en-US"/>
-              <a:t>Fourth level</a:t>
-            </a:r>
-          </a:p>
-          <a:p>
-            <a:pPr lvl="4"/>
-            <a:r>
-              <a:rPr lang="en-US"/>
-              <a:t>Fifth level</a:t>
-            </a:r>
-            <a:endParaRPr lang="en-US" dirty="0"/>
-          </a:p>
-        </p:txBody>
-      </p:sp>
-      <p:sp>
-        <p:nvSpPr>
-          <p:cNvPr id="5" name="Text Placeholder 3"/>
-          <p:cNvSpPr>
-            <a:spLocks noGrp="1"/>
-          </p:cNvSpPr>
-          <p:nvPr>
-            <p:ph type="body" sz="quarter" idx="11"/>
-          </p:nvPr>
-        </p:nvSpPr>
-        <p:spPr>
-          <a:xfrm>
-            <a:off x="6675439" y="1212849"/>
-            <a:ext cx="5486399" cy="1914370"/>
-          </a:xfrm>
-        </p:spPr>
-        <p:txBody>
-          <a:bodyPr wrap="square">
-            <a:spAutoFit/>
-          </a:bodyPr>
-          <a:lstStyle>
-            <a:lvl1pPr marL="0" indent="0">
-              <a:spcBef>
-                <a:spcPts val="1224"/>
-              </a:spcBef>
-              <a:buClr>
-                <a:schemeClr val="tx1"/>
-              </a:buClr>
-              <a:buFont typeface="Wingdings" pitchFamily="2" charset="2"/>
-              <a:buNone/>
-              <a:defRPr sz="3198">
-                <a:gradFill>
-                  <a:gsLst>
-                    <a:gs pos="1250">
-                      <a:schemeClr val="tx2"/>
-                    </a:gs>
-                    <a:gs pos="99000">
-                      <a:schemeClr val="tx2"/>
-                    </a:gs>
-                  </a:gsLst>
-                  <a:lin ang="5400000" scaled="0"/>
-                </a:gradFill>
-              </a:defRPr>
-            </a:lvl1pPr>
-            <a:lvl2pPr marL="0" indent="0">
-              <a:buNone/>
-              <a:defRPr sz="2000"/>
-            </a:lvl2pPr>
-            <a:lvl3pPr marL="231686" indent="0">
-              <a:buNone/>
-              <a:tabLst/>
-              <a:defRPr sz="2000"/>
-            </a:lvl3pPr>
-            <a:lvl4pPr marL="460198" indent="0">
-              <a:buNone/>
-              <a:defRPr/>
-            </a:lvl4pPr>
-            <a:lvl5pPr marL="685537" indent="0">
-              <a:buNone/>
-              <a:tabLst/>
-              <a:defRPr/>
-            </a:lvl5pPr>
-          </a:lstStyle>
-          <a:p>
-            <a:pPr lvl="0"/>
-            <a:r>
-              <a:rPr lang="en-US"/>
-              <a:t>Edit Master text styles</a:t>
-            </a:r>
-          </a:p>
-          <a:p>
-            <a:pPr lvl="1"/>
-            <a:r>
-              <a:rPr lang="en-US"/>
-              <a:t>Second level</a:t>
-            </a:r>
-          </a:p>
-          <a:p>
-            <a:pPr lvl="2"/>
-            <a:r>
-              <a:rPr lang="en-US"/>
-              <a:t>Third level</a:t>
-            </a:r>
-          </a:p>
-          <a:p>
-            <a:pPr lvl="3"/>
-            <a:r>
-              <a:rPr lang="en-US"/>
-              <a:t>Fourth level</a:t>
-            </a:r>
-          </a:p>
-          <a:p>
-            <a:pPr lvl="4"/>
-            <a:r>
-              <a:rPr lang="en-US"/>
-              <a:t>Fifth level</a:t>
-            </a:r>
-            <a:endParaRPr lang="en-US" dirty="0"/>
-          </a:p>
-        </p:txBody>
-      </p:sp>
-    </p:spTree>
-    <p:extLst>
-      <p:ext uri="{BB962C8B-B14F-4D97-AF65-F5344CB8AC3E}">
-        <p14:creationId xmlns:p14="http://schemas.microsoft.com/office/powerpoint/2010/main" val="3216683527"/>
       </p:ext>
     </p:extLst>
   </p:cSld>
@@ -5656,6 +6141,36 @@
           </a:p>
         </p:txBody>
       </p:sp>
+      <p:pic>
+        <p:nvPicPr>
+          <p:cNvPr id="3" name="Picture 2"/>
+          <p:cNvPicPr>
+            <a:picLocks noChangeAspect="1"/>
+          </p:cNvPicPr>
+          <p:nvPr userDrawn="1"/>
+        </p:nvPicPr>
+        <p:blipFill>
+          <a:blip r:embed="rId2">
+            <a:extLst>
+              <a:ext uri="{28A0092B-C50C-407E-A947-70E740481C1C}">
+                <a14:useLocalDpi xmlns:a14="http://schemas.microsoft.com/office/drawing/2010/main" val="0"/>
+              </a:ext>
+            </a:extLst>
+          </a:blip>
+          <a:stretch>
+            <a:fillRect/>
+          </a:stretch>
+        </p:blipFill>
+        <p:spPr>
+          <a:xfrm>
+            <a:off x="274701" y="5953766"/>
+            <a:ext cx="952583" cy="845893"/>
+          </a:xfrm>
+          <a:prstGeom prst="rect">
+            <a:avLst/>
+          </a:prstGeom>
+        </p:spPr>
+      </p:pic>
     </p:spTree>
     <p:extLst>
       <p:ext uri="{BB962C8B-B14F-4D97-AF65-F5344CB8AC3E}">
@@ -5682,6 +6197,272 @@
 </file>
 
 <file path=ppt/slideLayouts/slideLayout130.xml><?xml version="1.0" encoding="utf-8"?>
+<p:sldLayout xmlns:a="http://schemas.openxmlformats.org/drawingml/2006/main" xmlns:r="http://schemas.openxmlformats.org/officeDocument/2006/relationships" xmlns:p="http://schemas.openxmlformats.org/presentationml/2006/main" preserve="1">
+  <p:cSld name="Two Column 2-color Non-bulleted">
+    <p:bg>
+      <p:bgPr>
+        <a:solidFill>
+          <a:srgbClr val="F8F8F8"/>
+        </a:solidFill>
+        <a:effectLst/>
+      </p:bgPr>
+    </p:bg>
+    <p:spTree>
+      <p:nvGrpSpPr>
+        <p:cNvPr id="1" name=""/>
+        <p:cNvGrpSpPr/>
+        <p:nvPr/>
+      </p:nvGrpSpPr>
+      <p:grpSpPr>
+        <a:xfrm>
+          <a:off x="0" y="0"/>
+          <a:ext cx="0" cy="0"/>
+          <a:chOff x="0" y="0"/>
+          <a:chExt cx="0" cy="0"/>
+        </a:xfrm>
+      </p:grpSpPr>
+      <p:sp>
+        <p:nvSpPr>
+          <p:cNvPr id="2" name="Title 1"/>
+          <p:cNvSpPr>
+            <a:spLocks noGrp="1"/>
+          </p:cNvSpPr>
+          <p:nvPr>
+            <p:ph type="title"/>
+          </p:nvPr>
+        </p:nvSpPr>
+        <p:spPr/>
+        <p:txBody>
+          <a:bodyPr/>
+          <a:lstStyle/>
+          <a:p>
+            <a:r>
+              <a:rPr lang="en-US"/>
+              <a:t>Click to edit Master title style</a:t>
+            </a:r>
+            <a:endParaRPr lang="en-US" dirty="0"/>
+          </a:p>
+        </p:txBody>
+      </p:sp>
+      <p:sp>
+        <p:nvSpPr>
+          <p:cNvPr id="4" name="Text Placeholder 3"/>
+          <p:cNvSpPr>
+            <a:spLocks noGrp="1"/>
+          </p:cNvSpPr>
+          <p:nvPr>
+            <p:ph type="body" sz="quarter" idx="10"/>
+          </p:nvPr>
+        </p:nvSpPr>
+        <p:spPr>
+          <a:xfrm>
+            <a:off x="274641" y="1212849"/>
+            <a:ext cx="5486399" cy="1914370"/>
+          </a:xfrm>
+        </p:spPr>
+        <p:txBody>
+          <a:bodyPr wrap="square">
+            <a:spAutoFit/>
+          </a:bodyPr>
+          <a:lstStyle>
+            <a:lvl1pPr marL="0" indent="0">
+              <a:spcBef>
+                <a:spcPts val="1224"/>
+              </a:spcBef>
+              <a:buClr>
+                <a:schemeClr val="tx1"/>
+              </a:buClr>
+              <a:buFont typeface="Wingdings" pitchFamily="2" charset="2"/>
+              <a:buNone/>
+              <a:defRPr sz="3198">
+                <a:gradFill>
+                  <a:gsLst>
+                    <a:gs pos="1250">
+                      <a:schemeClr val="tx2"/>
+                    </a:gs>
+                    <a:gs pos="99000">
+                      <a:schemeClr val="tx2"/>
+                    </a:gs>
+                  </a:gsLst>
+                  <a:lin ang="5400000" scaled="0"/>
+                </a:gradFill>
+              </a:defRPr>
+            </a:lvl1pPr>
+            <a:lvl2pPr marL="0" indent="0">
+              <a:buNone/>
+              <a:defRPr sz="2000"/>
+            </a:lvl2pPr>
+            <a:lvl3pPr marL="231686" indent="0">
+              <a:buNone/>
+              <a:tabLst/>
+              <a:defRPr sz="2000"/>
+            </a:lvl3pPr>
+            <a:lvl4pPr marL="460198" indent="0">
+              <a:buNone/>
+              <a:defRPr/>
+            </a:lvl4pPr>
+            <a:lvl5pPr marL="685537" indent="0">
+              <a:buNone/>
+              <a:tabLst/>
+              <a:defRPr/>
+            </a:lvl5pPr>
+          </a:lstStyle>
+          <a:p>
+            <a:pPr lvl="0"/>
+            <a:r>
+              <a:rPr lang="en-US"/>
+              <a:t>Edit Master text styles</a:t>
+            </a:r>
+          </a:p>
+          <a:p>
+            <a:pPr lvl="1"/>
+            <a:r>
+              <a:rPr lang="en-US"/>
+              <a:t>Second level</a:t>
+            </a:r>
+          </a:p>
+          <a:p>
+            <a:pPr lvl="2"/>
+            <a:r>
+              <a:rPr lang="en-US"/>
+              <a:t>Third level</a:t>
+            </a:r>
+          </a:p>
+          <a:p>
+            <a:pPr lvl="3"/>
+            <a:r>
+              <a:rPr lang="en-US"/>
+              <a:t>Fourth level</a:t>
+            </a:r>
+          </a:p>
+          <a:p>
+            <a:pPr lvl="4"/>
+            <a:r>
+              <a:rPr lang="en-US"/>
+              <a:t>Fifth level</a:t>
+            </a:r>
+            <a:endParaRPr lang="en-US" dirty="0"/>
+          </a:p>
+        </p:txBody>
+      </p:sp>
+      <p:sp>
+        <p:nvSpPr>
+          <p:cNvPr id="5" name="Text Placeholder 3"/>
+          <p:cNvSpPr>
+            <a:spLocks noGrp="1"/>
+          </p:cNvSpPr>
+          <p:nvPr>
+            <p:ph type="body" sz="quarter" idx="11"/>
+          </p:nvPr>
+        </p:nvSpPr>
+        <p:spPr>
+          <a:xfrm>
+            <a:off x="6675439" y="1212849"/>
+            <a:ext cx="5486399" cy="1914370"/>
+          </a:xfrm>
+        </p:spPr>
+        <p:txBody>
+          <a:bodyPr wrap="square">
+            <a:spAutoFit/>
+          </a:bodyPr>
+          <a:lstStyle>
+            <a:lvl1pPr marL="0" indent="0">
+              <a:spcBef>
+                <a:spcPts val="1224"/>
+              </a:spcBef>
+              <a:buClr>
+                <a:schemeClr val="tx1"/>
+              </a:buClr>
+              <a:buFont typeface="Wingdings" pitchFamily="2" charset="2"/>
+              <a:buNone/>
+              <a:defRPr sz="3198">
+                <a:gradFill>
+                  <a:gsLst>
+                    <a:gs pos="1250">
+                      <a:schemeClr val="tx2"/>
+                    </a:gs>
+                    <a:gs pos="99000">
+                      <a:schemeClr val="tx2"/>
+                    </a:gs>
+                  </a:gsLst>
+                  <a:lin ang="5400000" scaled="0"/>
+                </a:gradFill>
+              </a:defRPr>
+            </a:lvl1pPr>
+            <a:lvl2pPr marL="0" indent="0">
+              <a:buNone/>
+              <a:defRPr sz="2000"/>
+            </a:lvl2pPr>
+            <a:lvl3pPr marL="231686" indent="0">
+              <a:buNone/>
+              <a:tabLst/>
+              <a:defRPr sz="2000"/>
+            </a:lvl3pPr>
+            <a:lvl4pPr marL="460198" indent="0">
+              <a:buNone/>
+              <a:defRPr/>
+            </a:lvl4pPr>
+            <a:lvl5pPr marL="685537" indent="0">
+              <a:buNone/>
+              <a:tabLst/>
+              <a:defRPr/>
+            </a:lvl5pPr>
+          </a:lstStyle>
+          <a:p>
+            <a:pPr lvl="0"/>
+            <a:r>
+              <a:rPr lang="en-US"/>
+              <a:t>Edit Master text styles</a:t>
+            </a:r>
+          </a:p>
+          <a:p>
+            <a:pPr lvl="1"/>
+            <a:r>
+              <a:rPr lang="en-US"/>
+              <a:t>Second level</a:t>
+            </a:r>
+          </a:p>
+          <a:p>
+            <a:pPr lvl="2"/>
+            <a:r>
+              <a:rPr lang="en-US"/>
+              <a:t>Third level</a:t>
+            </a:r>
+          </a:p>
+          <a:p>
+            <a:pPr lvl="3"/>
+            <a:r>
+              <a:rPr lang="en-US"/>
+              <a:t>Fourth level</a:t>
+            </a:r>
+          </a:p>
+          <a:p>
+            <a:pPr lvl="4"/>
+            <a:r>
+              <a:rPr lang="en-US"/>
+              <a:t>Fifth level</a:t>
+            </a:r>
+            <a:endParaRPr lang="en-US" dirty="0"/>
+          </a:p>
+        </p:txBody>
+      </p:sp>
+    </p:spTree>
+    <p:extLst>
+      <p:ext uri="{BB962C8B-B14F-4D97-AF65-F5344CB8AC3E}">
+        <p14:creationId xmlns:p14="http://schemas.microsoft.com/office/powerpoint/2010/main" val="3216683527"/>
+      </p:ext>
+    </p:extLst>
+  </p:cSld>
+  <p:clrMapOvr>
+    <a:overrideClrMapping bg1="lt1" tx1="dk1" bg2="lt2" tx2="dk2" accent1="accent1" accent2="accent2" accent3="accent3" accent4="accent4" accent5="accent5" accent6="accent6" hlink="hlink" folHlink="folHlink"/>
+  </p:clrMapOvr>
+  <p:transition>
+    <p:fade/>
+  </p:transition>
+</p:sldLayout>
+</file>
+
+<file path=ppt/slideLayouts/slideLayout131.xml><?xml version="1.0" encoding="utf-8"?>
 <p:sldLayout xmlns:a="http://schemas.openxmlformats.org/drawingml/2006/main" xmlns:r="http://schemas.openxmlformats.org/officeDocument/2006/relationships" xmlns:p="http://schemas.openxmlformats.org/presentationml/2006/main" preserve="1">
   <p:cSld name="Two Column Non-bulleted text">
     <p:bg>
@@ -5923,7 +6704,7 @@
 </p:sldLayout>
 </file>
 
-<file path=ppt/slideLayouts/slideLayout131.xml><?xml version="1.0" encoding="utf-8"?>
+<file path=ppt/slideLayouts/slideLayout132.xml><?xml version="1.0" encoding="utf-8"?>
 <p:sldLayout xmlns:a="http://schemas.openxmlformats.org/drawingml/2006/main" xmlns:r="http://schemas.openxmlformats.org/officeDocument/2006/relationships" xmlns:p="http://schemas.openxmlformats.org/presentationml/2006/main" preserve="1">
   <p:cSld name="Two Column Bullet text 1st level color">
     <p:bg>
@@ -6181,7 +6962,7 @@
 </p:sldLayout>
 </file>
 
-<file path=ppt/slideLayouts/slideLayout132.xml><?xml version="1.0" encoding="utf-8"?>
+<file path=ppt/slideLayouts/slideLayout133.xml><?xml version="1.0" encoding="utf-8"?>
 <p:sldLayout xmlns:a="http://schemas.openxmlformats.org/drawingml/2006/main" xmlns:r="http://schemas.openxmlformats.org/officeDocument/2006/relationships" xmlns:p="http://schemas.openxmlformats.org/presentationml/2006/main" preserve="1">
   <p:cSld name="Two Column Bullet text">
     <p:bg>
@@ -6415,7 +7196,7 @@
 </p:sldLayout>
 </file>
 
-<file path=ppt/slideLayouts/slideLayout133.xml><?xml version="1.0" encoding="utf-8"?>
+<file path=ppt/slideLayouts/slideLayout134.xml><?xml version="1.0" encoding="utf-8"?>
 <p:sldLayout xmlns:a="http://schemas.openxmlformats.org/drawingml/2006/main" xmlns:r="http://schemas.openxmlformats.org/officeDocument/2006/relationships" xmlns:p="http://schemas.openxmlformats.org/presentationml/2006/main" preserve="1">
   <p:cSld name="Title Only">
     <p:bg>
@@ -6479,7 +7260,7 @@
 </p:sldLayout>
 </file>
 
-<file path=ppt/slideLayouts/slideLayout134.xml><?xml version="1.0" encoding="utf-8"?>
+<file path=ppt/slideLayouts/slideLayout135.xml><?xml version="1.0" encoding="utf-8"?>
 <p:sldLayout xmlns:a="http://schemas.openxmlformats.org/drawingml/2006/main" xmlns:r="http://schemas.openxmlformats.org/officeDocument/2006/relationships" xmlns:p="http://schemas.openxmlformats.org/presentationml/2006/main" preserve="1">
   <p:cSld name="Customer Evidence Slide">
     <p:bg bwMode="gray">
@@ -6931,7 +7712,7 @@
 </p:sldLayout>
 </file>
 
-<file path=ppt/slideLayouts/slideLayout135.xml><?xml version="1.0" encoding="utf-8"?>
+<file path=ppt/slideLayouts/slideLayout136.xml><?xml version="1.0" encoding="utf-8"?>
 <p:sldLayout xmlns:a="http://schemas.openxmlformats.org/drawingml/2006/main" xmlns:r="http://schemas.openxmlformats.org/officeDocument/2006/relationships" xmlns:p="http://schemas.openxmlformats.org/presentationml/2006/main" preserve="1">
   <p:cSld name="Demo slide">
     <p:bg>
@@ -7076,7 +7857,7 @@
 </p:sldLayout>
 </file>
 
-<file path=ppt/slideLayouts/slideLayout136.xml><?xml version="1.0" encoding="utf-8"?>
+<file path=ppt/slideLayouts/slideLayout137.xml><?xml version="1.0" encoding="utf-8"?>
 <p:sldLayout xmlns:a="http://schemas.openxmlformats.org/drawingml/2006/main" xmlns:r="http://schemas.openxmlformats.org/officeDocument/2006/relationships" xmlns:p="http://schemas.openxmlformats.org/presentationml/2006/main" preserve="1">
   <p:cSld name="Video slide">
     <p:bg>
@@ -7172,7 +7953,7 @@
 </p:sldLayout>
 </file>
 
-<file path=ppt/slideLayouts/slideLayout137.xml><?xml version="1.0" encoding="utf-8"?>
+<file path=ppt/slideLayouts/slideLayout138.xml><?xml version="1.0" encoding="utf-8"?>
 <p:sldLayout xmlns:a="http://schemas.openxmlformats.org/drawingml/2006/main" xmlns:r="http://schemas.openxmlformats.org/officeDocument/2006/relationships" xmlns:p="http://schemas.openxmlformats.org/presentationml/2006/main" preserve="1">
   <p:cSld name="Section Title Accent Color 1">
     <p:bg>
@@ -7259,7 +8040,7 @@
 </p:sldLayout>
 </file>
 
-<file path=ppt/slideLayouts/slideLayout138.xml><?xml version="1.0" encoding="utf-8"?>
+<file path=ppt/slideLayouts/slideLayout139.xml><?xml version="1.0" encoding="utf-8"?>
 <p:sldLayout xmlns:a="http://schemas.openxmlformats.org/drawingml/2006/main" xmlns:r="http://schemas.openxmlformats.org/officeDocument/2006/relationships" xmlns:p="http://schemas.openxmlformats.org/presentationml/2006/main" preserve="1">
   <p:cSld name="Section Title Accent Color 2">
     <p:bg>
@@ -7339,152 +8120,6 @@
   </p:cSld>
   <p:clrMapOvr>
     <a:overrideClrMapping bg1="dk1" tx1="lt1" bg2="dk2" tx2="lt2" accent1="accent1" accent2="accent2" accent3="accent3" accent4="accent4" accent5="accent5" accent6="accent6" hlink="hlink" folHlink="folHlink"/>
-  </p:clrMapOvr>
-  <p:transition>
-    <p:fade/>
-  </p:transition>
-</p:sldLayout>
-</file>
-
-<file path=ppt/slideLayouts/slideLayout139.xml><?xml version="1.0" encoding="utf-8"?>
-<p:sldLayout xmlns:a="http://schemas.openxmlformats.org/drawingml/2006/main" xmlns:r="http://schemas.openxmlformats.org/officeDocument/2006/relationships" xmlns:p="http://schemas.openxmlformats.org/presentationml/2006/main" preserve="1">
-  <p:cSld name="50-50 Right Photo Layout">
-    <p:bg>
-      <p:bgPr>
-        <a:solidFill>
-          <a:srgbClr val="F8F8F8"/>
-        </a:solidFill>
-        <a:effectLst/>
-      </p:bgPr>
-    </p:bg>
-    <p:spTree>
-      <p:nvGrpSpPr>
-        <p:cNvPr id="1" name=""/>
-        <p:cNvGrpSpPr/>
-        <p:nvPr/>
-      </p:nvGrpSpPr>
-      <p:grpSpPr>
-        <a:xfrm>
-          <a:off x="0" y="0"/>
-          <a:ext cx="0" cy="0"/>
-          <a:chOff x="0" y="0"/>
-          <a:chExt cx="0" cy="0"/>
-        </a:xfrm>
-      </p:grpSpPr>
-      <p:sp>
-        <p:nvSpPr>
-          <p:cNvPr id="2" name="Title 1"/>
-          <p:cNvSpPr>
-            <a:spLocks noGrp="1"/>
-          </p:cNvSpPr>
-          <p:nvPr>
-            <p:ph type="title" hasCustomPrompt="1"/>
-          </p:nvPr>
-        </p:nvSpPr>
-        <p:spPr>
-          <a:xfrm>
-            <a:off x="274641" y="1241426"/>
-            <a:ext cx="5486399" cy="2012859"/>
-          </a:xfrm>
-        </p:spPr>
-        <p:txBody>
-          <a:bodyPr>
-            <a:spAutoFit/>
-          </a:bodyPr>
-          <a:lstStyle>
-            <a:lvl1pPr>
-              <a:defRPr sz="6598" baseline="0">
-                <a:gradFill>
-                  <a:gsLst>
-                    <a:gs pos="1250">
-                      <a:schemeClr val="tx1"/>
-                    </a:gs>
-                    <a:gs pos="100000">
-                      <a:schemeClr val="tx1"/>
-                    </a:gs>
-                  </a:gsLst>
-                  <a:lin ang="5400000" scaled="0"/>
-                </a:gradFill>
-              </a:defRPr>
-            </a:lvl1pPr>
-          </a:lstStyle>
-          <a:p>
-            <a:r>
-              <a:rPr lang="en-US" dirty="0"/>
-              <a:t>50/50 photo layout</a:t>
-            </a:r>
-          </a:p>
-        </p:txBody>
-      </p:sp>
-      <p:sp>
-        <p:nvSpPr>
-          <p:cNvPr id="5" name="Picture Placeholder 4"/>
-          <p:cNvSpPr>
-            <a:spLocks noGrp="1"/>
-          </p:cNvSpPr>
-          <p:nvPr>
-            <p:ph type="pic" sz="quarter" idx="10"/>
-          </p:nvPr>
-        </p:nvSpPr>
-        <p:spPr bwMode="ltGray">
-          <a:xfrm>
-            <a:off x="6219825" y="0"/>
-            <a:ext cx="6216650" cy="6992587"/>
-          </a:xfrm>
-          <a:blipFill>
-            <a:blip r:embed="rId2">
-              <a:extLst>
-                <a:ext uri="{28A0092B-C50C-407E-A947-70E740481C1C}">
-                  <a14:useLocalDpi xmlns:a14="http://schemas.microsoft.com/office/drawing/2010/main" val="0"/>
-                </a:ext>
-              </a:extLst>
-            </a:blip>
-            <a:stretch>
-              <a:fillRect/>
-            </a:stretch>
-          </a:blipFill>
-        </p:spPr>
-        <p:txBody>
-          <a:bodyPr tIns="548640" anchor="ctr" anchorCtr="0">
-            <a:noAutofit/>
-          </a:bodyPr>
-          <a:lstStyle>
-            <a:lvl1pPr marL="0" indent="0" algn="ctr">
-              <a:buNone/>
-              <a:defRPr sz="1598" b="1" cap="none" baseline="0">
-                <a:gradFill>
-                  <a:gsLst>
-                    <a:gs pos="0">
-                      <a:srgbClr val="FFFFFF"/>
-                    </a:gs>
-                    <a:gs pos="27000">
-                      <a:srgbClr val="FFFFFF"/>
-                    </a:gs>
-                  </a:gsLst>
-                  <a:lin ang="5400000" scaled="0"/>
-                </a:gradFill>
-                <a:latin typeface="+mn-lt"/>
-              </a:defRPr>
-            </a:lvl1pPr>
-          </a:lstStyle>
-          <a:p>
-            <a:r>
-              <a:rPr lang="en-US"/>
-              <a:t>Click icon to add picture</a:t>
-            </a:r>
-            <a:endParaRPr lang="en-US" dirty="0"/>
-          </a:p>
-        </p:txBody>
-      </p:sp>
-    </p:spTree>
-    <p:extLst>
-      <p:ext uri="{BB962C8B-B14F-4D97-AF65-F5344CB8AC3E}">
-        <p14:creationId xmlns:p14="http://schemas.microsoft.com/office/powerpoint/2010/main" val="1658479813"/>
-      </p:ext>
-    </p:extLst>
-  </p:cSld>
-  <p:clrMapOvr>
-    <a:overrideClrMapping bg1="lt1" tx1="dk1" bg2="lt2" tx2="dk2" accent1="accent1" accent2="accent2" accent3="accent3" accent4="accent4" accent5="accent5" accent6="accent6" hlink="hlink" folHlink="folHlink"/>
   </p:clrMapOvr>
   <p:transition>
     <p:fade/>
@@ -7563,6 +8198,36 @@
           </a:p>
         </p:txBody>
       </p:sp>
+      <p:pic>
+        <p:nvPicPr>
+          <p:cNvPr id="3" name="Picture 2"/>
+          <p:cNvPicPr>
+            <a:picLocks noChangeAspect="1"/>
+          </p:cNvPicPr>
+          <p:nvPr userDrawn="1"/>
+        </p:nvPicPr>
+        <p:blipFill>
+          <a:blip r:embed="rId2">
+            <a:extLst>
+              <a:ext uri="{28A0092B-C50C-407E-A947-70E740481C1C}">
+                <a14:useLocalDpi xmlns:a14="http://schemas.microsoft.com/office/drawing/2010/main" val="0"/>
+              </a:ext>
+            </a:extLst>
+          </a:blip>
+          <a:stretch>
+            <a:fillRect/>
+          </a:stretch>
+        </p:blipFill>
+        <p:spPr>
+          <a:xfrm>
+            <a:off x="274701" y="5953766"/>
+            <a:ext cx="952583" cy="845893"/>
+          </a:xfrm>
+          <a:prstGeom prst="rect">
+            <a:avLst/>
+          </a:prstGeom>
+        </p:spPr>
+      </p:pic>
     </p:spTree>
     <p:extLst>
       <p:ext uri="{BB962C8B-B14F-4D97-AF65-F5344CB8AC3E}">
@@ -7580,6 +8245,152 @@
 </file>
 
 <file path=ppt/slideLayouts/slideLayout140.xml><?xml version="1.0" encoding="utf-8"?>
+<p:sldLayout xmlns:a="http://schemas.openxmlformats.org/drawingml/2006/main" xmlns:r="http://schemas.openxmlformats.org/officeDocument/2006/relationships" xmlns:p="http://schemas.openxmlformats.org/presentationml/2006/main" preserve="1">
+  <p:cSld name="50-50 Right Photo Layout">
+    <p:bg>
+      <p:bgPr>
+        <a:solidFill>
+          <a:srgbClr val="F8F8F8"/>
+        </a:solidFill>
+        <a:effectLst/>
+      </p:bgPr>
+    </p:bg>
+    <p:spTree>
+      <p:nvGrpSpPr>
+        <p:cNvPr id="1" name=""/>
+        <p:cNvGrpSpPr/>
+        <p:nvPr/>
+      </p:nvGrpSpPr>
+      <p:grpSpPr>
+        <a:xfrm>
+          <a:off x="0" y="0"/>
+          <a:ext cx="0" cy="0"/>
+          <a:chOff x="0" y="0"/>
+          <a:chExt cx="0" cy="0"/>
+        </a:xfrm>
+      </p:grpSpPr>
+      <p:sp>
+        <p:nvSpPr>
+          <p:cNvPr id="2" name="Title 1"/>
+          <p:cNvSpPr>
+            <a:spLocks noGrp="1"/>
+          </p:cNvSpPr>
+          <p:nvPr>
+            <p:ph type="title" hasCustomPrompt="1"/>
+          </p:nvPr>
+        </p:nvSpPr>
+        <p:spPr>
+          <a:xfrm>
+            <a:off x="274641" y="1241426"/>
+            <a:ext cx="5486399" cy="2012859"/>
+          </a:xfrm>
+        </p:spPr>
+        <p:txBody>
+          <a:bodyPr>
+            <a:spAutoFit/>
+          </a:bodyPr>
+          <a:lstStyle>
+            <a:lvl1pPr>
+              <a:defRPr sz="6598" baseline="0">
+                <a:gradFill>
+                  <a:gsLst>
+                    <a:gs pos="1250">
+                      <a:schemeClr val="tx1"/>
+                    </a:gs>
+                    <a:gs pos="100000">
+                      <a:schemeClr val="tx1"/>
+                    </a:gs>
+                  </a:gsLst>
+                  <a:lin ang="5400000" scaled="0"/>
+                </a:gradFill>
+              </a:defRPr>
+            </a:lvl1pPr>
+          </a:lstStyle>
+          <a:p>
+            <a:r>
+              <a:rPr lang="en-US" dirty="0"/>
+              <a:t>50/50 photo layout</a:t>
+            </a:r>
+          </a:p>
+        </p:txBody>
+      </p:sp>
+      <p:sp>
+        <p:nvSpPr>
+          <p:cNvPr id="5" name="Picture Placeholder 4"/>
+          <p:cNvSpPr>
+            <a:spLocks noGrp="1"/>
+          </p:cNvSpPr>
+          <p:nvPr>
+            <p:ph type="pic" sz="quarter" idx="10"/>
+          </p:nvPr>
+        </p:nvSpPr>
+        <p:spPr bwMode="ltGray">
+          <a:xfrm>
+            <a:off x="6219825" y="0"/>
+            <a:ext cx="6216650" cy="6992587"/>
+          </a:xfrm>
+          <a:blipFill>
+            <a:blip r:embed="rId2">
+              <a:extLst>
+                <a:ext uri="{28A0092B-C50C-407E-A947-70E740481C1C}">
+                  <a14:useLocalDpi xmlns:a14="http://schemas.microsoft.com/office/drawing/2010/main" val="0"/>
+                </a:ext>
+              </a:extLst>
+            </a:blip>
+            <a:stretch>
+              <a:fillRect/>
+            </a:stretch>
+          </a:blipFill>
+        </p:spPr>
+        <p:txBody>
+          <a:bodyPr tIns="548640" anchor="ctr" anchorCtr="0">
+            <a:noAutofit/>
+          </a:bodyPr>
+          <a:lstStyle>
+            <a:lvl1pPr marL="0" indent="0" algn="ctr">
+              <a:buNone/>
+              <a:defRPr sz="1598" b="1" cap="none" baseline="0">
+                <a:gradFill>
+                  <a:gsLst>
+                    <a:gs pos="0">
+                      <a:srgbClr val="FFFFFF"/>
+                    </a:gs>
+                    <a:gs pos="27000">
+                      <a:srgbClr val="FFFFFF"/>
+                    </a:gs>
+                  </a:gsLst>
+                  <a:lin ang="5400000" scaled="0"/>
+                </a:gradFill>
+                <a:latin typeface="+mn-lt"/>
+              </a:defRPr>
+            </a:lvl1pPr>
+          </a:lstStyle>
+          <a:p>
+            <a:r>
+              <a:rPr lang="en-US"/>
+              <a:t>Click icon to add picture</a:t>
+            </a:r>
+            <a:endParaRPr lang="en-US" dirty="0"/>
+          </a:p>
+        </p:txBody>
+      </p:sp>
+    </p:spTree>
+    <p:extLst>
+      <p:ext uri="{BB962C8B-B14F-4D97-AF65-F5344CB8AC3E}">
+        <p14:creationId xmlns:p14="http://schemas.microsoft.com/office/powerpoint/2010/main" val="1658479813"/>
+      </p:ext>
+    </p:extLst>
+  </p:cSld>
+  <p:clrMapOvr>
+    <a:overrideClrMapping bg1="lt1" tx1="dk1" bg2="lt2" tx2="dk2" accent1="accent1" accent2="accent2" accent3="accent3" accent4="accent4" accent5="accent5" accent6="accent6" hlink="hlink" folHlink="folHlink"/>
+  </p:clrMapOvr>
+  <p:transition>
+    <p:fade/>
+  </p:transition>
+</p:sldLayout>
+</file>
+
+<file path=ppt/slideLayouts/slideLayout141.xml><?xml version="1.0" encoding="utf-8"?>
 <p:sldLayout xmlns:a="http://schemas.openxmlformats.org/drawingml/2006/main" xmlns:r="http://schemas.openxmlformats.org/officeDocument/2006/relationships" xmlns:p="http://schemas.openxmlformats.org/presentationml/2006/main" preserve="1">
   <p:cSld name="Blank Accent Color 1">
     <p:bg>
@@ -7617,7 +8428,7 @@
 </p:sldLayout>
 </file>
 
-<file path=ppt/slideLayouts/slideLayout141.xml><?xml version="1.0" encoding="utf-8"?>
+<file path=ppt/slideLayouts/slideLayout142.xml><?xml version="1.0" encoding="utf-8"?>
 <p:sldLayout xmlns:a="http://schemas.openxmlformats.org/drawingml/2006/main" xmlns:r="http://schemas.openxmlformats.org/officeDocument/2006/relationships" xmlns:p="http://schemas.openxmlformats.org/presentationml/2006/main" preserve="1">
   <p:cSld name="Blank Accent Color 2">
     <p:bg>
@@ -7658,7 +8469,7 @@
 </p:sldLayout>
 </file>
 
-<file path=ppt/slideLayouts/slideLayout142.xml><?xml version="1.0" encoding="utf-8"?>
+<file path=ppt/slideLayouts/slideLayout143.xml><?xml version="1.0" encoding="utf-8"?>
 <p:sldLayout xmlns:a="http://schemas.openxmlformats.org/drawingml/2006/main" xmlns:r="http://schemas.openxmlformats.org/officeDocument/2006/relationships" xmlns:p="http://schemas.openxmlformats.org/presentationml/2006/main" preserve="1">
   <p:cSld name="Developer Code Layout">
     <p:spTree>
@@ -7938,7 +8749,7 @@
 </p:sldLayout>
 </file>
 
-<file path=ppt/slideLayouts/slideLayout143.xml><?xml version="1.0" encoding="utf-8"?>
+<file path=ppt/slideLayouts/slideLayout144.xml><?xml version="1.0" encoding="utf-8"?>
 <p:sldLayout xmlns:a="http://schemas.openxmlformats.org/drawingml/2006/main" xmlns:r="http://schemas.openxmlformats.org/officeDocument/2006/relationships" xmlns:p="http://schemas.openxmlformats.org/presentationml/2006/main" preserve="1">
   <p:cSld name="Closing logo slide_color">
     <p:bg>
@@ -8006,7 +8817,7 @@
 </p:sldLayout>
 </file>
 
-<file path=ppt/slideLayouts/slideLayout144.xml><?xml version="1.0" encoding="utf-8"?>
+<file path=ppt/slideLayouts/slideLayout145.xml><?xml version="1.0" encoding="utf-8"?>
 <p:sldLayout xmlns:a="http://schemas.openxmlformats.org/drawingml/2006/main" xmlns:r="http://schemas.openxmlformats.org/officeDocument/2006/relationships" xmlns:p="http://schemas.openxmlformats.org/presentationml/2006/main" preserve="1">
   <p:cSld name="Black Notes slide Layout">
     <p:bg bwMode="black">
@@ -8327,7 +9138,7 @@
 </p:sldLayout>
 </file>
 
-<file path=ppt/slideLayouts/slideLayout145.xml><?xml version="1.0" encoding="utf-8"?>
+<file path=ppt/slideLayouts/slideLayout146.xml><?xml version="1.0" encoding="utf-8"?>
 <p:sldLayout xmlns:a="http://schemas.openxmlformats.org/drawingml/2006/main" xmlns:r="http://schemas.openxmlformats.org/officeDocument/2006/relationships" xmlns:p="http://schemas.openxmlformats.org/presentationml/2006/main" preserve="1">
   <p:cSld name="2_Walkin">
     <p:bg bwMode="gray">
@@ -8584,7 +9395,7 @@
 </p:sldLayout>
 </file>
 
-<file path=ppt/slideLayouts/slideLayout146.xml><?xml version="1.0" encoding="utf-8"?>
+<file path=ppt/slideLayouts/slideLayout147.xml><?xml version="1.0" encoding="utf-8"?>
 <p:sldLayout xmlns:a="http://schemas.openxmlformats.org/drawingml/2006/main" xmlns:r="http://schemas.openxmlformats.org/officeDocument/2006/relationships" xmlns:p="http://schemas.openxmlformats.org/presentationml/2006/main" preserve="1">
   <p:cSld name="Title Slide">
     <p:bg bwMode="gray">
@@ -8866,7 +9677,7 @@
 </p:sldLayout>
 </file>
 
-<file path=ppt/slideLayouts/slideLayout147.xml><?xml version="1.0" encoding="utf-8"?>
+<file path=ppt/slideLayouts/slideLayout148.xml><?xml version="1.0" encoding="utf-8"?>
 <p:sldLayout xmlns:a="http://schemas.openxmlformats.org/drawingml/2006/main" xmlns:r="http://schemas.openxmlformats.org/officeDocument/2006/relationships" xmlns:p="http://schemas.openxmlformats.org/presentationml/2006/main" preserve="1">
   <p:cSld name="Title &amp; 2-color Non-bulleted text">
     <p:bg>
@@ -9021,7 +9832,7 @@
 </p:sldLayout>
 </file>
 
-<file path=ppt/slideLayouts/slideLayout148.xml><?xml version="1.0" encoding="utf-8"?>
+<file path=ppt/slideLayouts/slideLayout149.xml><?xml version="1.0" encoding="utf-8"?>
 <p:sldLayout xmlns:a="http://schemas.openxmlformats.org/drawingml/2006/main" xmlns:r="http://schemas.openxmlformats.org/officeDocument/2006/relationships" xmlns:p="http://schemas.openxmlformats.org/presentationml/2006/main" preserve="1">
   <p:cSld name="Title &amp; Non-bulleted text">
     <p:bg>
@@ -9164,144 +9975,6 @@
     <p:extLst>
       <p:ext uri="{BB962C8B-B14F-4D97-AF65-F5344CB8AC3E}">
         <p14:creationId xmlns:p14="http://schemas.microsoft.com/office/powerpoint/2010/main" val="1713149605"/>
-      </p:ext>
-    </p:extLst>
-  </p:cSld>
-  <p:clrMapOvr>
-    <a:overrideClrMapping bg1="lt1" tx1="dk1" bg2="lt2" tx2="dk2" accent1="accent1" accent2="accent2" accent3="accent3" accent4="accent4" accent5="accent5" accent6="accent6" hlink="hlink" folHlink="folHlink"/>
-  </p:clrMapOvr>
-  <p:transition>
-    <p:fade/>
-  </p:transition>
-</p:sldLayout>
-</file>
-
-<file path=ppt/slideLayouts/slideLayout149.xml><?xml version="1.0" encoding="utf-8"?>
-<p:sldLayout xmlns:a="http://schemas.openxmlformats.org/drawingml/2006/main" xmlns:r="http://schemas.openxmlformats.org/officeDocument/2006/relationships" xmlns:p="http://schemas.openxmlformats.org/presentationml/2006/main" preserve="1">
-  <p:cSld name="Title and Content 1st level color text">
-    <p:bg>
-      <p:bgPr>
-        <a:solidFill>
-          <a:srgbClr val="F8F8F8"/>
-        </a:solidFill>
-        <a:effectLst/>
-      </p:bgPr>
-    </p:bg>
-    <p:spTree>
-      <p:nvGrpSpPr>
-        <p:cNvPr id="1" name=""/>
-        <p:cNvGrpSpPr/>
-        <p:nvPr/>
-      </p:nvGrpSpPr>
-      <p:grpSpPr>
-        <a:xfrm>
-          <a:off x="0" y="0"/>
-          <a:ext cx="0" cy="0"/>
-          <a:chOff x="0" y="0"/>
-          <a:chExt cx="0" cy="0"/>
-        </a:xfrm>
-      </p:grpSpPr>
-      <p:sp>
-        <p:nvSpPr>
-          <p:cNvPr id="4" name="Text Placeholder 3"/>
-          <p:cNvSpPr>
-            <a:spLocks noGrp="1"/>
-          </p:cNvSpPr>
-          <p:nvPr>
-            <p:ph type="body" sz="quarter" idx="10"/>
-          </p:nvPr>
-        </p:nvSpPr>
-        <p:spPr>
-          <a:xfrm>
-            <a:off x="274639" y="1212850"/>
-            <a:ext cx="11887200" cy="2092881"/>
-          </a:xfrm>
-        </p:spPr>
-        <p:txBody>
-          <a:bodyPr>
-            <a:spAutoFit/>
-          </a:bodyPr>
-          <a:lstStyle>
-            <a:lvl1pPr>
-              <a:defRPr sz="3999">
-                <a:gradFill>
-                  <a:gsLst>
-                    <a:gs pos="1250">
-                      <a:schemeClr val="tx2"/>
-                    </a:gs>
-                    <a:gs pos="99000">
-                      <a:schemeClr val="tx2"/>
-                    </a:gs>
-                  </a:gsLst>
-                  <a:lin ang="5400000" scaled="0"/>
-                </a:gradFill>
-              </a:defRPr>
-            </a:lvl1pPr>
-          </a:lstStyle>
-          <a:p>
-            <a:pPr lvl="0"/>
-            <a:r>
-              <a:rPr lang="en-US"/>
-              <a:t>Edit Master text styles</a:t>
-            </a:r>
-          </a:p>
-          <a:p>
-            <a:pPr lvl="1"/>
-            <a:r>
-              <a:rPr lang="en-US"/>
-              <a:t>Second level</a:t>
-            </a:r>
-          </a:p>
-          <a:p>
-            <a:pPr lvl="2"/>
-            <a:r>
-              <a:rPr lang="en-US"/>
-              <a:t>Third level</a:t>
-            </a:r>
-          </a:p>
-          <a:p>
-            <a:pPr lvl="3"/>
-            <a:r>
-              <a:rPr lang="en-US"/>
-              <a:t>Fourth level</a:t>
-            </a:r>
-          </a:p>
-          <a:p>
-            <a:pPr lvl="4"/>
-            <a:r>
-              <a:rPr lang="en-US"/>
-              <a:t>Fifth level</a:t>
-            </a:r>
-            <a:endParaRPr lang="en-US" dirty="0"/>
-          </a:p>
-        </p:txBody>
-      </p:sp>
-      <p:sp>
-        <p:nvSpPr>
-          <p:cNvPr id="6" name="Title 5"/>
-          <p:cNvSpPr>
-            <a:spLocks noGrp="1"/>
-          </p:cNvSpPr>
-          <p:nvPr>
-            <p:ph type="title"/>
-          </p:nvPr>
-        </p:nvSpPr>
-        <p:spPr/>
-        <p:txBody>
-          <a:bodyPr/>
-          <a:lstStyle/>
-          <a:p>
-            <a:r>
-              <a:rPr lang="en-US"/>
-              <a:t>Click to edit Master title style</a:t>
-            </a:r>
-          </a:p>
-        </p:txBody>
-      </p:sp>
-    </p:spTree>
-    <p:extLst>
-      <p:ext uri="{BB962C8B-B14F-4D97-AF65-F5344CB8AC3E}">
-        <p14:creationId xmlns:p14="http://schemas.microsoft.com/office/powerpoint/2010/main" val="2032848903"/>
       </p:ext>
     </p:extLst>
   </p:cSld>
@@ -9385,6 +10058,66 @@
           </a:p>
         </p:txBody>
       </p:sp>
+      <p:pic>
+        <p:nvPicPr>
+          <p:cNvPr id="3" name="Picture 2"/>
+          <p:cNvPicPr>
+            <a:picLocks noChangeAspect="1"/>
+          </p:cNvPicPr>
+          <p:nvPr userDrawn="1"/>
+        </p:nvPicPr>
+        <p:blipFill>
+          <a:blip r:embed="rId2">
+            <a:extLst>
+              <a:ext uri="{28A0092B-C50C-407E-A947-70E740481C1C}">
+                <a14:useLocalDpi xmlns:a14="http://schemas.microsoft.com/office/drawing/2010/main" val="0"/>
+              </a:ext>
+            </a:extLst>
+          </a:blip>
+          <a:stretch>
+            <a:fillRect/>
+          </a:stretch>
+        </p:blipFill>
+        <p:spPr>
+          <a:xfrm>
+            <a:off x="274701" y="5953766"/>
+            <a:ext cx="952583" cy="845893"/>
+          </a:xfrm>
+          <a:prstGeom prst="rect">
+            <a:avLst/>
+          </a:prstGeom>
+        </p:spPr>
+      </p:pic>
+      <p:pic>
+        <p:nvPicPr>
+          <p:cNvPr id="4" name="Picture 3"/>
+          <p:cNvPicPr>
+            <a:picLocks noChangeAspect="1"/>
+          </p:cNvPicPr>
+          <p:nvPr userDrawn="1"/>
+        </p:nvPicPr>
+        <p:blipFill>
+          <a:blip r:embed="rId2">
+            <a:extLst>
+              <a:ext uri="{28A0092B-C50C-407E-A947-70E740481C1C}">
+                <a14:useLocalDpi xmlns:a14="http://schemas.microsoft.com/office/drawing/2010/main" val="0"/>
+              </a:ext>
+            </a:extLst>
+          </a:blip>
+          <a:stretch>
+            <a:fillRect/>
+          </a:stretch>
+        </p:blipFill>
+        <p:spPr>
+          <a:xfrm>
+            <a:off x="427101" y="6106166"/>
+            <a:ext cx="952583" cy="845893"/>
+          </a:xfrm>
+          <a:prstGeom prst="rect">
+            <a:avLst/>
+          </a:prstGeom>
+        </p:spPr>
+      </p:pic>
     </p:spTree>
     <p:extLst>
       <p:ext uri="{BB962C8B-B14F-4D97-AF65-F5344CB8AC3E}">
@@ -9402,6 +10135,144 @@
 </file>
 
 <file path=ppt/slideLayouts/slideLayout150.xml><?xml version="1.0" encoding="utf-8"?>
+<p:sldLayout xmlns:a="http://schemas.openxmlformats.org/drawingml/2006/main" xmlns:r="http://schemas.openxmlformats.org/officeDocument/2006/relationships" xmlns:p="http://schemas.openxmlformats.org/presentationml/2006/main" preserve="1">
+  <p:cSld name="Title and Content 1st level color text">
+    <p:bg>
+      <p:bgPr>
+        <a:solidFill>
+          <a:srgbClr val="F8F8F8"/>
+        </a:solidFill>
+        <a:effectLst/>
+      </p:bgPr>
+    </p:bg>
+    <p:spTree>
+      <p:nvGrpSpPr>
+        <p:cNvPr id="1" name=""/>
+        <p:cNvGrpSpPr/>
+        <p:nvPr/>
+      </p:nvGrpSpPr>
+      <p:grpSpPr>
+        <a:xfrm>
+          <a:off x="0" y="0"/>
+          <a:ext cx="0" cy="0"/>
+          <a:chOff x="0" y="0"/>
+          <a:chExt cx="0" cy="0"/>
+        </a:xfrm>
+      </p:grpSpPr>
+      <p:sp>
+        <p:nvSpPr>
+          <p:cNvPr id="4" name="Text Placeholder 3"/>
+          <p:cNvSpPr>
+            <a:spLocks noGrp="1"/>
+          </p:cNvSpPr>
+          <p:nvPr>
+            <p:ph type="body" sz="quarter" idx="10"/>
+          </p:nvPr>
+        </p:nvSpPr>
+        <p:spPr>
+          <a:xfrm>
+            <a:off x="274639" y="1212850"/>
+            <a:ext cx="11887200" cy="2092881"/>
+          </a:xfrm>
+        </p:spPr>
+        <p:txBody>
+          <a:bodyPr>
+            <a:spAutoFit/>
+          </a:bodyPr>
+          <a:lstStyle>
+            <a:lvl1pPr>
+              <a:defRPr sz="3999">
+                <a:gradFill>
+                  <a:gsLst>
+                    <a:gs pos="1250">
+                      <a:schemeClr val="tx2"/>
+                    </a:gs>
+                    <a:gs pos="99000">
+                      <a:schemeClr val="tx2"/>
+                    </a:gs>
+                  </a:gsLst>
+                  <a:lin ang="5400000" scaled="0"/>
+                </a:gradFill>
+              </a:defRPr>
+            </a:lvl1pPr>
+          </a:lstStyle>
+          <a:p>
+            <a:pPr lvl="0"/>
+            <a:r>
+              <a:rPr lang="en-US"/>
+              <a:t>Edit Master text styles</a:t>
+            </a:r>
+          </a:p>
+          <a:p>
+            <a:pPr lvl="1"/>
+            <a:r>
+              <a:rPr lang="en-US"/>
+              <a:t>Second level</a:t>
+            </a:r>
+          </a:p>
+          <a:p>
+            <a:pPr lvl="2"/>
+            <a:r>
+              <a:rPr lang="en-US"/>
+              <a:t>Third level</a:t>
+            </a:r>
+          </a:p>
+          <a:p>
+            <a:pPr lvl="3"/>
+            <a:r>
+              <a:rPr lang="en-US"/>
+              <a:t>Fourth level</a:t>
+            </a:r>
+          </a:p>
+          <a:p>
+            <a:pPr lvl="4"/>
+            <a:r>
+              <a:rPr lang="en-US"/>
+              <a:t>Fifth level</a:t>
+            </a:r>
+            <a:endParaRPr lang="en-US" dirty="0"/>
+          </a:p>
+        </p:txBody>
+      </p:sp>
+      <p:sp>
+        <p:nvSpPr>
+          <p:cNvPr id="6" name="Title 5"/>
+          <p:cNvSpPr>
+            <a:spLocks noGrp="1"/>
+          </p:cNvSpPr>
+          <p:nvPr>
+            <p:ph type="title"/>
+          </p:nvPr>
+        </p:nvSpPr>
+        <p:spPr/>
+        <p:txBody>
+          <a:bodyPr/>
+          <a:lstStyle/>
+          <a:p>
+            <a:r>
+              <a:rPr lang="en-US"/>
+              <a:t>Click to edit Master title style</a:t>
+            </a:r>
+          </a:p>
+        </p:txBody>
+      </p:sp>
+    </p:spTree>
+    <p:extLst>
+      <p:ext uri="{BB962C8B-B14F-4D97-AF65-F5344CB8AC3E}">
+        <p14:creationId xmlns:p14="http://schemas.microsoft.com/office/powerpoint/2010/main" val="2032848903"/>
+      </p:ext>
+    </p:extLst>
+  </p:cSld>
+  <p:clrMapOvr>
+    <a:overrideClrMapping bg1="lt1" tx1="dk1" bg2="lt2" tx2="dk2" accent1="accent1" accent2="accent2" accent3="accent3" accent4="accent4" accent5="accent5" accent6="accent6" hlink="hlink" folHlink="folHlink"/>
+  </p:clrMapOvr>
+  <p:transition>
+    <p:fade/>
+  </p:transition>
+</p:sldLayout>
+</file>
+
+<file path=ppt/slideLayouts/slideLayout151.xml><?xml version="1.0" encoding="utf-8"?>
 <p:sldLayout xmlns:a="http://schemas.openxmlformats.org/drawingml/2006/main" xmlns:r="http://schemas.openxmlformats.org/officeDocument/2006/relationships" xmlns:p="http://schemas.openxmlformats.org/presentationml/2006/main" preserve="1">
   <p:cSld name="Title and Content">
     <p:bg>
@@ -9527,7 +10398,7 @@
 </p:sldLayout>
 </file>
 
-<file path=ppt/slideLayouts/slideLayout151.xml><?xml version="1.0" encoding="utf-8"?>
+<file path=ppt/slideLayouts/slideLayout152.xml><?xml version="1.0" encoding="utf-8"?>
 <p:sldLayout xmlns:a="http://schemas.openxmlformats.org/drawingml/2006/main" xmlns:r="http://schemas.openxmlformats.org/officeDocument/2006/relationships" xmlns:p="http://schemas.openxmlformats.org/presentationml/2006/main" preserve="1">
   <p:cSld name="Two Column 2-color Non-bulleted">
     <p:bg>
@@ -9793,7 +10664,7 @@
 </p:sldLayout>
 </file>
 
-<file path=ppt/slideLayouts/slideLayout152.xml><?xml version="1.0" encoding="utf-8"?>
+<file path=ppt/slideLayouts/slideLayout153.xml><?xml version="1.0" encoding="utf-8"?>
 <p:sldLayout xmlns:a="http://schemas.openxmlformats.org/drawingml/2006/main" xmlns:r="http://schemas.openxmlformats.org/officeDocument/2006/relationships" xmlns:p="http://schemas.openxmlformats.org/presentationml/2006/main" preserve="1">
   <p:cSld name="Two Column Non-bulleted text">
     <p:bg>
@@ -10035,7 +10906,7 @@
 </p:sldLayout>
 </file>
 
-<file path=ppt/slideLayouts/slideLayout153.xml><?xml version="1.0" encoding="utf-8"?>
+<file path=ppt/slideLayouts/slideLayout154.xml><?xml version="1.0" encoding="utf-8"?>
 <p:sldLayout xmlns:a="http://schemas.openxmlformats.org/drawingml/2006/main" xmlns:r="http://schemas.openxmlformats.org/officeDocument/2006/relationships" xmlns:p="http://schemas.openxmlformats.org/presentationml/2006/main" preserve="1">
   <p:cSld name="Two Column Bullet text 1st level color">
     <p:bg>
@@ -10293,7 +11164,7 @@
 </p:sldLayout>
 </file>
 
-<file path=ppt/slideLayouts/slideLayout154.xml><?xml version="1.0" encoding="utf-8"?>
+<file path=ppt/slideLayouts/slideLayout155.xml><?xml version="1.0" encoding="utf-8"?>
 <p:sldLayout xmlns:a="http://schemas.openxmlformats.org/drawingml/2006/main" xmlns:r="http://schemas.openxmlformats.org/officeDocument/2006/relationships" xmlns:p="http://schemas.openxmlformats.org/presentationml/2006/main" preserve="1">
   <p:cSld name="Two Column Bullet text">
     <p:bg>
@@ -10527,7 +11398,7 @@
 </p:sldLayout>
 </file>
 
-<file path=ppt/slideLayouts/slideLayout155.xml><?xml version="1.0" encoding="utf-8"?>
+<file path=ppt/slideLayouts/slideLayout156.xml><?xml version="1.0" encoding="utf-8"?>
 <p:sldLayout xmlns:a="http://schemas.openxmlformats.org/drawingml/2006/main" xmlns:r="http://schemas.openxmlformats.org/officeDocument/2006/relationships" xmlns:p="http://schemas.openxmlformats.org/presentationml/2006/main" preserve="1">
   <p:cSld name="Title Only">
     <p:bg>
@@ -10799,7 +11670,7 @@
 </p:sldLayout>
 </file>
 
-<file path=ppt/slideLayouts/slideLayout156.xml><?xml version="1.0" encoding="utf-8"?>
+<file path=ppt/slideLayouts/slideLayout157.xml><?xml version="1.0" encoding="utf-8"?>
 <p:sldLayout xmlns:a="http://schemas.openxmlformats.org/drawingml/2006/main" xmlns:r="http://schemas.openxmlformats.org/officeDocument/2006/relationships" xmlns:p="http://schemas.openxmlformats.org/presentationml/2006/main" preserve="1">
   <p:cSld name="2_Title Only">
     <p:bg>
@@ -11071,7 +11942,7 @@
 </p:sldLayout>
 </file>
 
-<file path=ppt/slideLayouts/slideLayout157.xml><?xml version="1.0" encoding="utf-8"?>
+<file path=ppt/slideLayouts/slideLayout158.xml><?xml version="1.0" encoding="utf-8"?>
 <p:sldLayout xmlns:a="http://schemas.openxmlformats.org/drawingml/2006/main" xmlns:r="http://schemas.openxmlformats.org/officeDocument/2006/relationships" xmlns:p="http://schemas.openxmlformats.org/presentationml/2006/main" preserve="1">
   <p:cSld name="4_Title Only">
     <p:bg>
@@ -11343,7 +12214,7 @@
 </p:sldLayout>
 </file>
 
-<file path=ppt/slideLayouts/slideLayout158.xml><?xml version="1.0" encoding="utf-8"?>
+<file path=ppt/slideLayouts/slideLayout159.xml><?xml version="1.0" encoding="utf-8"?>
 <p:sldLayout xmlns:a="http://schemas.openxmlformats.org/drawingml/2006/main" xmlns:r="http://schemas.openxmlformats.org/officeDocument/2006/relationships" xmlns:p="http://schemas.openxmlformats.org/presentationml/2006/main" preserve="1">
   <p:cSld name="5_Title Only">
     <p:bg>
@@ -11615,7 +12486,177 @@
 </p:sldLayout>
 </file>
 
-<file path=ppt/slideLayouts/slideLayout159.xml><?xml version="1.0" encoding="utf-8"?>
+<file path=ppt/slideLayouts/slideLayout16.xml><?xml version="1.0" encoding="utf-8"?>
+<p:sldLayout xmlns:a="http://schemas.openxmlformats.org/drawingml/2006/main" xmlns:r="http://schemas.openxmlformats.org/officeDocument/2006/relationships" xmlns:p="http://schemas.openxmlformats.org/presentationml/2006/main" preserve="1">
+  <p:cSld name="50-50 Right Photo Layout">
+    <p:bg>
+      <p:bgPr>
+        <a:solidFill>
+          <a:srgbClr val="F8F8F8"/>
+        </a:solidFill>
+        <a:effectLst/>
+      </p:bgPr>
+    </p:bg>
+    <p:spTree>
+      <p:nvGrpSpPr>
+        <p:cNvPr id="1" name=""/>
+        <p:cNvGrpSpPr/>
+        <p:nvPr/>
+      </p:nvGrpSpPr>
+      <p:grpSpPr>
+        <a:xfrm>
+          <a:off x="0" y="0"/>
+          <a:ext cx="0" cy="0"/>
+          <a:chOff x="0" y="0"/>
+          <a:chExt cx="0" cy="0"/>
+        </a:xfrm>
+      </p:grpSpPr>
+      <p:sp>
+        <p:nvSpPr>
+          <p:cNvPr id="2" name="Title 1"/>
+          <p:cNvSpPr>
+            <a:spLocks noGrp="1"/>
+          </p:cNvSpPr>
+          <p:nvPr>
+            <p:ph type="title" hasCustomPrompt="1"/>
+          </p:nvPr>
+        </p:nvSpPr>
+        <p:spPr>
+          <a:xfrm>
+            <a:off x="274639" y="1241426"/>
+            <a:ext cx="5486399" cy="2012859"/>
+          </a:xfrm>
+        </p:spPr>
+        <p:txBody>
+          <a:bodyPr>
+            <a:spAutoFit/>
+          </a:bodyPr>
+          <a:lstStyle>
+            <a:lvl1pPr>
+              <a:defRPr sz="6600" baseline="0">
+                <a:gradFill>
+                  <a:gsLst>
+                    <a:gs pos="1250">
+                      <a:schemeClr val="tx1"/>
+                    </a:gs>
+                    <a:gs pos="100000">
+                      <a:schemeClr val="tx1"/>
+                    </a:gs>
+                  </a:gsLst>
+                  <a:lin ang="5400000" scaled="0"/>
+                </a:gradFill>
+              </a:defRPr>
+            </a:lvl1pPr>
+          </a:lstStyle>
+          <a:p>
+            <a:r>
+              <a:rPr lang="en-US" dirty="0"/>
+              <a:t>50/50 photo layout</a:t>
+            </a:r>
+          </a:p>
+        </p:txBody>
+      </p:sp>
+      <p:sp>
+        <p:nvSpPr>
+          <p:cNvPr id="5" name="Picture Placeholder 4"/>
+          <p:cNvSpPr>
+            <a:spLocks noGrp="1"/>
+          </p:cNvSpPr>
+          <p:nvPr>
+            <p:ph type="pic" sz="quarter" idx="10"/>
+          </p:nvPr>
+        </p:nvSpPr>
+        <p:spPr bwMode="ltGray">
+          <a:xfrm>
+            <a:off x="6219825" y="0"/>
+            <a:ext cx="6216650" cy="6992587"/>
+          </a:xfrm>
+          <a:blipFill>
+            <a:blip r:embed="rId2"/>
+            <a:stretch>
+              <a:fillRect/>
+            </a:stretch>
+          </a:blipFill>
+        </p:spPr>
+        <p:txBody>
+          <a:bodyPr tIns="548640" anchor="ctr" anchorCtr="0">
+            <a:noAutofit/>
+          </a:bodyPr>
+          <a:lstStyle>
+            <a:lvl1pPr marL="0" indent="0" algn="ctr">
+              <a:buNone/>
+              <a:defRPr sz="1600" b="1" cap="none" baseline="0">
+                <a:gradFill>
+                  <a:gsLst>
+                    <a:gs pos="0">
+                      <a:srgbClr val="FFFFFF"/>
+                    </a:gs>
+                    <a:gs pos="27000">
+                      <a:srgbClr val="FFFFFF"/>
+                    </a:gs>
+                  </a:gsLst>
+                  <a:lin ang="5400000" scaled="0"/>
+                </a:gradFill>
+                <a:latin typeface="+mn-lt"/>
+              </a:defRPr>
+            </a:lvl1pPr>
+          </a:lstStyle>
+          <a:p>
+            <a:r>
+              <a:rPr lang="en-US" smtClean="0"/>
+              <a:t>Click icon to add picture</a:t>
+            </a:r>
+            <a:endParaRPr lang="en-US" dirty="0"/>
+          </a:p>
+        </p:txBody>
+      </p:sp>
+      <p:pic>
+        <p:nvPicPr>
+          <p:cNvPr id="4" name="Picture 3"/>
+          <p:cNvPicPr>
+            <a:picLocks noChangeAspect="1"/>
+          </p:cNvPicPr>
+          <p:nvPr userDrawn="1"/>
+        </p:nvPicPr>
+        <p:blipFill>
+          <a:blip r:embed="rId3">
+            <a:extLst>
+              <a:ext uri="{28A0092B-C50C-407E-A947-70E740481C1C}">
+                <a14:useLocalDpi xmlns:a14="http://schemas.microsoft.com/office/drawing/2010/main" val="0"/>
+              </a:ext>
+            </a:extLst>
+          </a:blip>
+          <a:stretch>
+            <a:fillRect/>
+          </a:stretch>
+        </p:blipFill>
+        <p:spPr>
+          <a:xfrm>
+            <a:off x="274701" y="5953766"/>
+            <a:ext cx="952583" cy="845893"/>
+          </a:xfrm>
+          <a:prstGeom prst="rect">
+            <a:avLst/>
+          </a:prstGeom>
+        </p:spPr>
+      </p:pic>
+    </p:spTree>
+    <p:extLst>
+      <p:ext uri="{BB962C8B-B14F-4D97-AF65-F5344CB8AC3E}">
+        <p14:creationId xmlns:p14="http://schemas.microsoft.com/office/powerpoint/2010/main" val="2366974557"/>
+      </p:ext>
+    </p:extLst>
+  </p:cSld>
+  <p:clrMapOvr>
+    <a:overrideClrMapping bg1="lt1" tx1="dk1" bg2="lt2" tx2="dk2" accent1="accent1" accent2="accent2" accent3="accent3" accent4="accent4" accent5="accent5" accent6="accent6" hlink="hlink" folHlink="folHlink"/>
+  </p:clrMapOvr>
+  <p:transition>
+    <p:fade/>
+  </p:transition>
+</p:sldLayout>
+</file>
+
+<file path=ppt/slideLayouts/slideLayout160.xml><?xml version="1.0" encoding="utf-8"?>
 <p:sldLayout xmlns:a="http://schemas.openxmlformats.org/drawingml/2006/main" xmlns:r="http://schemas.openxmlformats.org/officeDocument/2006/relationships" xmlns:p="http://schemas.openxmlformats.org/presentationml/2006/main" preserve="1">
   <p:cSld name="6_Title Only">
     <p:bg>
@@ -11887,147 +12928,7 @@
 </p:sldLayout>
 </file>
 
-<file path=ppt/slideLayouts/slideLayout16.xml><?xml version="1.0" encoding="utf-8"?>
-<p:sldLayout xmlns:a="http://schemas.openxmlformats.org/drawingml/2006/main" xmlns:r="http://schemas.openxmlformats.org/officeDocument/2006/relationships" xmlns:p="http://schemas.openxmlformats.org/presentationml/2006/main" preserve="1">
-  <p:cSld name="50-50 Right Photo Layout">
-    <p:bg>
-      <p:bgPr>
-        <a:solidFill>
-          <a:srgbClr val="F8F8F8"/>
-        </a:solidFill>
-        <a:effectLst/>
-      </p:bgPr>
-    </p:bg>
-    <p:spTree>
-      <p:nvGrpSpPr>
-        <p:cNvPr id="1" name=""/>
-        <p:cNvGrpSpPr/>
-        <p:nvPr/>
-      </p:nvGrpSpPr>
-      <p:grpSpPr>
-        <a:xfrm>
-          <a:off x="0" y="0"/>
-          <a:ext cx="0" cy="0"/>
-          <a:chOff x="0" y="0"/>
-          <a:chExt cx="0" cy="0"/>
-        </a:xfrm>
-      </p:grpSpPr>
-      <p:sp>
-        <p:nvSpPr>
-          <p:cNvPr id="2" name="Title 1"/>
-          <p:cNvSpPr>
-            <a:spLocks noGrp="1"/>
-          </p:cNvSpPr>
-          <p:nvPr>
-            <p:ph type="title" hasCustomPrompt="1"/>
-          </p:nvPr>
-        </p:nvSpPr>
-        <p:spPr>
-          <a:xfrm>
-            <a:off x="274639" y="1241426"/>
-            <a:ext cx="5486399" cy="2012859"/>
-          </a:xfrm>
-        </p:spPr>
-        <p:txBody>
-          <a:bodyPr>
-            <a:spAutoFit/>
-          </a:bodyPr>
-          <a:lstStyle>
-            <a:lvl1pPr>
-              <a:defRPr sz="6600" baseline="0">
-                <a:gradFill>
-                  <a:gsLst>
-                    <a:gs pos="1250">
-                      <a:schemeClr val="tx1"/>
-                    </a:gs>
-                    <a:gs pos="100000">
-                      <a:schemeClr val="tx1"/>
-                    </a:gs>
-                  </a:gsLst>
-                  <a:lin ang="5400000" scaled="0"/>
-                </a:gradFill>
-              </a:defRPr>
-            </a:lvl1pPr>
-          </a:lstStyle>
-          <a:p>
-            <a:r>
-              <a:rPr lang="en-US" dirty="0"/>
-              <a:t>50/50 photo layout</a:t>
-            </a:r>
-          </a:p>
-        </p:txBody>
-      </p:sp>
-      <p:sp>
-        <p:nvSpPr>
-          <p:cNvPr id="5" name="Picture Placeholder 4"/>
-          <p:cNvSpPr>
-            <a:spLocks noGrp="1"/>
-          </p:cNvSpPr>
-          <p:nvPr>
-            <p:ph type="pic" sz="quarter" idx="10"/>
-          </p:nvPr>
-        </p:nvSpPr>
-        <p:spPr bwMode="ltGray">
-          <a:xfrm>
-            <a:off x="6219825" y="0"/>
-            <a:ext cx="6216650" cy="6992587"/>
-          </a:xfrm>
-          <a:blipFill>
-            <a:blip r:embed="rId2"/>
-            <a:stretch>
-              <a:fillRect/>
-            </a:stretch>
-          </a:blipFill>
-        </p:spPr>
-        <p:txBody>
-          <a:bodyPr tIns="548640" anchor="ctr" anchorCtr="0">
-            <a:noAutofit/>
-          </a:bodyPr>
-          <a:lstStyle>
-            <a:lvl1pPr marL="0" indent="0" algn="ctr">
-              <a:buNone/>
-              <a:defRPr sz="1600" b="1" cap="none" baseline="0">
-                <a:gradFill>
-                  <a:gsLst>
-                    <a:gs pos="0">
-                      <a:srgbClr val="FFFFFF"/>
-                    </a:gs>
-                    <a:gs pos="27000">
-                      <a:srgbClr val="FFFFFF"/>
-                    </a:gs>
-                  </a:gsLst>
-                  <a:lin ang="5400000" scaled="0"/>
-                </a:gradFill>
-                <a:latin typeface="+mn-lt"/>
-              </a:defRPr>
-            </a:lvl1pPr>
-          </a:lstStyle>
-          <a:p>
-            <a:r>
-              <a:rPr lang="en-US" smtClean="0"/>
-              <a:t>Click icon to add picture</a:t>
-            </a:r>
-            <a:endParaRPr lang="en-US" dirty="0"/>
-          </a:p>
-        </p:txBody>
-      </p:sp>
-    </p:spTree>
-    <p:extLst>
-      <p:ext uri="{BB962C8B-B14F-4D97-AF65-F5344CB8AC3E}">
-        <p14:creationId xmlns:p14="http://schemas.microsoft.com/office/powerpoint/2010/main" val="2366974557"/>
-      </p:ext>
-    </p:extLst>
-  </p:cSld>
-  <p:clrMapOvr>
-    <a:overrideClrMapping bg1="lt1" tx1="dk1" bg2="lt2" tx2="dk2" accent1="accent1" accent2="accent2" accent3="accent3" accent4="accent4" accent5="accent5" accent6="accent6" hlink="hlink" folHlink="folHlink"/>
-  </p:clrMapOvr>
-  <p:transition>
-    <p:fade/>
-  </p:transition>
-</p:sldLayout>
-</file>
-
-<file path=ppt/slideLayouts/slideLayout160.xml><?xml version="1.0" encoding="utf-8"?>
+<file path=ppt/slideLayouts/slideLayout161.xml><?xml version="1.0" encoding="utf-8"?>
 <p:sldLayout xmlns:a="http://schemas.openxmlformats.org/drawingml/2006/main" xmlns:r="http://schemas.openxmlformats.org/officeDocument/2006/relationships" xmlns:p="http://schemas.openxmlformats.org/presentationml/2006/main" preserve="1">
   <p:cSld name="7_Title Only">
     <p:bg>
@@ -12296,7 +13197,7 @@
 </p:sldLayout>
 </file>
 
-<file path=ppt/slideLayouts/slideLayout161.xml><?xml version="1.0" encoding="utf-8"?>
+<file path=ppt/slideLayouts/slideLayout162.xml><?xml version="1.0" encoding="utf-8"?>
 <p:sldLayout xmlns:a="http://schemas.openxmlformats.org/drawingml/2006/main" xmlns:r="http://schemas.openxmlformats.org/officeDocument/2006/relationships" xmlns:p="http://schemas.openxmlformats.org/presentationml/2006/main" preserve="1">
   <p:cSld name="8_Title Only">
     <p:bg>
@@ -12565,7 +13466,7 @@
 </p:sldLayout>
 </file>
 
-<file path=ppt/slideLayouts/slideLayout162.xml><?xml version="1.0" encoding="utf-8"?>
+<file path=ppt/slideLayouts/slideLayout163.xml><?xml version="1.0" encoding="utf-8"?>
 <p:sldLayout xmlns:a="http://schemas.openxmlformats.org/drawingml/2006/main" xmlns:r="http://schemas.openxmlformats.org/officeDocument/2006/relationships" xmlns:p="http://schemas.openxmlformats.org/presentationml/2006/main" preserve="1">
   <p:cSld name="3_Title Only">
     <p:bg>
@@ -12834,7 +13735,7 @@
 </p:sldLayout>
 </file>
 
-<file path=ppt/slideLayouts/slideLayout163.xml><?xml version="1.0" encoding="utf-8"?>
+<file path=ppt/slideLayouts/slideLayout164.xml><?xml version="1.0" encoding="utf-8"?>
 <p:sldLayout xmlns:a="http://schemas.openxmlformats.org/drawingml/2006/main" xmlns:r="http://schemas.openxmlformats.org/officeDocument/2006/relationships" xmlns:p="http://schemas.openxmlformats.org/presentationml/2006/main" preserve="1">
   <p:cSld name="1_Title Only">
     <p:bg>
@@ -12986,7 +13887,7 @@
 </p:sldLayout>
 </file>
 
-<file path=ppt/slideLayouts/slideLayout164.xml><?xml version="1.0" encoding="utf-8"?>
+<file path=ppt/slideLayouts/slideLayout165.xml><?xml version="1.0" encoding="utf-8"?>
 <p:sldLayout xmlns:a="http://schemas.openxmlformats.org/drawingml/2006/main" xmlns:r="http://schemas.openxmlformats.org/officeDocument/2006/relationships" xmlns:p="http://schemas.openxmlformats.org/presentationml/2006/main" preserve="1">
   <p:cSld name="Customer Evidence Slide">
     <p:bg bwMode="gray">
@@ -13438,7 +14339,7 @@
 </p:sldLayout>
 </file>
 
-<file path=ppt/slideLayouts/slideLayout165.xml><?xml version="1.0" encoding="utf-8"?>
+<file path=ppt/slideLayouts/slideLayout166.xml><?xml version="1.0" encoding="utf-8"?>
 <p:sldLayout xmlns:a="http://schemas.openxmlformats.org/drawingml/2006/main" xmlns:r="http://schemas.openxmlformats.org/officeDocument/2006/relationships" xmlns:p="http://schemas.openxmlformats.org/presentationml/2006/main" preserve="1">
   <p:cSld name="Demo slide">
     <p:bg>
@@ -13583,7 +14484,7 @@
 </p:sldLayout>
 </file>
 
-<file path=ppt/slideLayouts/slideLayout166.xml><?xml version="1.0" encoding="utf-8"?>
+<file path=ppt/slideLayouts/slideLayout167.xml><?xml version="1.0" encoding="utf-8"?>
 <p:sldLayout xmlns:a="http://schemas.openxmlformats.org/drawingml/2006/main" xmlns:r="http://schemas.openxmlformats.org/officeDocument/2006/relationships" xmlns:p="http://schemas.openxmlformats.org/presentationml/2006/main" preserve="1">
   <p:cSld name="Video slide">
     <p:bg>
@@ -13679,7 +14580,7 @@
 </p:sldLayout>
 </file>
 
-<file path=ppt/slideLayouts/slideLayout167.xml><?xml version="1.0" encoding="utf-8"?>
+<file path=ppt/slideLayouts/slideLayout168.xml><?xml version="1.0" encoding="utf-8"?>
 <p:sldLayout xmlns:a="http://schemas.openxmlformats.org/drawingml/2006/main" xmlns:r="http://schemas.openxmlformats.org/officeDocument/2006/relationships" xmlns:p="http://schemas.openxmlformats.org/presentationml/2006/main" preserve="1">
   <p:cSld name="Section Title Accent Color 1">
     <p:bg>
@@ -13766,7 +14667,7 @@
 </p:sldLayout>
 </file>
 
-<file path=ppt/slideLayouts/slideLayout168.xml><?xml version="1.0" encoding="utf-8"?>
+<file path=ppt/slideLayouts/slideLayout169.xml><?xml version="1.0" encoding="utf-8"?>
 <p:sldLayout xmlns:a="http://schemas.openxmlformats.org/drawingml/2006/main" xmlns:r="http://schemas.openxmlformats.org/officeDocument/2006/relationships" xmlns:p="http://schemas.openxmlformats.org/presentationml/2006/main" preserve="1">
   <p:cSld name="Section Title Accent Color 2">
     <p:bg>
@@ -13853,7 +14754,75 @@
 </p:sldLayout>
 </file>
 
-<file path=ppt/slideLayouts/slideLayout169.xml><?xml version="1.0" encoding="utf-8"?>
+<file path=ppt/slideLayouts/slideLayout17.xml><?xml version="1.0" encoding="utf-8"?>
+<p:sldLayout xmlns:a="http://schemas.openxmlformats.org/drawingml/2006/main" xmlns:r="http://schemas.openxmlformats.org/officeDocument/2006/relationships" xmlns:p="http://schemas.openxmlformats.org/presentationml/2006/main" preserve="1">
+  <p:cSld name="Blank">
+    <p:bg>
+      <p:bgRef idx="1001">
+        <a:schemeClr val="bg2"/>
+      </p:bgRef>
+    </p:bg>
+    <p:spTree>
+      <p:nvGrpSpPr>
+        <p:cNvPr id="1" name=""/>
+        <p:cNvGrpSpPr/>
+        <p:nvPr/>
+      </p:nvGrpSpPr>
+      <p:grpSpPr>
+        <a:xfrm>
+          <a:off x="0" y="0"/>
+          <a:ext cx="0" cy="0"/>
+          <a:chOff x="0" y="0"/>
+          <a:chExt cx="0" cy="0"/>
+        </a:xfrm>
+      </p:grpSpPr>
+      <p:pic>
+        <p:nvPicPr>
+          <p:cNvPr id="2" name="Picture 1"/>
+          <p:cNvPicPr>
+            <a:picLocks noChangeAspect="1"/>
+          </p:cNvPicPr>
+          <p:nvPr userDrawn="1"/>
+        </p:nvPicPr>
+        <p:blipFill>
+          <a:blip r:embed="rId2">
+            <a:extLst>
+              <a:ext uri="{28A0092B-C50C-407E-A947-70E740481C1C}">
+                <a14:useLocalDpi xmlns:a14="http://schemas.microsoft.com/office/drawing/2010/main" val="0"/>
+              </a:ext>
+            </a:extLst>
+          </a:blip>
+          <a:stretch>
+            <a:fillRect/>
+          </a:stretch>
+        </p:blipFill>
+        <p:spPr>
+          <a:xfrm>
+            <a:off x="274701" y="5953766"/>
+            <a:ext cx="952583" cy="845893"/>
+          </a:xfrm>
+          <a:prstGeom prst="rect">
+            <a:avLst/>
+          </a:prstGeom>
+        </p:spPr>
+      </p:pic>
+    </p:spTree>
+    <p:extLst>
+      <p:ext uri="{BB962C8B-B14F-4D97-AF65-F5344CB8AC3E}">
+        <p14:creationId xmlns:p14="http://schemas.microsoft.com/office/powerpoint/2010/main" val="3132379675"/>
+      </p:ext>
+    </p:extLst>
+  </p:cSld>
+  <p:clrMapOvr>
+    <a:overrideClrMapping bg1="lt1" tx1="dk1" bg2="lt2" tx2="dk2" accent1="accent1" accent2="accent2" accent3="accent3" accent4="accent4" accent5="accent5" accent6="accent6" hlink="hlink" folHlink="folHlink"/>
+  </p:clrMapOvr>
+  <p:transition>
+    <p:fade/>
+  </p:transition>
+</p:sldLayout>
+</file>
+
+<file path=ppt/slideLayouts/slideLayout170.xml><?xml version="1.0" encoding="utf-8"?>
 <p:sldLayout xmlns:a="http://schemas.openxmlformats.org/drawingml/2006/main" xmlns:r="http://schemas.openxmlformats.org/officeDocument/2006/relationships" xmlns:p="http://schemas.openxmlformats.org/presentationml/2006/main" preserve="1">
   <p:cSld name="50-50 Right Photo Layout">
     <p:bg>
@@ -13999,45 +14968,7 @@
 </p:sldLayout>
 </file>
 
-<file path=ppt/slideLayouts/slideLayout17.xml><?xml version="1.0" encoding="utf-8"?>
-<p:sldLayout xmlns:a="http://schemas.openxmlformats.org/drawingml/2006/main" xmlns:r="http://schemas.openxmlformats.org/officeDocument/2006/relationships" xmlns:p="http://schemas.openxmlformats.org/presentationml/2006/main" preserve="1">
-  <p:cSld name="Blank">
-    <p:bg>
-      <p:bgRef idx="1001">
-        <a:schemeClr val="bg2"/>
-      </p:bgRef>
-    </p:bg>
-    <p:spTree>
-      <p:nvGrpSpPr>
-        <p:cNvPr id="1" name=""/>
-        <p:cNvGrpSpPr/>
-        <p:nvPr/>
-      </p:nvGrpSpPr>
-      <p:grpSpPr>
-        <a:xfrm>
-          <a:off x="0" y="0"/>
-          <a:ext cx="0" cy="0"/>
-          <a:chOff x="0" y="0"/>
-          <a:chExt cx="0" cy="0"/>
-        </a:xfrm>
-      </p:grpSpPr>
-    </p:spTree>
-    <p:extLst>
-      <p:ext uri="{BB962C8B-B14F-4D97-AF65-F5344CB8AC3E}">
-        <p14:creationId xmlns:p14="http://schemas.microsoft.com/office/powerpoint/2010/main" val="3132379675"/>
-      </p:ext>
-    </p:extLst>
-  </p:cSld>
-  <p:clrMapOvr>
-    <a:overrideClrMapping bg1="lt1" tx1="dk1" bg2="lt2" tx2="dk2" accent1="accent1" accent2="accent2" accent3="accent3" accent4="accent4" accent5="accent5" accent6="accent6" hlink="hlink" folHlink="folHlink"/>
-  </p:clrMapOvr>
-  <p:transition>
-    <p:fade/>
-  </p:transition>
-</p:sldLayout>
-</file>
-
-<file path=ppt/slideLayouts/slideLayout170.xml><?xml version="1.0" encoding="utf-8"?>
+<file path=ppt/slideLayouts/slideLayout171.xml><?xml version="1.0" encoding="utf-8"?>
 <p:sldLayout xmlns:a="http://schemas.openxmlformats.org/drawingml/2006/main" xmlns:r="http://schemas.openxmlformats.org/officeDocument/2006/relationships" xmlns:p="http://schemas.openxmlformats.org/presentationml/2006/main" preserve="1">
   <p:cSld name="Blank Accent Color 1">
     <p:bg>
@@ -14075,7 +15006,7 @@
 </p:sldLayout>
 </file>
 
-<file path=ppt/slideLayouts/slideLayout171.xml><?xml version="1.0" encoding="utf-8"?>
+<file path=ppt/slideLayouts/slideLayout172.xml><?xml version="1.0" encoding="utf-8"?>
 <p:sldLayout xmlns:a="http://schemas.openxmlformats.org/drawingml/2006/main" xmlns:r="http://schemas.openxmlformats.org/officeDocument/2006/relationships" xmlns:p="http://schemas.openxmlformats.org/presentationml/2006/main" preserve="1">
   <p:cSld name="Blank Accent Color 2">
     <p:bg>
@@ -14116,7 +15047,7 @@
 </p:sldLayout>
 </file>
 
-<file path=ppt/slideLayouts/slideLayout172.xml><?xml version="1.0" encoding="utf-8"?>
+<file path=ppt/slideLayouts/slideLayout173.xml><?xml version="1.0" encoding="utf-8"?>
 <p:sldLayout xmlns:a="http://schemas.openxmlformats.org/drawingml/2006/main" xmlns:r="http://schemas.openxmlformats.org/officeDocument/2006/relationships" xmlns:p="http://schemas.openxmlformats.org/presentationml/2006/main" preserve="1">
   <p:cSld name="Developer Code Layout">
     <p:spTree>
@@ -14396,7 +15327,7 @@
 </p:sldLayout>
 </file>
 
-<file path=ppt/slideLayouts/slideLayout173.xml><?xml version="1.0" encoding="utf-8"?>
+<file path=ppt/slideLayouts/slideLayout174.xml><?xml version="1.0" encoding="utf-8"?>
 <p:sldLayout xmlns:a="http://schemas.openxmlformats.org/drawingml/2006/main" xmlns:r="http://schemas.openxmlformats.org/officeDocument/2006/relationships" xmlns:p="http://schemas.openxmlformats.org/presentationml/2006/main" preserve="1">
   <p:cSld name="Closing logo slide_color">
     <p:bg>
@@ -14464,7 +15395,7 @@
 </p:sldLayout>
 </file>
 
-<file path=ppt/slideLayouts/slideLayout174.xml><?xml version="1.0" encoding="utf-8"?>
+<file path=ppt/slideLayouts/slideLayout175.xml><?xml version="1.0" encoding="utf-8"?>
 <p:sldLayout xmlns:a="http://schemas.openxmlformats.org/drawingml/2006/main" xmlns:r="http://schemas.openxmlformats.org/officeDocument/2006/relationships" xmlns:p="http://schemas.openxmlformats.org/presentationml/2006/main" preserve="1">
   <p:cSld name="Black Notes slide Layout">
     <p:bg bwMode="black">
@@ -14807,6 +15738,36 @@
           <a:chExt cx="0" cy="0"/>
         </a:xfrm>
       </p:grpSpPr>
+      <p:pic>
+        <p:nvPicPr>
+          <p:cNvPr id="2" name="Picture 1"/>
+          <p:cNvPicPr>
+            <a:picLocks noChangeAspect="1"/>
+          </p:cNvPicPr>
+          <p:nvPr userDrawn="1"/>
+        </p:nvPicPr>
+        <p:blipFill>
+          <a:blip r:embed="rId2">
+            <a:extLst>
+              <a:ext uri="{28A0092B-C50C-407E-A947-70E740481C1C}">
+                <a14:useLocalDpi xmlns:a14="http://schemas.microsoft.com/office/drawing/2010/main" val="0"/>
+              </a:ext>
+            </a:extLst>
+          </a:blip>
+          <a:stretch>
+            <a:fillRect/>
+          </a:stretch>
+        </p:blipFill>
+        <p:spPr>
+          <a:xfrm>
+            <a:off x="274701" y="5953766"/>
+            <a:ext cx="952583" cy="845893"/>
+          </a:xfrm>
+          <a:prstGeom prst="rect">
+            <a:avLst/>
+          </a:prstGeom>
+        </p:spPr>
+      </p:pic>
     </p:spTree>
     <p:extLst>
       <p:ext uri="{BB962C8B-B14F-4D97-AF65-F5344CB8AC3E}">
@@ -14848,6 +15809,36 @@
           <a:chExt cx="0" cy="0"/>
         </a:xfrm>
       </p:grpSpPr>
+      <p:pic>
+        <p:nvPicPr>
+          <p:cNvPr id="2" name="Picture 1"/>
+          <p:cNvPicPr>
+            <a:picLocks noChangeAspect="1"/>
+          </p:cNvPicPr>
+          <p:nvPr userDrawn="1"/>
+        </p:nvPicPr>
+        <p:blipFill>
+          <a:blip r:embed="rId2">
+            <a:extLst>
+              <a:ext uri="{28A0092B-C50C-407E-A947-70E740481C1C}">
+                <a14:useLocalDpi xmlns:a14="http://schemas.microsoft.com/office/drawing/2010/main" val="0"/>
+              </a:ext>
+            </a:extLst>
+          </a:blip>
+          <a:stretch>
+            <a:fillRect/>
+          </a:stretch>
+        </p:blipFill>
+        <p:spPr>
+          <a:xfrm>
+            <a:off x="274701" y="5953766"/>
+            <a:ext cx="952583" cy="845893"/>
+          </a:xfrm>
+          <a:prstGeom prst="rect">
+            <a:avLst/>
+          </a:prstGeom>
+        </p:spPr>
+      </p:pic>
     </p:spTree>
     <p:extLst>
       <p:ext uri="{BB962C8B-B14F-4D97-AF65-F5344CB8AC3E}">
@@ -15003,6 +15994,36 @@
           </a:p>
         </p:txBody>
       </p:sp>
+      <p:pic>
+        <p:nvPicPr>
+          <p:cNvPr id="4" name="Picture 3"/>
+          <p:cNvPicPr>
+            <a:picLocks noChangeAspect="1"/>
+          </p:cNvPicPr>
+          <p:nvPr userDrawn="1"/>
+        </p:nvPicPr>
+        <p:blipFill>
+          <a:blip r:embed="rId2">
+            <a:extLst>
+              <a:ext uri="{28A0092B-C50C-407E-A947-70E740481C1C}">
+                <a14:useLocalDpi xmlns:a14="http://schemas.microsoft.com/office/drawing/2010/main" val="0"/>
+              </a:ext>
+            </a:extLst>
+          </a:blip>
+          <a:stretch>
+            <a:fillRect/>
+          </a:stretch>
+        </p:blipFill>
+        <p:spPr>
+          <a:xfrm>
+            <a:off x="274701" y="5953766"/>
+            <a:ext cx="952583" cy="845893"/>
+          </a:xfrm>
+          <a:prstGeom prst="rect">
+            <a:avLst/>
+          </a:prstGeom>
+        </p:spPr>
+      </p:pic>
     </p:spTree>
     <p:extLst>
       <p:ext uri="{BB962C8B-B14F-4D97-AF65-F5344CB8AC3E}">
@@ -15283,6 +16304,36 @@
           </a:p>
         </p:txBody>
       </p:sp>
+      <p:pic>
+        <p:nvPicPr>
+          <p:cNvPr id="6" name="Picture 5"/>
+          <p:cNvPicPr>
+            <a:picLocks noChangeAspect="1"/>
+          </p:cNvPicPr>
+          <p:nvPr userDrawn="1"/>
+        </p:nvPicPr>
+        <p:blipFill>
+          <a:blip r:embed="rId2">
+            <a:extLst>
+              <a:ext uri="{28A0092B-C50C-407E-A947-70E740481C1C}">
+                <a14:useLocalDpi xmlns:a14="http://schemas.microsoft.com/office/drawing/2010/main" val="0"/>
+              </a:ext>
+            </a:extLst>
+          </a:blip>
+          <a:stretch>
+            <a:fillRect/>
+          </a:stretch>
+        </p:blipFill>
+        <p:spPr>
+          <a:xfrm>
+            <a:off x="274701" y="5953766"/>
+            <a:ext cx="952583" cy="845893"/>
+          </a:xfrm>
+          <a:prstGeom prst="rect">
+            <a:avLst/>
+          </a:prstGeom>
+        </p:spPr>
+      </p:pic>
     </p:spTree>
     <p:extLst>
       <p:ext uri="{BB962C8B-B14F-4D97-AF65-F5344CB8AC3E}">
@@ -15689,6 +16740,272 @@
 </file>
 
 <file path=ppt/slideLayouts/slideLayout23.xml><?xml version="1.0" encoding="utf-8"?>
+<p:sldLayout xmlns:a="http://schemas.openxmlformats.org/drawingml/2006/main" xmlns:r="http://schemas.openxmlformats.org/officeDocument/2006/relationships" xmlns:p="http://schemas.openxmlformats.org/presentationml/2006/main">
+  <p:cSld name="6_Title &amp; Non-bulleted text">
+    <p:spTree>
+      <p:nvGrpSpPr>
+        <p:cNvPr id="1" name=""/>
+        <p:cNvGrpSpPr/>
+        <p:nvPr/>
+      </p:nvGrpSpPr>
+      <p:grpSpPr>
+        <a:xfrm>
+          <a:off x="0" y="0"/>
+          <a:ext cx="0" cy="0"/>
+          <a:chOff x="0" y="0"/>
+          <a:chExt cx="0" cy="0"/>
+        </a:xfrm>
+      </p:grpSpPr>
+      <p:sp>
+        <p:nvSpPr>
+          <p:cNvPr id="4" name="Text Placeholder 3"/>
+          <p:cNvSpPr>
+            <a:spLocks noGrp="1"/>
+          </p:cNvSpPr>
+          <p:nvPr>
+            <p:ph type="body" sz="quarter" idx="10"/>
+          </p:nvPr>
+        </p:nvSpPr>
+        <p:spPr>
+          <a:xfrm>
+            <a:off x="4348731" y="295275"/>
+            <a:ext cx="7897967" cy="1723330"/>
+          </a:xfrm>
+        </p:spPr>
+        <p:txBody>
+          <a:bodyPr wrap="square" anchor="t">
+            <a:spAutoFit/>
+          </a:bodyPr>
+          <a:lstStyle>
+            <a:lvl1pPr marL="0" indent="0">
+              <a:buNone/>
+              <a:defRPr sz="2856">
+                <a:solidFill>
+                  <a:schemeClr val="tx2"/>
+                </a:solidFill>
+              </a:defRPr>
+            </a:lvl1pPr>
+            <a:lvl2pPr marL="0" indent="0">
+              <a:buNone/>
+              <a:defRPr sz="1836"/>
+            </a:lvl2pPr>
+            <a:lvl3pPr marL="0" indent="0">
+              <a:buNone/>
+              <a:defRPr sz="1632"/>
+            </a:lvl3pPr>
+            <a:lvl4pPr marL="0" indent="0">
+              <a:buNone/>
+              <a:defRPr sz="1632"/>
+            </a:lvl4pPr>
+            <a:lvl5pPr marL="0" indent="0">
+              <a:buNone/>
+              <a:defRPr sz="1632"/>
+            </a:lvl5pPr>
+          </a:lstStyle>
+          <a:p>
+            <a:pPr lvl="0"/>
+            <a:r>
+              <a:rPr lang="en-US"/>
+              <a:t>Edit Master text styles</a:t>
+            </a:r>
+          </a:p>
+          <a:p>
+            <a:pPr lvl="1"/>
+            <a:r>
+              <a:rPr lang="en-US"/>
+              <a:t>Second level</a:t>
+            </a:r>
+          </a:p>
+          <a:p>
+            <a:pPr lvl="2"/>
+            <a:r>
+              <a:rPr lang="en-US"/>
+              <a:t>Third level</a:t>
+            </a:r>
+          </a:p>
+          <a:p>
+            <a:pPr lvl="3"/>
+            <a:r>
+              <a:rPr lang="en-US"/>
+              <a:t>Fourth level</a:t>
+            </a:r>
+          </a:p>
+          <a:p>
+            <a:pPr lvl="4"/>
+            <a:r>
+              <a:rPr lang="en-US"/>
+              <a:t>Fifth level</a:t>
+            </a:r>
+          </a:p>
+        </p:txBody>
+      </p:sp>
+      <p:sp>
+        <p:nvSpPr>
+          <p:cNvPr id="5" name="Rectangle 4"/>
+          <p:cNvSpPr/>
+          <p:nvPr userDrawn="1"/>
+        </p:nvSpPr>
+        <p:spPr bwMode="auto">
+          <a:xfrm>
+            <a:off x="1" y="0"/>
+            <a:ext cx="4348729" cy="6994525"/>
+          </a:xfrm>
+          <a:prstGeom prst="rect">
+            <a:avLst/>
+          </a:prstGeom>
+          <a:solidFill>
+            <a:schemeClr val="tx2"/>
+          </a:solidFill>
+          <a:ln>
+            <a:noFill/>
+            <a:headEnd type="none" w="med" len="med"/>
+            <a:tailEnd type="none" w="med" len="med"/>
+          </a:ln>
+          <a:effectLst/>
+        </p:spPr>
+        <p:style>
+          <a:lnRef idx="1">
+            <a:schemeClr val="accent2"/>
+          </a:lnRef>
+          <a:fillRef idx="3">
+            <a:schemeClr val="accent2"/>
+          </a:fillRef>
+          <a:effectRef idx="2">
+            <a:schemeClr val="accent2"/>
+          </a:effectRef>
+          <a:fontRef idx="minor">
+            <a:schemeClr val="lt1"/>
+          </a:fontRef>
+        </p:style>
+        <p:txBody>
+          <a:bodyPr rot="0" spcFirstLastPara="0" vertOverflow="overflow" horzOverflow="overflow" vert="horz" wrap="square" lIns="186521" tIns="149217" rIns="186521" bIns="149217" numCol="1" spcCol="0" rtlCol="0" fromWordArt="0" anchor="t" anchorCtr="0" forceAA="0" compatLnSpc="1">
+            <a:prstTxWarp prst="textNoShape">
+              <a:avLst/>
+            </a:prstTxWarp>
+            <a:noAutofit/>
+          </a:bodyPr>
+          <a:lstStyle/>
+          <a:p>
+            <a:pPr algn="ctr" defTabSz="951028" fontAlgn="base">
+              <a:lnSpc>
+                <a:spcPct val="90000"/>
+              </a:lnSpc>
+              <a:spcBef>
+                <a:spcPct val="0"/>
+              </a:spcBef>
+              <a:spcAft>
+                <a:spcPct val="0"/>
+              </a:spcAft>
+            </a:pPr>
+            <a:endParaRPr lang="en-US" sz="2448" err="1">
+              <a:gradFill>
+                <a:gsLst>
+                  <a:gs pos="0">
+                    <a:srgbClr val="FFFFFF"/>
+                  </a:gs>
+                  <a:gs pos="100000">
+                    <a:srgbClr val="FFFFFF"/>
+                  </a:gs>
+                </a:gsLst>
+                <a:lin ang="5400000" scaled="0"/>
+              </a:gradFill>
+              <a:ea typeface="Segoe UI" pitchFamily="34" charset="0"/>
+              <a:cs typeface="Segoe UI" pitchFamily="34" charset="0"/>
+            </a:endParaRPr>
+          </a:p>
+        </p:txBody>
+      </p:sp>
+      <p:sp>
+        <p:nvSpPr>
+          <p:cNvPr id="2" name="Title 1"/>
+          <p:cNvSpPr>
+            <a:spLocks noGrp="1"/>
+          </p:cNvSpPr>
+          <p:nvPr>
+            <p:ph type="title"/>
+          </p:nvPr>
+        </p:nvSpPr>
+        <p:spPr>
+          <a:xfrm>
+            <a:off x="274639" y="2778911"/>
+            <a:ext cx="3940842" cy="1436703"/>
+          </a:xfrm>
+        </p:spPr>
+        <p:txBody>
+          <a:bodyPr anchor="ctr"/>
+          <a:lstStyle>
+            <a:lvl1pPr>
+              <a:defRPr>
+                <a:solidFill>
+                  <a:schemeClr val="bg1"/>
+                </a:solidFill>
+              </a:defRPr>
+            </a:lvl1pPr>
+          </a:lstStyle>
+          <a:p>
+            <a:r>
+              <a:rPr lang="en-US"/>
+              <a:t>Click to edit Master title style</a:t>
+            </a:r>
+          </a:p>
+        </p:txBody>
+      </p:sp>
+      <p:pic>
+        <p:nvPicPr>
+          <p:cNvPr id="6" name="Picture 5"/>
+          <p:cNvPicPr>
+            <a:picLocks noChangeAspect="1"/>
+          </p:cNvPicPr>
+          <p:nvPr userDrawn="1"/>
+        </p:nvPicPr>
+        <p:blipFill>
+          <a:blip r:embed="rId2">
+            <a:extLst>
+              <a:ext uri="{28A0092B-C50C-407E-A947-70E740481C1C}">
+                <a14:useLocalDpi xmlns:a14="http://schemas.microsoft.com/office/drawing/2010/main" val="0"/>
+              </a:ext>
+            </a:extLst>
+          </a:blip>
+          <a:stretch>
+            <a:fillRect/>
+          </a:stretch>
+        </p:blipFill>
+        <p:spPr>
+          <a:xfrm>
+            <a:off x="274701" y="5953766"/>
+            <a:ext cx="952583" cy="845893"/>
+          </a:xfrm>
+          <a:prstGeom prst="rect">
+            <a:avLst/>
+          </a:prstGeom>
+        </p:spPr>
+      </p:pic>
+    </p:spTree>
+    <p:extLst>
+      <p:ext uri="{BB962C8B-B14F-4D97-AF65-F5344CB8AC3E}">
+        <p14:creationId xmlns:p14="http://schemas.microsoft.com/office/powerpoint/2010/main" val="1221027903"/>
+      </p:ext>
+    </p:extLst>
+  </p:cSld>
+  <p:clrMapOvr>
+    <a:masterClrMapping/>
+  </p:clrMapOvr>
+  <mc:AlternateContent xmlns:mc="http://schemas.openxmlformats.org/markup-compatibility/2006" xmlns:p14="http://schemas.microsoft.com/office/powerpoint/2010/main">
+    <mc:Choice Requires="p14">
+      <p:transition spd="med" p14:dur="700">
+        <p:fade/>
+      </p:transition>
+    </mc:Choice>
+    <mc:Fallback xmlns="">
+      <p:transition spd="med">
+        <p:fade/>
+      </p:transition>
+    </mc:Fallback>
+  </mc:AlternateContent>
+</p:sldLayout>
+</file>
+
+<file path=ppt/slideLayouts/slideLayout24.xml><?xml version="1.0" encoding="utf-8"?>
 <p:sldLayout xmlns:a="http://schemas.openxmlformats.org/drawingml/2006/main" xmlns:r="http://schemas.openxmlformats.org/officeDocument/2006/relationships" xmlns:p="http://schemas.openxmlformats.org/presentationml/2006/main" preserve="1">
   <p:cSld name="Walkin">
     <p:bg bwMode="gray">
@@ -15938,7 +17255,7 @@
 </p:sldLayout>
 </file>
 
-<file path=ppt/slideLayouts/slideLayout24.xml><?xml version="1.0" encoding="utf-8"?>
+<file path=ppt/slideLayouts/slideLayout25.xml><?xml version="1.0" encoding="utf-8"?>
 <p:sldLayout xmlns:a="http://schemas.openxmlformats.org/drawingml/2006/main" xmlns:r="http://schemas.openxmlformats.org/officeDocument/2006/relationships" xmlns:p="http://schemas.openxmlformats.org/presentationml/2006/main" preserve="1">
   <p:cSld name="Title Slide">
     <p:bg bwMode="gray">
@@ -16200,6 +17517,36 @@
           </a:p>
         </p:txBody>
       </p:sp>
+      <p:pic>
+        <p:nvPicPr>
+          <p:cNvPr id="7" name="Picture 6"/>
+          <p:cNvPicPr>
+            <a:picLocks noChangeAspect="1"/>
+          </p:cNvPicPr>
+          <p:nvPr userDrawn="1"/>
+        </p:nvPicPr>
+        <p:blipFill>
+          <a:blip r:embed="rId3">
+            <a:extLst>
+              <a:ext uri="{28A0092B-C50C-407E-A947-70E740481C1C}">
+                <a14:useLocalDpi xmlns:a14="http://schemas.microsoft.com/office/drawing/2010/main" val="0"/>
+              </a:ext>
+            </a:extLst>
+          </a:blip>
+          <a:stretch>
+            <a:fillRect/>
+          </a:stretch>
+        </p:blipFill>
+        <p:spPr>
+          <a:xfrm>
+            <a:off x="274701" y="5953766"/>
+            <a:ext cx="952583" cy="845893"/>
+          </a:xfrm>
+          <a:prstGeom prst="rect">
+            <a:avLst/>
+          </a:prstGeom>
+        </p:spPr>
+      </p:pic>
     </p:spTree>
     <p:extLst>
       <p:ext uri="{BB962C8B-B14F-4D97-AF65-F5344CB8AC3E}">
@@ -16225,7 +17572,7 @@
 </p:sldLayout>
 </file>
 
-<file path=ppt/slideLayouts/slideLayout25.xml><?xml version="1.0" encoding="utf-8"?>
+<file path=ppt/slideLayouts/slideLayout26.xml><?xml version="1.0" encoding="utf-8"?>
 <p:sldLayout xmlns:a="http://schemas.openxmlformats.org/drawingml/2006/main" xmlns:r="http://schemas.openxmlformats.org/officeDocument/2006/relationships" xmlns:p="http://schemas.openxmlformats.org/presentationml/2006/main" preserve="1">
   <p:cSld name="Title &amp; Non-bulleted text">
     <p:spTree>
@@ -16370,7 +17717,7 @@
 </p:sldLayout>
 </file>
 
-<file path=ppt/slideLayouts/slideLayout26.xml><?xml version="1.0" encoding="utf-8"?>
+<file path=ppt/slideLayouts/slideLayout27.xml><?xml version="1.0" encoding="utf-8"?>
 <p:sldLayout xmlns:a="http://schemas.openxmlformats.org/drawingml/2006/main" xmlns:r="http://schemas.openxmlformats.org/officeDocument/2006/relationships" xmlns:p="http://schemas.openxmlformats.org/presentationml/2006/main" preserve="1">
   <p:cSld name="Title and Content">
     <p:spTree>
@@ -16487,7 +17834,7 @@
 </p:sldLayout>
 </file>
 
-<file path=ppt/slideLayouts/slideLayout27.xml><?xml version="1.0" encoding="utf-8"?>
+<file path=ppt/slideLayouts/slideLayout28.xml><?xml version="1.0" encoding="utf-8"?>
 <p:sldLayout xmlns:a="http://schemas.openxmlformats.org/drawingml/2006/main" xmlns:r="http://schemas.openxmlformats.org/officeDocument/2006/relationships" xmlns:p="http://schemas.openxmlformats.org/presentationml/2006/main" preserve="1">
   <p:cSld name="Two Column Non-bulleted text">
     <p:spTree>
@@ -16718,7 +18065,7 @@
 </p:sldLayout>
 </file>
 
-<file path=ppt/slideLayouts/slideLayout28.xml><?xml version="1.0" encoding="utf-8"?>
+<file path=ppt/slideLayouts/slideLayout29.xml><?xml version="1.0" encoding="utf-8"?>
 <p:sldLayout xmlns:a="http://schemas.openxmlformats.org/drawingml/2006/main" xmlns:r="http://schemas.openxmlformats.org/officeDocument/2006/relationships" xmlns:p="http://schemas.openxmlformats.org/presentationml/2006/main" preserve="1">
   <p:cSld name="Two Column Bullet text">
     <p:spTree>
@@ -16929,61 +18276,6 @@
     <p:extLst>
       <p:ext uri="{BB962C8B-B14F-4D97-AF65-F5344CB8AC3E}">
         <p14:creationId xmlns:p14="http://schemas.microsoft.com/office/powerpoint/2010/main" val="2347077705"/>
-      </p:ext>
-    </p:extLst>
-  </p:cSld>
-  <p:clrMapOvr>
-    <a:masterClrMapping/>
-  </p:clrMapOvr>
-  <p:transition>
-    <p:fade/>
-  </p:transition>
-</p:sldLayout>
-</file>
-
-<file path=ppt/slideLayouts/slideLayout29.xml><?xml version="1.0" encoding="utf-8"?>
-<p:sldLayout xmlns:a="http://schemas.openxmlformats.org/drawingml/2006/main" xmlns:r="http://schemas.openxmlformats.org/officeDocument/2006/relationships" xmlns:p="http://schemas.openxmlformats.org/presentationml/2006/main" preserve="1">
-  <p:cSld name="Title Only">
-    <p:spTree>
-      <p:nvGrpSpPr>
-        <p:cNvPr id="1" name=""/>
-        <p:cNvGrpSpPr/>
-        <p:nvPr/>
-      </p:nvGrpSpPr>
-      <p:grpSpPr>
-        <a:xfrm>
-          <a:off x="0" y="0"/>
-          <a:ext cx="0" cy="0"/>
-          <a:chOff x="0" y="0"/>
-          <a:chExt cx="0" cy="0"/>
-        </a:xfrm>
-      </p:grpSpPr>
-      <p:sp>
-        <p:nvSpPr>
-          <p:cNvPr id="2" name="Title 1"/>
-          <p:cNvSpPr>
-            <a:spLocks noGrp="1"/>
-          </p:cNvSpPr>
-          <p:nvPr>
-            <p:ph type="title"/>
-          </p:nvPr>
-        </p:nvSpPr>
-        <p:spPr/>
-        <p:txBody>
-          <a:bodyPr/>
-          <a:lstStyle/>
-          <a:p>
-            <a:r>
-              <a:rPr lang="en-US" dirty="0"/>
-              <a:t>Click to edit Master title style</a:t>
-            </a:r>
-          </a:p>
-        </p:txBody>
-      </p:sp>
-    </p:spTree>
-    <p:extLst>
-      <p:ext uri="{BB962C8B-B14F-4D97-AF65-F5344CB8AC3E}">
-        <p14:creationId xmlns:p14="http://schemas.microsoft.com/office/powerpoint/2010/main" val="3926629171"/>
       </p:ext>
     </p:extLst>
   </p:cSld>
@@ -17135,6 +18427,36 @@
           </a:p>
         </p:txBody>
       </p:sp>
+      <p:pic>
+        <p:nvPicPr>
+          <p:cNvPr id="4" name="Picture 3"/>
+          <p:cNvPicPr>
+            <a:picLocks noChangeAspect="1"/>
+          </p:cNvPicPr>
+          <p:nvPr userDrawn="1"/>
+        </p:nvPicPr>
+        <p:blipFill>
+          <a:blip r:embed="rId2">
+            <a:extLst>
+              <a:ext uri="{28A0092B-C50C-407E-A947-70E740481C1C}">
+                <a14:useLocalDpi xmlns:a14="http://schemas.microsoft.com/office/drawing/2010/main" val="0"/>
+              </a:ext>
+            </a:extLst>
+          </a:blip>
+          <a:stretch>
+            <a:fillRect/>
+          </a:stretch>
+        </p:blipFill>
+        <p:spPr>
+          <a:xfrm>
+            <a:off x="274701" y="5953766"/>
+            <a:ext cx="952583" cy="845893"/>
+          </a:xfrm>
+          <a:prstGeom prst="rect">
+            <a:avLst/>
+          </a:prstGeom>
+        </p:spPr>
+      </p:pic>
     </p:spTree>
     <p:extLst>
       <p:ext uri="{BB962C8B-B14F-4D97-AF65-F5344CB8AC3E}">
@@ -17152,6 +18474,61 @@
 </file>
 
 <file path=ppt/slideLayouts/slideLayout30.xml><?xml version="1.0" encoding="utf-8"?>
+<p:sldLayout xmlns:a="http://schemas.openxmlformats.org/drawingml/2006/main" xmlns:r="http://schemas.openxmlformats.org/officeDocument/2006/relationships" xmlns:p="http://schemas.openxmlformats.org/presentationml/2006/main" preserve="1">
+  <p:cSld name="Title Only">
+    <p:spTree>
+      <p:nvGrpSpPr>
+        <p:cNvPr id="1" name=""/>
+        <p:cNvGrpSpPr/>
+        <p:nvPr/>
+      </p:nvGrpSpPr>
+      <p:grpSpPr>
+        <a:xfrm>
+          <a:off x="0" y="0"/>
+          <a:ext cx="0" cy="0"/>
+          <a:chOff x="0" y="0"/>
+          <a:chExt cx="0" cy="0"/>
+        </a:xfrm>
+      </p:grpSpPr>
+      <p:sp>
+        <p:nvSpPr>
+          <p:cNvPr id="2" name="Title 1"/>
+          <p:cNvSpPr>
+            <a:spLocks noGrp="1"/>
+          </p:cNvSpPr>
+          <p:nvPr>
+            <p:ph type="title"/>
+          </p:nvPr>
+        </p:nvSpPr>
+        <p:spPr/>
+        <p:txBody>
+          <a:bodyPr/>
+          <a:lstStyle/>
+          <a:p>
+            <a:r>
+              <a:rPr lang="en-US" dirty="0"/>
+              <a:t>Click to edit Master title style</a:t>
+            </a:r>
+          </a:p>
+        </p:txBody>
+      </p:sp>
+    </p:spTree>
+    <p:extLst>
+      <p:ext uri="{BB962C8B-B14F-4D97-AF65-F5344CB8AC3E}">
+        <p14:creationId xmlns:p14="http://schemas.microsoft.com/office/powerpoint/2010/main" val="3926629171"/>
+      </p:ext>
+    </p:extLst>
+  </p:cSld>
+  <p:clrMapOvr>
+    <a:masterClrMapping/>
+  </p:clrMapOvr>
+  <p:transition>
+    <p:fade/>
+  </p:transition>
+</p:sldLayout>
+</file>
+
+<file path=ppt/slideLayouts/slideLayout31.xml><?xml version="1.0" encoding="utf-8"?>
 <p:sldLayout xmlns:a="http://schemas.openxmlformats.org/drawingml/2006/main" xmlns:r="http://schemas.openxmlformats.org/officeDocument/2006/relationships" xmlns:p="http://schemas.openxmlformats.org/presentationml/2006/main" preserve="1">
   <p:cSld name="Customer Evidence Slide">
     <p:bg bwMode="gray">
@@ -17587,7 +18964,7 @@
 </p:sldLayout>
 </file>
 
-<file path=ppt/slideLayouts/slideLayout31.xml><?xml version="1.0" encoding="utf-8"?>
+<file path=ppt/slideLayouts/slideLayout32.xml><?xml version="1.0" encoding="utf-8"?>
 <p:sldLayout xmlns:a="http://schemas.openxmlformats.org/drawingml/2006/main" xmlns:r="http://schemas.openxmlformats.org/officeDocument/2006/relationships" xmlns:p="http://schemas.openxmlformats.org/presentationml/2006/main" preserve="1">
   <p:cSld name="Demo slide">
     <p:bg>
@@ -17732,7 +19109,7 @@
 </p:sldLayout>
 </file>
 
-<file path=ppt/slideLayouts/slideLayout32.xml><?xml version="1.0" encoding="utf-8"?>
+<file path=ppt/slideLayouts/slideLayout33.xml><?xml version="1.0" encoding="utf-8"?>
 <p:sldLayout xmlns:a="http://schemas.openxmlformats.org/drawingml/2006/main" xmlns:r="http://schemas.openxmlformats.org/officeDocument/2006/relationships" xmlns:p="http://schemas.openxmlformats.org/presentationml/2006/main" preserve="1">
   <p:cSld name="Video slide">
     <p:bg>
@@ -17828,7 +19205,7 @@
 </p:sldLayout>
 </file>
 
-<file path=ppt/slideLayouts/slideLayout33.xml><?xml version="1.0" encoding="utf-8"?>
+<file path=ppt/slideLayouts/slideLayout34.xml><?xml version="1.0" encoding="utf-8"?>
 <p:sldLayout xmlns:a="http://schemas.openxmlformats.org/drawingml/2006/main" xmlns:r="http://schemas.openxmlformats.org/officeDocument/2006/relationships" xmlns:p="http://schemas.openxmlformats.org/presentationml/2006/main" preserve="1">
   <p:cSld name="Section Title Accent Color 1">
     <p:bg>
@@ -17915,7 +19292,7 @@
 </p:sldLayout>
 </file>
 
-<file path=ppt/slideLayouts/slideLayout34.xml><?xml version="1.0" encoding="utf-8"?>
+<file path=ppt/slideLayouts/slideLayout35.xml><?xml version="1.0" encoding="utf-8"?>
 <p:sldLayout xmlns:a="http://schemas.openxmlformats.org/drawingml/2006/main" xmlns:r="http://schemas.openxmlformats.org/officeDocument/2006/relationships" xmlns:p="http://schemas.openxmlformats.org/presentationml/2006/main" preserve="1">
   <p:cSld name="Section Title Accent Color 2">
     <p:bg>
@@ -18002,7 +19379,7 @@
 </p:sldLayout>
 </file>
 
-<file path=ppt/slideLayouts/slideLayout35.xml><?xml version="1.0" encoding="utf-8"?>
+<file path=ppt/slideLayouts/slideLayout36.xml><?xml version="1.0" encoding="utf-8"?>
 <p:sldLayout xmlns:a="http://schemas.openxmlformats.org/drawingml/2006/main" xmlns:r="http://schemas.openxmlformats.org/officeDocument/2006/relationships" xmlns:p="http://schemas.openxmlformats.org/presentationml/2006/main" preserve="1">
   <p:cSld name="50-50 Right Photo Layout">
     <p:bg>
@@ -18138,7 +19515,7 @@
 </p:sldLayout>
 </file>
 
-<file path=ppt/slideLayouts/slideLayout36.xml><?xml version="1.0" encoding="utf-8"?>
+<file path=ppt/slideLayouts/slideLayout37.xml><?xml version="1.0" encoding="utf-8"?>
 <p:sldLayout xmlns:a="http://schemas.openxmlformats.org/drawingml/2006/main" xmlns:r="http://schemas.openxmlformats.org/officeDocument/2006/relationships" xmlns:p="http://schemas.openxmlformats.org/presentationml/2006/main" preserve="1">
   <p:cSld name="Blank">
     <p:spTree>
@@ -18171,7 +19548,7 @@
 </p:sldLayout>
 </file>
 
-<file path=ppt/slideLayouts/slideLayout37.xml><?xml version="1.0" encoding="utf-8"?>
+<file path=ppt/slideLayouts/slideLayout38.xml><?xml version="1.0" encoding="utf-8"?>
 <p:sldLayout xmlns:a="http://schemas.openxmlformats.org/drawingml/2006/main" xmlns:r="http://schemas.openxmlformats.org/officeDocument/2006/relationships" xmlns:p="http://schemas.openxmlformats.org/presentationml/2006/main" preserve="1">
   <p:cSld name="Blank Accent Color 1">
     <p:bg>
@@ -18212,7 +19589,7 @@
 </p:sldLayout>
 </file>
 
-<file path=ppt/slideLayouts/slideLayout38.xml><?xml version="1.0" encoding="utf-8"?>
+<file path=ppt/slideLayouts/slideLayout39.xml><?xml version="1.0" encoding="utf-8"?>
 <p:sldLayout xmlns:a="http://schemas.openxmlformats.org/drawingml/2006/main" xmlns:r="http://schemas.openxmlformats.org/officeDocument/2006/relationships" xmlns:p="http://schemas.openxmlformats.org/presentationml/2006/main" preserve="1">
   <p:cSld name="Blank Accent Color 2">
     <p:bg>
@@ -18246,286 +19623,6 @@
   </p:cSld>
   <p:clrMapOvr>
     <a:overrideClrMapping bg1="lt1" tx1="dk1" bg2="lt2" tx2="dk2" accent1="accent1" accent2="accent2" accent3="accent3" accent4="accent4" accent5="accent5" accent6="accent6" hlink="hlink" folHlink="folHlink"/>
-  </p:clrMapOvr>
-  <p:transition>
-    <p:fade/>
-  </p:transition>
-</p:sldLayout>
-</file>
-
-<file path=ppt/slideLayouts/slideLayout39.xml><?xml version="1.0" encoding="utf-8"?>
-<p:sldLayout xmlns:a="http://schemas.openxmlformats.org/drawingml/2006/main" xmlns:r="http://schemas.openxmlformats.org/officeDocument/2006/relationships" xmlns:p="http://schemas.openxmlformats.org/presentationml/2006/main" preserve="1">
-  <p:cSld name="Developer Code Layout">
-    <p:spTree>
-      <p:nvGrpSpPr>
-        <p:cNvPr id="1" name=""/>
-        <p:cNvGrpSpPr/>
-        <p:nvPr/>
-      </p:nvGrpSpPr>
-      <p:grpSpPr>
-        <a:xfrm>
-          <a:off x="0" y="0"/>
-          <a:ext cx="0" cy="0"/>
-          <a:chOff x="0" y="0"/>
-          <a:chExt cx="0" cy="0"/>
-        </a:xfrm>
-      </p:grpSpPr>
-      <p:sp>
-        <p:nvSpPr>
-          <p:cNvPr id="2" name="Title 1"/>
-          <p:cNvSpPr>
-            <a:spLocks noGrp="1"/>
-          </p:cNvSpPr>
-          <p:nvPr>
-            <p:ph type="title" hasCustomPrompt="1"/>
-          </p:nvPr>
-        </p:nvSpPr>
-        <p:spPr/>
-        <p:txBody>
-          <a:bodyPr/>
-          <a:lstStyle>
-            <a:lvl1pPr>
-              <a:defRPr baseline="0"/>
-            </a:lvl1pPr>
-          </a:lstStyle>
-          <a:p>
-            <a:r>
-              <a:rPr lang="en-US" dirty="0"/>
-              <a:t>Slide for developer code</a:t>
-            </a:r>
-          </a:p>
-        </p:txBody>
-      </p:sp>
-      <p:sp>
-        <p:nvSpPr>
-          <p:cNvPr id="3" name="Rectangle 2"/>
-          <p:cNvSpPr/>
-          <p:nvPr/>
-        </p:nvSpPr>
-        <p:spPr bwMode="hidden">
-          <a:xfrm>
-            <a:off x="1" y="1212849"/>
-            <a:ext cx="12436475" cy="5781676"/>
-          </a:xfrm>
-          <a:prstGeom prst="rect">
-            <a:avLst/>
-          </a:prstGeom>
-          <a:solidFill>
-            <a:srgbClr val="FFFFFF"/>
-          </a:solidFill>
-          <a:ln>
-            <a:noFill/>
-            <a:headEnd type="none" w="med" len="med"/>
-            <a:tailEnd type="none" w="med" len="med"/>
-          </a:ln>
-          <a:effectLst/>
-        </p:spPr>
-        <p:style>
-          <a:lnRef idx="1">
-            <a:schemeClr val="accent2"/>
-          </a:lnRef>
-          <a:fillRef idx="3">
-            <a:schemeClr val="accent2"/>
-          </a:fillRef>
-          <a:effectRef idx="2">
-            <a:schemeClr val="accent2"/>
-          </a:effectRef>
-          <a:fontRef idx="minor">
-            <a:schemeClr val="lt1"/>
-          </a:fontRef>
-        </p:style>
-        <p:txBody>
-          <a:bodyPr rot="0" spcFirstLastPara="0" vertOverflow="overflow" horzOverflow="overflow" vert="horz" wrap="square" lIns="46639" tIns="46639" rIns="46639" bIns="46639" numCol="1" spcCol="0" rtlCol="0" fromWordArt="0" anchor="ctr" anchorCtr="0" forceAA="0" compatLnSpc="1">
-            <a:prstTxWarp prst="textNoShape">
-              <a:avLst/>
-            </a:prstTxWarp>
-            <a:noAutofit/>
-          </a:bodyPr>
-          <a:lstStyle/>
-          <a:p>
-            <a:pPr algn="ctr" defTabSz="932472" fontAlgn="base">
-              <a:spcBef>
-                <a:spcPct val="0"/>
-              </a:spcBef>
-              <a:spcAft>
-                <a:spcPct val="0"/>
-              </a:spcAft>
-            </a:pPr>
-            <a:endParaRPr lang="en-US" dirty="0">
-              <a:gradFill>
-                <a:gsLst>
-                  <a:gs pos="0">
-                    <a:srgbClr val="FFFFFF"/>
-                  </a:gs>
-                  <a:gs pos="100000">
-                    <a:srgbClr val="FFFFFF"/>
-                  </a:gs>
-                </a:gsLst>
-                <a:lin ang="5400000" scaled="0"/>
-              </a:gradFill>
-              <a:ea typeface="Segoe UI" pitchFamily="34" charset="0"/>
-              <a:cs typeface="Segoe UI" pitchFamily="34" charset="0"/>
-            </a:endParaRPr>
-          </a:p>
-        </p:txBody>
-      </p:sp>
-      <p:sp>
-        <p:nvSpPr>
-          <p:cNvPr id="5" name="Text Placeholder 4"/>
-          <p:cNvSpPr>
-            <a:spLocks noGrp="1"/>
-          </p:cNvSpPr>
-          <p:nvPr>
-            <p:ph type="body" sz="quarter" idx="10"/>
-          </p:nvPr>
-        </p:nvSpPr>
-        <p:spPr>
-          <a:xfrm>
-            <a:off x="274638" y="1221157"/>
-            <a:ext cx="11887199" cy="1995931"/>
-          </a:xfrm>
-        </p:spPr>
-        <p:txBody>
-          <a:bodyPr/>
-          <a:lstStyle>
-            <a:lvl1pPr marL="0" indent="0">
-              <a:buNone/>
-              <a:defRPr sz="3300">
-                <a:gradFill>
-                  <a:gsLst>
-                    <a:gs pos="1250">
-                      <a:srgbClr val="000000"/>
-                    </a:gs>
-                    <a:gs pos="100000">
-                      <a:srgbClr val="000000"/>
-                    </a:gs>
-                  </a:gsLst>
-                  <a:lin ang="5400000" scaled="0"/>
-                </a:gradFill>
-                <a:latin typeface="Consolas" panose="020B0609020204030204" pitchFamily="49" charset="0"/>
-                <a:cs typeface="Consolas" panose="020B0609020204030204" pitchFamily="49" charset="0"/>
-              </a:defRPr>
-            </a:lvl1pPr>
-            <a:lvl2pPr marL="346553" indent="0">
-              <a:buNone/>
-              <a:defRPr>
-                <a:gradFill>
-                  <a:gsLst>
-                    <a:gs pos="1250">
-                      <a:srgbClr val="000000"/>
-                    </a:gs>
-                    <a:gs pos="100000">
-                      <a:srgbClr val="000000"/>
-                    </a:gs>
-                  </a:gsLst>
-                  <a:lin ang="5400000" scaled="0"/>
-                </a:gradFill>
-                <a:latin typeface="Consolas" panose="020B0609020204030204" pitchFamily="49" charset="0"/>
-                <a:cs typeface="Consolas" panose="020B0609020204030204" pitchFamily="49" charset="0"/>
-              </a:defRPr>
-            </a:lvl2pPr>
-            <a:lvl3pPr marL="584607" indent="0">
-              <a:buNone/>
-              <a:defRPr>
-                <a:gradFill>
-                  <a:gsLst>
-                    <a:gs pos="1250">
-                      <a:srgbClr val="000000"/>
-                    </a:gs>
-                    <a:gs pos="100000">
-                      <a:srgbClr val="000000"/>
-                    </a:gs>
-                  </a:gsLst>
-                  <a:lin ang="5400000" scaled="0"/>
-                </a:gradFill>
-                <a:latin typeface="Consolas" panose="020B0609020204030204" pitchFamily="49" charset="0"/>
-                <a:cs typeface="Consolas" panose="020B0609020204030204" pitchFamily="49" charset="0"/>
-              </a:defRPr>
-            </a:lvl3pPr>
-            <a:lvl4pPr marL="814563" indent="0">
-              <a:buNone/>
-              <a:defRPr>
-                <a:gradFill>
-                  <a:gsLst>
-                    <a:gs pos="1250">
-                      <a:srgbClr val="000000"/>
-                    </a:gs>
-                    <a:gs pos="100000">
-                      <a:srgbClr val="000000"/>
-                    </a:gs>
-                  </a:gsLst>
-                  <a:lin ang="5400000" scaled="0"/>
-                </a:gradFill>
-                <a:latin typeface="Consolas" panose="020B0609020204030204" pitchFamily="49" charset="0"/>
-                <a:cs typeface="Consolas" panose="020B0609020204030204" pitchFamily="49" charset="0"/>
-              </a:defRPr>
-            </a:lvl4pPr>
-            <a:lvl5pPr marL="1050997" indent="0">
-              <a:buNone/>
-              <a:defRPr>
-                <a:gradFill>
-                  <a:gsLst>
-                    <a:gs pos="1250">
-                      <a:srgbClr val="000000"/>
-                    </a:gs>
-                    <a:gs pos="100000">
-                      <a:srgbClr val="000000"/>
-                    </a:gs>
-                  </a:gsLst>
-                  <a:lin ang="5400000" scaled="0"/>
-                </a:gradFill>
-                <a:latin typeface="Consolas" panose="020B0609020204030204" pitchFamily="49" charset="0"/>
-                <a:cs typeface="Consolas" panose="020B0609020204030204" pitchFamily="49" charset="0"/>
-              </a:defRPr>
-            </a:lvl5pPr>
-          </a:lstStyle>
-          <a:p>
-            <a:pPr lvl="0"/>
-            <a:r>
-              <a:rPr lang="en-US"/>
-              <a:t>Click to edit Master text styles</a:t>
-            </a:r>
-          </a:p>
-          <a:p>
-            <a:pPr lvl="1"/>
-            <a:r>
-              <a:rPr lang="en-US"/>
-              <a:t>Second level</a:t>
-            </a:r>
-          </a:p>
-          <a:p>
-            <a:pPr lvl="2"/>
-            <a:r>
-              <a:rPr lang="en-US"/>
-              <a:t>Third level</a:t>
-            </a:r>
-          </a:p>
-          <a:p>
-            <a:pPr lvl="3"/>
-            <a:r>
-              <a:rPr lang="en-US"/>
-              <a:t>Fourth level</a:t>
-            </a:r>
-          </a:p>
-          <a:p>
-            <a:pPr lvl="4"/>
-            <a:r>
-              <a:rPr lang="en-US"/>
-              <a:t>Fifth level</a:t>
-            </a:r>
-            <a:endParaRPr lang="en-US" dirty="0"/>
-          </a:p>
-        </p:txBody>
-      </p:sp>
-    </p:spTree>
-    <p:extLst>
-      <p:ext uri="{BB962C8B-B14F-4D97-AF65-F5344CB8AC3E}">
-        <p14:creationId xmlns:p14="http://schemas.microsoft.com/office/powerpoint/2010/main" val="975001290"/>
-      </p:ext>
-    </p:extLst>
-  </p:cSld>
-  <p:clrMapOvr>
-    <a:masterClrMapping/>
   </p:clrMapOvr>
   <p:transition>
     <p:fade/>
@@ -18656,6 +19753,36 @@
           </a:p>
         </p:txBody>
       </p:sp>
+      <p:pic>
+        <p:nvPicPr>
+          <p:cNvPr id="5" name="Picture 4"/>
+          <p:cNvPicPr>
+            <a:picLocks noChangeAspect="1"/>
+          </p:cNvPicPr>
+          <p:nvPr userDrawn="1"/>
+        </p:nvPicPr>
+        <p:blipFill>
+          <a:blip r:embed="rId2">
+            <a:extLst>
+              <a:ext uri="{28A0092B-C50C-407E-A947-70E740481C1C}">
+                <a14:useLocalDpi xmlns:a14="http://schemas.microsoft.com/office/drawing/2010/main" val="0"/>
+              </a:ext>
+            </a:extLst>
+          </a:blip>
+          <a:stretch>
+            <a:fillRect/>
+          </a:stretch>
+        </p:blipFill>
+        <p:spPr>
+          <a:xfrm>
+            <a:off x="274701" y="5953766"/>
+            <a:ext cx="952583" cy="845893"/>
+          </a:xfrm>
+          <a:prstGeom prst="rect">
+            <a:avLst/>
+          </a:prstGeom>
+        </p:spPr>
+      </p:pic>
     </p:spTree>
     <p:extLst>
       <p:ext uri="{BB962C8B-B14F-4D97-AF65-F5344CB8AC3E}">
@@ -18673,6 +19800,316 @@
 </file>
 
 <file path=ppt/slideLayouts/slideLayout40.xml><?xml version="1.0" encoding="utf-8"?>
+<p:sldLayout xmlns:a="http://schemas.openxmlformats.org/drawingml/2006/main" xmlns:r="http://schemas.openxmlformats.org/officeDocument/2006/relationships" xmlns:p="http://schemas.openxmlformats.org/presentationml/2006/main" preserve="1">
+  <p:cSld name="Developer Code Layout">
+    <p:spTree>
+      <p:nvGrpSpPr>
+        <p:cNvPr id="1" name=""/>
+        <p:cNvGrpSpPr/>
+        <p:nvPr/>
+      </p:nvGrpSpPr>
+      <p:grpSpPr>
+        <a:xfrm>
+          <a:off x="0" y="0"/>
+          <a:ext cx="0" cy="0"/>
+          <a:chOff x="0" y="0"/>
+          <a:chExt cx="0" cy="0"/>
+        </a:xfrm>
+      </p:grpSpPr>
+      <p:sp>
+        <p:nvSpPr>
+          <p:cNvPr id="2" name="Title 1"/>
+          <p:cNvSpPr>
+            <a:spLocks noGrp="1"/>
+          </p:cNvSpPr>
+          <p:nvPr>
+            <p:ph type="title" hasCustomPrompt="1"/>
+          </p:nvPr>
+        </p:nvSpPr>
+        <p:spPr/>
+        <p:txBody>
+          <a:bodyPr/>
+          <a:lstStyle>
+            <a:lvl1pPr>
+              <a:defRPr baseline="0"/>
+            </a:lvl1pPr>
+          </a:lstStyle>
+          <a:p>
+            <a:r>
+              <a:rPr lang="en-US" dirty="0"/>
+              <a:t>Slide for developer code</a:t>
+            </a:r>
+          </a:p>
+        </p:txBody>
+      </p:sp>
+      <p:sp>
+        <p:nvSpPr>
+          <p:cNvPr id="3" name="Rectangle 2"/>
+          <p:cNvSpPr/>
+          <p:nvPr/>
+        </p:nvSpPr>
+        <p:spPr bwMode="hidden">
+          <a:xfrm>
+            <a:off x="1" y="1212849"/>
+            <a:ext cx="12436475" cy="5781676"/>
+          </a:xfrm>
+          <a:prstGeom prst="rect">
+            <a:avLst/>
+          </a:prstGeom>
+          <a:solidFill>
+            <a:srgbClr val="FFFFFF"/>
+          </a:solidFill>
+          <a:ln>
+            <a:noFill/>
+            <a:headEnd type="none" w="med" len="med"/>
+            <a:tailEnd type="none" w="med" len="med"/>
+          </a:ln>
+          <a:effectLst/>
+        </p:spPr>
+        <p:style>
+          <a:lnRef idx="1">
+            <a:schemeClr val="accent2"/>
+          </a:lnRef>
+          <a:fillRef idx="3">
+            <a:schemeClr val="accent2"/>
+          </a:fillRef>
+          <a:effectRef idx="2">
+            <a:schemeClr val="accent2"/>
+          </a:effectRef>
+          <a:fontRef idx="minor">
+            <a:schemeClr val="lt1"/>
+          </a:fontRef>
+        </p:style>
+        <p:txBody>
+          <a:bodyPr rot="0" spcFirstLastPara="0" vertOverflow="overflow" horzOverflow="overflow" vert="horz" wrap="square" lIns="46639" tIns="46639" rIns="46639" bIns="46639" numCol="1" spcCol="0" rtlCol="0" fromWordArt="0" anchor="ctr" anchorCtr="0" forceAA="0" compatLnSpc="1">
+            <a:prstTxWarp prst="textNoShape">
+              <a:avLst/>
+            </a:prstTxWarp>
+            <a:noAutofit/>
+          </a:bodyPr>
+          <a:lstStyle/>
+          <a:p>
+            <a:pPr algn="ctr" defTabSz="932472" fontAlgn="base">
+              <a:spcBef>
+                <a:spcPct val="0"/>
+              </a:spcBef>
+              <a:spcAft>
+                <a:spcPct val="0"/>
+              </a:spcAft>
+            </a:pPr>
+            <a:endParaRPr lang="en-US" dirty="0">
+              <a:gradFill>
+                <a:gsLst>
+                  <a:gs pos="0">
+                    <a:srgbClr val="FFFFFF"/>
+                  </a:gs>
+                  <a:gs pos="100000">
+                    <a:srgbClr val="FFFFFF"/>
+                  </a:gs>
+                </a:gsLst>
+                <a:lin ang="5400000" scaled="0"/>
+              </a:gradFill>
+              <a:ea typeface="Segoe UI" pitchFamily="34" charset="0"/>
+              <a:cs typeface="Segoe UI" pitchFamily="34" charset="0"/>
+            </a:endParaRPr>
+          </a:p>
+        </p:txBody>
+      </p:sp>
+      <p:sp>
+        <p:nvSpPr>
+          <p:cNvPr id="5" name="Text Placeholder 4"/>
+          <p:cNvSpPr>
+            <a:spLocks noGrp="1"/>
+          </p:cNvSpPr>
+          <p:nvPr>
+            <p:ph type="body" sz="quarter" idx="10"/>
+          </p:nvPr>
+        </p:nvSpPr>
+        <p:spPr>
+          <a:xfrm>
+            <a:off x="274638" y="1221157"/>
+            <a:ext cx="11887199" cy="1995931"/>
+          </a:xfrm>
+        </p:spPr>
+        <p:txBody>
+          <a:bodyPr/>
+          <a:lstStyle>
+            <a:lvl1pPr marL="0" indent="0">
+              <a:buNone/>
+              <a:defRPr sz="3300">
+                <a:gradFill>
+                  <a:gsLst>
+                    <a:gs pos="1250">
+                      <a:srgbClr val="000000"/>
+                    </a:gs>
+                    <a:gs pos="100000">
+                      <a:srgbClr val="000000"/>
+                    </a:gs>
+                  </a:gsLst>
+                  <a:lin ang="5400000" scaled="0"/>
+                </a:gradFill>
+                <a:latin typeface="Consolas" panose="020B0609020204030204" pitchFamily="49" charset="0"/>
+                <a:cs typeface="Consolas" panose="020B0609020204030204" pitchFamily="49" charset="0"/>
+              </a:defRPr>
+            </a:lvl1pPr>
+            <a:lvl2pPr marL="346553" indent="0">
+              <a:buNone/>
+              <a:defRPr>
+                <a:gradFill>
+                  <a:gsLst>
+                    <a:gs pos="1250">
+                      <a:srgbClr val="000000"/>
+                    </a:gs>
+                    <a:gs pos="100000">
+                      <a:srgbClr val="000000"/>
+                    </a:gs>
+                  </a:gsLst>
+                  <a:lin ang="5400000" scaled="0"/>
+                </a:gradFill>
+                <a:latin typeface="Consolas" panose="020B0609020204030204" pitchFamily="49" charset="0"/>
+                <a:cs typeface="Consolas" panose="020B0609020204030204" pitchFamily="49" charset="0"/>
+              </a:defRPr>
+            </a:lvl2pPr>
+            <a:lvl3pPr marL="584607" indent="0">
+              <a:buNone/>
+              <a:defRPr>
+                <a:gradFill>
+                  <a:gsLst>
+                    <a:gs pos="1250">
+                      <a:srgbClr val="000000"/>
+                    </a:gs>
+                    <a:gs pos="100000">
+                      <a:srgbClr val="000000"/>
+                    </a:gs>
+                  </a:gsLst>
+                  <a:lin ang="5400000" scaled="0"/>
+                </a:gradFill>
+                <a:latin typeface="Consolas" panose="020B0609020204030204" pitchFamily="49" charset="0"/>
+                <a:cs typeface="Consolas" panose="020B0609020204030204" pitchFamily="49" charset="0"/>
+              </a:defRPr>
+            </a:lvl3pPr>
+            <a:lvl4pPr marL="814563" indent="0">
+              <a:buNone/>
+              <a:defRPr>
+                <a:gradFill>
+                  <a:gsLst>
+                    <a:gs pos="1250">
+                      <a:srgbClr val="000000"/>
+                    </a:gs>
+                    <a:gs pos="100000">
+                      <a:srgbClr val="000000"/>
+                    </a:gs>
+                  </a:gsLst>
+                  <a:lin ang="5400000" scaled="0"/>
+                </a:gradFill>
+                <a:latin typeface="Consolas" panose="020B0609020204030204" pitchFamily="49" charset="0"/>
+                <a:cs typeface="Consolas" panose="020B0609020204030204" pitchFamily="49" charset="0"/>
+              </a:defRPr>
+            </a:lvl4pPr>
+            <a:lvl5pPr marL="1050997" indent="0">
+              <a:buNone/>
+              <a:defRPr>
+                <a:gradFill>
+                  <a:gsLst>
+                    <a:gs pos="1250">
+                      <a:srgbClr val="000000"/>
+                    </a:gs>
+                    <a:gs pos="100000">
+                      <a:srgbClr val="000000"/>
+                    </a:gs>
+                  </a:gsLst>
+                  <a:lin ang="5400000" scaled="0"/>
+                </a:gradFill>
+                <a:latin typeface="Consolas" panose="020B0609020204030204" pitchFamily="49" charset="0"/>
+                <a:cs typeface="Consolas" panose="020B0609020204030204" pitchFamily="49" charset="0"/>
+              </a:defRPr>
+            </a:lvl5pPr>
+          </a:lstStyle>
+          <a:p>
+            <a:pPr lvl="0"/>
+            <a:r>
+              <a:rPr lang="en-US"/>
+              <a:t>Click to edit Master text styles</a:t>
+            </a:r>
+          </a:p>
+          <a:p>
+            <a:pPr lvl="1"/>
+            <a:r>
+              <a:rPr lang="en-US"/>
+              <a:t>Second level</a:t>
+            </a:r>
+          </a:p>
+          <a:p>
+            <a:pPr lvl="2"/>
+            <a:r>
+              <a:rPr lang="en-US"/>
+              <a:t>Third level</a:t>
+            </a:r>
+          </a:p>
+          <a:p>
+            <a:pPr lvl="3"/>
+            <a:r>
+              <a:rPr lang="en-US"/>
+              <a:t>Fourth level</a:t>
+            </a:r>
+          </a:p>
+          <a:p>
+            <a:pPr lvl="4"/>
+            <a:r>
+              <a:rPr lang="en-US"/>
+              <a:t>Fifth level</a:t>
+            </a:r>
+            <a:endParaRPr lang="en-US" dirty="0"/>
+          </a:p>
+        </p:txBody>
+      </p:sp>
+      <p:pic>
+        <p:nvPicPr>
+          <p:cNvPr id="6" name="Picture 5"/>
+          <p:cNvPicPr>
+            <a:picLocks noChangeAspect="1"/>
+          </p:cNvPicPr>
+          <p:nvPr userDrawn="1"/>
+        </p:nvPicPr>
+        <p:blipFill>
+          <a:blip r:embed="rId2">
+            <a:extLst>
+              <a:ext uri="{28A0092B-C50C-407E-A947-70E740481C1C}">
+                <a14:useLocalDpi xmlns:a14="http://schemas.microsoft.com/office/drawing/2010/main" val="0"/>
+              </a:ext>
+            </a:extLst>
+          </a:blip>
+          <a:stretch>
+            <a:fillRect/>
+          </a:stretch>
+        </p:blipFill>
+        <p:spPr>
+          <a:xfrm>
+            <a:off x="274701" y="5953766"/>
+            <a:ext cx="952583" cy="845893"/>
+          </a:xfrm>
+          <a:prstGeom prst="rect">
+            <a:avLst/>
+          </a:prstGeom>
+        </p:spPr>
+      </p:pic>
+    </p:spTree>
+    <p:extLst>
+      <p:ext uri="{BB962C8B-B14F-4D97-AF65-F5344CB8AC3E}">
+        <p14:creationId xmlns:p14="http://schemas.microsoft.com/office/powerpoint/2010/main" val="975001290"/>
+      </p:ext>
+    </p:extLst>
+  </p:cSld>
+  <p:clrMapOvr>
+    <a:masterClrMapping/>
+  </p:clrMapOvr>
+  <p:transition>
+    <p:fade/>
+  </p:transition>
+</p:sldLayout>
+</file>
+
+<file path=ppt/slideLayouts/slideLayout41.xml><?xml version="1.0" encoding="utf-8"?>
 <p:sldLayout xmlns:a="http://schemas.openxmlformats.org/drawingml/2006/main" xmlns:r="http://schemas.openxmlformats.org/officeDocument/2006/relationships" xmlns:p="http://schemas.openxmlformats.org/presentationml/2006/main" preserve="1">
   <p:cSld name="Closing logo slide_color">
     <p:bg>
@@ -18740,7 +20177,7 @@
 </p:sldLayout>
 </file>
 
-<file path=ppt/slideLayouts/slideLayout41.xml><?xml version="1.0" encoding="utf-8"?>
+<file path=ppt/slideLayouts/slideLayout42.xml><?xml version="1.0" encoding="utf-8"?>
 <p:sldLayout xmlns:a="http://schemas.openxmlformats.org/drawingml/2006/main" xmlns:r="http://schemas.openxmlformats.org/officeDocument/2006/relationships" xmlns:p="http://schemas.openxmlformats.org/presentationml/2006/main" preserve="1">
   <p:cSld name="Black Notes slide Layout">
     <p:bg bwMode="black">
@@ -19061,7 +20498,7 @@
 </p:sldLayout>
 </file>
 
-<file path=ppt/slideLayouts/slideLayout42.xml><?xml version="1.0" encoding="utf-8"?>
+<file path=ppt/slideLayouts/slideLayout43.xml><?xml version="1.0" encoding="utf-8"?>
 <p:sldLayout xmlns:a="http://schemas.openxmlformats.org/drawingml/2006/main" xmlns:r="http://schemas.openxmlformats.org/officeDocument/2006/relationships" xmlns:p="http://schemas.openxmlformats.org/presentationml/2006/main" preserve="1">
   <p:cSld name="Title Slide">
     <p:bg bwMode="gray">
@@ -19343,7 +20780,7 @@
 </p:sldLayout>
 </file>
 
-<file path=ppt/slideLayouts/slideLayout43.xml><?xml version="1.0" encoding="utf-8"?>
+<file path=ppt/slideLayouts/slideLayout44.xml><?xml version="1.0" encoding="utf-8"?>
 <p:sldLayout xmlns:a="http://schemas.openxmlformats.org/drawingml/2006/main" xmlns:r="http://schemas.openxmlformats.org/officeDocument/2006/relationships" xmlns:p="http://schemas.openxmlformats.org/presentationml/2006/main" preserve="1">
   <p:cSld name="Title &amp; 2-color Non-bulleted text">
     <p:bg>
@@ -19497,7 +20934,7 @@
 </p:sldLayout>
 </file>
 
-<file path=ppt/slideLayouts/slideLayout44.xml><?xml version="1.0" encoding="utf-8"?>
+<file path=ppt/slideLayouts/slideLayout45.xml><?xml version="1.0" encoding="utf-8"?>
 <p:sldLayout xmlns:a="http://schemas.openxmlformats.org/drawingml/2006/main" xmlns:r="http://schemas.openxmlformats.org/officeDocument/2006/relationships" xmlns:p="http://schemas.openxmlformats.org/presentationml/2006/main" preserve="1">
   <p:cSld name="Title &amp; Non-bulleted text">
     <p:bg>
@@ -19651,7 +21088,7 @@
 </p:sldLayout>
 </file>
 
-<file path=ppt/slideLayouts/slideLayout45.xml><?xml version="1.0" encoding="utf-8"?>
+<file path=ppt/slideLayouts/slideLayout46.xml><?xml version="1.0" encoding="utf-8"?>
 <p:sldLayout xmlns:a="http://schemas.openxmlformats.org/drawingml/2006/main" xmlns:r="http://schemas.openxmlformats.org/officeDocument/2006/relationships" xmlns:p="http://schemas.openxmlformats.org/presentationml/2006/main" preserve="1">
   <p:cSld name="Title and Content 1st level color text">
     <p:bg>
@@ -19788,7 +21225,7 @@
 </p:sldLayout>
 </file>
 
-<file path=ppt/slideLayouts/slideLayout46.xml><?xml version="1.0" encoding="utf-8"?>
+<file path=ppt/slideLayouts/slideLayout47.xml><?xml version="1.0" encoding="utf-8"?>
 <p:sldLayout xmlns:a="http://schemas.openxmlformats.org/drawingml/2006/main" xmlns:r="http://schemas.openxmlformats.org/officeDocument/2006/relationships" xmlns:p="http://schemas.openxmlformats.org/presentationml/2006/main" preserve="1">
   <p:cSld name="Title and Content">
     <p:bg>
@@ -19913,7 +21350,7 @@
 </p:sldLayout>
 </file>
 
-<file path=ppt/slideLayouts/slideLayout47.xml><?xml version="1.0" encoding="utf-8"?>
+<file path=ppt/slideLayouts/slideLayout48.xml><?xml version="1.0" encoding="utf-8"?>
 <p:sldLayout xmlns:a="http://schemas.openxmlformats.org/drawingml/2006/main" xmlns:r="http://schemas.openxmlformats.org/officeDocument/2006/relationships" xmlns:p="http://schemas.openxmlformats.org/presentationml/2006/main" preserve="1">
   <p:cSld name="Two Column 2-color Non-bulleted">
     <p:bg>
@@ -20177,7 +21614,7 @@
 </p:sldLayout>
 </file>
 
-<file path=ppt/slideLayouts/slideLayout48.xml><?xml version="1.0" encoding="utf-8"?>
+<file path=ppt/slideLayouts/slideLayout49.xml><?xml version="1.0" encoding="utf-8"?>
 <p:sldLayout xmlns:a="http://schemas.openxmlformats.org/drawingml/2006/main" xmlns:r="http://schemas.openxmlformats.org/officeDocument/2006/relationships" xmlns:p="http://schemas.openxmlformats.org/presentationml/2006/main" preserve="1">
   <p:cSld name="Two Column Non-bulleted text">
     <p:bg>
@@ -20405,262 +21842,6 @@
     <p:extLst>
       <p:ext uri="{BB962C8B-B14F-4D97-AF65-F5344CB8AC3E}">
         <p14:creationId xmlns:p14="http://schemas.microsoft.com/office/powerpoint/2010/main" val="1795276842"/>
-      </p:ext>
-    </p:extLst>
-  </p:cSld>
-  <p:clrMapOvr>
-    <a:overrideClrMapping bg1="lt1" tx1="dk1" bg2="lt2" tx2="dk2" accent1="accent1" accent2="accent2" accent3="accent3" accent4="accent4" accent5="accent5" accent6="accent6" hlink="hlink" folHlink="folHlink"/>
-  </p:clrMapOvr>
-  <p:transition>
-    <p:fade/>
-  </p:transition>
-</p:sldLayout>
-</file>
-
-<file path=ppt/slideLayouts/slideLayout49.xml><?xml version="1.0" encoding="utf-8"?>
-<p:sldLayout xmlns:a="http://schemas.openxmlformats.org/drawingml/2006/main" xmlns:r="http://schemas.openxmlformats.org/officeDocument/2006/relationships" xmlns:p="http://schemas.openxmlformats.org/presentationml/2006/main" preserve="1">
-  <p:cSld name="Two Column Bullet text 1st level color">
-    <p:bg>
-      <p:bgPr>
-        <a:solidFill>
-          <a:srgbClr val="F8F8F8"/>
-        </a:solidFill>
-        <a:effectLst/>
-      </p:bgPr>
-    </p:bg>
-    <p:spTree>
-      <p:nvGrpSpPr>
-        <p:cNvPr id="1" name=""/>
-        <p:cNvGrpSpPr/>
-        <p:nvPr/>
-      </p:nvGrpSpPr>
-      <p:grpSpPr>
-        <a:xfrm>
-          <a:off x="0" y="0"/>
-          <a:ext cx="0" cy="0"/>
-          <a:chOff x="0" y="0"/>
-          <a:chExt cx="0" cy="0"/>
-        </a:xfrm>
-      </p:grpSpPr>
-      <p:sp>
-        <p:nvSpPr>
-          <p:cNvPr id="2" name="Title 1"/>
-          <p:cNvSpPr>
-            <a:spLocks noGrp="1"/>
-          </p:cNvSpPr>
-          <p:nvPr>
-            <p:ph type="title"/>
-          </p:nvPr>
-        </p:nvSpPr>
-        <p:spPr/>
-        <p:txBody>
-          <a:bodyPr/>
-          <a:lstStyle/>
-          <a:p>
-            <a:r>
-              <a:rPr lang="en-US"/>
-              <a:t>Click to edit Master title style</a:t>
-            </a:r>
-            <a:endParaRPr lang="en-US" dirty="0"/>
-          </a:p>
-        </p:txBody>
-      </p:sp>
-      <p:sp>
-        <p:nvSpPr>
-          <p:cNvPr id="4" name="Text Placeholder 3"/>
-          <p:cNvSpPr>
-            <a:spLocks noGrp="1"/>
-          </p:cNvSpPr>
-          <p:nvPr>
-            <p:ph type="body" sz="quarter" idx="10"/>
-          </p:nvPr>
-        </p:nvSpPr>
-        <p:spPr>
-          <a:xfrm>
-            <a:off x="274639" y="1212849"/>
-            <a:ext cx="5486399" cy="2425279"/>
-          </a:xfrm>
-        </p:spPr>
-        <p:txBody>
-          <a:bodyPr wrap="square">
-            <a:spAutoFit/>
-          </a:bodyPr>
-          <a:lstStyle>
-            <a:lvl1pPr marL="287338" indent="-287338">
-              <a:spcBef>
-                <a:spcPts val="1224"/>
-              </a:spcBef>
-              <a:buClr>
-                <a:schemeClr val="tx2"/>
-              </a:buClr>
-              <a:buFont typeface="Arial" pitchFamily="34" charset="0"/>
-              <a:buChar char="•"/>
-              <a:defRPr sz="3200">
-                <a:gradFill>
-                  <a:gsLst>
-                    <a:gs pos="1250">
-                      <a:schemeClr val="tx2"/>
-                    </a:gs>
-                    <a:gs pos="99000">
-                      <a:schemeClr val="tx2"/>
-                    </a:gs>
-                  </a:gsLst>
-                  <a:lin ang="5400000" scaled="0"/>
-                </a:gradFill>
-              </a:defRPr>
-            </a:lvl1pPr>
-            <a:lvl2pPr marL="531166" indent="-233195">
-              <a:defRPr sz="2400"/>
-            </a:lvl2pPr>
-            <a:lvl3pPr marL="699585" indent="-168419">
-              <a:tabLst/>
-              <a:defRPr sz="2000"/>
-            </a:lvl3pPr>
-            <a:lvl4pPr marL="880958" indent="-181374">
-              <a:defRPr/>
-            </a:lvl4pPr>
-            <a:lvl5pPr marL="1049377" indent="-168419">
-              <a:tabLst/>
-              <a:defRPr/>
-            </a:lvl5pPr>
-          </a:lstStyle>
-          <a:p>
-            <a:pPr lvl="0"/>
-            <a:r>
-              <a:rPr lang="en-US" dirty="0"/>
-              <a:t>Click to edit Master text styles</a:t>
-            </a:r>
-          </a:p>
-          <a:p>
-            <a:pPr lvl="1"/>
-            <a:r>
-              <a:rPr lang="en-US" dirty="0"/>
-              <a:t>Second level</a:t>
-            </a:r>
-          </a:p>
-          <a:p>
-            <a:pPr lvl="2"/>
-            <a:r>
-              <a:rPr lang="en-US" dirty="0"/>
-              <a:t>Third level</a:t>
-            </a:r>
-          </a:p>
-          <a:p>
-            <a:pPr lvl="3"/>
-            <a:r>
-              <a:rPr lang="en-US" dirty="0"/>
-              <a:t>Fourth level</a:t>
-            </a:r>
-          </a:p>
-          <a:p>
-            <a:pPr lvl="4"/>
-            <a:r>
-              <a:rPr lang="en-US" dirty="0"/>
-              <a:t>Fifth level</a:t>
-            </a:r>
-          </a:p>
-        </p:txBody>
-      </p:sp>
-      <p:sp>
-        <p:nvSpPr>
-          <p:cNvPr id="5" name="Text Placeholder 3"/>
-          <p:cNvSpPr>
-            <a:spLocks noGrp="1"/>
-          </p:cNvSpPr>
-          <p:nvPr>
-            <p:ph type="body" sz="quarter" idx="11"/>
-          </p:nvPr>
-        </p:nvSpPr>
-        <p:spPr>
-          <a:xfrm>
-            <a:off x="6675439" y="1212849"/>
-            <a:ext cx="5486399" cy="2425279"/>
-          </a:xfrm>
-        </p:spPr>
-        <p:txBody>
-          <a:bodyPr wrap="square">
-            <a:spAutoFit/>
-          </a:bodyPr>
-          <a:lstStyle>
-            <a:lvl1pPr marL="287338" indent="-287338">
-              <a:spcBef>
-                <a:spcPts val="1224"/>
-              </a:spcBef>
-              <a:buClr>
-                <a:schemeClr val="tx2"/>
-              </a:buClr>
-              <a:buFont typeface="Arial" pitchFamily="34" charset="0"/>
-              <a:buChar char="•"/>
-              <a:defRPr sz="3200">
-                <a:gradFill>
-                  <a:gsLst>
-                    <a:gs pos="1250">
-                      <a:schemeClr val="tx2"/>
-                    </a:gs>
-                    <a:gs pos="99000">
-                      <a:schemeClr val="tx2"/>
-                    </a:gs>
-                  </a:gsLst>
-                  <a:lin ang="5400000" scaled="0"/>
-                </a:gradFill>
-              </a:defRPr>
-            </a:lvl1pPr>
-            <a:lvl2pPr marL="531166" indent="-233195">
-              <a:defRPr sz="2400"/>
-            </a:lvl2pPr>
-            <a:lvl3pPr marL="699585" indent="-168419">
-              <a:tabLst/>
-              <a:defRPr sz="2000"/>
-            </a:lvl3pPr>
-            <a:lvl4pPr marL="880958" indent="-181374">
-              <a:defRPr/>
-            </a:lvl4pPr>
-            <a:lvl5pPr marL="1049377" indent="-168419">
-              <a:tabLst/>
-              <a:defRPr/>
-            </a:lvl5pPr>
-          </a:lstStyle>
-          <a:p>
-            <a:pPr lvl="0"/>
-            <a:r>
-              <a:rPr lang="en-US" dirty="0"/>
-              <a:t>Click to edit Master text styles</a:t>
-            </a:r>
-          </a:p>
-          <a:p>
-            <a:pPr lvl="1"/>
-            <a:r>
-              <a:rPr lang="en-US" dirty="0"/>
-              <a:t>Second level</a:t>
-            </a:r>
-          </a:p>
-          <a:p>
-            <a:pPr lvl="2"/>
-            <a:r>
-              <a:rPr lang="en-US" dirty="0"/>
-              <a:t>Third level</a:t>
-            </a:r>
-          </a:p>
-          <a:p>
-            <a:pPr lvl="3"/>
-            <a:r>
-              <a:rPr lang="en-US" dirty="0"/>
-              <a:t>Fourth level</a:t>
-            </a:r>
-          </a:p>
-          <a:p>
-            <a:pPr lvl="4"/>
-            <a:r>
-              <a:rPr lang="en-US" dirty="0"/>
-              <a:t>Fifth level</a:t>
-            </a:r>
-          </a:p>
-        </p:txBody>
-      </p:sp>
-    </p:spTree>
-    <p:extLst>
-      <p:ext uri="{BB962C8B-B14F-4D97-AF65-F5344CB8AC3E}">
-        <p14:creationId xmlns:p14="http://schemas.microsoft.com/office/powerpoint/2010/main" val="1273588649"/>
       </p:ext>
     </p:extLst>
   </p:cSld>
@@ -20784,6 +21965,36 @@
           </a:p>
         </p:txBody>
       </p:sp>
+      <p:pic>
+        <p:nvPicPr>
+          <p:cNvPr id="5" name="Picture 4"/>
+          <p:cNvPicPr>
+            <a:picLocks noChangeAspect="1"/>
+          </p:cNvPicPr>
+          <p:nvPr userDrawn="1"/>
+        </p:nvPicPr>
+        <p:blipFill>
+          <a:blip r:embed="rId2">
+            <a:extLst>
+              <a:ext uri="{28A0092B-C50C-407E-A947-70E740481C1C}">
+                <a14:useLocalDpi xmlns:a14="http://schemas.microsoft.com/office/drawing/2010/main" val="0"/>
+              </a:ext>
+            </a:extLst>
+          </a:blip>
+          <a:stretch>
+            <a:fillRect/>
+          </a:stretch>
+        </p:blipFill>
+        <p:spPr>
+          <a:xfrm>
+            <a:off x="274701" y="5953766"/>
+            <a:ext cx="952583" cy="845893"/>
+          </a:xfrm>
+          <a:prstGeom prst="rect">
+            <a:avLst/>
+          </a:prstGeom>
+        </p:spPr>
+      </p:pic>
     </p:spTree>
     <p:extLst>
       <p:ext uri="{BB962C8B-B14F-4D97-AF65-F5344CB8AC3E}">
@@ -20801,6 +22012,262 @@
 </file>
 
 <file path=ppt/slideLayouts/slideLayout50.xml><?xml version="1.0" encoding="utf-8"?>
+<p:sldLayout xmlns:a="http://schemas.openxmlformats.org/drawingml/2006/main" xmlns:r="http://schemas.openxmlformats.org/officeDocument/2006/relationships" xmlns:p="http://schemas.openxmlformats.org/presentationml/2006/main" preserve="1">
+  <p:cSld name="Two Column Bullet text 1st level color">
+    <p:bg>
+      <p:bgPr>
+        <a:solidFill>
+          <a:srgbClr val="F8F8F8"/>
+        </a:solidFill>
+        <a:effectLst/>
+      </p:bgPr>
+    </p:bg>
+    <p:spTree>
+      <p:nvGrpSpPr>
+        <p:cNvPr id="1" name=""/>
+        <p:cNvGrpSpPr/>
+        <p:nvPr/>
+      </p:nvGrpSpPr>
+      <p:grpSpPr>
+        <a:xfrm>
+          <a:off x="0" y="0"/>
+          <a:ext cx="0" cy="0"/>
+          <a:chOff x="0" y="0"/>
+          <a:chExt cx="0" cy="0"/>
+        </a:xfrm>
+      </p:grpSpPr>
+      <p:sp>
+        <p:nvSpPr>
+          <p:cNvPr id="2" name="Title 1"/>
+          <p:cNvSpPr>
+            <a:spLocks noGrp="1"/>
+          </p:cNvSpPr>
+          <p:nvPr>
+            <p:ph type="title"/>
+          </p:nvPr>
+        </p:nvSpPr>
+        <p:spPr/>
+        <p:txBody>
+          <a:bodyPr/>
+          <a:lstStyle/>
+          <a:p>
+            <a:r>
+              <a:rPr lang="en-US"/>
+              <a:t>Click to edit Master title style</a:t>
+            </a:r>
+            <a:endParaRPr lang="en-US" dirty="0"/>
+          </a:p>
+        </p:txBody>
+      </p:sp>
+      <p:sp>
+        <p:nvSpPr>
+          <p:cNvPr id="4" name="Text Placeholder 3"/>
+          <p:cNvSpPr>
+            <a:spLocks noGrp="1"/>
+          </p:cNvSpPr>
+          <p:nvPr>
+            <p:ph type="body" sz="quarter" idx="10"/>
+          </p:nvPr>
+        </p:nvSpPr>
+        <p:spPr>
+          <a:xfrm>
+            <a:off x="274639" y="1212849"/>
+            <a:ext cx="5486399" cy="2425279"/>
+          </a:xfrm>
+        </p:spPr>
+        <p:txBody>
+          <a:bodyPr wrap="square">
+            <a:spAutoFit/>
+          </a:bodyPr>
+          <a:lstStyle>
+            <a:lvl1pPr marL="287338" indent="-287338">
+              <a:spcBef>
+                <a:spcPts val="1224"/>
+              </a:spcBef>
+              <a:buClr>
+                <a:schemeClr val="tx2"/>
+              </a:buClr>
+              <a:buFont typeface="Arial" pitchFamily="34" charset="0"/>
+              <a:buChar char="•"/>
+              <a:defRPr sz="3200">
+                <a:gradFill>
+                  <a:gsLst>
+                    <a:gs pos="1250">
+                      <a:schemeClr val="tx2"/>
+                    </a:gs>
+                    <a:gs pos="99000">
+                      <a:schemeClr val="tx2"/>
+                    </a:gs>
+                  </a:gsLst>
+                  <a:lin ang="5400000" scaled="0"/>
+                </a:gradFill>
+              </a:defRPr>
+            </a:lvl1pPr>
+            <a:lvl2pPr marL="531166" indent="-233195">
+              <a:defRPr sz="2400"/>
+            </a:lvl2pPr>
+            <a:lvl3pPr marL="699585" indent="-168419">
+              <a:tabLst/>
+              <a:defRPr sz="2000"/>
+            </a:lvl3pPr>
+            <a:lvl4pPr marL="880958" indent="-181374">
+              <a:defRPr/>
+            </a:lvl4pPr>
+            <a:lvl5pPr marL="1049377" indent="-168419">
+              <a:tabLst/>
+              <a:defRPr/>
+            </a:lvl5pPr>
+          </a:lstStyle>
+          <a:p>
+            <a:pPr lvl="0"/>
+            <a:r>
+              <a:rPr lang="en-US" dirty="0"/>
+              <a:t>Click to edit Master text styles</a:t>
+            </a:r>
+          </a:p>
+          <a:p>
+            <a:pPr lvl="1"/>
+            <a:r>
+              <a:rPr lang="en-US" dirty="0"/>
+              <a:t>Second level</a:t>
+            </a:r>
+          </a:p>
+          <a:p>
+            <a:pPr lvl="2"/>
+            <a:r>
+              <a:rPr lang="en-US" dirty="0"/>
+              <a:t>Third level</a:t>
+            </a:r>
+          </a:p>
+          <a:p>
+            <a:pPr lvl="3"/>
+            <a:r>
+              <a:rPr lang="en-US" dirty="0"/>
+              <a:t>Fourth level</a:t>
+            </a:r>
+          </a:p>
+          <a:p>
+            <a:pPr lvl="4"/>
+            <a:r>
+              <a:rPr lang="en-US" dirty="0"/>
+              <a:t>Fifth level</a:t>
+            </a:r>
+          </a:p>
+        </p:txBody>
+      </p:sp>
+      <p:sp>
+        <p:nvSpPr>
+          <p:cNvPr id="5" name="Text Placeholder 3"/>
+          <p:cNvSpPr>
+            <a:spLocks noGrp="1"/>
+          </p:cNvSpPr>
+          <p:nvPr>
+            <p:ph type="body" sz="quarter" idx="11"/>
+          </p:nvPr>
+        </p:nvSpPr>
+        <p:spPr>
+          <a:xfrm>
+            <a:off x="6675439" y="1212849"/>
+            <a:ext cx="5486399" cy="2425279"/>
+          </a:xfrm>
+        </p:spPr>
+        <p:txBody>
+          <a:bodyPr wrap="square">
+            <a:spAutoFit/>
+          </a:bodyPr>
+          <a:lstStyle>
+            <a:lvl1pPr marL="287338" indent="-287338">
+              <a:spcBef>
+                <a:spcPts val="1224"/>
+              </a:spcBef>
+              <a:buClr>
+                <a:schemeClr val="tx2"/>
+              </a:buClr>
+              <a:buFont typeface="Arial" pitchFamily="34" charset="0"/>
+              <a:buChar char="•"/>
+              <a:defRPr sz="3200">
+                <a:gradFill>
+                  <a:gsLst>
+                    <a:gs pos="1250">
+                      <a:schemeClr val="tx2"/>
+                    </a:gs>
+                    <a:gs pos="99000">
+                      <a:schemeClr val="tx2"/>
+                    </a:gs>
+                  </a:gsLst>
+                  <a:lin ang="5400000" scaled="0"/>
+                </a:gradFill>
+              </a:defRPr>
+            </a:lvl1pPr>
+            <a:lvl2pPr marL="531166" indent="-233195">
+              <a:defRPr sz="2400"/>
+            </a:lvl2pPr>
+            <a:lvl3pPr marL="699585" indent="-168419">
+              <a:tabLst/>
+              <a:defRPr sz="2000"/>
+            </a:lvl3pPr>
+            <a:lvl4pPr marL="880958" indent="-181374">
+              <a:defRPr/>
+            </a:lvl4pPr>
+            <a:lvl5pPr marL="1049377" indent="-168419">
+              <a:tabLst/>
+              <a:defRPr/>
+            </a:lvl5pPr>
+          </a:lstStyle>
+          <a:p>
+            <a:pPr lvl="0"/>
+            <a:r>
+              <a:rPr lang="en-US" dirty="0"/>
+              <a:t>Click to edit Master text styles</a:t>
+            </a:r>
+          </a:p>
+          <a:p>
+            <a:pPr lvl="1"/>
+            <a:r>
+              <a:rPr lang="en-US" dirty="0"/>
+              <a:t>Second level</a:t>
+            </a:r>
+          </a:p>
+          <a:p>
+            <a:pPr lvl="2"/>
+            <a:r>
+              <a:rPr lang="en-US" dirty="0"/>
+              <a:t>Third level</a:t>
+            </a:r>
+          </a:p>
+          <a:p>
+            <a:pPr lvl="3"/>
+            <a:r>
+              <a:rPr lang="en-US" dirty="0"/>
+              <a:t>Fourth level</a:t>
+            </a:r>
+          </a:p>
+          <a:p>
+            <a:pPr lvl="4"/>
+            <a:r>
+              <a:rPr lang="en-US" dirty="0"/>
+              <a:t>Fifth level</a:t>
+            </a:r>
+          </a:p>
+        </p:txBody>
+      </p:sp>
+    </p:spTree>
+    <p:extLst>
+      <p:ext uri="{BB962C8B-B14F-4D97-AF65-F5344CB8AC3E}">
+        <p14:creationId xmlns:p14="http://schemas.microsoft.com/office/powerpoint/2010/main" val="1273588649"/>
+      </p:ext>
+    </p:extLst>
+  </p:cSld>
+  <p:clrMapOvr>
+    <a:overrideClrMapping bg1="lt1" tx1="dk1" bg2="lt2" tx2="dk2" accent1="accent1" accent2="accent2" accent3="accent3" accent4="accent4" accent5="accent5" accent6="accent6" hlink="hlink" folHlink="folHlink"/>
+  </p:clrMapOvr>
+  <p:transition>
+    <p:fade/>
+  </p:transition>
+</p:sldLayout>
+</file>
+
+<file path=ppt/slideLayouts/slideLayout51.xml><?xml version="1.0" encoding="utf-8"?>
 <p:sldLayout xmlns:a="http://schemas.openxmlformats.org/drawingml/2006/main" xmlns:r="http://schemas.openxmlformats.org/officeDocument/2006/relationships" xmlns:p="http://schemas.openxmlformats.org/presentationml/2006/main" preserve="1">
   <p:cSld name="Two Column Bullet text">
     <p:bg>
@@ -21032,7 +22499,7 @@
 </p:sldLayout>
 </file>
 
-<file path=ppt/slideLayouts/slideLayout51.xml><?xml version="1.0" encoding="utf-8"?>
+<file path=ppt/slideLayouts/slideLayout52.xml><?xml version="1.0" encoding="utf-8"?>
 <p:sldLayout xmlns:a="http://schemas.openxmlformats.org/drawingml/2006/main" xmlns:r="http://schemas.openxmlformats.org/officeDocument/2006/relationships" xmlns:p="http://schemas.openxmlformats.org/presentationml/2006/main" preserve="1">
   <p:cSld name="Title Only">
     <p:bg>
@@ -21095,7 +22562,7 @@
 </p:sldLayout>
 </file>
 
-<file path=ppt/slideLayouts/slideLayout52.xml><?xml version="1.0" encoding="utf-8"?>
+<file path=ppt/slideLayouts/slideLayout53.xml><?xml version="1.0" encoding="utf-8"?>
 <p:sldLayout xmlns:a="http://schemas.openxmlformats.org/drawingml/2006/main" xmlns:r="http://schemas.openxmlformats.org/officeDocument/2006/relationships" xmlns:p="http://schemas.openxmlformats.org/presentationml/2006/main" preserve="1">
   <p:cSld name="Customer Evidence Slide">
     <p:bg bwMode="gray">
@@ -21531,7 +22998,7 @@
 </p:sldLayout>
 </file>
 
-<file path=ppt/slideLayouts/slideLayout53.xml><?xml version="1.0" encoding="utf-8"?>
+<file path=ppt/slideLayouts/slideLayout54.xml><?xml version="1.0" encoding="utf-8"?>
 <p:sldLayout xmlns:a="http://schemas.openxmlformats.org/drawingml/2006/main" xmlns:r="http://schemas.openxmlformats.org/officeDocument/2006/relationships" xmlns:p="http://schemas.openxmlformats.org/presentationml/2006/main" preserve="1">
   <p:cSld name="Demo slide">
     <p:bg>
@@ -21676,7 +23143,7 @@
 </p:sldLayout>
 </file>
 
-<file path=ppt/slideLayouts/slideLayout54.xml><?xml version="1.0" encoding="utf-8"?>
+<file path=ppt/slideLayouts/slideLayout55.xml><?xml version="1.0" encoding="utf-8"?>
 <p:sldLayout xmlns:a="http://schemas.openxmlformats.org/drawingml/2006/main" xmlns:r="http://schemas.openxmlformats.org/officeDocument/2006/relationships" xmlns:p="http://schemas.openxmlformats.org/presentationml/2006/main" preserve="1">
   <p:cSld name="Video slide">
     <p:bg>
@@ -21772,7 +23239,7 @@
 </p:sldLayout>
 </file>
 
-<file path=ppt/slideLayouts/slideLayout55.xml><?xml version="1.0" encoding="utf-8"?>
+<file path=ppt/slideLayouts/slideLayout56.xml><?xml version="1.0" encoding="utf-8"?>
 <p:sldLayout xmlns:a="http://schemas.openxmlformats.org/drawingml/2006/main" xmlns:r="http://schemas.openxmlformats.org/officeDocument/2006/relationships" xmlns:p="http://schemas.openxmlformats.org/presentationml/2006/main" preserve="1">
   <p:cSld name="Section Title Accent Color 1">
     <p:bg>
@@ -21859,7 +23326,7 @@
 </p:sldLayout>
 </file>
 
-<file path=ppt/slideLayouts/slideLayout56.xml><?xml version="1.0" encoding="utf-8"?>
+<file path=ppt/slideLayouts/slideLayout57.xml><?xml version="1.0" encoding="utf-8"?>
 <p:sldLayout xmlns:a="http://schemas.openxmlformats.org/drawingml/2006/main" xmlns:r="http://schemas.openxmlformats.org/officeDocument/2006/relationships" xmlns:p="http://schemas.openxmlformats.org/presentationml/2006/main" preserve="1">
   <p:cSld name="Section Title Accent Color 2">
     <p:bg>
@@ -21946,7 +23413,7 @@
 </p:sldLayout>
 </file>
 
-<file path=ppt/slideLayouts/slideLayout57.xml><?xml version="1.0" encoding="utf-8"?>
+<file path=ppt/slideLayouts/slideLayout58.xml><?xml version="1.0" encoding="utf-8"?>
 <p:sldLayout xmlns:a="http://schemas.openxmlformats.org/drawingml/2006/main" xmlns:r="http://schemas.openxmlformats.org/officeDocument/2006/relationships" xmlns:p="http://schemas.openxmlformats.org/presentationml/2006/main" preserve="1">
   <p:cSld name="50-50 Right Photo Layout">
     <p:bg>
@@ -22085,7 +23552,7 @@
 </p:sldLayout>
 </file>
 
-<file path=ppt/slideLayouts/slideLayout58.xml><?xml version="1.0" encoding="utf-8"?>
+<file path=ppt/slideLayouts/slideLayout59.xml><?xml version="1.0" encoding="utf-8"?>
 <p:sldLayout xmlns:a="http://schemas.openxmlformats.org/drawingml/2006/main" xmlns:r="http://schemas.openxmlformats.org/officeDocument/2006/relationships" xmlns:p="http://schemas.openxmlformats.org/presentationml/2006/main" preserve="1">
   <p:cSld name="Blank Accent Color 1">
     <p:bg>
@@ -22111,47 +23578,6 @@
     <p:extLst>
       <p:ext uri="{BB962C8B-B14F-4D97-AF65-F5344CB8AC3E}">
         <p14:creationId xmlns:p14="http://schemas.microsoft.com/office/powerpoint/2010/main" val="2262860615"/>
-      </p:ext>
-    </p:extLst>
-  </p:cSld>
-  <p:clrMapOvr>
-    <a:overrideClrMapping bg1="dk1" tx1="lt1" bg2="dk2" tx2="lt2" accent1="accent1" accent2="accent2" accent3="accent3" accent4="accent4" accent5="accent5" accent6="accent6" hlink="hlink" folHlink="folHlink"/>
-  </p:clrMapOvr>
-  <p:transition>
-    <p:fade/>
-  </p:transition>
-</p:sldLayout>
-</file>
-
-<file path=ppt/slideLayouts/slideLayout59.xml><?xml version="1.0" encoding="utf-8"?>
-<p:sldLayout xmlns:a="http://schemas.openxmlformats.org/drawingml/2006/main" xmlns:r="http://schemas.openxmlformats.org/officeDocument/2006/relationships" xmlns:p="http://schemas.openxmlformats.org/presentationml/2006/main" preserve="1">
-  <p:cSld name="Blank Accent Color 2">
-    <p:bg>
-      <p:bgPr>
-        <a:solidFill>
-          <a:schemeClr val="accent2"/>
-        </a:solidFill>
-        <a:effectLst/>
-      </p:bgPr>
-    </p:bg>
-    <p:spTree>
-      <p:nvGrpSpPr>
-        <p:cNvPr id="1" name=""/>
-        <p:cNvGrpSpPr/>
-        <p:nvPr/>
-      </p:nvGrpSpPr>
-      <p:grpSpPr>
-        <a:xfrm>
-          <a:off x="0" y="0"/>
-          <a:ext cx="0" cy="0"/>
-          <a:chOff x="0" y="0"/>
-          <a:chExt cx="0" cy="0"/>
-        </a:xfrm>
-      </p:grpSpPr>
-    </p:spTree>
-    <p:extLst>
-      <p:ext uri="{BB962C8B-B14F-4D97-AF65-F5344CB8AC3E}">
-        <p14:creationId xmlns:p14="http://schemas.microsoft.com/office/powerpoint/2010/main" val="1099538418"/>
       </p:ext>
     </p:extLst>
   </p:cSld>
@@ -22414,6 +23840,36 @@
           </a:p>
         </p:txBody>
       </p:sp>
+      <p:pic>
+        <p:nvPicPr>
+          <p:cNvPr id="6" name="Picture 5"/>
+          <p:cNvPicPr>
+            <a:picLocks noChangeAspect="1"/>
+          </p:cNvPicPr>
+          <p:nvPr userDrawn="1"/>
+        </p:nvPicPr>
+        <p:blipFill>
+          <a:blip r:embed="rId2">
+            <a:extLst>
+              <a:ext uri="{28A0092B-C50C-407E-A947-70E740481C1C}">
+                <a14:useLocalDpi xmlns:a14="http://schemas.microsoft.com/office/drawing/2010/main" val="0"/>
+              </a:ext>
+            </a:extLst>
+          </a:blip>
+          <a:stretch>
+            <a:fillRect/>
+          </a:stretch>
+        </p:blipFill>
+        <p:spPr>
+          <a:xfrm>
+            <a:off x="274701" y="5953766"/>
+            <a:ext cx="952583" cy="845893"/>
+          </a:xfrm>
+          <a:prstGeom prst="rect">
+            <a:avLst/>
+          </a:prstGeom>
+        </p:spPr>
+      </p:pic>
     </p:spTree>
     <p:extLst>
       <p:ext uri="{BB962C8B-B14F-4D97-AF65-F5344CB8AC3E}">
@@ -22431,6 +23887,47 @@
 </file>
 
 <file path=ppt/slideLayouts/slideLayout60.xml><?xml version="1.0" encoding="utf-8"?>
+<p:sldLayout xmlns:a="http://schemas.openxmlformats.org/drawingml/2006/main" xmlns:r="http://schemas.openxmlformats.org/officeDocument/2006/relationships" xmlns:p="http://schemas.openxmlformats.org/presentationml/2006/main" preserve="1">
+  <p:cSld name="Blank Accent Color 2">
+    <p:bg>
+      <p:bgPr>
+        <a:solidFill>
+          <a:schemeClr val="accent2"/>
+        </a:solidFill>
+        <a:effectLst/>
+      </p:bgPr>
+    </p:bg>
+    <p:spTree>
+      <p:nvGrpSpPr>
+        <p:cNvPr id="1" name=""/>
+        <p:cNvGrpSpPr/>
+        <p:nvPr/>
+      </p:nvGrpSpPr>
+      <p:grpSpPr>
+        <a:xfrm>
+          <a:off x="0" y="0"/>
+          <a:ext cx="0" cy="0"/>
+          <a:chOff x="0" y="0"/>
+          <a:chExt cx="0" cy="0"/>
+        </a:xfrm>
+      </p:grpSpPr>
+    </p:spTree>
+    <p:extLst>
+      <p:ext uri="{BB962C8B-B14F-4D97-AF65-F5344CB8AC3E}">
+        <p14:creationId xmlns:p14="http://schemas.microsoft.com/office/powerpoint/2010/main" val="1099538418"/>
+      </p:ext>
+    </p:extLst>
+  </p:cSld>
+  <p:clrMapOvr>
+    <a:overrideClrMapping bg1="dk1" tx1="lt1" bg2="dk2" tx2="lt2" accent1="accent1" accent2="accent2" accent3="accent3" accent4="accent4" accent5="accent5" accent6="accent6" hlink="hlink" folHlink="folHlink"/>
+  </p:clrMapOvr>
+  <p:transition>
+    <p:fade/>
+  </p:transition>
+</p:sldLayout>
+</file>
+
+<file path=ppt/slideLayouts/slideLayout61.xml><?xml version="1.0" encoding="utf-8"?>
 <p:sldLayout xmlns:a="http://schemas.openxmlformats.org/drawingml/2006/main" xmlns:r="http://schemas.openxmlformats.org/officeDocument/2006/relationships" xmlns:p="http://schemas.openxmlformats.org/presentationml/2006/main" preserve="1">
   <p:cSld name="Developer Code Layout">
     <p:spTree>
@@ -22710,7 +24207,7 @@
 </p:sldLayout>
 </file>
 
-<file path=ppt/slideLayouts/slideLayout61.xml><?xml version="1.0" encoding="utf-8"?>
+<file path=ppt/slideLayouts/slideLayout62.xml><?xml version="1.0" encoding="utf-8"?>
 <p:sldLayout xmlns:a="http://schemas.openxmlformats.org/drawingml/2006/main" xmlns:r="http://schemas.openxmlformats.org/officeDocument/2006/relationships" xmlns:p="http://schemas.openxmlformats.org/presentationml/2006/main" preserve="1">
   <p:cSld name="Closing logo slide_color">
     <p:bg>
@@ -22778,7 +24275,7 @@
 </p:sldLayout>
 </file>
 
-<file path=ppt/slideLayouts/slideLayout62.xml><?xml version="1.0" encoding="utf-8"?>
+<file path=ppt/slideLayouts/slideLayout63.xml><?xml version="1.0" encoding="utf-8"?>
 <p:sldLayout xmlns:a="http://schemas.openxmlformats.org/drawingml/2006/main" xmlns:r="http://schemas.openxmlformats.org/officeDocument/2006/relationships" xmlns:p="http://schemas.openxmlformats.org/presentationml/2006/main" preserve="1">
   <p:cSld name="Black Notes slide Layout">
     <p:bg bwMode="black">
@@ -23099,7 +24596,7 @@
 </p:sldLayout>
 </file>
 
-<file path=ppt/slideLayouts/slideLayout63.xml><?xml version="1.0" encoding="utf-8"?>
+<file path=ppt/slideLayouts/slideLayout64.xml><?xml version="1.0" encoding="utf-8"?>
 <p:sldLayout xmlns:a="http://schemas.openxmlformats.org/drawingml/2006/main" xmlns:r="http://schemas.openxmlformats.org/officeDocument/2006/relationships" xmlns:p="http://schemas.openxmlformats.org/presentationml/2006/main" preserve="1">
   <p:cSld name="2_Walkin">
     <p:bg bwMode="gray">
@@ -23326,7 +24823,7 @@
 </p:sldLayout>
 </file>
 
-<file path=ppt/slideLayouts/slideLayout64.xml><?xml version="1.0" encoding="utf-8"?>
+<file path=ppt/slideLayouts/slideLayout65.xml><?xml version="1.0" encoding="utf-8"?>
 <p:sldLayout xmlns:a="http://schemas.openxmlformats.org/drawingml/2006/main" xmlns:r="http://schemas.openxmlformats.org/officeDocument/2006/relationships" xmlns:p="http://schemas.openxmlformats.org/presentationml/2006/main" preserve="1">
   <p:cSld name="Title Slide">
     <p:bg bwMode="gray">
@@ -23608,7 +25105,7 @@
 </p:sldLayout>
 </file>
 
-<file path=ppt/slideLayouts/slideLayout65.xml><?xml version="1.0" encoding="utf-8"?>
+<file path=ppt/slideLayouts/slideLayout66.xml><?xml version="1.0" encoding="utf-8"?>
 <p:sldLayout xmlns:a="http://schemas.openxmlformats.org/drawingml/2006/main" xmlns:r="http://schemas.openxmlformats.org/officeDocument/2006/relationships" xmlns:p="http://schemas.openxmlformats.org/presentationml/2006/main" preserve="1">
   <p:cSld name="Title &amp; 2-color Non-bulleted text">
     <p:bg>
@@ -23763,7 +25260,7 @@
 </p:sldLayout>
 </file>
 
-<file path=ppt/slideLayouts/slideLayout66.xml><?xml version="1.0" encoding="utf-8"?>
+<file path=ppt/slideLayouts/slideLayout67.xml><?xml version="1.0" encoding="utf-8"?>
 <p:sldLayout xmlns:a="http://schemas.openxmlformats.org/drawingml/2006/main" xmlns:r="http://schemas.openxmlformats.org/officeDocument/2006/relationships" xmlns:p="http://schemas.openxmlformats.org/presentationml/2006/main" preserve="1">
   <p:cSld name="Title &amp; Non-bulleted text">
     <p:bg>
@@ -23918,7 +25415,7 @@
 </p:sldLayout>
 </file>
 
-<file path=ppt/slideLayouts/slideLayout67.xml><?xml version="1.0" encoding="utf-8"?>
+<file path=ppt/slideLayouts/slideLayout68.xml><?xml version="1.0" encoding="utf-8"?>
 <p:sldLayout xmlns:a="http://schemas.openxmlformats.org/drawingml/2006/main" xmlns:r="http://schemas.openxmlformats.org/officeDocument/2006/relationships" xmlns:p="http://schemas.openxmlformats.org/presentationml/2006/main" preserve="1">
   <p:cSld name="Title and Content 1st level color text">
     <p:bg>
@@ -24056,7 +25553,7 @@
 </p:sldLayout>
 </file>
 
-<file path=ppt/slideLayouts/slideLayout68.xml><?xml version="1.0" encoding="utf-8"?>
+<file path=ppt/slideLayouts/slideLayout69.xml><?xml version="1.0" encoding="utf-8"?>
 <p:sldLayout xmlns:a="http://schemas.openxmlformats.org/drawingml/2006/main" xmlns:r="http://schemas.openxmlformats.org/officeDocument/2006/relationships" xmlns:p="http://schemas.openxmlformats.org/presentationml/2006/main" preserve="1">
   <p:cSld name="Title and Content">
     <p:bg>
@@ -24170,272 +25667,6 @@
     <p:extLst>
       <p:ext uri="{BB962C8B-B14F-4D97-AF65-F5344CB8AC3E}">
         <p14:creationId xmlns:p14="http://schemas.microsoft.com/office/powerpoint/2010/main" val="3317060111"/>
-      </p:ext>
-    </p:extLst>
-  </p:cSld>
-  <p:clrMapOvr>
-    <a:overrideClrMapping bg1="lt1" tx1="dk1" bg2="lt2" tx2="dk2" accent1="accent1" accent2="accent2" accent3="accent3" accent4="accent4" accent5="accent5" accent6="accent6" hlink="hlink" folHlink="folHlink"/>
-  </p:clrMapOvr>
-  <p:transition>
-    <p:fade/>
-  </p:transition>
-</p:sldLayout>
-</file>
-
-<file path=ppt/slideLayouts/slideLayout69.xml><?xml version="1.0" encoding="utf-8"?>
-<p:sldLayout xmlns:a="http://schemas.openxmlformats.org/drawingml/2006/main" xmlns:r="http://schemas.openxmlformats.org/officeDocument/2006/relationships" xmlns:p="http://schemas.openxmlformats.org/presentationml/2006/main" preserve="1">
-  <p:cSld name="Two Column 2-color Non-bulleted">
-    <p:bg>
-      <p:bgPr>
-        <a:solidFill>
-          <a:srgbClr val="F8F8F8"/>
-        </a:solidFill>
-        <a:effectLst/>
-      </p:bgPr>
-    </p:bg>
-    <p:spTree>
-      <p:nvGrpSpPr>
-        <p:cNvPr id="1" name=""/>
-        <p:cNvGrpSpPr/>
-        <p:nvPr/>
-      </p:nvGrpSpPr>
-      <p:grpSpPr>
-        <a:xfrm>
-          <a:off x="0" y="0"/>
-          <a:ext cx="0" cy="0"/>
-          <a:chOff x="0" y="0"/>
-          <a:chExt cx="0" cy="0"/>
-        </a:xfrm>
-      </p:grpSpPr>
-      <p:sp>
-        <p:nvSpPr>
-          <p:cNvPr id="2" name="Title 1"/>
-          <p:cNvSpPr>
-            <a:spLocks noGrp="1"/>
-          </p:cNvSpPr>
-          <p:nvPr>
-            <p:ph type="title"/>
-          </p:nvPr>
-        </p:nvSpPr>
-        <p:spPr/>
-        <p:txBody>
-          <a:bodyPr/>
-          <a:lstStyle/>
-          <a:p>
-            <a:r>
-              <a:rPr lang="en-US"/>
-              <a:t>Click to edit Master title style</a:t>
-            </a:r>
-            <a:endParaRPr lang="en-US" dirty="0"/>
-          </a:p>
-        </p:txBody>
-      </p:sp>
-      <p:sp>
-        <p:nvSpPr>
-          <p:cNvPr id="4" name="Text Placeholder 3"/>
-          <p:cNvSpPr>
-            <a:spLocks noGrp="1"/>
-          </p:cNvSpPr>
-          <p:nvPr>
-            <p:ph type="body" sz="quarter" idx="10"/>
-          </p:nvPr>
-        </p:nvSpPr>
-        <p:spPr>
-          <a:xfrm>
-            <a:off x="274640" y="1212849"/>
-            <a:ext cx="5486399" cy="1914370"/>
-          </a:xfrm>
-        </p:spPr>
-        <p:txBody>
-          <a:bodyPr wrap="square">
-            <a:spAutoFit/>
-          </a:bodyPr>
-          <a:lstStyle>
-            <a:lvl1pPr marL="0" indent="0">
-              <a:spcBef>
-                <a:spcPts val="1224"/>
-              </a:spcBef>
-              <a:buClr>
-                <a:schemeClr val="tx1"/>
-              </a:buClr>
-              <a:buFont typeface="Wingdings" pitchFamily="2" charset="2"/>
-              <a:buNone/>
-              <a:defRPr sz="3199">
-                <a:gradFill>
-                  <a:gsLst>
-                    <a:gs pos="1250">
-                      <a:schemeClr val="tx2"/>
-                    </a:gs>
-                    <a:gs pos="99000">
-                      <a:schemeClr val="tx2"/>
-                    </a:gs>
-                  </a:gsLst>
-                  <a:lin ang="5400000" scaled="0"/>
-                </a:gradFill>
-              </a:defRPr>
-            </a:lvl1pPr>
-            <a:lvl2pPr marL="0" indent="0">
-              <a:buNone/>
-              <a:defRPr sz="2000"/>
-            </a:lvl2pPr>
-            <a:lvl3pPr marL="231730" indent="0">
-              <a:buNone/>
-              <a:tabLst/>
-              <a:defRPr sz="2000"/>
-            </a:lvl3pPr>
-            <a:lvl4pPr marL="460287" indent="0">
-              <a:buNone/>
-              <a:defRPr/>
-            </a:lvl4pPr>
-            <a:lvl5pPr marL="685669" indent="0">
-              <a:buNone/>
-              <a:tabLst/>
-              <a:defRPr/>
-            </a:lvl5pPr>
-          </a:lstStyle>
-          <a:p>
-            <a:pPr lvl="0"/>
-            <a:r>
-              <a:rPr lang="en-US"/>
-              <a:t>Edit Master text styles</a:t>
-            </a:r>
-          </a:p>
-          <a:p>
-            <a:pPr lvl="1"/>
-            <a:r>
-              <a:rPr lang="en-US"/>
-              <a:t>Second level</a:t>
-            </a:r>
-          </a:p>
-          <a:p>
-            <a:pPr lvl="2"/>
-            <a:r>
-              <a:rPr lang="en-US"/>
-              <a:t>Third level</a:t>
-            </a:r>
-          </a:p>
-          <a:p>
-            <a:pPr lvl="3"/>
-            <a:r>
-              <a:rPr lang="en-US"/>
-              <a:t>Fourth level</a:t>
-            </a:r>
-          </a:p>
-          <a:p>
-            <a:pPr lvl="4"/>
-            <a:r>
-              <a:rPr lang="en-US"/>
-              <a:t>Fifth level</a:t>
-            </a:r>
-            <a:endParaRPr lang="en-US" dirty="0"/>
-          </a:p>
-        </p:txBody>
-      </p:sp>
-      <p:sp>
-        <p:nvSpPr>
-          <p:cNvPr id="5" name="Text Placeholder 3"/>
-          <p:cNvSpPr>
-            <a:spLocks noGrp="1"/>
-          </p:cNvSpPr>
-          <p:nvPr>
-            <p:ph type="body" sz="quarter" idx="11"/>
-          </p:nvPr>
-        </p:nvSpPr>
-        <p:spPr>
-          <a:xfrm>
-            <a:off x="6675439" y="1212849"/>
-            <a:ext cx="5486399" cy="1914370"/>
-          </a:xfrm>
-        </p:spPr>
-        <p:txBody>
-          <a:bodyPr wrap="square">
-            <a:spAutoFit/>
-          </a:bodyPr>
-          <a:lstStyle>
-            <a:lvl1pPr marL="0" indent="0">
-              <a:spcBef>
-                <a:spcPts val="1224"/>
-              </a:spcBef>
-              <a:buClr>
-                <a:schemeClr val="tx1"/>
-              </a:buClr>
-              <a:buFont typeface="Wingdings" pitchFamily="2" charset="2"/>
-              <a:buNone/>
-              <a:defRPr sz="3199">
-                <a:gradFill>
-                  <a:gsLst>
-                    <a:gs pos="1250">
-                      <a:schemeClr val="tx2"/>
-                    </a:gs>
-                    <a:gs pos="99000">
-                      <a:schemeClr val="tx2"/>
-                    </a:gs>
-                  </a:gsLst>
-                  <a:lin ang="5400000" scaled="0"/>
-                </a:gradFill>
-              </a:defRPr>
-            </a:lvl1pPr>
-            <a:lvl2pPr marL="0" indent="0">
-              <a:buNone/>
-              <a:defRPr sz="2000"/>
-            </a:lvl2pPr>
-            <a:lvl3pPr marL="231730" indent="0">
-              <a:buNone/>
-              <a:tabLst/>
-              <a:defRPr sz="2000"/>
-            </a:lvl3pPr>
-            <a:lvl4pPr marL="460287" indent="0">
-              <a:buNone/>
-              <a:defRPr/>
-            </a:lvl4pPr>
-            <a:lvl5pPr marL="685669" indent="0">
-              <a:buNone/>
-              <a:tabLst/>
-              <a:defRPr/>
-            </a:lvl5pPr>
-          </a:lstStyle>
-          <a:p>
-            <a:pPr lvl="0"/>
-            <a:r>
-              <a:rPr lang="en-US"/>
-              <a:t>Edit Master text styles</a:t>
-            </a:r>
-          </a:p>
-          <a:p>
-            <a:pPr lvl="1"/>
-            <a:r>
-              <a:rPr lang="en-US"/>
-              <a:t>Second level</a:t>
-            </a:r>
-          </a:p>
-          <a:p>
-            <a:pPr lvl="2"/>
-            <a:r>
-              <a:rPr lang="en-US"/>
-              <a:t>Third level</a:t>
-            </a:r>
-          </a:p>
-          <a:p>
-            <a:pPr lvl="3"/>
-            <a:r>
-              <a:rPr lang="en-US"/>
-              <a:t>Fourth level</a:t>
-            </a:r>
-          </a:p>
-          <a:p>
-            <a:pPr lvl="4"/>
-            <a:r>
-              <a:rPr lang="en-US"/>
-              <a:t>Fifth level</a:t>
-            </a:r>
-            <a:endParaRPr lang="en-US" dirty="0"/>
-          </a:p>
-        </p:txBody>
-      </p:sp>
-    </p:spTree>
-    <p:extLst>
-      <p:ext uri="{BB962C8B-B14F-4D97-AF65-F5344CB8AC3E}">
-        <p14:creationId xmlns:p14="http://schemas.microsoft.com/office/powerpoint/2010/main" val="4128026505"/>
       </p:ext>
     </p:extLst>
   </p:cSld>
@@ -24674,6 +25905,36 @@
           </a:p>
         </p:txBody>
       </p:sp>
+      <p:pic>
+        <p:nvPicPr>
+          <p:cNvPr id="6" name="Picture 5"/>
+          <p:cNvPicPr>
+            <a:picLocks noChangeAspect="1"/>
+          </p:cNvPicPr>
+          <p:nvPr userDrawn="1"/>
+        </p:nvPicPr>
+        <p:blipFill>
+          <a:blip r:embed="rId2">
+            <a:extLst>
+              <a:ext uri="{28A0092B-C50C-407E-A947-70E740481C1C}">
+                <a14:useLocalDpi xmlns:a14="http://schemas.microsoft.com/office/drawing/2010/main" val="0"/>
+              </a:ext>
+            </a:extLst>
+          </a:blip>
+          <a:stretch>
+            <a:fillRect/>
+          </a:stretch>
+        </p:blipFill>
+        <p:spPr>
+          <a:xfrm>
+            <a:off x="274701" y="5953766"/>
+            <a:ext cx="952583" cy="845893"/>
+          </a:xfrm>
+          <a:prstGeom prst="rect">
+            <a:avLst/>
+          </a:prstGeom>
+        </p:spPr>
+      </p:pic>
     </p:spTree>
     <p:extLst>
       <p:ext uri="{BB962C8B-B14F-4D97-AF65-F5344CB8AC3E}">
@@ -24691,6 +25952,272 @@
 </file>
 
 <file path=ppt/slideLayouts/slideLayout70.xml><?xml version="1.0" encoding="utf-8"?>
+<p:sldLayout xmlns:a="http://schemas.openxmlformats.org/drawingml/2006/main" xmlns:r="http://schemas.openxmlformats.org/officeDocument/2006/relationships" xmlns:p="http://schemas.openxmlformats.org/presentationml/2006/main" preserve="1">
+  <p:cSld name="Two Column 2-color Non-bulleted">
+    <p:bg>
+      <p:bgPr>
+        <a:solidFill>
+          <a:srgbClr val="F8F8F8"/>
+        </a:solidFill>
+        <a:effectLst/>
+      </p:bgPr>
+    </p:bg>
+    <p:spTree>
+      <p:nvGrpSpPr>
+        <p:cNvPr id="1" name=""/>
+        <p:cNvGrpSpPr/>
+        <p:nvPr/>
+      </p:nvGrpSpPr>
+      <p:grpSpPr>
+        <a:xfrm>
+          <a:off x="0" y="0"/>
+          <a:ext cx="0" cy="0"/>
+          <a:chOff x="0" y="0"/>
+          <a:chExt cx="0" cy="0"/>
+        </a:xfrm>
+      </p:grpSpPr>
+      <p:sp>
+        <p:nvSpPr>
+          <p:cNvPr id="2" name="Title 1"/>
+          <p:cNvSpPr>
+            <a:spLocks noGrp="1"/>
+          </p:cNvSpPr>
+          <p:nvPr>
+            <p:ph type="title"/>
+          </p:nvPr>
+        </p:nvSpPr>
+        <p:spPr/>
+        <p:txBody>
+          <a:bodyPr/>
+          <a:lstStyle/>
+          <a:p>
+            <a:r>
+              <a:rPr lang="en-US"/>
+              <a:t>Click to edit Master title style</a:t>
+            </a:r>
+            <a:endParaRPr lang="en-US" dirty="0"/>
+          </a:p>
+        </p:txBody>
+      </p:sp>
+      <p:sp>
+        <p:nvSpPr>
+          <p:cNvPr id="4" name="Text Placeholder 3"/>
+          <p:cNvSpPr>
+            <a:spLocks noGrp="1"/>
+          </p:cNvSpPr>
+          <p:nvPr>
+            <p:ph type="body" sz="quarter" idx="10"/>
+          </p:nvPr>
+        </p:nvSpPr>
+        <p:spPr>
+          <a:xfrm>
+            <a:off x="274640" y="1212849"/>
+            <a:ext cx="5486399" cy="1914370"/>
+          </a:xfrm>
+        </p:spPr>
+        <p:txBody>
+          <a:bodyPr wrap="square">
+            <a:spAutoFit/>
+          </a:bodyPr>
+          <a:lstStyle>
+            <a:lvl1pPr marL="0" indent="0">
+              <a:spcBef>
+                <a:spcPts val="1224"/>
+              </a:spcBef>
+              <a:buClr>
+                <a:schemeClr val="tx1"/>
+              </a:buClr>
+              <a:buFont typeface="Wingdings" pitchFamily="2" charset="2"/>
+              <a:buNone/>
+              <a:defRPr sz="3199">
+                <a:gradFill>
+                  <a:gsLst>
+                    <a:gs pos="1250">
+                      <a:schemeClr val="tx2"/>
+                    </a:gs>
+                    <a:gs pos="99000">
+                      <a:schemeClr val="tx2"/>
+                    </a:gs>
+                  </a:gsLst>
+                  <a:lin ang="5400000" scaled="0"/>
+                </a:gradFill>
+              </a:defRPr>
+            </a:lvl1pPr>
+            <a:lvl2pPr marL="0" indent="0">
+              <a:buNone/>
+              <a:defRPr sz="2000"/>
+            </a:lvl2pPr>
+            <a:lvl3pPr marL="231730" indent="0">
+              <a:buNone/>
+              <a:tabLst/>
+              <a:defRPr sz="2000"/>
+            </a:lvl3pPr>
+            <a:lvl4pPr marL="460287" indent="0">
+              <a:buNone/>
+              <a:defRPr/>
+            </a:lvl4pPr>
+            <a:lvl5pPr marL="685669" indent="0">
+              <a:buNone/>
+              <a:tabLst/>
+              <a:defRPr/>
+            </a:lvl5pPr>
+          </a:lstStyle>
+          <a:p>
+            <a:pPr lvl="0"/>
+            <a:r>
+              <a:rPr lang="en-US"/>
+              <a:t>Edit Master text styles</a:t>
+            </a:r>
+          </a:p>
+          <a:p>
+            <a:pPr lvl="1"/>
+            <a:r>
+              <a:rPr lang="en-US"/>
+              <a:t>Second level</a:t>
+            </a:r>
+          </a:p>
+          <a:p>
+            <a:pPr lvl="2"/>
+            <a:r>
+              <a:rPr lang="en-US"/>
+              <a:t>Third level</a:t>
+            </a:r>
+          </a:p>
+          <a:p>
+            <a:pPr lvl="3"/>
+            <a:r>
+              <a:rPr lang="en-US"/>
+              <a:t>Fourth level</a:t>
+            </a:r>
+          </a:p>
+          <a:p>
+            <a:pPr lvl="4"/>
+            <a:r>
+              <a:rPr lang="en-US"/>
+              <a:t>Fifth level</a:t>
+            </a:r>
+            <a:endParaRPr lang="en-US" dirty="0"/>
+          </a:p>
+        </p:txBody>
+      </p:sp>
+      <p:sp>
+        <p:nvSpPr>
+          <p:cNvPr id="5" name="Text Placeholder 3"/>
+          <p:cNvSpPr>
+            <a:spLocks noGrp="1"/>
+          </p:cNvSpPr>
+          <p:nvPr>
+            <p:ph type="body" sz="quarter" idx="11"/>
+          </p:nvPr>
+        </p:nvSpPr>
+        <p:spPr>
+          <a:xfrm>
+            <a:off x="6675439" y="1212849"/>
+            <a:ext cx="5486399" cy="1914370"/>
+          </a:xfrm>
+        </p:spPr>
+        <p:txBody>
+          <a:bodyPr wrap="square">
+            <a:spAutoFit/>
+          </a:bodyPr>
+          <a:lstStyle>
+            <a:lvl1pPr marL="0" indent="0">
+              <a:spcBef>
+                <a:spcPts val="1224"/>
+              </a:spcBef>
+              <a:buClr>
+                <a:schemeClr val="tx1"/>
+              </a:buClr>
+              <a:buFont typeface="Wingdings" pitchFamily="2" charset="2"/>
+              <a:buNone/>
+              <a:defRPr sz="3199">
+                <a:gradFill>
+                  <a:gsLst>
+                    <a:gs pos="1250">
+                      <a:schemeClr val="tx2"/>
+                    </a:gs>
+                    <a:gs pos="99000">
+                      <a:schemeClr val="tx2"/>
+                    </a:gs>
+                  </a:gsLst>
+                  <a:lin ang="5400000" scaled="0"/>
+                </a:gradFill>
+              </a:defRPr>
+            </a:lvl1pPr>
+            <a:lvl2pPr marL="0" indent="0">
+              <a:buNone/>
+              <a:defRPr sz="2000"/>
+            </a:lvl2pPr>
+            <a:lvl3pPr marL="231730" indent="0">
+              <a:buNone/>
+              <a:tabLst/>
+              <a:defRPr sz="2000"/>
+            </a:lvl3pPr>
+            <a:lvl4pPr marL="460287" indent="0">
+              <a:buNone/>
+              <a:defRPr/>
+            </a:lvl4pPr>
+            <a:lvl5pPr marL="685669" indent="0">
+              <a:buNone/>
+              <a:tabLst/>
+              <a:defRPr/>
+            </a:lvl5pPr>
+          </a:lstStyle>
+          <a:p>
+            <a:pPr lvl="0"/>
+            <a:r>
+              <a:rPr lang="en-US"/>
+              <a:t>Edit Master text styles</a:t>
+            </a:r>
+          </a:p>
+          <a:p>
+            <a:pPr lvl="1"/>
+            <a:r>
+              <a:rPr lang="en-US"/>
+              <a:t>Second level</a:t>
+            </a:r>
+          </a:p>
+          <a:p>
+            <a:pPr lvl="2"/>
+            <a:r>
+              <a:rPr lang="en-US"/>
+              <a:t>Third level</a:t>
+            </a:r>
+          </a:p>
+          <a:p>
+            <a:pPr lvl="3"/>
+            <a:r>
+              <a:rPr lang="en-US"/>
+              <a:t>Fourth level</a:t>
+            </a:r>
+          </a:p>
+          <a:p>
+            <a:pPr lvl="4"/>
+            <a:r>
+              <a:rPr lang="en-US"/>
+              <a:t>Fifth level</a:t>
+            </a:r>
+            <a:endParaRPr lang="en-US" dirty="0"/>
+          </a:p>
+        </p:txBody>
+      </p:sp>
+    </p:spTree>
+    <p:extLst>
+      <p:ext uri="{BB962C8B-B14F-4D97-AF65-F5344CB8AC3E}">
+        <p14:creationId xmlns:p14="http://schemas.microsoft.com/office/powerpoint/2010/main" val="4128026505"/>
+      </p:ext>
+    </p:extLst>
+  </p:cSld>
+  <p:clrMapOvr>
+    <a:overrideClrMapping bg1="lt1" tx1="dk1" bg2="lt2" tx2="dk2" accent1="accent1" accent2="accent2" accent3="accent3" accent4="accent4" accent5="accent5" accent6="accent6" hlink="hlink" folHlink="folHlink"/>
+  </p:clrMapOvr>
+  <p:transition>
+    <p:fade/>
+  </p:transition>
+</p:sldLayout>
+</file>
+
+<file path=ppt/slideLayouts/slideLayout71.xml><?xml version="1.0" encoding="utf-8"?>
 <p:sldLayout xmlns:a="http://schemas.openxmlformats.org/drawingml/2006/main" xmlns:r="http://schemas.openxmlformats.org/officeDocument/2006/relationships" xmlns:p="http://schemas.openxmlformats.org/presentationml/2006/main" preserve="1">
   <p:cSld name="Two Column Non-bulleted text">
     <p:bg>
@@ -24932,7 +26459,7 @@
 </p:sldLayout>
 </file>
 
-<file path=ppt/slideLayouts/slideLayout71.xml><?xml version="1.0" encoding="utf-8"?>
+<file path=ppt/slideLayouts/slideLayout72.xml><?xml version="1.0" encoding="utf-8"?>
 <p:sldLayout xmlns:a="http://schemas.openxmlformats.org/drawingml/2006/main" xmlns:r="http://schemas.openxmlformats.org/officeDocument/2006/relationships" xmlns:p="http://schemas.openxmlformats.org/presentationml/2006/main" preserve="1">
   <p:cSld name="Two Column Bullet text 1st level color">
     <p:bg>
@@ -25190,7 +26717,7 @@
 </p:sldLayout>
 </file>
 
-<file path=ppt/slideLayouts/slideLayout72.xml><?xml version="1.0" encoding="utf-8"?>
+<file path=ppt/slideLayouts/slideLayout73.xml><?xml version="1.0" encoding="utf-8"?>
 <p:sldLayout xmlns:a="http://schemas.openxmlformats.org/drawingml/2006/main" xmlns:r="http://schemas.openxmlformats.org/officeDocument/2006/relationships" xmlns:p="http://schemas.openxmlformats.org/presentationml/2006/main" preserve="1">
   <p:cSld name="Two Column Bullet text">
     <p:bg>
@@ -25424,7 +26951,7 @@
 </p:sldLayout>
 </file>
 
-<file path=ppt/slideLayouts/slideLayout73.xml><?xml version="1.0" encoding="utf-8"?>
+<file path=ppt/slideLayouts/slideLayout74.xml><?xml version="1.0" encoding="utf-8"?>
 <p:sldLayout xmlns:a="http://schemas.openxmlformats.org/drawingml/2006/main" xmlns:r="http://schemas.openxmlformats.org/officeDocument/2006/relationships" xmlns:p="http://schemas.openxmlformats.org/presentationml/2006/main" preserve="1">
   <p:cSld name="Title Only">
     <p:bg>
@@ -25488,7 +27015,7 @@
 </p:sldLayout>
 </file>
 
-<file path=ppt/slideLayouts/slideLayout74.xml><?xml version="1.0" encoding="utf-8"?>
+<file path=ppt/slideLayouts/slideLayout75.xml><?xml version="1.0" encoding="utf-8"?>
 <p:sldLayout xmlns:a="http://schemas.openxmlformats.org/drawingml/2006/main" xmlns:r="http://schemas.openxmlformats.org/officeDocument/2006/relationships" xmlns:p="http://schemas.openxmlformats.org/presentationml/2006/main" preserve="1">
   <p:cSld name="Customer Evidence Slide">
     <p:bg bwMode="gray">
@@ -25940,7 +27467,7 @@
 </p:sldLayout>
 </file>
 
-<file path=ppt/slideLayouts/slideLayout75.xml><?xml version="1.0" encoding="utf-8"?>
+<file path=ppt/slideLayouts/slideLayout76.xml><?xml version="1.0" encoding="utf-8"?>
 <p:sldLayout xmlns:a="http://schemas.openxmlformats.org/drawingml/2006/main" xmlns:r="http://schemas.openxmlformats.org/officeDocument/2006/relationships" xmlns:p="http://schemas.openxmlformats.org/presentationml/2006/main" preserve="1">
   <p:cSld name="Demo slide">
     <p:bg>
@@ -26085,7 +27612,7 @@
 </p:sldLayout>
 </file>
 
-<file path=ppt/slideLayouts/slideLayout76.xml><?xml version="1.0" encoding="utf-8"?>
+<file path=ppt/slideLayouts/slideLayout77.xml><?xml version="1.0" encoding="utf-8"?>
 <p:sldLayout xmlns:a="http://schemas.openxmlformats.org/drawingml/2006/main" xmlns:r="http://schemas.openxmlformats.org/officeDocument/2006/relationships" xmlns:p="http://schemas.openxmlformats.org/presentationml/2006/main" preserve="1">
   <p:cSld name="Video slide">
     <p:bg>
@@ -26181,7 +27708,7 @@
 </p:sldLayout>
 </file>
 
-<file path=ppt/slideLayouts/slideLayout77.xml><?xml version="1.0" encoding="utf-8"?>
+<file path=ppt/slideLayouts/slideLayout78.xml><?xml version="1.0" encoding="utf-8"?>
 <p:sldLayout xmlns:a="http://schemas.openxmlformats.org/drawingml/2006/main" xmlns:r="http://schemas.openxmlformats.org/officeDocument/2006/relationships" xmlns:p="http://schemas.openxmlformats.org/presentationml/2006/main" preserve="1">
   <p:cSld name="Section Title Accent Color 1">
     <p:bg>
@@ -26268,7 +27795,7 @@
 </p:sldLayout>
 </file>
 
-<file path=ppt/slideLayouts/slideLayout78.xml><?xml version="1.0" encoding="utf-8"?>
+<file path=ppt/slideLayouts/slideLayout79.xml><?xml version="1.0" encoding="utf-8"?>
 <p:sldLayout xmlns:a="http://schemas.openxmlformats.org/drawingml/2006/main" xmlns:r="http://schemas.openxmlformats.org/officeDocument/2006/relationships" xmlns:p="http://schemas.openxmlformats.org/presentationml/2006/main" preserve="1">
   <p:cSld name="Section Title Accent Color 2">
     <p:bg>
@@ -26355,7 +27882,295 @@
 </p:sldLayout>
 </file>
 
-<file path=ppt/slideLayouts/slideLayout79.xml><?xml version="1.0" encoding="utf-8"?>
+<file path=ppt/slideLayouts/slideLayout8.xml><?xml version="1.0" encoding="utf-8"?>
+<p:sldLayout xmlns:a="http://schemas.openxmlformats.org/drawingml/2006/main" xmlns:r="http://schemas.openxmlformats.org/officeDocument/2006/relationships" xmlns:p="http://schemas.openxmlformats.org/presentationml/2006/main" preserve="1">
+  <p:cSld name="Two Column Bullet text 1st level color">
+    <p:bg>
+      <p:bgPr>
+        <a:solidFill>
+          <a:srgbClr val="F8F8F8"/>
+        </a:solidFill>
+        <a:effectLst/>
+      </p:bgPr>
+    </p:bg>
+    <p:spTree>
+      <p:nvGrpSpPr>
+        <p:cNvPr id="1" name=""/>
+        <p:cNvGrpSpPr/>
+        <p:nvPr/>
+      </p:nvGrpSpPr>
+      <p:grpSpPr>
+        <a:xfrm>
+          <a:off x="0" y="0"/>
+          <a:ext cx="0" cy="0"/>
+          <a:chOff x="0" y="0"/>
+          <a:chExt cx="0" cy="0"/>
+        </a:xfrm>
+      </p:grpSpPr>
+      <p:sp>
+        <p:nvSpPr>
+          <p:cNvPr id="2" name="Title 1"/>
+          <p:cNvSpPr>
+            <a:spLocks noGrp="1"/>
+          </p:cNvSpPr>
+          <p:nvPr>
+            <p:ph type="title"/>
+          </p:nvPr>
+        </p:nvSpPr>
+        <p:spPr/>
+        <p:txBody>
+          <a:bodyPr/>
+          <a:lstStyle/>
+          <a:p>
+            <a:r>
+              <a:rPr lang="en-US" smtClean="0"/>
+              <a:t>Click to edit Master title style</a:t>
+            </a:r>
+            <a:endParaRPr lang="en-US" dirty="0"/>
+          </a:p>
+        </p:txBody>
+      </p:sp>
+      <p:sp>
+        <p:nvSpPr>
+          <p:cNvPr id="4" name="Text Placeholder 3"/>
+          <p:cNvSpPr>
+            <a:spLocks noGrp="1"/>
+          </p:cNvSpPr>
+          <p:nvPr>
+            <p:ph type="body" sz="quarter" idx="10"/>
+          </p:nvPr>
+        </p:nvSpPr>
+        <p:spPr>
+          <a:xfrm>
+            <a:off x="274639" y="1212849"/>
+            <a:ext cx="5486399" cy="2425279"/>
+          </a:xfrm>
+        </p:spPr>
+        <p:txBody>
+          <a:bodyPr wrap="square">
+            <a:spAutoFit/>
+          </a:bodyPr>
+          <a:lstStyle>
+            <a:lvl1pPr marL="287338" indent="-287338">
+              <a:spcBef>
+                <a:spcPts val="1224"/>
+              </a:spcBef>
+              <a:buClr>
+                <a:schemeClr val="tx2"/>
+              </a:buClr>
+              <a:buFont typeface="Arial" pitchFamily="34" charset="0"/>
+              <a:buChar char="•"/>
+              <a:defRPr sz="3200">
+                <a:gradFill>
+                  <a:gsLst>
+                    <a:gs pos="1250">
+                      <a:schemeClr val="tx2"/>
+                    </a:gs>
+                    <a:gs pos="99000">
+                      <a:schemeClr val="tx2"/>
+                    </a:gs>
+                  </a:gsLst>
+                  <a:lin ang="5400000" scaled="0"/>
+                </a:gradFill>
+              </a:defRPr>
+            </a:lvl1pPr>
+            <a:lvl2pPr marL="531166" indent="-233195">
+              <a:defRPr sz="2400"/>
+            </a:lvl2pPr>
+            <a:lvl3pPr marL="699585" indent="-168419">
+              <a:tabLst/>
+              <a:defRPr sz="2000"/>
+            </a:lvl3pPr>
+            <a:lvl4pPr marL="880958" indent="-181374">
+              <a:defRPr/>
+            </a:lvl4pPr>
+            <a:lvl5pPr marL="1049377" indent="-168419">
+              <a:tabLst/>
+              <a:defRPr/>
+            </a:lvl5pPr>
+          </a:lstStyle>
+          <a:p>
+            <a:pPr lvl="0"/>
+            <a:r>
+              <a:rPr lang="en-US" smtClean="0"/>
+              <a:t>Edit Master text styles</a:t>
+            </a:r>
+          </a:p>
+          <a:p>
+            <a:pPr lvl="1"/>
+            <a:r>
+              <a:rPr lang="en-US" smtClean="0"/>
+              <a:t>Second level</a:t>
+            </a:r>
+          </a:p>
+          <a:p>
+            <a:pPr lvl="2"/>
+            <a:r>
+              <a:rPr lang="en-US" smtClean="0"/>
+              <a:t>Third level</a:t>
+            </a:r>
+          </a:p>
+          <a:p>
+            <a:pPr lvl="3"/>
+            <a:r>
+              <a:rPr lang="en-US" smtClean="0"/>
+              <a:t>Fourth level</a:t>
+            </a:r>
+          </a:p>
+          <a:p>
+            <a:pPr lvl="4"/>
+            <a:r>
+              <a:rPr lang="en-US" smtClean="0"/>
+              <a:t>Fifth level</a:t>
+            </a:r>
+            <a:endParaRPr lang="en-US" dirty="0"/>
+          </a:p>
+        </p:txBody>
+      </p:sp>
+      <p:sp>
+        <p:nvSpPr>
+          <p:cNvPr id="5" name="Text Placeholder 3"/>
+          <p:cNvSpPr>
+            <a:spLocks noGrp="1"/>
+          </p:cNvSpPr>
+          <p:nvPr>
+            <p:ph type="body" sz="quarter" idx="11"/>
+          </p:nvPr>
+        </p:nvSpPr>
+        <p:spPr>
+          <a:xfrm>
+            <a:off x="6675439" y="1212849"/>
+            <a:ext cx="5486399" cy="2425279"/>
+          </a:xfrm>
+        </p:spPr>
+        <p:txBody>
+          <a:bodyPr wrap="square">
+            <a:spAutoFit/>
+          </a:bodyPr>
+          <a:lstStyle>
+            <a:lvl1pPr marL="287338" indent="-287338">
+              <a:spcBef>
+                <a:spcPts val="1224"/>
+              </a:spcBef>
+              <a:buClr>
+                <a:schemeClr val="tx2"/>
+              </a:buClr>
+              <a:buFont typeface="Arial" pitchFamily="34" charset="0"/>
+              <a:buChar char="•"/>
+              <a:defRPr sz="3200">
+                <a:gradFill>
+                  <a:gsLst>
+                    <a:gs pos="1250">
+                      <a:schemeClr val="tx2"/>
+                    </a:gs>
+                    <a:gs pos="99000">
+                      <a:schemeClr val="tx2"/>
+                    </a:gs>
+                  </a:gsLst>
+                  <a:lin ang="5400000" scaled="0"/>
+                </a:gradFill>
+              </a:defRPr>
+            </a:lvl1pPr>
+            <a:lvl2pPr marL="531166" indent="-233195">
+              <a:defRPr sz="2400"/>
+            </a:lvl2pPr>
+            <a:lvl3pPr marL="699585" indent="-168419">
+              <a:tabLst/>
+              <a:defRPr sz="2000"/>
+            </a:lvl3pPr>
+            <a:lvl4pPr marL="880958" indent="-181374">
+              <a:defRPr/>
+            </a:lvl4pPr>
+            <a:lvl5pPr marL="1049377" indent="-168419">
+              <a:tabLst/>
+              <a:defRPr/>
+            </a:lvl5pPr>
+          </a:lstStyle>
+          <a:p>
+            <a:pPr lvl="0"/>
+            <a:r>
+              <a:rPr lang="en-US" smtClean="0"/>
+              <a:t>Edit Master text styles</a:t>
+            </a:r>
+          </a:p>
+          <a:p>
+            <a:pPr lvl="1"/>
+            <a:r>
+              <a:rPr lang="en-US" smtClean="0"/>
+              <a:t>Second level</a:t>
+            </a:r>
+          </a:p>
+          <a:p>
+            <a:pPr lvl="2"/>
+            <a:r>
+              <a:rPr lang="en-US" smtClean="0"/>
+              <a:t>Third level</a:t>
+            </a:r>
+          </a:p>
+          <a:p>
+            <a:pPr lvl="3"/>
+            <a:r>
+              <a:rPr lang="en-US" smtClean="0"/>
+              <a:t>Fourth level</a:t>
+            </a:r>
+          </a:p>
+          <a:p>
+            <a:pPr lvl="4"/>
+            <a:r>
+              <a:rPr lang="en-US" smtClean="0"/>
+              <a:t>Fifth level</a:t>
+            </a:r>
+            <a:endParaRPr lang="en-US" dirty="0"/>
+          </a:p>
+        </p:txBody>
+      </p:sp>
+      <p:pic>
+        <p:nvPicPr>
+          <p:cNvPr id="6" name="Picture 5"/>
+          <p:cNvPicPr>
+            <a:picLocks noChangeAspect="1"/>
+          </p:cNvPicPr>
+          <p:nvPr userDrawn="1"/>
+        </p:nvPicPr>
+        <p:blipFill>
+          <a:blip r:embed="rId2">
+            <a:extLst>
+              <a:ext uri="{28A0092B-C50C-407E-A947-70E740481C1C}">
+                <a14:useLocalDpi xmlns:a14="http://schemas.microsoft.com/office/drawing/2010/main" val="0"/>
+              </a:ext>
+            </a:extLst>
+          </a:blip>
+          <a:stretch>
+            <a:fillRect/>
+          </a:stretch>
+        </p:blipFill>
+        <p:spPr>
+          <a:xfrm>
+            <a:off x="274701" y="5953766"/>
+            <a:ext cx="952583" cy="845893"/>
+          </a:xfrm>
+          <a:prstGeom prst="rect">
+            <a:avLst/>
+          </a:prstGeom>
+        </p:spPr>
+      </p:pic>
+    </p:spTree>
+    <p:extLst>
+      <p:ext uri="{BB962C8B-B14F-4D97-AF65-F5344CB8AC3E}">
+        <p14:creationId xmlns:p14="http://schemas.microsoft.com/office/powerpoint/2010/main" val="1160568471"/>
+      </p:ext>
+    </p:extLst>
+  </p:cSld>
+  <p:clrMapOvr>
+    <a:overrideClrMapping bg1="lt1" tx1="dk1" bg2="lt2" tx2="dk2" accent1="accent1" accent2="accent2" accent3="accent3" accent4="accent4" accent5="accent5" accent6="accent6" hlink="hlink" folHlink="folHlink"/>
+  </p:clrMapOvr>
+  <p:transition>
+    <p:fade/>
+  </p:transition>
+</p:sldLayout>
+</file>
+
+<file path=ppt/slideLayouts/slideLayout80.xml><?xml version="1.0" encoding="utf-8"?>
 <p:sldLayout xmlns:a="http://schemas.openxmlformats.org/drawingml/2006/main" xmlns:r="http://schemas.openxmlformats.org/officeDocument/2006/relationships" xmlns:p="http://schemas.openxmlformats.org/presentationml/2006/main" preserve="1">
   <p:cSld name="50-50 Right Photo Layout">
     <p:bg>
@@ -26501,265 +28316,7 @@
 </p:sldLayout>
 </file>
 
-<file path=ppt/slideLayouts/slideLayout8.xml><?xml version="1.0" encoding="utf-8"?>
-<p:sldLayout xmlns:a="http://schemas.openxmlformats.org/drawingml/2006/main" xmlns:r="http://schemas.openxmlformats.org/officeDocument/2006/relationships" xmlns:p="http://schemas.openxmlformats.org/presentationml/2006/main" preserve="1">
-  <p:cSld name="Two Column Bullet text 1st level color">
-    <p:bg>
-      <p:bgPr>
-        <a:solidFill>
-          <a:srgbClr val="F8F8F8"/>
-        </a:solidFill>
-        <a:effectLst/>
-      </p:bgPr>
-    </p:bg>
-    <p:spTree>
-      <p:nvGrpSpPr>
-        <p:cNvPr id="1" name=""/>
-        <p:cNvGrpSpPr/>
-        <p:nvPr/>
-      </p:nvGrpSpPr>
-      <p:grpSpPr>
-        <a:xfrm>
-          <a:off x="0" y="0"/>
-          <a:ext cx="0" cy="0"/>
-          <a:chOff x="0" y="0"/>
-          <a:chExt cx="0" cy="0"/>
-        </a:xfrm>
-      </p:grpSpPr>
-      <p:sp>
-        <p:nvSpPr>
-          <p:cNvPr id="2" name="Title 1"/>
-          <p:cNvSpPr>
-            <a:spLocks noGrp="1"/>
-          </p:cNvSpPr>
-          <p:nvPr>
-            <p:ph type="title"/>
-          </p:nvPr>
-        </p:nvSpPr>
-        <p:spPr/>
-        <p:txBody>
-          <a:bodyPr/>
-          <a:lstStyle/>
-          <a:p>
-            <a:r>
-              <a:rPr lang="en-US" smtClean="0"/>
-              <a:t>Click to edit Master title style</a:t>
-            </a:r>
-            <a:endParaRPr lang="en-US" dirty="0"/>
-          </a:p>
-        </p:txBody>
-      </p:sp>
-      <p:sp>
-        <p:nvSpPr>
-          <p:cNvPr id="4" name="Text Placeholder 3"/>
-          <p:cNvSpPr>
-            <a:spLocks noGrp="1"/>
-          </p:cNvSpPr>
-          <p:nvPr>
-            <p:ph type="body" sz="quarter" idx="10"/>
-          </p:nvPr>
-        </p:nvSpPr>
-        <p:spPr>
-          <a:xfrm>
-            <a:off x="274639" y="1212849"/>
-            <a:ext cx="5486399" cy="2425279"/>
-          </a:xfrm>
-        </p:spPr>
-        <p:txBody>
-          <a:bodyPr wrap="square">
-            <a:spAutoFit/>
-          </a:bodyPr>
-          <a:lstStyle>
-            <a:lvl1pPr marL="287338" indent="-287338">
-              <a:spcBef>
-                <a:spcPts val="1224"/>
-              </a:spcBef>
-              <a:buClr>
-                <a:schemeClr val="tx2"/>
-              </a:buClr>
-              <a:buFont typeface="Arial" pitchFamily="34" charset="0"/>
-              <a:buChar char="•"/>
-              <a:defRPr sz="3200">
-                <a:gradFill>
-                  <a:gsLst>
-                    <a:gs pos="1250">
-                      <a:schemeClr val="tx2"/>
-                    </a:gs>
-                    <a:gs pos="99000">
-                      <a:schemeClr val="tx2"/>
-                    </a:gs>
-                  </a:gsLst>
-                  <a:lin ang="5400000" scaled="0"/>
-                </a:gradFill>
-              </a:defRPr>
-            </a:lvl1pPr>
-            <a:lvl2pPr marL="531166" indent="-233195">
-              <a:defRPr sz="2400"/>
-            </a:lvl2pPr>
-            <a:lvl3pPr marL="699585" indent="-168419">
-              <a:tabLst/>
-              <a:defRPr sz="2000"/>
-            </a:lvl3pPr>
-            <a:lvl4pPr marL="880958" indent="-181374">
-              <a:defRPr/>
-            </a:lvl4pPr>
-            <a:lvl5pPr marL="1049377" indent="-168419">
-              <a:tabLst/>
-              <a:defRPr/>
-            </a:lvl5pPr>
-          </a:lstStyle>
-          <a:p>
-            <a:pPr lvl="0"/>
-            <a:r>
-              <a:rPr lang="en-US" smtClean="0"/>
-              <a:t>Edit Master text styles</a:t>
-            </a:r>
-          </a:p>
-          <a:p>
-            <a:pPr lvl="1"/>
-            <a:r>
-              <a:rPr lang="en-US" smtClean="0"/>
-              <a:t>Second level</a:t>
-            </a:r>
-          </a:p>
-          <a:p>
-            <a:pPr lvl="2"/>
-            <a:r>
-              <a:rPr lang="en-US" smtClean="0"/>
-              <a:t>Third level</a:t>
-            </a:r>
-          </a:p>
-          <a:p>
-            <a:pPr lvl="3"/>
-            <a:r>
-              <a:rPr lang="en-US" smtClean="0"/>
-              <a:t>Fourth level</a:t>
-            </a:r>
-          </a:p>
-          <a:p>
-            <a:pPr lvl="4"/>
-            <a:r>
-              <a:rPr lang="en-US" smtClean="0"/>
-              <a:t>Fifth level</a:t>
-            </a:r>
-            <a:endParaRPr lang="en-US" dirty="0"/>
-          </a:p>
-        </p:txBody>
-      </p:sp>
-      <p:sp>
-        <p:nvSpPr>
-          <p:cNvPr id="5" name="Text Placeholder 3"/>
-          <p:cNvSpPr>
-            <a:spLocks noGrp="1"/>
-          </p:cNvSpPr>
-          <p:nvPr>
-            <p:ph type="body" sz="quarter" idx="11"/>
-          </p:nvPr>
-        </p:nvSpPr>
-        <p:spPr>
-          <a:xfrm>
-            <a:off x="6675439" y="1212849"/>
-            <a:ext cx="5486399" cy="2425279"/>
-          </a:xfrm>
-        </p:spPr>
-        <p:txBody>
-          <a:bodyPr wrap="square">
-            <a:spAutoFit/>
-          </a:bodyPr>
-          <a:lstStyle>
-            <a:lvl1pPr marL="287338" indent="-287338">
-              <a:spcBef>
-                <a:spcPts val="1224"/>
-              </a:spcBef>
-              <a:buClr>
-                <a:schemeClr val="tx2"/>
-              </a:buClr>
-              <a:buFont typeface="Arial" pitchFamily="34" charset="0"/>
-              <a:buChar char="•"/>
-              <a:defRPr sz="3200">
-                <a:gradFill>
-                  <a:gsLst>
-                    <a:gs pos="1250">
-                      <a:schemeClr val="tx2"/>
-                    </a:gs>
-                    <a:gs pos="99000">
-                      <a:schemeClr val="tx2"/>
-                    </a:gs>
-                  </a:gsLst>
-                  <a:lin ang="5400000" scaled="0"/>
-                </a:gradFill>
-              </a:defRPr>
-            </a:lvl1pPr>
-            <a:lvl2pPr marL="531166" indent="-233195">
-              <a:defRPr sz="2400"/>
-            </a:lvl2pPr>
-            <a:lvl3pPr marL="699585" indent="-168419">
-              <a:tabLst/>
-              <a:defRPr sz="2000"/>
-            </a:lvl3pPr>
-            <a:lvl4pPr marL="880958" indent="-181374">
-              <a:defRPr/>
-            </a:lvl4pPr>
-            <a:lvl5pPr marL="1049377" indent="-168419">
-              <a:tabLst/>
-              <a:defRPr/>
-            </a:lvl5pPr>
-          </a:lstStyle>
-          <a:p>
-            <a:pPr lvl="0"/>
-            <a:r>
-              <a:rPr lang="en-US" smtClean="0"/>
-              <a:t>Edit Master text styles</a:t>
-            </a:r>
-          </a:p>
-          <a:p>
-            <a:pPr lvl="1"/>
-            <a:r>
-              <a:rPr lang="en-US" smtClean="0"/>
-              <a:t>Second level</a:t>
-            </a:r>
-          </a:p>
-          <a:p>
-            <a:pPr lvl="2"/>
-            <a:r>
-              <a:rPr lang="en-US" smtClean="0"/>
-              <a:t>Third level</a:t>
-            </a:r>
-          </a:p>
-          <a:p>
-            <a:pPr lvl="3"/>
-            <a:r>
-              <a:rPr lang="en-US" smtClean="0"/>
-              <a:t>Fourth level</a:t>
-            </a:r>
-          </a:p>
-          <a:p>
-            <a:pPr lvl="4"/>
-            <a:r>
-              <a:rPr lang="en-US" smtClean="0"/>
-              <a:t>Fifth level</a:t>
-            </a:r>
-            <a:endParaRPr lang="en-US" dirty="0"/>
-          </a:p>
-        </p:txBody>
-      </p:sp>
-    </p:spTree>
-    <p:extLst>
-      <p:ext uri="{BB962C8B-B14F-4D97-AF65-F5344CB8AC3E}">
-        <p14:creationId xmlns:p14="http://schemas.microsoft.com/office/powerpoint/2010/main" val="1160568471"/>
-      </p:ext>
-    </p:extLst>
-  </p:cSld>
-  <p:clrMapOvr>
-    <a:overrideClrMapping bg1="lt1" tx1="dk1" bg2="lt2" tx2="dk2" accent1="accent1" accent2="accent2" accent3="accent3" accent4="accent4" accent5="accent5" accent6="accent6" hlink="hlink" folHlink="folHlink"/>
-  </p:clrMapOvr>
-  <p:transition>
-    <p:fade/>
-  </p:transition>
-</p:sldLayout>
-</file>
-
-<file path=ppt/slideLayouts/slideLayout80.xml><?xml version="1.0" encoding="utf-8"?>
+<file path=ppt/slideLayouts/slideLayout81.xml><?xml version="1.0" encoding="utf-8"?>
 <p:sldLayout xmlns:a="http://schemas.openxmlformats.org/drawingml/2006/main" xmlns:r="http://schemas.openxmlformats.org/officeDocument/2006/relationships" xmlns:p="http://schemas.openxmlformats.org/presentationml/2006/main" preserve="1">
   <p:cSld name="Blank Accent Color 1">
     <p:bg>
@@ -26797,7 +28354,7 @@
 </p:sldLayout>
 </file>
 
-<file path=ppt/slideLayouts/slideLayout81.xml><?xml version="1.0" encoding="utf-8"?>
+<file path=ppt/slideLayouts/slideLayout82.xml><?xml version="1.0" encoding="utf-8"?>
 <p:sldLayout xmlns:a="http://schemas.openxmlformats.org/drawingml/2006/main" xmlns:r="http://schemas.openxmlformats.org/officeDocument/2006/relationships" xmlns:p="http://schemas.openxmlformats.org/presentationml/2006/main" preserve="1">
   <p:cSld name="Blank Accent Color 2">
     <p:bg>
@@ -26838,7 +28395,7 @@
 </p:sldLayout>
 </file>
 
-<file path=ppt/slideLayouts/slideLayout82.xml><?xml version="1.0" encoding="utf-8"?>
+<file path=ppt/slideLayouts/slideLayout83.xml><?xml version="1.0" encoding="utf-8"?>
 <p:sldLayout xmlns:a="http://schemas.openxmlformats.org/drawingml/2006/main" xmlns:r="http://schemas.openxmlformats.org/officeDocument/2006/relationships" xmlns:p="http://schemas.openxmlformats.org/presentationml/2006/main" preserve="1">
   <p:cSld name="Developer Code Layout">
     <p:spTree>
@@ -27118,7 +28675,7 @@
 </p:sldLayout>
 </file>
 
-<file path=ppt/slideLayouts/slideLayout83.xml><?xml version="1.0" encoding="utf-8"?>
+<file path=ppt/slideLayouts/slideLayout84.xml><?xml version="1.0" encoding="utf-8"?>
 <p:sldLayout xmlns:a="http://schemas.openxmlformats.org/drawingml/2006/main" xmlns:r="http://schemas.openxmlformats.org/officeDocument/2006/relationships" xmlns:p="http://schemas.openxmlformats.org/presentationml/2006/main" preserve="1">
   <p:cSld name="Closing logo slide_color">
     <p:bg>
@@ -27156,7 +28713,7 @@
 </p:sldLayout>
 </file>
 
-<file path=ppt/slideLayouts/slideLayout84.xml><?xml version="1.0" encoding="utf-8"?>
+<file path=ppt/slideLayouts/slideLayout85.xml><?xml version="1.0" encoding="utf-8"?>
 <p:sldLayout xmlns:a="http://schemas.openxmlformats.org/drawingml/2006/main" xmlns:r="http://schemas.openxmlformats.org/officeDocument/2006/relationships" xmlns:p="http://schemas.openxmlformats.org/presentationml/2006/main" preserve="1">
   <p:cSld name="Black Notes slide Layout">
     <p:bg bwMode="black">
@@ -27477,7 +29034,7 @@
 </p:sldLayout>
 </file>
 
-<file path=ppt/slideLayouts/slideLayout85.xml><?xml version="1.0" encoding="utf-8"?>
+<file path=ppt/slideLayouts/slideLayout86.xml><?xml version="1.0" encoding="utf-8"?>
 <p:sldLayout xmlns:a="http://schemas.openxmlformats.org/drawingml/2006/main" xmlns:r="http://schemas.openxmlformats.org/officeDocument/2006/relationships" xmlns:p="http://schemas.openxmlformats.org/presentationml/2006/main">
   <p:cSld name="4_Title Only">
     <p:bg>
@@ -27776,7 +29333,7 @@
 </p:sldLayout>
 </file>
 
-<file path=ppt/slideLayouts/slideLayout86.xml><?xml version="1.0" encoding="utf-8"?>
+<file path=ppt/slideLayouts/slideLayout87.xml><?xml version="1.0" encoding="utf-8"?>
 <p:sldLayout xmlns:a="http://schemas.openxmlformats.org/drawingml/2006/main" xmlns:r="http://schemas.openxmlformats.org/officeDocument/2006/relationships" xmlns:p="http://schemas.openxmlformats.org/presentationml/2006/main" type="title" preserve="1">
   <p:cSld name="Title Slide">
     <p:spTree>
@@ -27905,7 +29462,7 @@
           <a:p>
             <a:fld id="{4DD1ED23-FE81-4AAB-B7C1-89095D7BA553}" type="datetimeFigureOut">
               <a:rPr lang="en-US" smtClean="0"/>
-              <a:t>4/2/2018</a:t>
+              <a:t>4/19/2018</a:t>
             </a:fld>
             <a:endParaRPr lang="en-US"/>
           </a:p>
@@ -27966,7 +29523,7 @@
 </p:sldLayout>
 </file>
 
-<file path=ppt/slideLayouts/slideLayout87.xml><?xml version="1.0" encoding="utf-8"?>
+<file path=ppt/slideLayouts/slideLayout88.xml><?xml version="1.0" encoding="utf-8"?>
 <p:sldLayout xmlns:a="http://schemas.openxmlformats.org/drawingml/2006/main" xmlns:r="http://schemas.openxmlformats.org/officeDocument/2006/relationships" xmlns:p="http://schemas.openxmlformats.org/presentationml/2006/main" type="obj" preserve="1">
   <p:cSld name="Title and Content">
     <p:spTree>
@@ -28073,7 +29630,7 @@
           <a:p>
             <a:fld id="{4DD1ED23-FE81-4AAB-B7C1-89095D7BA553}" type="datetimeFigureOut">
               <a:rPr lang="en-US" smtClean="0"/>
-              <a:t>4/2/2018</a:t>
+              <a:t>4/19/2018</a:t>
             </a:fld>
             <a:endParaRPr lang="en-US"/>
           </a:p>
@@ -28134,7 +29691,7 @@
 </p:sldLayout>
 </file>
 
-<file path=ppt/slideLayouts/slideLayout88.xml><?xml version="1.0" encoding="utf-8"?>
+<file path=ppt/slideLayouts/slideLayout89.xml><?xml version="1.0" encoding="utf-8"?>
 <p:sldLayout xmlns:a="http://schemas.openxmlformats.org/drawingml/2006/main" xmlns:r="http://schemas.openxmlformats.org/officeDocument/2006/relationships" xmlns:p="http://schemas.openxmlformats.org/presentationml/2006/main" type="secHead" preserve="1">
   <p:cSld name="Section Header">
     <p:spTree>
@@ -28318,7 +29875,7 @@
           <a:p>
             <a:fld id="{4DD1ED23-FE81-4AAB-B7C1-89095D7BA553}" type="datetimeFigureOut">
               <a:rPr lang="en-US" smtClean="0"/>
-              <a:t>4/2/2018</a:t>
+              <a:t>4/19/2018</a:t>
             </a:fld>
             <a:endParaRPr lang="en-US"/>
           </a:p>
@@ -28370,235 +29927,6 @@
     <p:extLst>
       <p:ext uri="{BB962C8B-B14F-4D97-AF65-F5344CB8AC3E}">
         <p14:creationId xmlns:p14="http://schemas.microsoft.com/office/powerpoint/2010/main" val="2821594911"/>
-      </p:ext>
-    </p:extLst>
-  </p:cSld>
-  <p:clrMapOvr>
-    <a:masterClrMapping/>
-  </p:clrMapOvr>
-</p:sldLayout>
-</file>
-
-<file path=ppt/slideLayouts/slideLayout89.xml><?xml version="1.0" encoding="utf-8"?>
-<p:sldLayout xmlns:a="http://schemas.openxmlformats.org/drawingml/2006/main" xmlns:r="http://schemas.openxmlformats.org/officeDocument/2006/relationships" xmlns:p="http://schemas.openxmlformats.org/presentationml/2006/main" type="twoObj" preserve="1">
-  <p:cSld name="Two Content">
-    <p:spTree>
-      <p:nvGrpSpPr>
-        <p:cNvPr id="1" name=""/>
-        <p:cNvGrpSpPr/>
-        <p:nvPr/>
-      </p:nvGrpSpPr>
-      <p:grpSpPr>
-        <a:xfrm>
-          <a:off x="0" y="0"/>
-          <a:ext cx="0" cy="0"/>
-          <a:chOff x="0" y="0"/>
-          <a:chExt cx="0" cy="0"/>
-        </a:xfrm>
-      </p:grpSpPr>
-      <p:sp>
-        <p:nvSpPr>
-          <p:cNvPr id="2" name="Title 1"/>
-          <p:cNvSpPr>
-            <a:spLocks noGrp="1"/>
-          </p:cNvSpPr>
-          <p:nvPr>
-            <p:ph type="title"/>
-          </p:nvPr>
-        </p:nvSpPr>
-        <p:spPr/>
-        <p:txBody>
-          <a:bodyPr/>
-          <a:lstStyle/>
-          <a:p>
-            <a:r>
-              <a:rPr lang="en-US"/>
-              <a:t>Click to edit Master title style</a:t>
-            </a:r>
-          </a:p>
-        </p:txBody>
-      </p:sp>
-      <p:sp>
-        <p:nvSpPr>
-          <p:cNvPr id="3" name="Content Placeholder 2"/>
-          <p:cNvSpPr>
-            <a:spLocks noGrp="1"/>
-          </p:cNvSpPr>
-          <p:nvPr>
-            <p:ph sz="half" idx="1"/>
-          </p:nvPr>
-        </p:nvSpPr>
-        <p:spPr>
-          <a:xfrm>
-            <a:off x="855008" y="1861968"/>
-            <a:ext cx="5285502" cy="4437962"/>
-          </a:xfrm>
-        </p:spPr>
-        <p:txBody>
-          <a:bodyPr/>
-          <a:lstStyle/>
-          <a:p>
-            <a:pPr lvl="0"/>
-            <a:r>
-              <a:rPr lang="en-US"/>
-              <a:t>Edit Master text styles</a:t>
-            </a:r>
-          </a:p>
-          <a:p>
-            <a:pPr lvl="1"/>
-            <a:r>
-              <a:rPr lang="en-US"/>
-              <a:t>Second level</a:t>
-            </a:r>
-          </a:p>
-          <a:p>
-            <a:pPr lvl="2"/>
-            <a:r>
-              <a:rPr lang="en-US"/>
-              <a:t>Third level</a:t>
-            </a:r>
-          </a:p>
-          <a:p>
-            <a:pPr lvl="3"/>
-            <a:r>
-              <a:rPr lang="en-US"/>
-              <a:t>Fourth level</a:t>
-            </a:r>
-          </a:p>
-          <a:p>
-            <a:pPr lvl="4"/>
-            <a:r>
-              <a:rPr lang="en-US"/>
-              <a:t>Fifth level</a:t>
-            </a:r>
-          </a:p>
-        </p:txBody>
-      </p:sp>
-      <p:sp>
-        <p:nvSpPr>
-          <p:cNvPr id="4" name="Content Placeholder 3"/>
-          <p:cNvSpPr>
-            <a:spLocks noGrp="1"/>
-          </p:cNvSpPr>
-          <p:nvPr>
-            <p:ph sz="half" idx="2"/>
-          </p:nvPr>
-        </p:nvSpPr>
-        <p:spPr>
-          <a:xfrm>
-            <a:off x="6295965" y="1861968"/>
-            <a:ext cx="5285502" cy="4437962"/>
-          </a:xfrm>
-        </p:spPr>
-        <p:txBody>
-          <a:bodyPr/>
-          <a:lstStyle/>
-          <a:p>
-            <a:pPr lvl="0"/>
-            <a:r>
-              <a:rPr lang="en-US"/>
-              <a:t>Edit Master text styles</a:t>
-            </a:r>
-          </a:p>
-          <a:p>
-            <a:pPr lvl="1"/>
-            <a:r>
-              <a:rPr lang="en-US"/>
-              <a:t>Second level</a:t>
-            </a:r>
-          </a:p>
-          <a:p>
-            <a:pPr lvl="2"/>
-            <a:r>
-              <a:rPr lang="en-US"/>
-              <a:t>Third level</a:t>
-            </a:r>
-          </a:p>
-          <a:p>
-            <a:pPr lvl="3"/>
-            <a:r>
-              <a:rPr lang="en-US"/>
-              <a:t>Fourth level</a:t>
-            </a:r>
-          </a:p>
-          <a:p>
-            <a:pPr lvl="4"/>
-            <a:r>
-              <a:rPr lang="en-US"/>
-              <a:t>Fifth level</a:t>
-            </a:r>
-          </a:p>
-        </p:txBody>
-      </p:sp>
-      <p:sp>
-        <p:nvSpPr>
-          <p:cNvPr id="5" name="Date Placeholder 4"/>
-          <p:cNvSpPr>
-            <a:spLocks noGrp="1"/>
-          </p:cNvSpPr>
-          <p:nvPr>
-            <p:ph type="dt" sz="half" idx="10"/>
-          </p:nvPr>
-        </p:nvSpPr>
-        <p:spPr/>
-        <p:txBody>
-          <a:bodyPr/>
-          <a:lstStyle/>
-          <a:p>
-            <a:fld id="{4DD1ED23-FE81-4AAB-B7C1-89095D7BA553}" type="datetimeFigureOut">
-              <a:rPr lang="en-US" smtClean="0"/>
-              <a:t>4/2/2018</a:t>
-            </a:fld>
-            <a:endParaRPr lang="en-US"/>
-          </a:p>
-        </p:txBody>
-      </p:sp>
-      <p:sp>
-        <p:nvSpPr>
-          <p:cNvPr id="6" name="Footer Placeholder 5"/>
-          <p:cNvSpPr>
-            <a:spLocks noGrp="1"/>
-          </p:cNvSpPr>
-          <p:nvPr>
-            <p:ph type="ftr" sz="quarter" idx="11"/>
-          </p:nvPr>
-        </p:nvSpPr>
-        <p:spPr/>
-        <p:txBody>
-          <a:bodyPr/>
-          <a:lstStyle/>
-          <a:p>
-            <a:endParaRPr lang="en-US"/>
-          </a:p>
-        </p:txBody>
-      </p:sp>
-      <p:sp>
-        <p:nvSpPr>
-          <p:cNvPr id="7" name="Slide Number Placeholder 6"/>
-          <p:cNvSpPr>
-            <a:spLocks noGrp="1"/>
-          </p:cNvSpPr>
-          <p:nvPr>
-            <p:ph type="sldNum" sz="quarter" idx="12"/>
-          </p:nvPr>
-        </p:nvSpPr>
-        <p:spPr/>
-        <p:txBody>
-          <a:bodyPr/>
-          <a:lstStyle/>
-          <a:p>
-            <a:fld id="{78B218FF-0E51-44F8-97C5-A5732A82F0C8}" type="slidenum">
-              <a:rPr lang="en-US" smtClean="0"/>
-              <a:t>‹#›</a:t>
-            </a:fld>
-            <a:endParaRPr lang="en-US"/>
-          </a:p>
-        </p:txBody>
-      </p:sp>
-    </p:spTree>
-    <p:extLst>
-      <p:ext uri="{BB962C8B-B14F-4D97-AF65-F5344CB8AC3E}">
-        <p14:creationId xmlns:p14="http://schemas.microsoft.com/office/powerpoint/2010/main" val="3246010470"/>
       </p:ext>
     </p:extLst>
   </p:cSld>
@@ -28826,6 +30154,36 @@
           </a:p>
         </p:txBody>
       </p:sp>
+      <p:pic>
+        <p:nvPicPr>
+          <p:cNvPr id="6" name="Picture 5"/>
+          <p:cNvPicPr>
+            <a:picLocks noChangeAspect="1"/>
+          </p:cNvPicPr>
+          <p:nvPr userDrawn="1"/>
+        </p:nvPicPr>
+        <p:blipFill>
+          <a:blip r:embed="rId2">
+            <a:extLst>
+              <a:ext uri="{28A0092B-C50C-407E-A947-70E740481C1C}">
+                <a14:useLocalDpi xmlns:a14="http://schemas.microsoft.com/office/drawing/2010/main" val="0"/>
+              </a:ext>
+            </a:extLst>
+          </a:blip>
+          <a:stretch>
+            <a:fillRect/>
+          </a:stretch>
+        </p:blipFill>
+        <p:spPr>
+          <a:xfrm>
+            <a:off x="274701" y="5953766"/>
+            <a:ext cx="952583" cy="845893"/>
+          </a:xfrm>
+          <a:prstGeom prst="rect">
+            <a:avLst/>
+          </a:prstGeom>
+        </p:spPr>
+      </p:pic>
     </p:spTree>
     <p:extLst>
       <p:ext uri="{BB962C8B-B14F-4D97-AF65-F5344CB8AC3E}">
@@ -28843,6 +30201,235 @@
 </file>
 
 <file path=ppt/slideLayouts/slideLayout90.xml><?xml version="1.0" encoding="utf-8"?>
+<p:sldLayout xmlns:a="http://schemas.openxmlformats.org/drawingml/2006/main" xmlns:r="http://schemas.openxmlformats.org/officeDocument/2006/relationships" xmlns:p="http://schemas.openxmlformats.org/presentationml/2006/main" type="twoObj" preserve="1">
+  <p:cSld name="Two Content">
+    <p:spTree>
+      <p:nvGrpSpPr>
+        <p:cNvPr id="1" name=""/>
+        <p:cNvGrpSpPr/>
+        <p:nvPr/>
+      </p:nvGrpSpPr>
+      <p:grpSpPr>
+        <a:xfrm>
+          <a:off x="0" y="0"/>
+          <a:ext cx="0" cy="0"/>
+          <a:chOff x="0" y="0"/>
+          <a:chExt cx="0" cy="0"/>
+        </a:xfrm>
+      </p:grpSpPr>
+      <p:sp>
+        <p:nvSpPr>
+          <p:cNvPr id="2" name="Title 1"/>
+          <p:cNvSpPr>
+            <a:spLocks noGrp="1"/>
+          </p:cNvSpPr>
+          <p:nvPr>
+            <p:ph type="title"/>
+          </p:nvPr>
+        </p:nvSpPr>
+        <p:spPr/>
+        <p:txBody>
+          <a:bodyPr/>
+          <a:lstStyle/>
+          <a:p>
+            <a:r>
+              <a:rPr lang="en-US"/>
+              <a:t>Click to edit Master title style</a:t>
+            </a:r>
+          </a:p>
+        </p:txBody>
+      </p:sp>
+      <p:sp>
+        <p:nvSpPr>
+          <p:cNvPr id="3" name="Content Placeholder 2"/>
+          <p:cNvSpPr>
+            <a:spLocks noGrp="1"/>
+          </p:cNvSpPr>
+          <p:nvPr>
+            <p:ph sz="half" idx="1"/>
+          </p:nvPr>
+        </p:nvSpPr>
+        <p:spPr>
+          <a:xfrm>
+            <a:off x="855008" y="1861968"/>
+            <a:ext cx="5285502" cy="4437962"/>
+          </a:xfrm>
+        </p:spPr>
+        <p:txBody>
+          <a:bodyPr/>
+          <a:lstStyle/>
+          <a:p>
+            <a:pPr lvl="0"/>
+            <a:r>
+              <a:rPr lang="en-US"/>
+              <a:t>Edit Master text styles</a:t>
+            </a:r>
+          </a:p>
+          <a:p>
+            <a:pPr lvl="1"/>
+            <a:r>
+              <a:rPr lang="en-US"/>
+              <a:t>Second level</a:t>
+            </a:r>
+          </a:p>
+          <a:p>
+            <a:pPr lvl="2"/>
+            <a:r>
+              <a:rPr lang="en-US"/>
+              <a:t>Third level</a:t>
+            </a:r>
+          </a:p>
+          <a:p>
+            <a:pPr lvl="3"/>
+            <a:r>
+              <a:rPr lang="en-US"/>
+              <a:t>Fourth level</a:t>
+            </a:r>
+          </a:p>
+          <a:p>
+            <a:pPr lvl="4"/>
+            <a:r>
+              <a:rPr lang="en-US"/>
+              <a:t>Fifth level</a:t>
+            </a:r>
+          </a:p>
+        </p:txBody>
+      </p:sp>
+      <p:sp>
+        <p:nvSpPr>
+          <p:cNvPr id="4" name="Content Placeholder 3"/>
+          <p:cNvSpPr>
+            <a:spLocks noGrp="1"/>
+          </p:cNvSpPr>
+          <p:nvPr>
+            <p:ph sz="half" idx="2"/>
+          </p:nvPr>
+        </p:nvSpPr>
+        <p:spPr>
+          <a:xfrm>
+            <a:off x="6295965" y="1861968"/>
+            <a:ext cx="5285502" cy="4437962"/>
+          </a:xfrm>
+        </p:spPr>
+        <p:txBody>
+          <a:bodyPr/>
+          <a:lstStyle/>
+          <a:p>
+            <a:pPr lvl="0"/>
+            <a:r>
+              <a:rPr lang="en-US"/>
+              <a:t>Edit Master text styles</a:t>
+            </a:r>
+          </a:p>
+          <a:p>
+            <a:pPr lvl="1"/>
+            <a:r>
+              <a:rPr lang="en-US"/>
+              <a:t>Second level</a:t>
+            </a:r>
+          </a:p>
+          <a:p>
+            <a:pPr lvl="2"/>
+            <a:r>
+              <a:rPr lang="en-US"/>
+              <a:t>Third level</a:t>
+            </a:r>
+          </a:p>
+          <a:p>
+            <a:pPr lvl="3"/>
+            <a:r>
+              <a:rPr lang="en-US"/>
+              <a:t>Fourth level</a:t>
+            </a:r>
+          </a:p>
+          <a:p>
+            <a:pPr lvl="4"/>
+            <a:r>
+              <a:rPr lang="en-US"/>
+              <a:t>Fifth level</a:t>
+            </a:r>
+          </a:p>
+        </p:txBody>
+      </p:sp>
+      <p:sp>
+        <p:nvSpPr>
+          <p:cNvPr id="5" name="Date Placeholder 4"/>
+          <p:cNvSpPr>
+            <a:spLocks noGrp="1"/>
+          </p:cNvSpPr>
+          <p:nvPr>
+            <p:ph type="dt" sz="half" idx="10"/>
+          </p:nvPr>
+        </p:nvSpPr>
+        <p:spPr/>
+        <p:txBody>
+          <a:bodyPr/>
+          <a:lstStyle/>
+          <a:p>
+            <a:fld id="{4DD1ED23-FE81-4AAB-B7C1-89095D7BA553}" type="datetimeFigureOut">
+              <a:rPr lang="en-US" smtClean="0"/>
+              <a:t>4/19/2018</a:t>
+            </a:fld>
+            <a:endParaRPr lang="en-US"/>
+          </a:p>
+        </p:txBody>
+      </p:sp>
+      <p:sp>
+        <p:nvSpPr>
+          <p:cNvPr id="6" name="Footer Placeholder 5"/>
+          <p:cNvSpPr>
+            <a:spLocks noGrp="1"/>
+          </p:cNvSpPr>
+          <p:nvPr>
+            <p:ph type="ftr" sz="quarter" idx="11"/>
+          </p:nvPr>
+        </p:nvSpPr>
+        <p:spPr/>
+        <p:txBody>
+          <a:bodyPr/>
+          <a:lstStyle/>
+          <a:p>
+            <a:endParaRPr lang="en-US"/>
+          </a:p>
+        </p:txBody>
+      </p:sp>
+      <p:sp>
+        <p:nvSpPr>
+          <p:cNvPr id="7" name="Slide Number Placeholder 6"/>
+          <p:cNvSpPr>
+            <a:spLocks noGrp="1"/>
+          </p:cNvSpPr>
+          <p:nvPr>
+            <p:ph type="sldNum" sz="quarter" idx="12"/>
+          </p:nvPr>
+        </p:nvSpPr>
+        <p:spPr/>
+        <p:txBody>
+          <a:bodyPr/>
+          <a:lstStyle/>
+          <a:p>
+            <a:fld id="{78B218FF-0E51-44F8-97C5-A5732A82F0C8}" type="slidenum">
+              <a:rPr lang="en-US" smtClean="0"/>
+              <a:t>‹#›</a:t>
+            </a:fld>
+            <a:endParaRPr lang="en-US"/>
+          </a:p>
+        </p:txBody>
+      </p:sp>
+    </p:spTree>
+    <p:extLst>
+      <p:ext uri="{BB962C8B-B14F-4D97-AF65-F5344CB8AC3E}">
+        <p14:creationId xmlns:p14="http://schemas.microsoft.com/office/powerpoint/2010/main" val="3246010470"/>
+      </p:ext>
+    </p:extLst>
+  </p:cSld>
+  <p:clrMapOvr>
+    <a:masterClrMapping/>
+  </p:clrMapOvr>
+</p:sldLayout>
+</file>
+
+<file path=ppt/slideLayouts/slideLayout91.xml><?xml version="1.0" encoding="utf-8"?>
 <p:sldLayout xmlns:a="http://schemas.openxmlformats.org/drawingml/2006/main" xmlns:r="http://schemas.openxmlformats.org/officeDocument/2006/relationships" xmlns:p="http://schemas.openxmlformats.org/presentationml/2006/main" type="twoTxTwoObj" preserve="1">
   <p:cSld name="Comparison">
     <p:spTree>
@@ -29145,7 +30732,7 @@
           <a:p>
             <a:fld id="{4DD1ED23-FE81-4AAB-B7C1-89095D7BA553}" type="datetimeFigureOut">
               <a:rPr lang="en-US" smtClean="0"/>
-              <a:t>4/2/2018</a:t>
+              <a:t>4/19/2018</a:t>
             </a:fld>
             <a:endParaRPr lang="en-US"/>
           </a:p>
@@ -29206,7 +30793,7 @@
 </p:sldLayout>
 </file>
 
-<file path=ppt/slideLayouts/slideLayout91.xml><?xml version="1.0" encoding="utf-8"?>
+<file path=ppt/slideLayouts/slideLayout92.xml><?xml version="1.0" encoding="utf-8"?>
 <p:sldLayout xmlns:a="http://schemas.openxmlformats.org/drawingml/2006/main" xmlns:r="http://schemas.openxmlformats.org/officeDocument/2006/relationships" xmlns:p="http://schemas.openxmlformats.org/presentationml/2006/main" type="titleOnly" preserve="1">
   <p:cSld name="Title Only">
     <p:spTree>
@@ -29262,7 +30849,7 @@
           <a:p>
             <a:fld id="{4DD1ED23-FE81-4AAB-B7C1-89095D7BA553}" type="datetimeFigureOut">
               <a:rPr lang="en-US" smtClean="0"/>
-              <a:t>4/2/2018</a:t>
+              <a:t>4/19/2018</a:t>
             </a:fld>
             <a:endParaRPr lang="en-US"/>
           </a:p>
@@ -29323,7 +30910,7 @@
 </p:sldLayout>
 </file>
 
-<file path=ppt/slideLayouts/slideLayout92.xml><?xml version="1.0" encoding="utf-8"?>
+<file path=ppt/slideLayouts/slideLayout93.xml><?xml version="1.0" encoding="utf-8"?>
 <p:sldLayout xmlns:a="http://schemas.openxmlformats.org/drawingml/2006/main" xmlns:r="http://schemas.openxmlformats.org/officeDocument/2006/relationships" xmlns:p="http://schemas.openxmlformats.org/presentationml/2006/main" type="blank" preserve="1">
   <p:cSld name="Blank">
     <p:spTree>
@@ -29357,7 +30944,7 @@
           <a:p>
             <a:fld id="{4DD1ED23-FE81-4AAB-B7C1-89095D7BA553}" type="datetimeFigureOut">
               <a:rPr lang="en-US" smtClean="0"/>
-              <a:t>4/2/2018</a:t>
+              <a:t>4/19/2018</a:t>
             </a:fld>
             <a:endParaRPr lang="en-US"/>
           </a:p>
@@ -29418,7 +31005,7 @@
 </p:sldLayout>
 </file>
 
-<file path=ppt/slideLayouts/slideLayout93.xml><?xml version="1.0" encoding="utf-8"?>
+<file path=ppt/slideLayouts/slideLayout94.xml><?xml version="1.0" encoding="utf-8"?>
 <p:sldLayout xmlns:a="http://schemas.openxmlformats.org/drawingml/2006/main" xmlns:r="http://schemas.openxmlformats.org/officeDocument/2006/relationships" xmlns:p="http://schemas.openxmlformats.org/presentationml/2006/main" type="objTx" preserve="1">
   <p:cSld name="Content with Caption">
     <p:spTree>
@@ -29632,7 +31219,7 @@
           <a:p>
             <a:fld id="{4DD1ED23-FE81-4AAB-B7C1-89095D7BA553}" type="datetimeFigureOut">
               <a:rPr lang="en-US" smtClean="0"/>
-              <a:t>4/2/2018</a:t>
+              <a:t>4/19/2018</a:t>
             </a:fld>
             <a:endParaRPr lang="en-US"/>
           </a:p>
@@ -29693,7 +31280,7 @@
 </p:sldLayout>
 </file>
 
-<file path=ppt/slideLayouts/slideLayout94.xml><?xml version="1.0" encoding="utf-8"?>
+<file path=ppt/slideLayouts/slideLayout95.xml><?xml version="1.0" encoding="utf-8"?>
 <p:sldLayout xmlns:a="http://schemas.openxmlformats.org/drawingml/2006/main" xmlns:r="http://schemas.openxmlformats.org/officeDocument/2006/relationships" xmlns:p="http://schemas.openxmlformats.org/presentationml/2006/main" type="picTx" preserve="1">
   <p:cSld name="Picture with Caption">
     <p:spTree>
@@ -29884,7 +31471,7 @@
           <a:p>
             <a:fld id="{4DD1ED23-FE81-4AAB-B7C1-89095D7BA553}" type="datetimeFigureOut">
               <a:rPr lang="en-US" smtClean="0"/>
-              <a:t>4/2/2018</a:t>
+              <a:t>4/19/2018</a:t>
             </a:fld>
             <a:endParaRPr lang="en-US"/>
           </a:p>
@@ -29945,7 +31532,7 @@
 </p:sldLayout>
 </file>
 
-<file path=ppt/slideLayouts/slideLayout95.xml><?xml version="1.0" encoding="utf-8"?>
+<file path=ppt/slideLayouts/slideLayout96.xml><?xml version="1.0" encoding="utf-8"?>
 <p:sldLayout xmlns:a="http://schemas.openxmlformats.org/drawingml/2006/main" xmlns:r="http://schemas.openxmlformats.org/officeDocument/2006/relationships" xmlns:p="http://schemas.openxmlformats.org/presentationml/2006/main" type="vertTx" preserve="1">
   <p:cSld name="Title and Vertical Text">
     <p:spTree>
@@ -30052,7 +31639,7 @@
           <a:p>
             <a:fld id="{4DD1ED23-FE81-4AAB-B7C1-89095D7BA553}" type="datetimeFigureOut">
               <a:rPr lang="en-US" smtClean="0"/>
-              <a:t>4/2/2018</a:t>
+              <a:t>4/19/2018</a:t>
             </a:fld>
             <a:endParaRPr lang="en-US"/>
           </a:p>
@@ -30113,7 +31700,7 @@
 </p:sldLayout>
 </file>
 
-<file path=ppt/slideLayouts/slideLayout96.xml><?xml version="1.0" encoding="utf-8"?>
+<file path=ppt/slideLayouts/slideLayout97.xml><?xml version="1.0" encoding="utf-8"?>
 <p:sldLayout xmlns:a="http://schemas.openxmlformats.org/drawingml/2006/main" xmlns:r="http://schemas.openxmlformats.org/officeDocument/2006/relationships" xmlns:p="http://schemas.openxmlformats.org/presentationml/2006/main" type="vertTitleAndTx" preserve="1">
   <p:cSld name="Vertical Title and Text">
     <p:spTree>
@@ -30230,7 +31817,7 @@
           <a:p>
             <a:fld id="{4DD1ED23-FE81-4AAB-B7C1-89095D7BA553}" type="datetimeFigureOut">
               <a:rPr lang="en-US" smtClean="0"/>
-              <a:t>4/2/2018</a:t>
+              <a:t>4/19/2018</a:t>
             </a:fld>
             <a:endParaRPr lang="en-US"/>
           </a:p>
@@ -30291,7 +31878,7 @@
 </p:sldLayout>
 </file>
 
-<file path=ppt/slideLayouts/slideLayout97.xml><?xml version="1.0" encoding="utf-8"?>
+<file path=ppt/slideLayouts/slideLayout98.xml><?xml version="1.0" encoding="utf-8"?>
 <p:sldLayout xmlns:a="http://schemas.openxmlformats.org/drawingml/2006/main" xmlns:r="http://schemas.openxmlformats.org/officeDocument/2006/relationships" xmlns:p="http://schemas.openxmlformats.org/presentationml/2006/main" preserve="1">
   <p:cSld name="Walkin No tile">
     <p:bg>
@@ -30627,7 +32214,7 @@
 </p:sldLayout>
 </file>
 
-<file path=ppt/slideLayouts/slideLayout98.xml><?xml version="1.0" encoding="utf-8"?>
+<file path=ppt/slideLayouts/slideLayout99.xml><?xml version="1.0" encoding="utf-8"?>
 <p:sldLayout xmlns:a="http://schemas.openxmlformats.org/drawingml/2006/main" xmlns:r="http://schemas.openxmlformats.org/officeDocument/2006/relationships" xmlns:p="http://schemas.openxmlformats.org/presentationml/2006/main" preserve="1">
   <p:cSld name="1_Title Slide Photo_Option">
     <p:bg>
@@ -31027,225 +32614,6 @@
     </mc:Choice>
     <mc:Fallback xmlns="">
       <p:transition spd="med">
-        <p:fade/>
-      </p:transition>
-    </mc:Fallback>
-  </mc:AlternateContent>
-</p:sldLayout>
-</file>
-
-<file path=ppt/slideLayouts/slideLayout99.xml><?xml version="1.0" encoding="utf-8"?>
-<p:sldLayout xmlns:a="http://schemas.openxmlformats.org/drawingml/2006/main" xmlns:r="http://schemas.openxmlformats.org/officeDocument/2006/relationships" xmlns:p="http://schemas.openxmlformats.org/presentationml/2006/main" preserve="1">
-  <p:cSld name="Title Slide Light">
-    <p:bg bwMode="gray">
-      <p:bgRef idx="1001">
-        <a:schemeClr val="bg1"/>
-      </p:bgRef>
-    </p:bg>
-    <p:spTree>
-      <p:nvGrpSpPr>
-        <p:cNvPr id="1" name=""/>
-        <p:cNvGrpSpPr/>
-        <p:nvPr/>
-      </p:nvGrpSpPr>
-      <p:grpSpPr>
-        <a:xfrm>
-          <a:off x="0" y="0"/>
-          <a:ext cx="0" cy="0"/>
-          <a:chOff x="0" y="0"/>
-          <a:chExt cx="0" cy="0"/>
-        </a:xfrm>
-      </p:grpSpPr>
-      <p:sp>
-        <p:nvSpPr>
-          <p:cNvPr id="9" name="Title 1"/>
-          <p:cNvSpPr>
-            <a:spLocks noGrp="1"/>
-          </p:cNvSpPr>
-          <p:nvPr>
-            <p:ph type="title" hasCustomPrompt="1"/>
-          </p:nvPr>
-        </p:nvSpPr>
-        <p:spPr>
-          <a:xfrm>
-            <a:off x="274702" y="2125678"/>
-            <a:ext cx="9143936" cy="1828786"/>
-          </a:xfrm>
-          <a:noFill/>
-        </p:spPr>
-        <p:txBody>
-          <a:bodyPr lIns="146304" tIns="91440" rIns="146304" bIns="91440" anchor="t" anchorCtr="0"/>
-          <a:lstStyle>
-            <a:lvl1pPr>
-              <a:defRPr sz="5398" spc="-100" baseline="0">
-                <a:gradFill>
-                  <a:gsLst>
-                    <a:gs pos="100000">
-                      <a:schemeClr val="tx2"/>
-                    </a:gs>
-                    <a:gs pos="0">
-                      <a:schemeClr val="tx2"/>
-                    </a:gs>
-                  </a:gsLst>
-                  <a:lin ang="5400000" scaled="0"/>
-                </a:gradFill>
-              </a:defRPr>
-            </a:lvl1pPr>
-          </a:lstStyle>
-          <a:p>
-            <a:r>
-              <a:rPr lang="en-US" dirty="0"/>
-              <a:t>Presentation title</a:t>
-            </a:r>
-          </a:p>
-        </p:txBody>
-      </p:sp>
-      <p:sp>
-        <p:nvSpPr>
-          <p:cNvPr id="5" name="Text Placeholder 4"/>
-          <p:cNvSpPr>
-            <a:spLocks noGrp="1"/>
-          </p:cNvSpPr>
-          <p:nvPr>
-            <p:ph type="body" sz="quarter" idx="12" hasCustomPrompt="1"/>
-          </p:nvPr>
-        </p:nvSpPr>
-        <p:spPr>
-          <a:xfrm>
-            <a:off x="274703" y="3955786"/>
-            <a:ext cx="7315137" cy="1828007"/>
-          </a:xfrm>
-          <a:noFill/>
-        </p:spPr>
-        <p:txBody>
-          <a:bodyPr lIns="146304" tIns="109728" rIns="146304" bIns="109728">
-            <a:noAutofit/>
-          </a:bodyPr>
-          <a:lstStyle>
-            <a:lvl1pPr marL="0" indent="0">
-              <a:spcBef>
-                <a:spcPts val="0"/>
-              </a:spcBef>
-              <a:buNone/>
-              <a:defRPr sz="3198" spc="0" baseline="0">
-                <a:gradFill>
-                  <a:gsLst>
-                    <a:gs pos="91000">
-                      <a:schemeClr val="tx1"/>
-                    </a:gs>
-                    <a:gs pos="0">
-                      <a:schemeClr val="tx1"/>
-                    </a:gs>
-                  </a:gsLst>
-                  <a:lin ang="5400000" scaled="0"/>
-                </a:gradFill>
-                <a:latin typeface="+mj-lt"/>
-              </a:defRPr>
-            </a:lvl1pPr>
-          </a:lstStyle>
-          <a:p>
-            <a:pPr lvl="0"/>
-            <a:r>
-              <a:rPr lang="en-US" dirty="0"/>
-              <a:t>Speaker Name</a:t>
-            </a:r>
-          </a:p>
-        </p:txBody>
-      </p:sp>
-      <p:sp>
-        <p:nvSpPr>
-          <p:cNvPr id="7" name="Text Placeholder 14"/>
-          <p:cNvSpPr>
-            <a:spLocks noGrp="1"/>
-          </p:cNvSpPr>
-          <p:nvPr>
-            <p:ph type="body" sz="quarter" idx="15" hasCustomPrompt="1"/>
-          </p:nvPr>
-        </p:nvSpPr>
-        <p:spPr>
-          <a:xfrm>
-            <a:off x="9418638" y="296865"/>
-            <a:ext cx="2743200" cy="578303"/>
-          </a:xfrm>
-        </p:spPr>
-        <p:txBody>
-          <a:bodyPr lIns="182880" tIns="146304" rIns="182880" bIns="146304"/>
-          <a:lstStyle>
-            <a:lvl1pPr marL="0" indent="0" algn="r">
-              <a:buNone/>
-              <a:defRPr sz="2000">
-                <a:gradFill>
-                  <a:gsLst>
-                    <a:gs pos="0">
-                      <a:schemeClr val="tx1"/>
-                    </a:gs>
-                    <a:gs pos="100000">
-                      <a:schemeClr val="tx1"/>
-                    </a:gs>
-                  </a:gsLst>
-                  <a:lin ang="5400000" scaled="0"/>
-                </a:gradFill>
-                <a:latin typeface="+mn-lt"/>
-              </a:defRPr>
-            </a:lvl1pPr>
-          </a:lstStyle>
-          <a:p>
-            <a:pPr lvl="0"/>
-            <a:r>
-              <a:rPr lang="en-US" dirty="0"/>
-              <a:t>Session Code</a:t>
-            </a:r>
-          </a:p>
-        </p:txBody>
-      </p:sp>
-      <p:pic>
-        <p:nvPicPr>
-          <p:cNvPr id="8" name="Picture 7"/>
-          <p:cNvPicPr>
-            <a:picLocks noChangeAspect="1"/>
-          </p:cNvPicPr>
-          <p:nvPr userDrawn="1"/>
-        </p:nvPicPr>
-        <p:blipFill>
-          <a:blip r:embed="rId2">
-            <a:extLst>
-              <a:ext uri="{28A0092B-C50C-407E-A947-70E740481C1C}">
-                <a14:useLocalDpi xmlns:a14="http://schemas.microsoft.com/office/drawing/2010/main" val="0"/>
-              </a:ext>
-            </a:extLst>
-          </a:blip>
-          <a:stretch>
-            <a:fillRect/>
-          </a:stretch>
-        </p:blipFill>
-        <p:spPr>
-          <a:xfrm>
-            <a:off x="274638" y="95523"/>
-            <a:ext cx="952583" cy="845893"/>
-          </a:xfrm>
-          <a:prstGeom prst="rect">
-            <a:avLst/>
-          </a:prstGeom>
-        </p:spPr>
-      </p:pic>
-    </p:spTree>
-    <p:extLst>
-      <p:ext uri="{BB962C8B-B14F-4D97-AF65-F5344CB8AC3E}">
-        <p14:creationId xmlns:p14="http://schemas.microsoft.com/office/powerpoint/2010/main" val="742699749"/>
-      </p:ext>
-    </p:extLst>
-  </p:cSld>
-  <p:clrMapOvr>
-    <a:masterClrMapping/>
-  </p:clrMapOvr>
-  <mc:AlternateContent xmlns:mc="http://schemas.openxmlformats.org/markup-compatibility/2006" xmlns:p14="http://schemas.microsoft.com/office/powerpoint/2010/main">
-    <mc:Choice Requires="p14">
-      <p:transition spd="slow" p14:dur="3400">
-        <p14:reveal/>
-      </p:transition>
-    </mc:Choice>
-    <mc:Fallback xmlns="">
-      <p:transition spd="slow">
         <p:fade/>
       </p:transition>
     </mc:Fallback>
@@ -32689,6 +34057,7 @@
     <p:sldLayoutId id="2147484260" r:id="rId20"/>
     <p:sldLayoutId id="2147484299" r:id="rId21"/>
     <p:sldLayoutId id="2147484263" r:id="rId22"/>
+    <p:sldLayoutId id="2147484483" r:id="rId23"/>
   </p:sldLayoutIdLst>
   <p:transition>
     <p:fade/>
@@ -34548,6 +35917,36 @@
           </p:txBody>
         </p:sp>
       </p:grpSp>
+      <p:pic>
+        <p:nvPicPr>
+          <p:cNvPr id="17" name="Picture 16"/>
+          <p:cNvPicPr>
+            <a:picLocks noChangeAspect="1"/>
+          </p:cNvPicPr>
+          <p:nvPr userDrawn="1"/>
+        </p:nvPicPr>
+        <p:blipFill>
+          <a:blip r:embed="rId21">
+            <a:extLst>
+              <a:ext uri="{28A0092B-C50C-407E-A947-70E740481C1C}">
+                <a14:useLocalDpi xmlns:a14="http://schemas.microsoft.com/office/drawing/2010/main" val="0"/>
+              </a:ext>
+            </a:extLst>
+          </a:blip>
+          <a:stretch>
+            <a:fillRect/>
+          </a:stretch>
+        </p:blipFill>
+        <p:spPr>
+          <a:xfrm>
+            <a:off x="274701" y="5953766"/>
+            <a:ext cx="952583" cy="845893"/>
+          </a:xfrm>
+          <a:prstGeom prst="rect">
+            <a:avLst/>
+          </a:prstGeom>
+        </p:spPr>
+      </p:pic>
     </p:spTree>
     <p:extLst>
       <p:ext uri="{BB962C8B-B14F-4D97-AF65-F5344CB8AC3E}">
@@ -36472,6 +37871,36 @@
           </p:txBody>
         </p:sp>
       </p:grpSp>
+      <p:pic>
+        <p:nvPicPr>
+          <p:cNvPr id="17" name="Picture 16"/>
+          <p:cNvPicPr>
+            <a:picLocks noChangeAspect="1"/>
+          </p:cNvPicPr>
+          <p:nvPr userDrawn="1"/>
+        </p:nvPicPr>
+        <p:blipFill>
+          <a:blip r:embed="rId23">
+            <a:extLst>
+              <a:ext uri="{28A0092B-C50C-407E-A947-70E740481C1C}">
+                <a14:useLocalDpi xmlns:a14="http://schemas.microsoft.com/office/drawing/2010/main" val="0"/>
+              </a:ext>
+            </a:extLst>
+          </a:blip>
+          <a:stretch>
+            <a:fillRect/>
+          </a:stretch>
+        </p:blipFill>
+        <p:spPr>
+          <a:xfrm>
+            <a:off x="274701" y="5953766"/>
+            <a:ext cx="952583" cy="845893"/>
+          </a:xfrm>
+          <a:prstGeom prst="rect">
+            <a:avLst/>
+          </a:prstGeom>
+        </p:spPr>
+      </p:pic>
     </p:spTree>
     <p:extLst>
       <p:ext uri="{BB962C8B-B14F-4D97-AF65-F5344CB8AC3E}">
@@ -38400,6 +39829,36 @@
           </p:txBody>
         </p:sp>
       </p:grpSp>
+      <p:pic>
+        <p:nvPicPr>
+          <p:cNvPr id="17" name="Picture 16"/>
+          <p:cNvPicPr>
+            <a:picLocks noChangeAspect="1"/>
+          </p:cNvPicPr>
+          <p:nvPr userDrawn="1"/>
+        </p:nvPicPr>
+        <p:blipFill>
+          <a:blip r:embed="rId25">
+            <a:extLst>
+              <a:ext uri="{28A0092B-C50C-407E-A947-70E740481C1C}">
+                <a14:useLocalDpi xmlns:a14="http://schemas.microsoft.com/office/drawing/2010/main" val="0"/>
+              </a:ext>
+            </a:extLst>
+          </a:blip>
+          <a:stretch>
+            <a:fillRect/>
+          </a:stretch>
+        </p:blipFill>
+        <p:spPr>
+          <a:xfrm>
+            <a:off x="274701" y="5953766"/>
+            <a:ext cx="952583" cy="845893"/>
+          </a:xfrm>
+          <a:prstGeom prst="rect">
+            <a:avLst/>
+          </a:prstGeom>
+        </p:spPr>
+      </p:pic>
     </p:spTree>
     <p:extLst>
       <p:ext uri="{BB962C8B-B14F-4D97-AF65-F5344CB8AC3E}">
@@ -39075,7 +40534,7 @@
           <a:p>
             <a:fld id="{4DD1ED23-FE81-4AAB-B7C1-89095D7BA553}" type="datetimeFigureOut">
               <a:rPr lang="en-US" smtClean="0"/>
-              <a:t>4/2/2018</a:t>
+              <a:t>4/19/2018</a:t>
             </a:fld>
             <a:endParaRPr lang="en-US"/>
           </a:p>
@@ -39159,6 +40618,36 @@
           </a:p>
         </p:txBody>
       </p:sp>
+      <p:pic>
+        <p:nvPicPr>
+          <p:cNvPr id="7" name="Picture 6"/>
+          <p:cNvPicPr>
+            <a:picLocks noChangeAspect="1"/>
+          </p:cNvPicPr>
+          <p:nvPr userDrawn="1"/>
+        </p:nvPicPr>
+        <p:blipFill>
+          <a:blip r:embed="rId13">
+            <a:extLst>
+              <a:ext uri="{28A0092B-C50C-407E-A947-70E740481C1C}">
+                <a14:useLocalDpi xmlns:a14="http://schemas.microsoft.com/office/drawing/2010/main" val="0"/>
+              </a:ext>
+            </a:extLst>
+          </a:blip>
+          <a:stretch>
+            <a:fillRect/>
+          </a:stretch>
+        </p:blipFill>
+        <p:spPr>
+          <a:xfrm>
+            <a:off x="274701" y="5953766"/>
+            <a:ext cx="952583" cy="845893"/>
+          </a:xfrm>
+          <a:prstGeom prst="rect">
+            <a:avLst/>
+          </a:prstGeom>
+        </p:spPr>
+      </p:pic>
     </p:spTree>
     <p:extLst>
       <p:ext uri="{BB962C8B-B14F-4D97-AF65-F5344CB8AC3E}">
@@ -39598,6 +41087,36 @@
           <a:xfrm rot="5400000">
             <a:off x="9393899" y="3050515"/>
             <a:ext cx="6995160" cy="894134"/>
+          </a:xfrm>
+          <a:prstGeom prst="rect">
+            <a:avLst/>
+          </a:prstGeom>
+        </p:spPr>
+      </p:pic>
+      <p:pic>
+        <p:nvPicPr>
+          <p:cNvPr id="5" name="Picture 4"/>
+          <p:cNvPicPr>
+            <a:picLocks noChangeAspect="1"/>
+          </p:cNvPicPr>
+          <p:nvPr userDrawn="1"/>
+        </p:nvPicPr>
+        <p:blipFill>
+          <a:blip r:embed="rId29">
+            <a:extLst>
+              <a:ext uri="{28A0092B-C50C-407E-A947-70E740481C1C}">
+                <a14:useLocalDpi xmlns:a14="http://schemas.microsoft.com/office/drawing/2010/main" val="0"/>
+              </a:ext>
+            </a:extLst>
+          </a:blip>
+          <a:stretch>
+            <a:fillRect/>
+          </a:stretch>
+        </p:blipFill>
+        <p:spPr>
+          <a:xfrm>
+            <a:off x="274701" y="5953766"/>
+            <a:ext cx="952583" cy="845893"/>
           </a:xfrm>
           <a:prstGeom prst="rect">
             <a:avLst/>
@@ -41537,6 +43056,36 @@
           </p:txBody>
         </p:sp>
       </p:grpSp>
+      <p:pic>
+        <p:nvPicPr>
+          <p:cNvPr id="17" name="Picture 16"/>
+          <p:cNvPicPr>
+            <a:picLocks noChangeAspect="1"/>
+          </p:cNvPicPr>
+          <p:nvPr userDrawn="1"/>
+        </p:nvPicPr>
+        <p:blipFill>
+          <a:blip r:embed="rId24">
+            <a:extLst>
+              <a:ext uri="{28A0092B-C50C-407E-A947-70E740481C1C}">
+                <a14:useLocalDpi xmlns:a14="http://schemas.microsoft.com/office/drawing/2010/main" val="0"/>
+              </a:ext>
+            </a:extLst>
+          </a:blip>
+          <a:stretch>
+            <a:fillRect/>
+          </a:stretch>
+        </p:blipFill>
+        <p:spPr>
+          <a:xfrm>
+            <a:off x="274701" y="5953766"/>
+            <a:ext cx="952583" cy="845893"/>
+          </a:xfrm>
+          <a:prstGeom prst="rect">
+            <a:avLst/>
+          </a:prstGeom>
+        </p:spPr>
+      </p:pic>
     </p:spTree>
     <p:extLst>
       <p:ext uri="{BB962C8B-B14F-4D97-AF65-F5344CB8AC3E}">
@@ -43466,6 +45015,36 @@
           </p:txBody>
         </p:sp>
       </p:grpSp>
+      <p:pic>
+        <p:nvPicPr>
+          <p:cNvPr id="17" name="Picture 16"/>
+          <p:cNvPicPr>
+            <a:picLocks noChangeAspect="1"/>
+          </p:cNvPicPr>
+          <p:nvPr userDrawn="1"/>
+        </p:nvPicPr>
+        <p:blipFill>
+          <a:blip r:embed="rId32">
+            <a:extLst>
+              <a:ext uri="{28A0092B-C50C-407E-A947-70E740481C1C}">
+                <a14:useLocalDpi xmlns:a14="http://schemas.microsoft.com/office/drawing/2010/main" val="0"/>
+              </a:ext>
+            </a:extLst>
+          </a:blip>
+          <a:stretch>
+            <a:fillRect/>
+          </a:stretch>
+        </p:blipFill>
+        <p:spPr>
+          <a:xfrm>
+            <a:off x="274701" y="5953766"/>
+            <a:ext cx="952583" cy="845893"/>
+          </a:xfrm>
+          <a:prstGeom prst="rect">
+            <a:avLst/>
+          </a:prstGeom>
+        </p:spPr>
+      </p:pic>
     </p:spTree>
     <p:extLst>
       <p:ext uri="{BB962C8B-B14F-4D97-AF65-F5344CB8AC3E}">
@@ -43953,25 +45532,6 @@
           </a:p>
         </p:txBody>
       </p:sp>
-      <p:sp>
-        <p:nvSpPr>
-          <p:cNvPr id="4" name="Text Placeholder 3"/>
-          <p:cNvSpPr>
-            <a:spLocks noGrp="1"/>
-          </p:cNvSpPr>
-          <p:nvPr>
-            <p:ph type="body" sz="quarter" idx="13"/>
-          </p:nvPr>
-        </p:nvSpPr>
-        <p:spPr/>
-        <p:txBody>
-          <a:bodyPr/>
-          <a:lstStyle/>
-          <a:p>
-            <a:endParaRPr lang="en-IN"/>
-          </a:p>
-        </p:txBody>
-      </p:sp>
     </p:spTree>
     <p:extLst>
       <p:ext uri="{BB962C8B-B14F-4D97-AF65-F5344CB8AC3E}">
@@ -44016,6 +45576,210 @@
       </p:grpSpPr>
       <p:sp>
         <p:nvSpPr>
+          <p:cNvPr id="3" name="Content Placeholder 2">
+            <a:extLst>
+              <a:ext uri="{FF2B5EF4-FFF2-40B4-BE49-F238E27FC236}">
+                <a16:creationId xmlns:a16="http://schemas.microsoft.com/office/drawing/2014/main" id="{EE7C3FF7-2730-4A71-9D78-5FCEE41A5280}"/>
+              </a:ext>
+            </a:extLst>
+          </p:cNvPr>
+          <p:cNvSpPr>
+            <a:spLocks noGrp="1"/>
+          </p:cNvSpPr>
+          <p:nvPr>
+            <p:ph type="body" sz="quarter" idx="10"/>
+          </p:nvPr>
+        </p:nvSpPr>
+        <p:spPr>
+          <a:xfrm>
+            <a:off x="4793301" y="2048296"/>
+            <a:ext cx="7897967" cy="580223"/>
+          </a:xfrm>
+        </p:spPr>
+        <p:txBody>
+          <a:bodyPr/>
+          <a:lstStyle/>
+          <a:p>
+            <a:endParaRPr lang="en-US" dirty="0"/>
+          </a:p>
+        </p:txBody>
+      </p:sp>
+      <p:sp>
+        <p:nvSpPr>
+          <p:cNvPr id="2" name="Title 1">
+            <a:extLst>
+              <a:ext uri="{FF2B5EF4-FFF2-40B4-BE49-F238E27FC236}">
+                <a16:creationId xmlns:a16="http://schemas.microsoft.com/office/drawing/2014/main" id="{B0B5A614-8D2F-44EA-BA92-43CF4F36C444}"/>
+              </a:ext>
+            </a:extLst>
+          </p:cNvPr>
+          <p:cNvSpPr>
+            <a:spLocks noGrp="1"/>
+          </p:cNvSpPr>
+          <p:nvPr>
+            <p:ph type="title"/>
+          </p:nvPr>
+        </p:nvSpPr>
+        <p:spPr>
+          <a:xfrm>
+            <a:off x="1067792" y="2559639"/>
+            <a:ext cx="2256381" cy="1436703"/>
+          </a:xfrm>
+        </p:spPr>
+        <p:txBody>
+          <a:bodyPr/>
+          <a:lstStyle/>
+          <a:p>
+            <a:r>
+              <a:rPr lang="en-US" dirty="0"/>
+              <a:t>Agenda</a:t>
+            </a:r>
+          </a:p>
+        </p:txBody>
+      </p:sp>
+    </p:spTree>
+    <p:extLst>
+      <p:ext uri="{BB962C8B-B14F-4D97-AF65-F5344CB8AC3E}">
+        <p14:creationId xmlns:p14="http://schemas.microsoft.com/office/powerpoint/2010/main" val="3248062875"/>
+      </p:ext>
+    </p:extLst>
+  </p:cSld>
+  <p:clrMapOvr>
+    <a:masterClrMapping/>
+  </p:clrMapOvr>
+  <mc:AlternateContent xmlns:mc="http://schemas.openxmlformats.org/markup-compatibility/2006" xmlns:p14="http://schemas.microsoft.com/office/powerpoint/2010/main">
+    <mc:Choice Requires="p14">
+      <p:transition spd="med" p14:dur="700">
+        <p:fade/>
+      </p:transition>
+    </mc:Choice>
+    <mc:Fallback xmlns:a16="http://schemas.microsoft.com/office/drawing/2014/main" xmlns="">
+      <p:transition spd="med">
+        <p:fade/>
+      </p:transition>
+    </mc:Fallback>
+  </mc:AlternateContent>
+  <p:timing>
+    <p:tnLst>
+      <p:par>
+        <p:cTn id="1" dur="indefinite" restart="never" nodeType="tmRoot">
+          <p:childTnLst>
+            <p:seq concurrent="1" nextAc="seek">
+              <p:cTn id="2" dur="indefinite" nodeType="mainSeq">
+                <p:childTnLst>
+                  <p:par>
+                    <p:cTn id="3" fill="hold">
+                      <p:stCondLst>
+                        <p:cond delay="indefinite"/>
+                      </p:stCondLst>
+                      <p:childTnLst>
+                        <p:par>
+                          <p:cTn id="4" fill="hold">
+                            <p:stCondLst>
+                              <p:cond delay="0"/>
+                            </p:stCondLst>
+                            <p:childTnLst>
+                              <p:par>
+                                <p:cTn id="5" presetID="10" presetClass="entr" presetSubtype="0" fill="hold" grpId="0" nodeType="clickEffect" nodePh="1">
+                                  <p:stCondLst>
+                                    <p:cond delay="0"/>
+                                  </p:stCondLst>
+                                  <p:endCondLst>
+                                    <p:cond evt="begin" delay="0">
+                                      <p:tn val="5"/>
+                                    </p:cond>
+                                  </p:endCondLst>
+                                  <p:childTnLst>
+                                    <p:set>
+                                      <p:cBhvr>
+                                        <p:cTn id="6" dur="1" fill="hold">
+                                          <p:stCondLst>
+                                            <p:cond delay="0"/>
+                                          </p:stCondLst>
+                                        </p:cTn>
+                                        <p:tgtEl>
+                                          <p:spTgt spid="3">
+                                            <p:txEl>
+                                              <p:pRg st="0" end="0"/>
+                                            </p:txEl>
+                                          </p:spTgt>
+                                        </p:tgtEl>
+                                        <p:attrNameLst>
+                                          <p:attrName>style.visibility</p:attrName>
+                                        </p:attrNameLst>
+                                      </p:cBhvr>
+                                      <p:to>
+                                        <p:strVal val="visible"/>
+                                      </p:to>
+                                    </p:set>
+                                    <p:animEffect transition="in" filter="fade">
+                                      <p:cBhvr>
+                                        <p:cTn id="7" dur="500"/>
+                                        <p:tgtEl>
+                                          <p:spTgt spid="3">
+                                            <p:txEl>
+                                              <p:pRg st="0" end="0"/>
+                                            </p:txEl>
+                                          </p:spTgt>
+                                        </p:tgtEl>
+                                      </p:cBhvr>
+                                    </p:animEffect>
+                                  </p:childTnLst>
+                                </p:cTn>
+                              </p:par>
+                            </p:childTnLst>
+                          </p:cTn>
+                        </p:par>
+                      </p:childTnLst>
+                    </p:cTn>
+                  </p:par>
+                </p:childTnLst>
+              </p:cTn>
+              <p:prevCondLst>
+                <p:cond evt="onPrev" delay="0">
+                  <p:tgtEl>
+                    <p:sldTgt/>
+                  </p:tgtEl>
+                </p:cond>
+              </p:prevCondLst>
+              <p:nextCondLst>
+                <p:cond evt="onNext" delay="0">
+                  <p:tgtEl>
+                    <p:sldTgt/>
+                  </p:tgtEl>
+                </p:cond>
+              </p:nextCondLst>
+            </p:seq>
+          </p:childTnLst>
+        </p:cTn>
+      </p:par>
+    </p:tnLst>
+    <p:bldLst>
+      <p:bldP spid="3" grpId="0" uiExpand="1" build="p"/>
+    </p:bldLst>
+  </p:timing>
+</p:sld>
+</file>
+
+<file path=ppt/slides/slide3.xml><?xml version="1.0" encoding="utf-8"?>
+<p:sld xmlns:a="http://schemas.openxmlformats.org/drawingml/2006/main" xmlns:r="http://schemas.openxmlformats.org/officeDocument/2006/relationships" xmlns:p="http://schemas.openxmlformats.org/presentationml/2006/main">
+  <p:cSld>
+    <p:spTree>
+      <p:nvGrpSpPr>
+        <p:cNvPr id="1" name=""/>
+        <p:cNvGrpSpPr/>
+        <p:nvPr/>
+      </p:nvGrpSpPr>
+      <p:grpSpPr>
+        <a:xfrm>
+          <a:off x="0" y="0"/>
+          <a:ext cx="0" cy="0"/>
+          <a:chOff x="0" y="0"/>
+          <a:chExt cx="0" cy="0"/>
+        </a:xfrm>
+      </p:grpSpPr>
+      <p:sp>
+        <p:nvSpPr>
           <p:cNvPr id="2" name="Title 1"/>
           <p:cNvSpPr>
             <a:spLocks noGrp="1"/>
@@ -44029,7 +45793,746 @@
           <a:bodyPr/>
           <a:lstStyle/>
           <a:p>
-            <a:endParaRPr lang="en-IN"/>
+            <a:r>
+              <a:rPr lang="en-IN" dirty="0" smtClean="0"/>
+              <a:t>Other &lt;&lt;Similar Sessions &gt;&gt;</a:t>
+            </a:r>
+            <a:endParaRPr lang="en-IN" dirty="0"/>
+          </a:p>
+        </p:txBody>
+      </p:sp>
+      <p:sp>
+        <p:nvSpPr>
+          <p:cNvPr id="3" name="Text Placeholder 2"/>
+          <p:cNvSpPr>
+            <a:spLocks noGrp="1"/>
+          </p:cNvSpPr>
+          <p:nvPr>
+            <p:ph type="body" sz="quarter" idx="10"/>
+          </p:nvPr>
+        </p:nvSpPr>
+        <p:spPr>
+          <a:xfrm>
+            <a:off x="274638" y="1212850"/>
+            <a:ext cx="11887200" cy="1292662"/>
+          </a:xfrm>
+        </p:spPr>
+        <p:txBody>
+          <a:bodyPr/>
+          <a:lstStyle/>
+          <a:p>
+            <a:r>
+              <a:rPr lang="en-IN" dirty="0" smtClean="0"/>
+              <a:t>Only if we have similar tech sessions on other halls by other speakers</a:t>
+            </a:r>
+            <a:endParaRPr lang="en-IN" dirty="0"/>
+          </a:p>
+        </p:txBody>
+      </p:sp>
+    </p:spTree>
+    <p:extLst>
+      <p:ext uri="{BB962C8B-B14F-4D97-AF65-F5344CB8AC3E}">
+        <p14:creationId xmlns:p14="http://schemas.microsoft.com/office/powerpoint/2010/main" val="2467642337"/>
+      </p:ext>
+    </p:extLst>
+  </p:cSld>
+  <p:clrMapOvr>
+    <a:masterClrMapping/>
+  </p:clrMapOvr>
+  <p:transition>
+    <p:fade/>
+  </p:transition>
+</p:sld>
+</file>
+
+<file path=ppt/slides/slide4.xml><?xml version="1.0" encoding="utf-8"?>
+<p:sld xmlns:a="http://schemas.openxmlformats.org/drawingml/2006/main" xmlns:r="http://schemas.openxmlformats.org/officeDocument/2006/relationships" xmlns:p="http://schemas.openxmlformats.org/presentationml/2006/main">
+  <p:cSld>
+    <p:spTree>
+      <p:nvGrpSpPr>
+        <p:cNvPr id="1" name=""/>
+        <p:cNvGrpSpPr/>
+        <p:nvPr/>
+      </p:nvGrpSpPr>
+      <p:grpSpPr>
+        <a:xfrm>
+          <a:off x="0" y="0"/>
+          <a:ext cx="0" cy="0"/>
+          <a:chOff x="0" y="0"/>
+          <a:chExt cx="0" cy="0"/>
+        </a:xfrm>
+      </p:grpSpPr>
+      <p:pic>
+        <p:nvPicPr>
+          <p:cNvPr id="6" name="Picture 5"/>
+          <p:cNvPicPr>
+            <a:picLocks noChangeAspect="1"/>
+          </p:cNvPicPr>
+          <p:nvPr/>
+        </p:nvPicPr>
+        <p:blipFill>
+          <a:blip r:embed="rId2"/>
+          <a:stretch>
+            <a:fillRect/>
+          </a:stretch>
+        </p:blipFill>
+        <p:spPr>
+          <a:xfrm>
+            <a:off x="910943" y="832223"/>
+            <a:ext cx="10744763" cy="6162302"/>
+          </a:xfrm>
+          <a:prstGeom prst="rect">
+            <a:avLst/>
+          </a:prstGeom>
+        </p:spPr>
+      </p:pic>
+      <p:sp>
+        <p:nvSpPr>
+          <p:cNvPr id="2" name="Title 1">
+            <a:extLst>
+              <a:ext uri="{FF2B5EF4-FFF2-40B4-BE49-F238E27FC236}">
+                <a16:creationId xmlns:a16="http://schemas.microsoft.com/office/drawing/2014/main" id="{D4115A1E-C9C1-40DC-BD2F-DCAD40CFB0D4}"/>
+              </a:ext>
+            </a:extLst>
+          </p:cNvPr>
+          <p:cNvSpPr>
+            <a:spLocks noGrp="1"/>
+          </p:cNvSpPr>
+          <p:nvPr>
+            <p:ph type="title"/>
+          </p:nvPr>
+        </p:nvSpPr>
+        <p:spPr>
+          <a:xfrm>
+            <a:off x="0" y="0"/>
+            <a:ext cx="11889564" cy="917575"/>
+          </a:xfrm>
+        </p:spPr>
+        <p:txBody>
+          <a:bodyPr/>
+          <a:lstStyle/>
+          <a:p>
+            <a:r>
+              <a:rPr lang="en-US" dirty="0" smtClean="0"/>
+              <a:t>GAB 2018 Agenda</a:t>
+            </a:r>
+            <a:endParaRPr lang="en-US" dirty="0"/>
+          </a:p>
+        </p:txBody>
+      </p:sp>
+    </p:spTree>
+    <p:extLst>
+      <p:ext uri="{BB962C8B-B14F-4D97-AF65-F5344CB8AC3E}">
+        <p14:creationId xmlns:p14="http://schemas.microsoft.com/office/powerpoint/2010/main" val="4224530031"/>
+      </p:ext>
+    </p:extLst>
+  </p:cSld>
+  <p:clrMapOvr>
+    <a:masterClrMapping/>
+  </p:clrMapOvr>
+  <mc:AlternateContent xmlns:mc="http://schemas.openxmlformats.org/markup-compatibility/2006" xmlns:p14="http://schemas.microsoft.com/office/powerpoint/2010/main">
+    <mc:Choice Requires="p14">
+      <p:transition spd="med" p14:dur="700">
+        <p:fade/>
+      </p:transition>
+    </mc:Choice>
+    <mc:Fallback xmlns:a16="http://schemas.microsoft.com/office/drawing/2014/main" xmlns="">
+      <p:transition spd="med">
+        <p:fade/>
+      </p:transition>
+    </mc:Fallback>
+  </mc:AlternateContent>
+  <p:timing>
+    <p:tnLst>
+      <p:par>
+        <p:cTn id="1" dur="indefinite" restart="never" nodeType="tmRoot"/>
+      </p:par>
+    </p:tnLst>
+  </p:timing>
+</p:sld>
+</file>
+
+<file path=ppt/slides/slide5.xml><?xml version="1.0" encoding="utf-8"?>
+<p:sld xmlns:a="http://schemas.openxmlformats.org/drawingml/2006/main" xmlns:r="http://schemas.openxmlformats.org/officeDocument/2006/relationships" xmlns:p="http://schemas.openxmlformats.org/presentationml/2006/main">
+  <p:cSld>
+    <p:spTree>
+      <p:nvGrpSpPr>
+        <p:cNvPr id="1" name=""/>
+        <p:cNvGrpSpPr/>
+        <p:nvPr/>
+      </p:nvGrpSpPr>
+      <p:grpSpPr>
+        <a:xfrm>
+          <a:off x="0" y="0"/>
+          <a:ext cx="0" cy="0"/>
+          <a:chOff x="0" y="0"/>
+          <a:chExt cx="0" cy="0"/>
+        </a:xfrm>
+      </p:grpSpPr>
+      <p:sp>
+        <p:nvSpPr>
+          <p:cNvPr id="2" name="Title 1"/>
+          <p:cNvSpPr>
+            <a:spLocks noGrp="1"/>
+          </p:cNvSpPr>
+          <p:nvPr>
+            <p:ph type="title"/>
+          </p:nvPr>
+        </p:nvSpPr>
+        <p:spPr/>
+        <p:txBody>
+          <a:bodyPr/>
+          <a:lstStyle/>
+          <a:p>
+            <a:r>
+              <a:rPr lang="en-IN" dirty="0" smtClean="0"/>
+              <a:t>Our Supporters</a:t>
+            </a:r>
+            <a:endParaRPr lang="en-IN" dirty="0"/>
+          </a:p>
+        </p:txBody>
+      </p:sp>
+      <p:pic>
+        <p:nvPicPr>
+          <p:cNvPr id="2050" name="Picture 2" descr="Image result for nutanix"/>
+          <p:cNvPicPr>
+            <a:picLocks noChangeAspect="1" noChangeArrowheads="1"/>
+          </p:cNvPicPr>
+          <p:nvPr/>
+        </p:nvPicPr>
+        <p:blipFill>
+          <a:blip r:embed="rId2">
+            <a:extLst>
+              <a:ext uri="{28A0092B-C50C-407E-A947-70E740481C1C}">
+                <a14:useLocalDpi xmlns:a14="http://schemas.microsoft.com/office/drawing/2010/main" val="0"/>
+              </a:ext>
+            </a:extLst>
+          </a:blip>
+          <a:srcRect/>
+          <a:stretch>
+            <a:fillRect/>
+          </a:stretch>
+        </p:blipFill>
+        <p:spPr bwMode="auto">
+          <a:xfrm>
+            <a:off x="7276885" y="3989764"/>
+            <a:ext cx="4264025" cy="523269"/>
+          </a:xfrm>
+          <a:prstGeom prst="rect">
+            <a:avLst/>
+          </a:prstGeom>
+          <a:noFill/>
+          <a:extLst>
+            <a:ext uri="{909E8E84-426E-40DD-AFC4-6F175D3DCCD1}">
+              <a14:hiddenFill xmlns:a14="http://schemas.microsoft.com/office/drawing/2010/main">
+                <a:solidFill>
+                  <a:srgbClr val="FFFFFF"/>
+                </a:solidFill>
+              </a14:hiddenFill>
+            </a:ext>
+          </a:extLst>
+        </p:spPr>
+      </p:pic>
+      <p:pic>
+        <p:nvPicPr>
+          <p:cNvPr id="2052" name="Picture 4" descr="Image result for qubole"/>
+          <p:cNvPicPr>
+            <a:picLocks noChangeAspect="1" noChangeArrowheads="1"/>
+          </p:cNvPicPr>
+          <p:nvPr/>
+        </p:nvPicPr>
+        <p:blipFill>
+          <a:blip r:embed="rId3">
+            <a:extLst>
+              <a:ext uri="{28A0092B-C50C-407E-A947-70E740481C1C}">
+                <a14:useLocalDpi xmlns:a14="http://schemas.microsoft.com/office/drawing/2010/main" val="0"/>
+              </a:ext>
+            </a:extLst>
+          </a:blip>
+          <a:srcRect/>
+          <a:stretch>
+            <a:fillRect/>
+          </a:stretch>
+        </p:blipFill>
+        <p:spPr bwMode="auto">
+          <a:xfrm>
+            <a:off x="5207635" y="5264777"/>
+            <a:ext cx="2857500" cy="1533526"/>
+          </a:xfrm>
+          <a:prstGeom prst="rect">
+            <a:avLst/>
+          </a:prstGeom>
+          <a:noFill/>
+          <a:extLst>
+            <a:ext uri="{909E8E84-426E-40DD-AFC4-6F175D3DCCD1}">
+              <a14:hiddenFill xmlns:a14="http://schemas.microsoft.com/office/drawing/2010/main">
+                <a:solidFill>
+                  <a:srgbClr val="FFFFFF"/>
+                </a:solidFill>
+              </a14:hiddenFill>
+            </a:ext>
+          </a:extLst>
+        </p:spPr>
+      </p:pic>
+      <p:pic>
+        <p:nvPicPr>
+          <p:cNvPr id="5" name="Picture 4"/>
+          <p:cNvPicPr>
+            <a:picLocks noChangeAspect="1"/>
+          </p:cNvPicPr>
+          <p:nvPr/>
+        </p:nvPicPr>
+        <p:blipFill>
+          <a:blip r:embed="rId4">
+            <a:extLst>
+              <a:ext uri="{28A0092B-C50C-407E-A947-70E740481C1C}">
+                <a14:useLocalDpi xmlns:a14="http://schemas.microsoft.com/office/drawing/2010/main" val="0"/>
+              </a:ext>
+            </a:extLst>
+          </a:blip>
+          <a:stretch>
+            <a:fillRect/>
+          </a:stretch>
+        </p:blipFill>
+        <p:spPr>
+          <a:xfrm>
+            <a:off x="3897202" y="1626701"/>
+            <a:ext cx="4053633" cy="1611319"/>
+          </a:xfrm>
+          <a:prstGeom prst="rect">
+            <a:avLst/>
+          </a:prstGeom>
+        </p:spPr>
+      </p:pic>
+      <p:pic>
+        <p:nvPicPr>
+          <p:cNvPr id="6" name="Picture 5"/>
+          <p:cNvPicPr>
+            <a:picLocks noChangeAspect="1"/>
+          </p:cNvPicPr>
+          <p:nvPr/>
+        </p:nvPicPr>
+        <p:blipFill>
+          <a:blip r:embed="rId5">
+            <a:extLst>
+              <a:ext uri="{28A0092B-C50C-407E-A947-70E740481C1C}">
+                <a14:useLocalDpi xmlns:a14="http://schemas.microsoft.com/office/drawing/2010/main" val="0"/>
+              </a:ext>
+            </a:extLst>
+          </a:blip>
+          <a:stretch>
+            <a:fillRect/>
+          </a:stretch>
+        </p:blipFill>
+        <p:spPr>
+          <a:xfrm>
+            <a:off x="711200" y="3743010"/>
+            <a:ext cx="4755541" cy="1016778"/>
+          </a:xfrm>
+          <a:prstGeom prst="rect">
+            <a:avLst/>
+          </a:prstGeom>
+        </p:spPr>
+      </p:pic>
+    </p:spTree>
+    <p:extLst>
+      <p:ext uri="{BB962C8B-B14F-4D97-AF65-F5344CB8AC3E}">
+        <p14:creationId xmlns:p14="http://schemas.microsoft.com/office/powerpoint/2010/main" val="1259833055"/>
+      </p:ext>
+    </p:extLst>
+  </p:cSld>
+  <p:clrMapOvr>
+    <a:masterClrMapping/>
+  </p:clrMapOvr>
+  <p:transition>
+    <p:fade/>
+  </p:transition>
+</p:sld>
+</file>
+
+<file path=ppt/slides/slide6.xml><?xml version="1.0" encoding="utf-8"?>
+<p:sld xmlns:a="http://schemas.openxmlformats.org/drawingml/2006/main" xmlns:r="http://schemas.openxmlformats.org/officeDocument/2006/relationships" xmlns:p="http://schemas.openxmlformats.org/presentationml/2006/main">
+  <p:cSld>
+    <p:spTree>
+      <p:nvGrpSpPr>
+        <p:cNvPr id="1" name=""/>
+        <p:cNvGrpSpPr/>
+        <p:nvPr/>
+      </p:nvGrpSpPr>
+      <p:grpSpPr>
+        <a:xfrm>
+          <a:off x="0" y="0"/>
+          <a:ext cx="0" cy="0"/>
+          <a:chOff x="0" y="0"/>
+          <a:chExt cx="0" cy="0"/>
+        </a:xfrm>
+      </p:grpSpPr>
+      <p:sp>
+        <p:nvSpPr>
+          <p:cNvPr id="2" name="Title 1"/>
+          <p:cNvSpPr>
+            <a:spLocks noGrp="1"/>
+          </p:cNvSpPr>
+          <p:nvPr>
+            <p:ph type="title"/>
+          </p:nvPr>
+        </p:nvSpPr>
+        <p:spPr/>
+        <p:txBody>
+          <a:bodyPr/>
+          <a:lstStyle/>
+          <a:p>
+            <a:r>
+              <a:rPr lang="en-IN" dirty="0" smtClean="0"/>
+              <a:t>Collaborating Communities </a:t>
+            </a:r>
+            <a:endParaRPr lang="en-IN" dirty="0"/>
+          </a:p>
+        </p:txBody>
+      </p:sp>
+      <p:pic>
+        <p:nvPicPr>
+          <p:cNvPr id="3" name="Picture 2"/>
+          <p:cNvPicPr>
+            <a:picLocks noChangeAspect="1"/>
+          </p:cNvPicPr>
+          <p:nvPr/>
+        </p:nvPicPr>
+        <p:blipFill>
+          <a:blip r:embed="rId2">
+            <a:extLst>
+              <a:ext uri="{28A0092B-C50C-407E-A947-70E740481C1C}">
+                <a14:useLocalDpi xmlns:a14="http://schemas.microsoft.com/office/drawing/2010/main" val="0"/>
+              </a:ext>
+            </a:extLst>
+          </a:blip>
+          <a:stretch>
+            <a:fillRect/>
+          </a:stretch>
+        </p:blipFill>
+        <p:spPr>
+          <a:xfrm>
+            <a:off x="7010584" y="3754391"/>
+            <a:ext cx="1283251" cy="1283251"/>
+          </a:xfrm>
+          <a:prstGeom prst="rect">
+            <a:avLst/>
+          </a:prstGeom>
+        </p:spPr>
+      </p:pic>
+      <p:pic>
+        <p:nvPicPr>
+          <p:cNvPr id="4" name="Picture 3"/>
+          <p:cNvPicPr>
+            <a:picLocks noChangeAspect="1"/>
+          </p:cNvPicPr>
+          <p:nvPr/>
+        </p:nvPicPr>
+        <p:blipFill>
+          <a:blip r:embed="rId3">
+            <a:extLst>
+              <a:ext uri="{28A0092B-C50C-407E-A947-70E740481C1C}">
+                <a14:useLocalDpi xmlns:a14="http://schemas.microsoft.com/office/drawing/2010/main" val="0"/>
+              </a:ext>
+            </a:extLst>
+          </a:blip>
+          <a:stretch>
+            <a:fillRect/>
+          </a:stretch>
+        </p:blipFill>
+        <p:spPr>
+          <a:xfrm>
+            <a:off x="1429441" y="1970111"/>
+            <a:ext cx="3701359" cy="1427850"/>
+          </a:xfrm>
+          <a:prstGeom prst="rect">
+            <a:avLst/>
+          </a:prstGeom>
+        </p:spPr>
+      </p:pic>
+      <p:pic>
+        <p:nvPicPr>
+          <p:cNvPr id="7" name="Picture 6"/>
+          <p:cNvPicPr>
+            <a:picLocks noChangeAspect="1"/>
+          </p:cNvPicPr>
+          <p:nvPr/>
+        </p:nvPicPr>
+        <p:blipFill>
+          <a:blip r:embed="rId4">
+            <a:extLst>
+              <a:ext uri="{28A0092B-C50C-407E-A947-70E740481C1C}">
+                <a14:useLocalDpi xmlns:a14="http://schemas.microsoft.com/office/drawing/2010/main" val="0"/>
+              </a:ext>
+            </a:extLst>
+          </a:blip>
+          <a:stretch>
+            <a:fillRect/>
+          </a:stretch>
+        </p:blipFill>
+        <p:spPr>
+          <a:xfrm>
+            <a:off x="7010584" y="1948508"/>
+            <a:ext cx="3271335" cy="1449453"/>
+          </a:xfrm>
+          <a:prstGeom prst="rect">
+            <a:avLst/>
+          </a:prstGeom>
+        </p:spPr>
+      </p:pic>
+      <p:pic>
+        <p:nvPicPr>
+          <p:cNvPr id="8" name="Picture 7"/>
+          <p:cNvPicPr>
+            <a:picLocks noChangeAspect="1"/>
+          </p:cNvPicPr>
+          <p:nvPr/>
+        </p:nvPicPr>
+        <p:blipFill>
+          <a:blip r:embed="rId5">
+            <a:extLst>
+              <a:ext uri="{28A0092B-C50C-407E-A947-70E740481C1C}">
+                <a14:useLocalDpi xmlns:a14="http://schemas.microsoft.com/office/drawing/2010/main" val="0"/>
+              </a:ext>
+            </a:extLst>
+          </a:blip>
+          <a:stretch>
+            <a:fillRect/>
+          </a:stretch>
+        </p:blipFill>
+        <p:spPr>
+          <a:xfrm>
+            <a:off x="1465325" y="3754391"/>
+            <a:ext cx="4107759" cy="1286268"/>
+          </a:xfrm>
+          <a:prstGeom prst="rect">
+            <a:avLst/>
+          </a:prstGeom>
+        </p:spPr>
+      </p:pic>
+      <p:pic>
+        <p:nvPicPr>
+          <p:cNvPr id="9" name="Picture 8"/>
+          <p:cNvPicPr>
+            <a:picLocks noChangeAspect="1"/>
+          </p:cNvPicPr>
+          <p:nvPr/>
+        </p:nvPicPr>
+        <p:blipFill>
+          <a:blip r:embed="rId6">
+            <a:extLst>
+              <a:ext uri="{28A0092B-C50C-407E-A947-70E740481C1C}">
+                <a14:useLocalDpi xmlns:a14="http://schemas.microsoft.com/office/drawing/2010/main" val="0"/>
+              </a:ext>
+            </a:extLst>
+          </a:blip>
+          <a:stretch>
+            <a:fillRect/>
+          </a:stretch>
+        </p:blipFill>
+        <p:spPr>
+          <a:xfrm>
+            <a:off x="5573084" y="5527777"/>
+            <a:ext cx="1292674" cy="1292674"/>
+          </a:xfrm>
+          <a:prstGeom prst="rect">
+            <a:avLst/>
+          </a:prstGeom>
+        </p:spPr>
+      </p:pic>
+      <p:sp>
+        <p:nvSpPr>
+          <p:cNvPr id="10" name="TextBox 9"/>
+          <p:cNvSpPr txBox="1"/>
+          <p:nvPr/>
+        </p:nvSpPr>
+        <p:spPr>
+          <a:xfrm>
+            <a:off x="8107680" y="3971284"/>
+            <a:ext cx="3703258" cy="849463"/>
+          </a:xfrm>
+          <a:prstGeom prst="rect">
+            <a:avLst/>
+          </a:prstGeom>
+          <a:noFill/>
+        </p:spPr>
+        <p:txBody>
+          <a:bodyPr wrap="none" lIns="182880" tIns="146304" rIns="182880" bIns="146304" rtlCol="0">
+            <a:spAutoFit/>
+          </a:bodyPr>
+          <a:lstStyle/>
+          <a:p>
+            <a:pPr>
+              <a:lnSpc>
+                <a:spcPct val="90000"/>
+              </a:lnSpc>
+              <a:spcAft>
+                <a:spcPts val="600"/>
+              </a:spcAft>
+            </a:pPr>
+            <a:r>
+              <a:rPr lang="en-IN" sz="4000" dirty="0" err="1" smtClean="0">
+                <a:gradFill>
+                  <a:gsLst>
+                    <a:gs pos="2917">
+                      <a:schemeClr val="tx1"/>
+                    </a:gs>
+                    <a:gs pos="30000">
+                      <a:schemeClr val="tx1"/>
+                    </a:gs>
+                  </a:gsLst>
+                  <a:lin ang="5400000" scaled="0"/>
+                </a:gradFill>
+              </a:rPr>
+              <a:t>aOS</a:t>
+            </a:r>
+            <a:r>
+              <a:rPr lang="en-IN" sz="4000" dirty="0" smtClean="0">
+                <a:gradFill>
+                  <a:gsLst>
+                    <a:gs pos="2917">
+                      <a:schemeClr val="tx1"/>
+                    </a:gs>
+                    <a:gs pos="30000">
+                      <a:schemeClr val="tx1"/>
+                    </a:gs>
+                  </a:gsLst>
+                  <a:lin ang="5400000" scaled="0"/>
+                </a:gradFill>
+              </a:rPr>
+              <a:t> Bangalore</a:t>
+            </a:r>
+            <a:endParaRPr lang="en-IN" sz="4000" dirty="0" smtClean="0">
+              <a:gradFill>
+                <a:gsLst>
+                  <a:gs pos="2917">
+                    <a:schemeClr val="tx1"/>
+                  </a:gs>
+                  <a:gs pos="30000">
+                    <a:schemeClr val="tx1"/>
+                  </a:gs>
+                </a:gsLst>
+                <a:lin ang="5400000" scaled="0"/>
+              </a:gradFill>
+            </a:endParaRPr>
+          </a:p>
+        </p:txBody>
+      </p:sp>
+      <p:sp>
+        <p:nvSpPr>
+          <p:cNvPr id="13" name="TextBox 12"/>
+          <p:cNvSpPr txBox="1"/>
+          <p:nvPr/>
+        </p:nvSpPr>
+        <p:spPr>
+          <a:xfrm>
+            <a:off x="6770950" y="5804782"/>
+            <a:ext cx="3045770" cy="738664"/>
+          </a:xfrm>
+          <a:prstGeom prst="rect">
+            <a:avLst/>
+          </a:prstGeom>
+          <a:noFill/>
+        </p:spPr>
+        <p:txBody>
+          <a:bodyPr wrap="none" lIns="182880" tIns="146304" rIns="182880" bIns="146304" rtlCol="0">
+            <a:spAutoFit/>
+          </a:bodyPr>
+          <a:lstStyle/>
+          <a:p>
+            <a:pPr>
+              <a:lnSpc>
+                <a:spcPct val="90000"/>
+              </a:lnSpc>
+              <a:spcAft>
+                <a:spcPts val="600"/>
+              </a:spcAft>
+            </a:pPr>
+            <a:r>
+              <a:rPr lang="en-IN" sz="3200" dirty="0" smtClean="0">
+                <a:gradFill>
+                  <a:gsLst>
+                    <a:gs pos="2917">
+                      <a:schemeClr val="tx1"/>
+                    </a:gs>
+                    <a:gs pos="30000">
+                      <a:schemeClr val="tx1"/>
+                    </a:gs>
+                  </a:gsLst>
+                  <a:lin ang="5400000" scaled="0"/>
+                </a:gradFill>
+              </a:rPr>
+              <a:t>OSS Bangalore</a:t>
+            </a:r>
+            <a:endParaRPr lang="en-IN" sz="3200" dirty="0" smtClean="0">
+              <a:gradFill>
+                <a:gsLst>
+                  <a:gs pos="2917">
+                    <a:schemeClr val="tx1"/>
+                  </a:gs>
+                  <a:gs pos="30000">
+                    <a:schemeClr val="tx1"/>
+                  </a:gs>
+                </a:gsLst>
+                <a:lin ang="5400000" scaled="0"/>
+              </a:gradFill>
+            </a:endParaRPr>
+          </a:p>
+        </p:txBody>
+      </p:sp>
+    </p:spTree>
+    <p:extLst>
+      <p:ext uri="{BB962C8B-B14F-4D97-AF65-F5344CB8AC3E}">
+        <p14:creationId xmlns:p14="http://schemas.microsoft.com/office/powerpoint/2010/main" val="3602969314"/>
+      </p:ext>
+    </p:extLst>
+  </p:cSld>
+  <p:clrMapOvr>
+    <a:masterClrMapping/>
+  </p:clrMapOvr>
+  <p:transition>
+    <p:fade/>
+  </p:transition>
+</p:sld>
+</file>
+
+<file path=ppt/slides/slide7.xml><?xml version="1.0" encoding="utf-8"?>
+<p:sld xmlns:a="http://schemas.openxmlformats.org/drawingml/2006/main" xmlns:r="http://schemas.openxmlformats.org/officeDocument/2006/relationships" xmlns:p="http://schemas.openxmlformats.org/presentationml/2006/main">
+  <p:cSld>
+    <p:spTree>
+      <p:nvGrpSpPr>
+        <p:cNvPr id="1" name=""/>
+        <p:cNvGrpSpPr/>
+        <p:nvPr/>
+      </p:nvGrpSpPr>
+      <p:grpSpPr>
+        <a:xfrm>
+          <a:off x="0" y="0"/>
+          <a:ext cx="0" cy="0"/>
+          <a:chOff x="0" y="0"/>
+          <a:chExt cx="0" cy="0"/>
+        </a:xfrm>
+      </p:grpSpPr>
+      <p:sp>
+        <p:nvSpPr>
+          <p:cNvPr id="2" name="Title 1"/>
+          <p:cNvSpPr>
+            <a:spLocks noGrp="1"/>
+          </p:cNvSpPr>
+          <p:nvPr>
+            <p:ph type="title"/>
+          </p:nvPr>
+        </p:nvSpPr>
+        <p:spPr/>
+        <p:txBody>
+          <a:bodyPr/>
+          <a:lstStyle/>
+          <a:p>
+            <a:r>
+              <a:rPr lang="en-IN" dirty="0" smtClean="0"/>
+              <a:t>Thanks</a:t>
+            </a:r>
+            <a:endParaRPr lang="en-IN" dirty="0"/>
           </a:p>
         </p:txBody>
       </p:sp>
@@ -44048,14 +46551,14 @@
           <a:bodyPr/>
           <a:lstStyle/>
           <a:p>
-            <a:endParaRPr lang="en-IN"/>
+            <a:endParaRPr lang="en-IN" dirty="0"/>
           </a:p>
         </p:txBody>
       </p:sp>
     </p:spTree>
     <p:extLst>
       <p:ext uri="{BB962C8B-B14F-4D97-AF65-F5344CB8AC3E}">
-        <p14:creationId xmlns:p14="http://schemas.microsoft.com/office/powerpoint/2010/main" val="890906767"/>
+        <p14:creationId xmlns:p14="http://schemas.microsoft.com/office/powerpoint/2010/main" val="1414575811"/>
       </p:ext>
     </p:extLst>
   </p:cSld>
@@ -46422,4 +48925,265 @@
     </a:ext>
   </a:extLst>
 </a:theme>
+</file>
+
+<file path=ppt/theme/theme9.xml><?xml version="1.0" encoding="utf-8"?>
+<a:theme xmlns:a="http://schemas.openxmlformats.org/drawingml/2006/main" name="Office Theme">
+  <a:themeElements>
+    <a:clrScheme name="Office">
+      <a:dk1>
+        <a:sysClr val="windowText" lastClr="000000"/>
+      </a:dk1>
+      <a:lt1>
+        <a:sysClr val="window" lastClr="FFFFFF"/>
+      </a:lt1>
+      <a:dk2>
+        <a:srgbClr val="44546A"/>
+      </a:dk2>
+      <a:lt2>
+        <a:srgbClr val="E7E6E6"/>
+      </a:lt2>
+      <a:accent1>
+        <a:srgbClr val="5B9BD5"/>
+      </a:accent1>
+      <a:accent2>
+        <a:srgbClr val="ED7D31"/>
+      </a:accent2>
+      <a:accent3>
+        <a:srgbClr val="A5A5A5"/>
+      </a:accent3>
+      <a:accent4>
+        <a:srgbClr val="FFC000"/>
+      </a:accent4>
+      <a:accent5>
+        <a:srgbClr val="4472C4"/>
+      </a:accent5>
+      <a:accent6>
+        <a:srgbClr val="70AD47"/>
+      </a:accent6>
+      <a:hlink>
+        <a:srgbClr val="0563C1"/>
+      </a:hlink>
+      <a:folHlink>
+        <a:srgbClr val="954F72"/>
+      </a:folHlink>
+    </a:clrScheme>
+    <a:fontScheme name="Office">
+      <a:majorFont>
+        <a:latin typeface="Calibri Light" panose="020F0302020204030204"/>
+        <a:ea typeface=""/>
+        <a:cs typeface=""/>
+        <a:font script="Jpan" typeface="游ゴシック Light"/>
+        <a:font script="Hang" typeface="맑은 고딕"/>
+        <a:font script="Hans" typeface="等线 Light"/>
+        <a:font script="Hant" typeface="新細明體"/>
+        <a:font script="Arab" typeface="Times New Roman"/>
+        <a:font script="Hebr" typeface="Times New Roman"/>
+        <a:font script="Thai" typeface="Angsana New"/>
+        <a:font script="Ethi" typeface="Nyala"/>
+        <a:font script="Beng" typeface="Vrinda"/>
+        <a:font script="Gujr" typeface="Shruti"/>
+        <a:font script="Khmr" typeface="MoolBoran"/>
+        <a:font script="Knda" typeface="Tunga"/>
+        <a:font script="Guru" typeface="Raavi"/>
+        <a:font script="Cans" typeface="Euphemia"/>
+        <a:font script="Cher" typeface="Plantagenet Cherokee"/>
+        <a:font script="Yiii" typeface="Microsoft Yi Baiti"/>
+        <a:font script="Tibt" typeface="Microsoft Himalaya"/>
+        <a:font script="Thaa" typeface="MV Boli"/>
+        <a:font script="Deva" typeface="Mangal"/>
+        <a:font script="Telu" typeface="Gautami"/>
+        <a:font script="Taml" typeface="Latha"/>
+        <a:font script="Syrc" typeface="Estrangelo Edessa"/>
+        <a:font script="Orya" typeface="Kalinga"/>
+        <a:font script="Mlym" typeface="Kartika"/>
+        <a:font script="Laoo" typeface="DokChampa"/>
+        <a:font script="Sinh" typeface="Iskoola Pota"/>
+        <a:font script="Mong" typeface="Mongolian Baiti"/>
+        <a:font script="Viet" typeface="Times New Roman"/>
+        <a:font script="Uigh" typeface="Microsoft Uighur"/>
+        <a:font script="Geor" typeface="Sylfaen"/>
+      </a:majorFont>
+      <a:minorFont>
+        <a:latin typeface="Calibri" panose="020F0502020204030204"/>
+        <a:ea typeface=""/>
+        <a:cs typeface=""/>
+        <a:font script="Jpan" typeface="游ゴシック"/>
+        <a:font script="Hang" typeface="맑은 고딕"/>
+        <a:font script="Hans" typeface="等线"/>
+        <a:font script="Hant" typeface="新細明體"/>
+        <a:font script="Arab" typeface="Arial"/>
+        <a:font script="Hebr" typeface="Arial"/>
+        <a:font script="Thai" typeface="Cordia New"/>
+        <a:font script="Ethi" typeface="Nyala"/>
+        <a:font script="Beng" typeface="Vrinda"/>
+        <a:font script="Gujr" typeface="Shruti"/>
+        <a:font script="Khmr" typeface="DaunPenh"/>
+        <a:font script="Knda" typeface="Tunga"/>
+        <a:font script="Guru" typeface="Raavi"/>
+        <a:font script="Cans" typeface="Euphemia"/>
+        <a:font script="Cher" typeface="Plantagenet Cherokee"/>
+        <a:font script="Yiii" typeface="Microsoft Yi Baiti"/>
+        <a:font script="Tibt" typeface="Microsoft Himalaya"/>
+        <a:font script="Thaa" typeface="MV Boli"/>
+        <a:font script="Deva" typeface="Mangal"/>
+        <a:font script="Telu" typeface="Gautami"/>
+        <a:font script="Taml" typeface="Latha"/>
+        <a:font script="Syrc" typeface="Estrangelo Edessa"/>
+        <a:font script="Orya" typeface="Kalinga"/>
+        <a:font script="Mlym" typeface="Kartika"/>
+        <a:font script="Laoo" typeface="DokChampa"/>
+        <a:font script="Sinh" typeface="Iskoola Pota"/>
+        <a:font script="Mong" typeface="Mongolian Baiti"/>
+        <a:font script="Viet" typeface="Arial"/>
+        <a:font script="Uigh" typeface="Microsoft Uighur"/>
+        <a:font script="Geor" typeface="Sylfaen"/>
+      </a:minorFont>
+    </a:fontScheme>
+    <a:fmtScheme name="Office">
+      <a:fillStyleLst>
+        <a:solidFill>
+          <a:schemeClr val="phClr"/>
+        </a:solidFill>
+        <a:gradFill rotWithShape="1">
+          <a:gsLst>
+            <a:gs pos="0">
+              <a:schemeClr val="phClr">
+                <a:lumMod val="110000"/>
+                <a:satMod val="105000"/>
+                <a:tint val="67000"/>
+              </a:schemeClr>
+            </a:gs>
+            <a:gs pos="50000">
+              <a:schemeClr val="phClr">
+                <a:lumMod val="105000"/>
+                <a:satMod val="103000"/>
+                <a:tint val="73000"/>
+              </a:schemeClr>
+            </a:gs>
+            <a:gs pos="100000">
+              <a:schemeClr val="phClr">
+                <a:lumMod val="105000"/>
+                <a:satMod val="109000"/>
+                <a:tint val="81000"/>
+              </a:schemeClr>
+            </a:gs>
+          </a:gsLst>
+          <a:lin ang="5400000" scaled="0"/>
+        </a:gradFill>
+        <a:gradFill rotWithShape="1">
+          <a:gsLst>
+            <a:gs pos="0">
+              <a:schemeClr val="phClr">
+                <a:satMod val="103000"/>
+                <a:lumMod val="102000"/>
+                <a:tint val="94000"/>
+              </a:schemeClr>
+            </a:gs>
+            <a:gs pos="50000">
+              <a:schemeClr val="phClr">
+                <a:satMod val="110000"/>
+                <a:lumMod val="100000"/>
+                <a:shade val="100000"/>
+              </a:schemeClr>
+            </a:gs>
+            <a:gs pos="100000">
+              <a:schemeClr val="phClr">
+                <a:lumMod val="99000"/>
+                <a:satMod val="120000"/>
+                <a:shade val="78000"/>
+              </a:schemeClr>
+            </a:gs>
+          </a:gsLst>
+          <a:lin ang="5400000" scaled="0"/>
+        </a:gradFill>
+      </a:fillStyleLst>
+      <a:lnStyleLst>
+        <a:ln w="6350" cap="flat" cmpd="sng" algn="ctr">
+          <a:solidFill>
+            <a:schemeClr val="phClr"/>
+          </a:solidFill>
+          <a:prstDash val="solid"/>
+          <a:miter lim="800000"/>
+        </a:ln>
+        <a:ln w="12700" cap="flat" cmpd="sng" algn="ctr">
+          <a:solidFill>
+            <a:schemeClr val="phClr"/>
+          </a:solidFill>
+          <a:prstDash val="solid"/>
+          <a:miter lim="800000"/>
+        </a:ln>
+        <a:ln w="19050" cap="flat" cmpd="sng" algn="ctr">
+          <a:solidFill>
+            <a:schemeClr val="phClr"/>
+          </a:solidFill>
+          <a:prstDash val="solid"/>
+          <a:miter lim="800000"/>
+        </a:ln>
+      </a:lnStyleLst>
+      <a:effectStyleLst>
+        <a:effectStyle>
+          <a:effectLst/>
+        </a:effectStyle>
+        <a:effectStyle>
+          <a:effectLst/>
+        </a:effectStyle>
+        <a:effectStyle>
+          <a:effectLst>
+            <a:outerShdw blurRad="57150" dist="19050" dir="5400000" algn="ctr" rotWithShape="0">
+              <a:srgbClr val="000000">
+                <a:alpha val="63000"/>
+              </a:srgbClr>
+            </a:outerShdw>
+          </a:effectLst>
+        </a:effectStyle>
+      </a:effectStyleLst>
+      <a:bgFillStyleLst>
+        <a:solidFill>
+          <a:schemeClr val="phClr"/>
+        </a:solidFill>
+        <a:solidFill>
+          <a:schemeClr val="phClr">
+            <a:tint val="95000"/>
+            <a:satMod val="170000"/>
+          </a:schemeClr>
+        </a:solidFill>
+        <a:gradFill rotWithShape="1">
+          <a:gsLst>
+            <a:gs pos="0">
+              <a:schemeClr val="phClr">
+                <a:tint val="93000"/>
+                <a:satMod val="150000"/>
+                <a:shade val="98000"/>
+                <a:lumMod val="102000"/>
+              </a:schemeClr>
+            </a:gs>
+            <a:gs pos="50000">
+              <a:schemeClr val="phClr">
+                <a:tint val="98000"/>
+                <a:satMod val="130000"/>
+                <a:shade val="90000"/>
+                <a:lumMod val="103000"/>
+              </a:schemeClr>
+            </a:gs>
+            <a:gs pos="100000">
+              <a:schemeClr val="phClr">
+                <a:shade val="63000"/>
+                <a:satMod val="120000"/>
+              </a:schemeClr>
+            </a:gs>
+          </a:gsLst>
+          <a:lin ang="5400000" scaled="0"/>
+        </a:gradFill>
+      </a:bgFillStyleLst>
+    </a:fmtScheme>
+  </a:themeElements>
+  <a:objectDefaults/>
+  <a:extraClrSchemeLst/>
+  <a:extLst>
+    <a:ext uri="{05A4C25C-085E-4340-85A3-A5531E510DB2}">
+      <thm15:themeFamily xmlns:thm15="http://schemas.microsoft.com/office/thememl/2012/main" name="Office Theme" id="{62F939B6-93AF-4DB8-9C6B-D6C7DFDC589F}" vid="{4A3C46E8-61CC-4603-A589-7422A47A8E4A}"/>
+    </a:ext>
+  </a:extLst>
+</a:theme>
 </file>